--- a/Results/PhD-Results.pptx
+++ b/Results/PhD-Results.pptx
@@ -5,10 +5,10 @@
     <p:sldMasterId id="2147483648" r:id="rId1"/>
   </p:sldMasterIdLst>
   <p:notesMasterIdLst>
-    <p:notesMasterId r:id="rId30"/>
+    <p:notesMasterId r:id="rId32"/>
   </p:notesMasterIdLst>
   <p:handoutMasterIdLst>
-    <p:handoutMasterId r:id="rId31"/>
+    <p:handoutMasterId r:id="rId33"/>
   </p:handoutMasterIdLst>
   <p:sldIdLst>
     <p:sldId id="868" r:id="rId2"/>
@@ -26,19 +26,21 @@
     <p:sldId id="867" r:id="rId14"/>
     <p:sldId id="853" r:id="rId15"/>
     <p:sldId id="854" r:id="rId16"/>
-    <p:sldId id="855" r:id="rId17"/>
-    <p:sldId id="857" r:id="rId18"/>
-    <p:sldId id="856" r:id="rId19"/>
-    <p:sldId id="858" r:id="rId20"/>
-    <p:sldId id="859" r:id="rId21"/>
-    <p:sldId id="860" r:id="rId22"/>
-    <p:sldId id="861" r:id="rId23"/>
-    <p:sldId id="862" r:id="rId24"/>
-    <p:sldId id="863" r:id="rId25"/>
-    <p:sldId id="864" r:id="rId26"/>
-    <p:sldId id="865" r:id="rId27"/>
-    <p:sldId id="866" r:id="rId28"/>
-    <p:sldId id="592" r:id="rId29"/>
+    <p:sldId id="879" r:id="rId17"/>
+    <p:sldId id="880" r:id="rId18"/>
+    <p:sldId id="855" r:id="rId19"/>
+    <p:sldId id="857" r:id="rId20"/>
+    <p:sldId id="856" r:id="rId21"/>
+    <p:sldId id="858" r:id="rId22"/>
+    <p:sldId id="859" r:id="rId23"/>
+    <p:sldId id="860" r:id="rId24"/>
+    <p:sldId id="861" r:id="rId25"/>
+    <p:sldId id="862" r:id="rId26"/>
+    <p:sldId id="863" r:id="rId27"/>
+    <p:sldId id="864" r:id="rId28"/>
+    <p:sldId id="865" r:id="rId29"/>
+    <p:sldId id="866" r:id="rId30"/>
+    <p:sldId id="592" r:id="rId31"/>
   </p:sldIdLst>
   <p:sldSz cx="12192000" cy="6858000"/>
   <p:notesSz cx="6858000" cy="9144000"/>
@@ -157,6 +159,8 @@
             <p14:sldId id="867"/>
             <p14:sldId id="853"/>
             <p14:sldId id="854"/>
+            <p14:sldId id="879"/>
+            <p14:sldId id="880"/>
             <p14:sldId id="855"/>
             <p14:sldId id="857"/>
             <p14:sldId id="856"/>
@@ -1422,7 +1426,7 @@
     </p:spTree>
     <p:extLst>
       <p:ext uri="{BB962C8B-B14F-4D97-AF65-F5344CB8AC3E}">
-        <p14:creationId xmlns:p14="http://schemas.microsoft.com/office/powerpoint/2010/main" val="4125374407"/>
+        <p14:creationId xmlns:p14="http://schemas.microsoft.com/office/powerpoint/2010/main" val="1102662361"/>
       </p:ext>
     </p:extLst>
   </p:cSld>
@@ -1507,7 +1511,7 @@
     </p:spTree>
     <p:extLst>
       <p:ext uri="{BB962C8B-B14F-4D97-AF65-F5344CB8AC3E}">
-        <p14:creationId xmlns:p14="http://schemas.microsoft.com/office/powerpoint/2010/main" val="3622988359"/>
+        <p14:creationId xmlns:p14="http://schemas.microsoft.com/office/powerpoint/2010/main" val="2053924446"/>
       </p:ext>
     </p:extLst>
   </p:cSld>
@@ -1592,7 +1596,7 @@
     </p:spTree>
     <p:extLst>
       <p:ext uri="{BB962C8B-B14F-4D97-AF65-F5344CB8AC3E}">
-        <p14:creationId xmlns:p14="http://schemas.microsoft.com/office/powerpoint/2010/main" val="675826955"/>
+        <p14:creationId xmlns:p14="http://schemas.microsoft.com/office/powerpoint/2010/main" val="4125374407"/>
       </p:ext>
     </p:extLst>
   </p:cSld>
@@ -1677,7 +1681,7 @@
     </p:spTree>
     <p:extLst>
       <p:ext uri="{BB962C8B-B14F-4D97-AF65-F5344CB8AC3E}">
-        <p14:creationId xmlns:p14="http://schemas.microsoft.com/office/powerpoint/2010/main" val="1659332452"/>
+        <p14:creationId xmlns:p14="http://schemas.microsoft.com/office/powerpoint/2010/main" val="3622988359"/>
       </p:ext>
     </p:extLst>
   </p:cSld>
@@ -1847,7 +1851,7 @@
     </p:spTree>
     <p:extLst>
       <p:ext uri="{BB962C8B-B14F-4D97-AF65-F5344CB8AC3E}">
-        <p14:creationId xmlns:p14="http://schemas.microsoft.com/office/powerpoint/2010/main" val="982171833"/>
+        <p14:creationId xmlns:p14="http://schemas.microsoft.com/office/powerpoint/2010/main" val="675826955"/>
       </p:ext>
     </p:extLst>
   </p:cSld>
@@ -1932,7 +1936,7 @@
     </p:spTree>
     <p:extLst>
       <p:ext uri="{BB962C8B-B14F-4D97-AF65-F5344CB8AC3E}">
-        <p14:creationId xmlns:p14="http://schemas.microsoft.com/office/powerpoint/2010/main" val="3001039385"/>
+        <p14:creationId xmlns:p14="http://schemas.microsoft.com/office/powerpoint/2010/main" val="1659332452"/>
       </p:ext>
     </p:extLst>
   </p:cSld>
@@ -2017,7 +2021,7 @@
     </p:spTree>
     <p:extLst>
       <p:ext uri="{BB962C8B-B14F-4D97-AF65-F5344CB8AC3E}">
-        <p14:creationId xmlns:p14="http://schemas.microsoft.com/office/powerpoint/2010/main" val="3867602380"/>
+        <p14:creationId xmlns:p14="http://schemas.microsoft.com/office/powerpoint/2010/main" val="982171833"/>
       </p:ext>
     </p:extLst>
   </p:cSld>
@@ -2102,7 +2106,7 @@
     </p:spTree>
     <p:extLst>
       <p:ext uri="{BB962C8B-B14F-4D97-AF65-F5344CB8AC3E}">
-        <p14:creationId xmlns:p14="http://schemas.microsoft.com/office/powerpoint/2010/main" val="241380272"/>
+        <p14:creationId xmlns:p14="http://schemas.microsoft.com/office/powerpoint/2010/main" val="3001039385"/>
       </p:ext>
     </p:extLst>
   </p:cSld>
@@ -2187,7 +2191,7 @@
     </p:spTree>
     <p:extLst>
       <p:ext uri="{BB962C8B-B14F-4D97-AF65-F5344CB8AC3E}">
-        <p14:creationId xmlns:p14="http://schemas.microsoft.com/office/powerpoint/2010/main" val="3932332321"/>
+        <p14:creationId xmlns:p14="http://schemas.microsoft.com/office/powerpoint/2010/main" val="3867602380"/>
       </p:ext>
     </p:extLst>
   </p:cSld>
@@ -2272,7 +2276,7 @@
     </p:spTree>
     <p:extLst>
       <p:ext uri="{BB962C8B-B14F-4D97-AF65-F5344CB8AC3E}">
-        <p14:creationId xmlns:p14="http://schemas.microsoft.com/office/powerpoint/2010/main" val="2486513509"/>
+        <p14:creationId xmlns:p14="http://schemas.microsoft.com/office/powerpoint/2010/main" val="241380272"/>
       </p:ext>
     </p:extLst>
   </p:cSld>
@@ -2357,7 +2361,7 @@
     </p:spTree>
     <p:extLst>
       <p:ext uri="{BB962C8B-B14F-4D97-AF65-F5344CB8AC3E}">
-        <p14:creationId xmlns:p14="http://schemas.microsoft.com/office/powerpoint/2010/main" val="1492575674"/>
+        <p14:creationId xmlns:p14="http://schemas.microsoft.com/office/powerpoint/2010/main" val="3932332321"/>
       </p:ext>
     </p:extLst>
   </p:cSld>
@@ -2434,6 +2438,176 @@
             <a:fld id="{B8649DAF-093F-4482-AA38-346E9A2DEE94}" type="slidenum">
               <a:rPr lang="hu-HU" smtClean="0"/>
               <a:t>27</a:t>
+            </a:fld>
+            <a:endParaRPr lang="hu-HU" dirty="0"/>
+          </a:p>
+        </p:txBody>
+      </p:sp>
+    </p:spTree>
+    <p:extLst>
+      <p:ext uri="{BB962C8B-B14F-4D97-AF65-F5344CB8AC3E}">
+        <p14:creationId xmlns:p14="http://schemas.microsoft.com/office/powerpoint/2010/main" val="2486513509"/>
+      </p:ext>
+    </p:extLst>
+  </p:cSld>
+  <p:clrMapOvr>
+    <a:masterClrMapping/>
+  </p:clrMapOvr>
+</p:notes>
+</file>
+
+<file path=ppt/notesSlides/notesSlide28.xml><?xml version="1.0" encoding="utf-8"?>
+<p:notes xmlns:a="http://schemas.openxmlformats.org/drawingml/2006/main" xmlns:r="http://schemas.openxmlformats.org/officeDocument/2006/relationships" xmlns:p="http://schemas.openxmlformats.org/presentationml/2006/main">
+  <p:cSld>
+    <p:spTree>
+      <p:nvGrpSpPr>
+        <p:cNvPr id="1" name=""/>
+        <p:cNvGrpSpPr/>
+        <p:nvPr/>
+      </p:nvGrpSpPr>
+      <p:grpSpPr>
+        <a:xfrm>
+          <a:off x="0" y="0"/>
+          <a:ext cx="0" cy="0"/>
+          <a:chOff x="0" y="0"/>
+          <a:chExt cx="0" cy="0"/>
+        </a:xfrm>
+      </p:grpSpPr>
+      <p:sp>
+        <p:nvSpPr>
+          <p:cNvPr id="2" name="Diakép helye 1"/>
+          <p:cNvSpPr>
+            <a:spLocks noGrp="1" noRot="1" noChangeAspect="1"/>
+          </p:cNvSpPr>
+          <p:nvPr>
+            <p:ph type="sldImg"/>
+          </p:nvPr>
+        </p:nvSpPr>
+        <p:spPr/>
+      </p:sp>
+      <p:sp>
+        <p:nvSpPr>
+          <p:cNvPr id="3" name="Jegyzetek helye 2"/>
+          <p:cNvSpPr>
+            <a:spLocks noGrp="1"/>
+          </p:cNvSpPr>
+          <p:nvPr>
+            <p:ph type="body" idx="1"/>
+          </p:nvPr>
+        </p:nvSpPr>
+        <p:spPr/>
+        <p:txBody>
+          <a:bodyPr/>
+          <a:lstStyle/>
+          <a:p>
+            <a:endParaRPr lang="hu-HU" dirty="0"/>
+          </a:p>
+        </p:txBody>
+      </p:sp>
+      <p:sp>
+        <p:nvSpPr>
+          <p:cNvPr id="4" name="Dia számának helye 3"/>
+          <p:cNvSpPr>
+            <a:spLocks noGrp="1"/>
+          </p:cNvSpPr>
+          <p:nvPr>
+            <p:ph type="sldNum" sz="quarter" idx="10"/>
+          </p:nvPr>
+        </p:nvSpPr>
+        <p:spPr/>
+        <p:txBody>
+          <a:bodyPr/>
+          <a:lstStyle/>
+          <a:p>
+            <a:pPr rtl="0"/>
+            <a:fld id="{B8649DAF-093F-4482-AA38-346E9A2DEE94}" type="slidenum">
+              <a:rPr lang="hu-HU" smtClean="0"/>
+              <a:t>28</a:t>
+            </a:fld>
+            <a:endParaRPr lang="hu-HU" dirty="0"/>
+          </a:p>
+        </p:txBody>
+      </p:sp>
+    </p:spTree>
+    <p:extLst>
+      <p:ext uri="{BB962C8B-B14F-4D97-AF65-F5344CB8AC3E}">
+        <p14:creationId xmlns:p14="http://schemas.microsoft.com/office/powerpoint/2010/main" val="1492575674"/>
+      </p:ext>
+    </p:extLst>
+  </p:cSld>
+  <p:clrMapOvr>
+    <a:masterClrMapping/>
+  </p:clrMapOvr>
+</p:notes>
+</file>
+
+<file path=ppt/notesSlides/notesSlide29.xml><?xml version="1.0" encoding="utf-8"?>
+<p:notes xmlns:a="http://schemas.openxmlformats.org/drawingml/2006/main" xmlns:r="http://schemas.openxmlformats.org/officeDocument/2006/relationships" xmlns:p="http://schemas.openxmlformats.org/presentationml/2006/main">
+  <p:cSld>
+    <p:spTree>
+      <p:nvGrpSpPr>
+        <p:cNvPr id="1" name=""/>
+        <p:cNvGrpSpPr/>
+        <p:nvPr/>
+      </p:nvGrpSpPr>
+      <p:grpSpPr>
+        <a:xfrm>
+          <a:off x="0" y="0"/>
+          <a:ext cx="0" cy="0"/>
+          <a:chOff x="0" y="0"/>
+          <a:chExt cx="0" cy="0"/>
+        </a:xfrm>
+      </p:grpSpPr>
+      <p:sp>
+        <p:nvSpPr>
+          <p:cNvPr id="2" name="Diakép helye 1"/>
+          <p:cNvSpPr>
+            <a:spLocks noGrp="1" noRot="1" noChangeAspect="1"/>
+          </p:cNvSpPr>
+          <p:nvPr>
+            <p:ph type="sldImg"/>
+          </p:nvPr>
+        </p:nvSpPr>
+        <p:spPr/>
+      </p:sp>
+      <p:sp>
+        <p:nvSpPr>
+          <p:cNvPr id="3" name="Jegyzetek helye 2"/>
+          <p:cNvSpPr>
+            <a:spLocks noGrp="1"/>
+          </p:cNvSpPr>
+          <p:nvPr>
+            <p:ph type="body" idx="1"/>
+          </p:nvPr>
+        </p:nvSpPr>
+        <p:spPr/>
+        <p:txBody>
+          <a:bodyPr/>
+          <a:lstStyle/>
+          <a:p>
+            <a:endParaRPr lang="hu-HU" dirty="0"/>
+          </a:p>
+        </p:txBody>
+      </p:sp>
+      <p:sp>
+        <p:nvSpPr>
+          <p:cNvPr id="4" name="Dia számának helye 3"/>
+          <p:cNvSpPr>
+            <a:spLocks noGrp="1"/>
+          </p:cNvSpPr>
+          <p:nvPr>
+            <p:ph type="sldNum" sz="quarter" idx="10"/>
+          </p:nvPr>
+        </p:nvSpPr>
+        <p:spPr/>
+        <p:txBody>
+          <a:bodyPr/>
+          <a:lstStyle/>
+          <a:p>
+            <a:pPr rtl="0"/>
+            <a:fld id="{B8649DAF-093F-4482-AA38-346E9A2DEE94}" type="slidenum">
+              <a:rPr lang="hu-HU" smtClean="0"/>
+              <a:t>29</a:t>
             </a:fld>
             <a:endParaRPr lang="hu-HU" dirty="0"/>
           </a:p>
@@ -13729,6 +13903,1922 @@
       </p:pic>
       <p:sp>
         <p:nvSpPr>
+          <p:cNvPr id="21" name="Szöveg helye 14">
+            <a:extLst>
+              <a:ext uri="{FF2B5EF4-FFF2-40B4-BE49-F238E27FC236}">
+                <a16:creationId xmlns:a16="http://schemas.microsoft.com/office/drawing/2014/main" id="{920C72BD-0D36-4AEA-8F08-8B14DD2DECFF}"/>
+              </a:ext>
+            </a:extLst>
+          </p:cNvPr>
+          <p:cNvSpPr txBox="1">
+            <a:spLocks/>
+          </p:cNvSpPr>
+          <p:nvPr/>
+        </p:nvSpPr>
+        <p:spPr>
+          <a:xfrm>
+            <a:off x="541246" y="1512886"/>
+            <a:ext cx="4441571" cy="2199305"/>
+          </a:xfrm>
+          <a:prstGeom prst="rect">
+            <a:avLst/>
+          </a:prstGeom>
+          <a:noFill/>
+        </p:spPr>
+        <p:txBody>
+          <a:bodyPr vert="horz" lIns="108000" tIns="72000" rIns="72000" bIns="36000" rtlCol="0">
+            <a:noAutofit/>
+          </a:bodyPr>
+          <a:lstStyle>
+            <a:lvl1pPr marL="0" indent="0" algn="ctr" defTabSz="914400" rtl="0" eaLnBrk="1" latinLnBrk="0" hangingPunct="1">
+              <a:lnSpc>
+                <a:spcPct val="90000"/>
+              </a:lnSpc>
+              <a:spcBef>
+                <a:spcPts val="1000"/>
+              </a:spcBef>
+              <a:buFont typeface="Arial" panose="020B0604020202020204" pitchFamily="34" charset="0"/>
+              <a:buNone/>
+              <a:defRPr sz="1600" kern="1200">
+                <a:solidFill>
+                  <a:schemeClr val="tx1">
+                    <a:lumMod val="75000"/>
+                    <a:lumOff val="25000"/>
+                  </a:schemeClr>
+                </a:solidFill>
+                <a:latin typeface="+mn-lt"/>
+                <a:ea typeface="+mn-ea"/>
+                <a:cs typeface="+mn-cs"/>
+              </a:defRPr>
+            </a:lvl1pPr>
+            <a:lvl2pPr marL="542925" indent="-276225" algn="l" defTabSz="914400" rtl="0" eaLnBrk="1" latinLnBrk="0" hangingPunct="1">
+              <a:lnSpc>
+                <a:spcPct val="90000"/>
+              </a:lnSpc>
+              <a:spcBef>
+                <a:spcPts val="500"/>
+              </a:spcBef>
+              <a:buFont typeface="Arial" panose="020B0604020202020204" pitchFamily="34" charset="0"/>
+              <a:buChar char="•"/>
+              <a:defRPr sz="1600" kern="1200">
+                <a:solidFill>
+                  <a:schemeClr val="tx1">
+                    <a:lumMod val="75000"/>
+                    <a:lumOff val="25000"/>
+                  </a:schemeClr>
+                </a:solidFill>
+                <a:latin typeface="+mn-lt"/>
+                <a:ea typeface="+mn-ea"/>
+                <a:cs typeface="+mn-cs"/>
+              </a:defRPr>
+            </a:lvl2pPr>
+            <a:lvl3pPr marL="809625" indent="-266700" algn="l" defTabSz="914400" rtl="0" eaLnBrk="1" latinLnBrk="0" hangingPunct="1">
+              <a:lnSpc>
+                <a:spcPct val="90000"/>
+              </a:lnSpc>
+              <a:spcBef>
+                <a:spcPts val="500"/>
+              </a:spcBef>
+              <a:buFont typeface="Arial" panose="020B0604020202020204" pitchFamily="34" charset="0"/>
+              <a:buChar char="•"/>
+              <a:defRPr sz="1400" kern="1200">
+                <a:solidFill>
+                  <a:schemeClr val="tx1">
+                    <a:lumMod val="75000"/>
+                    <a:lumOff val="25000"/>
+                  </a:schemeClr>
+                </a:solidFill>
+                <a:latin typeface="+mn-lt"/>
+                <a:ea typeface="+mn-ea"/>
+                <a:cs typeface="+mn-cs"/>
+              </a:defRPr>
+            </a:lvl3pPr>
+            <a:lvl4pPr marL="1076325" indent="-266700" algn="l" defTabSz="914400" rtl="0" eaLnBrk="1" latinLnBrk="0" hangingPunct="1">
+              <a:lnSpc>
+                <a:spcPct val="90000"/>
+              </a:lnSpc>
+              <a:spcBef>
+                <a:spcPts val="500"/>
+              </a:spcBef>
+              <a:buFont typeface="Arial" panose="020B0604020202020204" pitchFamily="34" charset="0"/>
+              <a:buChar char="•"/>
+              <a:defRPr sz="1400" kern="1200">
+                <a:solidFill>
+                  <a:schemeClr val="tx1">
+                    <a:lumMod val="75000"/>
+                    <a:lumOff val="25000"/>
+                  </a:schemeClr>
+                </a:solidFill>
+                <a:latin typeface="+mn-lt"/>
+                <a:ea typeface="+mn-ea"/>
+                <a:cs typeface="+mn-cs"/>
+              </a:defRPr>
+            </a:lvl4pPr>
+            <a:lvl5pPr marL="1343025" indent="-266700" algn="l" defTabSz="914400" rtl="0" eaLnBrk="1" latinLnBrk="0" hangingPunct="1">
+              <a:lnSpc>
+                <a:spcPct val="90000"/>
+              </a:lnSpc>
+              <a:spcBef>
+                <a:spcPts val="500"/>
+              </a:spcBef>
+              <a:buFont typeface="Arial" panose="020B0604020202020204" pitchFamily="34" charset="0"/>
+              <a:buChar char="•"/>
+              <a:defRPr sz="1400" kern="1200">
+                <a:solidFill>
+                  <a:schemeClr val="tx1">
+                    <a:lumMod val="75000"/>
+                    <a:lumOff val="25000"/>
+                  </a:schemeClr>
+                </a:solidFill>
+                <a:latin typeface="+mn-lt"/>
+                <a:ea typeface="+mn-ea"/>
+                <a:cs typeface="+mn-cs"/>
+              </a:defRPr>
+            </a:lvl5pPr>
+            <a:lvl6pPr marL="2514600" indent="-228600" algn="l" defTabSz="914400" rtl="0" eaLnBrk="1" latinLnBrk="0" hangingPunct="1">
+              <a:lnSpc>
+                <a:spcPct val="90000"/>
+              </a:lnSpc>
+              <a:spcBef>
+                <a:spcPts val="500"/>
+              </a:spcBef>
+              <a:buFont typeface="Arial" panose="020B0604020202020204" pitchFamily="34" charset="0"/>
+              <a:buChar char="•"/>
+              <a:defRPr sz="1800" kern="1200">
+                <a:solidFill>
+                  <a:schemeClr val="tx1"/>
+                </a:solidFill>
+                <a:latin typeface="+mn-lt"/>
+                <a:ea typeface="+mn-ea"/>
+                <a:cs typeface="+mn-cs"/>
+              </a:defRPr>
+            </a:lvl6pPr>
+            <a:lvl7pPr marL="2971800" indent="-228600" algn="l" defTabSz="914400" rtl="0" eaLnBrk="1" latinLnBrk="0" hangingPunct="1">
+              <a:lnSpc>
+                <a:spcPct val="90000"/>
+              </a:lnSpc>
+              <a:spcBef>
+                <a:spcPts val="500"/>
+              </a:spcBef>
+              <a:buFont typeface="Arial" panose="020B0604020202020204" pitchFamily="34" charset="0"/>
+              <a:buChar char="•"/>
+              <a:defRPr sz="1800" kern="1200">
+                <a:solidFill>
+                  <a:schemeClr val="tx1"/>
+                </a:solidFill>
+                <a:latin typeface="+mn-lt"/>
+                <a:ea typeface="+mn-ea"/>
+                <a:cs typeface="+mn-cs"/>
+              </a:defRPr>
+            </a:lvl7pPr>
+            <a:lvl8pPr marL="3429000" indent="-228600" algn="l" defTabSz="914400" rtl="0" eaLnBrk="1" latinLnBrk="0" hangingPunct="1">
+              <a:lnSpc>
+                <a:spcPct val="90000"/>
+              </a:lnSpc>
+              <a:spcBef>
+                <a:spcPts val="500"/>
+              </a:spcBef>
+              <a:buFont typeface="Arial" panose="020B0604020202020204" pitchFamily="34" charset="0"/>
+              <a:buChar char="•"/>
+              <a:defRPr sz="1800" kern="1200">
+                <a:solidFill>
+                  <a:schemeClr val="tx1"/>
+                </a:solidFill>
+                <a:latin typeface="+mn-lt"/>
+                <a:ea typeface="+mn-ea"/>
+                <a:cs typeface="+mn-cs"/>
+              </a:defRPr>
+            </a:lvl8pPr>
+            <a:lvl9pPr marL="3886200" indent="-228600" algn="l" defTabSz="914400" rtl="0" eaLnBrk="1" latinLnBrk="0" hangingPunct="1">
+              <a:lnSpc>
+                <a:spcPct val="90000"/>
+              </a:lnSpc>
+              <a:spcBef>
+                <a:spcPts val="500"/>
+              </a:spcBef>
+              <a:buFont typeface="Arial" panose="020B0604020202020204" pitchFamily="34" charset="0"/>
+              <a:buChar char="•"/>
+              <a:defRPr sz="1800" kern="1200">
+                <a:solidFill>
+                  <a:schemeClr val="tx1"/>
+                </a:solidFill>
+                <a:latin typeface="+mn-lt"/>
+                <a:ea typeface="+mn-ea"/>
+                <a:cs typeface="+mn-cs"/>
+              </a:defRPr>
+            </a:lvl9pPr>
+          </a:lstStyle>
+          <a:p>
+            <a:pPr algn="l">
+              <a:lnSpc>
+                <a:spcPct val="100000"/>
+              </a:lnSpc>
+            </a:pPr>
+            <a:r>
+              <a:rPr lang="hu-HU" sz="4800" dirty="0">
+                <a:solidFill>
+                  <a:schemeClr val="bg1"/>
+                </a:solidFill>
+                <a:latin typeface="Georgia" panose="02040502050405020303" pitchFamily="18" charset="0"/>
+                <a:cs typeface="Arial" panose="020B0604020202020204" pitchFamily="34" charset="0"/>
+              </a:rPr>
+              <a:t>2. Megnézni</a:t>
+            </a:r>
+            <a:br>
+              <a:rPr lang="hu-HU" sz="4800" dirty="0">
+                <a:solidFill>
+                  <a:schemeClr val="bg1"/>
+                </a:solidFill>
+                <a:latin typeface="Georgia" panose="02040502050405020303" pitchFamily="18" charset="0"/>
+                <a:cs typeface="Arial" panose="020B0604020202020204" pitchFamily="34" charset="0"/>
+              </a:rPr>
+            </a:br>
+            <a:r>
+              <a:rPr lang="hu-HU" dirty="0">
+                <a:solidFill>
+                  <a:schemeClr val="bg1"/>
+                </a:solidFill>
+                <a:latin typeface="Arial" panose="020B0604020202020204" pitchFamily="34" charset="0"/>
+                <a:cs typeface="Arial" panose="020B0604020202020204" pitchFamily="34" charset="0"/>
+              </a:rPr>
+              <a:t>hogyha így tanítottam de utána kap egy olyan feltételt, hogy csak akkor hívja meg a mozgatást, ha (mondjuk kezd eltérni a célfüggvény értékétől) akkor hogy viselkedik.</a:t>
+            </a:r>
+            <a:br>
+              <a:rPr lang="hu-HU" dirty="0">
+                <a:solidFill>
+                  <a:schemeClr val="bg1"/>
+                </a:solidFill>
+                <a:latin typeface="Arial" panose="020B0604020202020204" pitchFamily="34" charset="0"/>
+                <a:cs typeface="Arial" panose="020B0604020202020204" pitchFamily="34" charset="0"/>
+              </a:rPr>
+            </a:br>
+            <a:endParaRPr lang="hu-HU" dirty="0">
+              <a:solidFill>
+                <a:schemeClr val="bg1"/>
+              </a:solidFill>
+              <a:latin typeface="Arial" panose="020B0604020202020204" pitchFamily="34" charset="0"/>
+              <a:cs typeface="Arial" panose="020B0604020202020204" pitchFamily="34" charset="0"/>
+            </a:endParaRPr>
+          </a:p>
+          <a:p>
+            <a:pPr algn="l">
+              <a:lnSpc>
+                <a:spcPct val="100000"/>
+              </a:lnSpc>
+            </a:pPr>
+            <a:endParaRPr lang="hu-HU" dirty="0">
+              <a:solidFill>
+                <a:schemeClr val="bg1"/>
+              </a:solidFill>
+              <a:latin typeface="Arial" panose="020B0604020202020204" pitchFamily="34" charset="0"/>
+              <a:cs typeface="Arial" panose="020B0604020202020204" pitchFamily="34" charset="0"/>
+            </a:endParaRPr>
+          </a:p>
+        </p:txBody>
+      </p:sp>
+      <p:sp>
+        <p:nvSpPr>
+          <p:cNvPr id="23" name="Szöveg helye 14">
+            <a:extLst>
+              <a:ext uri="{FF2B5EF4-FFF2-40B4-BE49-F238E27FC236}">
+                <a16:creationId xmlns:a16="http://schemas.microsoft.com/office/drawing/2014/main" id="{7E2FF05B-292A-450F-B394-DAB1DF3A53F5}"/>
+              </a:ext>
+            </a:extLst>
+          </p:cNvPr>
+          <p:cNvSpPr txBox="1">
+            <a:spLocks/>
+          </p:cNvSpPr>
+          <p:nvPr/>
+        </p:nvSpPr>
+        <p:spPr>
+          <a:xfrm>
+            <a:off x="7313106" y="1512886"/>
+            <a:ext cx="4441571" cy="1394087"/>
+          </a:xfrm>
+          <a:prstGeom prst="rect">
+            <a:avLst/>
+          </a:prstGeom>
+          <a:noFill/>
+        </p:spPr>
+        <p:txBody>
+          <a:bodyPr vert="horz" lIns="108000" tIns="72000" rIns="72000" bIns="36000" rtlCol="0">
+            <a:noAutofit/>
+          </a:bodyPr>
+          <a:lstStyle>
+            <a:lvl1pPr marL="0" indent="0" algn="ctr" defTabSz="914400" rtl="0" eaLnBrk="1" latinLnBrk="0" hangingPunct="1">
+              <a:lnSpc>
+                <a:spcPct val="90000"/>
+              </a:lnSpc>
+              <a:spcBef>
+                <a:spcPts val="1000"/>
+              </a:spcBef>
+              <a:buFont typeface="Arial" panose="020B0604020202020204" pitchFamily="34" charset="0"/>
+              <a:buNone/>
+              <a:defRPr sz="1600" kern="1200">
+                <a:solidFill>
+                  <a:schemeClr val="tx1">
+                    <a:lumMod val="75000"/>
+                    <a:lumOff val="25000"/>
+                  </a:schemeClr>
+                </a:solidFill>
+                <a:latin typeface="+mn-lt"/>
+                <a:ea typeface="+mn-ea"/>
+                <a:cs typeface="+mn-cs"/>
+              </a:defRPr>
+            </a:lvl1pPr>
+            <a:lvl2pPr marL="542925" indent="-276225" algn="l" defTabSz="914400" rtl="0" eaLnBrk="1" latinLnBrk="0" hangingPunct="1">
+              <a:lnSpc>
+                <a:spcPct val="90000"/>
+              </a:lnSpc>
+              <a:spcBef>
+                <a:spcPts val="500"/>
+              </a:spcBef>
+              <a:buFont typeface="Arial" panose="020B0604020202020204" pitchFamily="34" charset="0"/>
+              <a:buChar char="•"/>
+              <a:defRPr sz="1600" kern="1200">
+                <a:solidFill>
+                  <a:schemeClr val="tx1">
+                    <a:lumMod val="75000"/>
+                    <a:lumOff val="25000"/>
+                  </a:schemeClr>
+                </a:solidFill>
+                <a:latin typeface="+mn-lt"/>
+                <a:ea typeface="+mn-ea"/>
+                <a:cs typeface="+mn-cs"/>
+              </a:defRPr>
+            </a:lvl2pPr>
+            <a:lvl3pPr marL="809625" indent="-266700" algn="l" defTabSz="914400" rtl="0" eaLnBrk="1" latinLnBrk="0" hangingPunct="1">
+              <a:lnSpc>
+                <a:spcPct val="90000"/>
+              </a:lnSpc>
+              <a:spcBef>
+                <a:spcPts val="500"/>
+              </a:spcBef>
+              <a:buFont typeface="Arial" panose="020B0604020202020204" pitchFamily="34" charset="0"/>
+              <a:buChar char="•"/>
+              <a:defRPr sz="1400" kern="1200">
+                <a:solidFill>
+                  <a:schemeClr val="tx1">
+                    <a:lumMod val="75000"/>
+                    <a:lumOff val="25000"/>
+                  </a:schemeClr>
+                </a:solidFill>
+                <a:latin typeface="+mn-lt"/>
+                <a:ea typeface="+mn-ea"/>
+                <a:cs typeface="+mn-cs"/>
+              </a:defRPr>
+            </a:lvl3pPr>
+            <a:lvl4pPr marL="1076325" indent="-266700" algn="l" defTabSz="914400" rtl="0" eaLnBrk="1" latinLnBrk="0" hangingPunct="1">
+              <a:lnSpc>
+                <a:spcPct val="90000"/>
+              </a:lnSpc>
+              <a:spcBef>
+                <a:spcPts val="500"/>
+              </a:spcBef>
+              <a:buFont typeface="Arial" panose="020B0604020202020204" pitchFamily="34" charset="0"/>
+              <a:buChar char="•"/>
+              <a:defRPr sz="1400" kern="1200">
+                <a:solidFill>
+                  <a:schemeClr val="tx1">
+                    <a:lumMod val="75000"/>
+                    <a:lumOff val="25000"/>
+                  </a:schemeClr>
+                </a:solidFill>
+                <a:latin typeface="+mn-lt"/>
+                <a:ea typeface="+mn-ea"/>
+                <a:cs typeface="+mn-cs"/>
+              </a:defRPr>
+            </a:lvl4pPr>
+            <a:lvl5pPr marL="1343025" indent="-266700" algn="l" defTabSz="914400" rtl="0" eaLnBrk="1" latinLnBrk="0" hangingPunct="1">
+              <a:lnSpc>
+                <a:spcPct val="90000"/>
+              </a:lnSpc>
+              <a:spcBef>
+                <a:spcPts val="500"/>
+              </a:spcBef>
+              <a:buFont typeface="Arial" panose="020B0604020202020204" pitchFamily="34" charset="0"/>
+              <a:buChar char="•"/>
+              <a:defRPr sz="1400" kern="1200">
+                <a:solidFill>
+                  <a:schemeClr val="tx1">
+                    <a:lumMod val="75000"/>
+                    <a:lumOff val="25000"/>
+                  </a:schemeClr>
+                </a:solidFill>
+                <a:latin typeface="+mn-lt"/>
+                <a:ea typeface="+mn-ea"/>
+                <a:cs typeface="+mn-cs"/>
+              </a:defRPr>
+            </a:lvl5pPr>
+            <a:lvl6pPr marL="2514600" indent="-228600" algn="l" defTabSz="914400" rtl="0" eaLnBrk="1" latinLnBrk="0" hangingPunct="1">
+              <a:lnSpc>
+                <a:spcPct val="90000"/>
+              </a:lnSpc>
+              <a:spcBef>
+                <a:spcPts val="500"/>
+              </a:spcBef>
+              <a:buFont typeface="Arial" panose="020B0604020202020204" pitchFamily="34" charset="0"/>
+              <a:buChar char="•"/>
+              <a:defRPr sz="1800" kern="1200">
+                <a:solidFill>
+                  <a:schemeClr val="tx1"/>
+                </a:solidFill>
+                <a:latin typeface="+mn-lt"/>
+                <a:ea typeface="+mn-ea"/>
+                <a:cs typeface="+mn-cs"/>
+              </a:defRPr>
+            </a:lvl6pPr>
+            <a:lvl7pPr marL="2971800" indent="-228600" algn="l" defTabSz="914400" rtl="0" eaLnBrk="1" latinLnBrk="0" hangingPunct="1">
+              <a:lnSpc>
+                <a:spcPct val="90000"/>
+              </a:lnSpc>
+              <a:spcBef>
+                <a:spcPts val="500"/>
+              </a:spcBef>
+              <a:buFont typeface="Arial" panose="020B0604020202020204" pitchFamily="34" charset="0"/>
+              <a:buChar char="•"/>
+              <a:defRPr sz="1800" kern="1200">
+                <a:solidFill>
+                  <a:schemeClr val="tx1"/>
+                </a:solidFill>
+                <a:latin typeface="+mn-lt"/>
+                <a:ea typeface="+mn-ea"/>
+                <a:cs typeface="+mn-cs"/>
+              </a:defRPr>
+            </a:lvl7pPr>
+            <a:lvl8pPr marL="3429000" indent="-228600" algn="l" defTabSz="914400" rtl="0" eaLnBrk="1" latinLnBrk="0" hangingPunct="1">
+              <a:lnSpc>
+                <a:spcPct val="90000"/>
+              </a:lnSpc>
+              <a:spcBef>
+                <a:spcPts val="500"/>
+              </a:spcBef>
+              <a:buFont typeface="Arial" panose="020B0604020202020204" pitchFamily="34" charset="0"/>
+              <a:buChar char="•"/>
+              <a:defRPr sz="1800" kern="1200">
+                <a:solidFill>
+                  <a:schemeClr val="tx1"/>
+                </a:solidFill>
+                <a:latin typeface="+mn-lt"/>
+                <a:ea typeface="+mn-ea"/>
+                <a:cs typeface="+mn-cs"/>
+              </a:defRPr>
+            </a:lvl8pPr>
+            <a:lvl9pPr marL="3886200" indent="-228600" algn="l" defTabSz="914400" rtl="0" eaLnBrk="1" latinLnBrk="0" hangingPunct="1">
+              <a:lnSpc>
+                <a:spcPct val="90000"/>
+              </a:lnSpc>
+              <a:spcBef>
+                <a:spcPts val="500"/>
+              </a:spcBef>
+              <a:buFont typeface="Arial" panose="020B0604020202020204" pitchFamily="34" charset="0"/>
+              <a:buChar char="•"/>
+              <a:defRPr sz="1800" kern="1200">
+                <a:solidFill>
+                  <a:schemeClr val="tx1"/>
+                </a:solidFill>
+                <a:latin typeface="+mn-lt"/>
+                <a:ea typeface="+mn-ea"/>
+                <a:cs typeface="+mn-cs"/>
+              </a:defRPr>
+            </a:lvl9pPr>
+          </a:lstStyle>
+          <a:p>
+            <a:pPr algn="l">
+              <a:lnSpc>
+                <a:spcPct val="100000"/>
+              </a:lnSpc>
+            </a:pPr>
+            <a:r>
+              <a:rPr lang="hu-HU" sz="4800" dirty="0">
+                <a:solidFill>
+                  <a:schemeClr val="bg1"/>
+                </a:solidFill>
+                <a:latin typeface="Georgia" panose="02040502050405020303" pitchFamily="18" charset="0"/>
+                <a:cs typeface="Arial" panose="020B0604020202020204" pitchFamily="34" charset="0"/>
+              </a:rPr>
+              <a:t>Akkor jó</a:t>
+            </a:r>
+            <a:endParaRPr lang="hu-HU" sz="4800" dirty="0">
+              <a:solidFill>
+                <a:schemeClr val="bg1"/>
+              </a:solidFill>
+              <a:latin typeface="Georgia" panose="02040502050405020303" pitchFamily="18" charset="0"/>
+              <a:cs typeface="Calibri Light" panose="020F0302020204030204" pitchFamily="34" charset="0"/>
+            </a:endParaRPr>
+          </a:p>
+          <a:p>
+            <a:pPr algn="l">
+              <a:lnSpc>
+                <a:spcPct val="100000"/>
+              </a:lnSpc>
+            </a:pPr>
+            <a:r>
+              <a:rPr lang="hu-HU" dirty="0">
+                <a:solidFill>
+                  <a:schemeClr val="bg1"/>
+                </a:solidFill>
+                <a:latin typeface="Arial" panose="020B0604020202020204" pitchFamily="34" charset="0"/>
+                <a:cs typeface="Arial" panose="020B0604020202020204" pitchFamily="34" charset="0"/>
+              </a:rPr>
+              <a:t>Ha valami ilyet látunk</a:t>
+            </a:r>
+          </a:p>
+        </p:txBody>
+      </p:sp>
+    </p:spTree>
+    <p:extLst>
+      <p:ext uri="{BB962C8B-B14F-4D97-AF65-F5344CB8AC3E}">
+        <p14:creationId xmlns:p14="http://schemas.microsoft.com/office/powerpoint/2010/main" val="1513949773"/>
+      </p:ext>
+    </p:extLst>
+  </p:cSld>
+  <p:clrMapOvr>
+    <a:masterClrMapping/>
+  </p:clrMapOvr>
+  <mc:AlternateContent xmlns:mc="http://schemas.openxmlformats.org/markup-compatibility/2006">
+    <mc:Choice xmlns:p14="http://schemas.microsoft.com/office/powerpoint/2010/main" Requires="p14">
+      <p:transition spd="med" p14:dur="700">
+        <p:fade/>
+      </p:transition>
+    </mc:Choice>
+    <mc:Fallback>
+      <p:transition spd="med">
+        <p:fade/>
+      </p:transition>
+    </mc:Fallback>
+  </mc:AlternateContent>
+  <p:timing>
+    <p:tnLst>
+      <p:par>
+        <p:cTn id="1" dur="indefinite" restart="never" nodeType="tmRoot">
+          <p:childTnLst>
+            <p:seq concurrent="1" nextAc="seek">
+              <p:cTn id="2" dur="indefinite" nodeType="mainSeq">
+                <p:childTnLst>
+                  <p:par>
+                    <p:cTn id="3" fill="hold">
+                      <p:stCondLst>
+                        <p:cond delay="indefinite"/>
+                        <p:cond evt="onBegin" delay="0">
+                          <p:tn val="2"/>
+                        </p:cond>
+                      </p:stCondLst>
+                      <p:childTnLst>
+                        <p:par>
+                          <p:cTn id="4" fill="hold">
+                            <p:stCondLst>
+                              <p:cond delay="0"/>
+                            </p:stCondLst>
+                            <p:childTnLst>
+                              <p:par>
+                                <p:cTn id="5" presetID="10" presetClass="entr" presetSubtype="0" fill="hold" grpId="0" nodeType="afterEffect">
+                                  <p:stCondLst>
+                                    <p:cond delay="0"/>
+                                  </p:stCondLst>
+                                  <p:childTnLst>
+                                    <p:set>
+                                      <p:cBhvr>
+                                        <p:cTn id="6" dur="1" fill="hold">
+                                          <p:stCondLst>
+                                            <p:cond delay="0"/>
+                                          </p:stCondLst>
+                                        </p:cTn>
+                                        <p:tgtEl>
+                                          <p:spTgt spid="21"/>
+                                        </p:tgtEl>
+                                        <p:attrNameLst>
+                                          <p:attrName>style.visibility</p:attrName>
+                                        </p:attrNameLst>
+                                      </p:cBhvr>
+                                      <p:to>
+                                        <p:strVal val="visible"/>
+                                      </p:to>
+                                    </p:set>
+                                    <p:animEffect transition="in" filter="fade">
+                                      <p:cBhvr>
+                                        <p:cTn id="7" dur="500"/>
+                                        <p:tgtEl>
+                                          <p:spTgt spid="21"/>
+                                        </p:tgtEl>
+                                      </p:cBhvr>
+                                    </p:animEffect>
+                                  </p:childTnLst>
+                                </p:cTn>
+                              </p:par>
+                            </p:childTnLst>
+                          </p:cTn>
+                        </p:par>
+                      </p:childTnLst>
+                    </p:cTn>
+                  </p:par>
+                  <p:par>
+                    <p:cTn id="8" fill="hold">
+                      <p:stCondLst>
+                        <p:cond delay="indefinite"/>
+                      </p:stCondLst>
+                      <p:childTnLst>
+                        <p:par>
+                          <p:cTn id="9" fill="hold">
+                            <p:stCondLst>
+                              <p:cond delay="0"/>
+                            </p:stCondLst>
+                            <p:childTnLst>
+                              <p:par>
+                                <p:cTn id="10" presetID="10" presetClass="entr" presetSubtype="0" fill="hold" grpId="0" nodeType="clickEffect">
+                                  <p:stCondLst>
+                                    <p:cond delay="0"/>
+                                  </p:stCondLst>
+                                  <p:childTnLst>
+                                    <p:set>
+                                      <p:cBhvr>
+                                        <p:cTn id="11" dur="1" fill="hold">
+                                          <p:stCondLst>
+                                            <p:cond delay="0"/>
+                                          </p:stCondLst>
+                                        </p:cTn>
+                                        <p:tgtEl>
+                                          <p:spTgt spid="23"/>
+                                        </p:tgtEl>
+                                        <p:attrNameLst>
+                                          <p:attrName>style.visibility</p:attrName>
+                                        </p:attrNameLst>
+                                      </p:cBhvr>
+                                      <p:to>
+                                        <p:strVal val="visible"/>
+                                      </p:to>
+                                    </p:set>
+                                    <p:animEffect transition="in" filter="fade">
+                                      <p:cBhvr>
+                                        <p:cTn id="12" dur="500"/>
+                                        <p:tgtEl>
+                                          <p:spTgt spid="23"/>
+                                        </p:tgtEl>
+                                      </p:cBhvr>
+                                    </p:animEffect>
+                                  </p:childTnLst>
+                                </p:cTn>
+                              </p:par>
+                            </p:childTnLst>
+                          </p:cTn>
+                        </p:par>
+                      </p:childTnLst>
+                    </p:cTn>
+                  </p:par>
+                </p:childTnLst>
+              </p:cTn>
+              <p:prevCondLst>
+                <p:cond evt="onPrev" delay="0">
+                  <p:tgtEl>
+                    <p:sldTgt/>
+                  </p:tgtEl>
+                </p:cond>
+              </p:prevCondLst>
+              <p:nextCondLst>
+                <p:cond evt="onNext" delay="0">
+                  <p:tgtEl>
+                    <p:sldTgt/>
+                  </p:tgtEl>
+                </p:cond>
+              </p:nextCondLst>
+            </p:seq>
+          </p:childTnLst>
+        </p:cTn>
+      </p:par>
+    </p:tnLst>
+    <p:bldLst>
+      <p:bldP spid="21" grpId="0"/>
+      <p:bldP spid="23" grpId="0"/>
+    </p:bldLst>
+  </p:timing>
+</p:sld>
+</file>
+
+<file path=ppt/slides/slide17.xml><?xml version="1.0" encoding="utf-8"?>
+<p:sld xmlns:a="http://schemas.openxmlformats.org/drawingml/2006/main" xmlns:r="http://schemas.openxmlformats.org/officeDocument/2006/relationships" xmlns:p="http://schemas.openxmlformats.org/presentationml/2006/main">
+  <p:cSld>
+    <p:spTree>
+      <p:nvGrpSpPr>
+        <p:cNvPr id="1" name=""/>
+        <p:cNvGrpSpPr/>
+        <p:nvPr/>
+      </p:nvGrpSpPr>
+      <p:grpSpPr>
+        <a:xfrm>
+          <a:off x="0" y="0"/>
+          <a:ext cx="0" cy="0"/>
+          <a:chOff x="0" y="0"/>
+          <a:chExt cx="0" cy="0"/>
+        </a:xfrm>
+      </p:grpSpPr>
+      <p:pic>
+        <p:nvPicPr>
+          <p:cNvPr id="11" name="Kép 10">
+            <a:extLst>
+              <a:ext uri="{FF2B5EF4-FFF2-40B4-BE49-F238E27FC236}">
+                <a16:creationId xmlns:a16="http://schemas.microsoft.com/office/drawing/2014/main" id="{C62365F4-A659-45B4-B27B-9C5FEDB9D251}"/>
+              </a:ext>
+            </a:extLst>
+          </p:cNvPr>
+          <p:cNvPicPr>
+            <a:picLocks noChangeAspect="1"/>
+          </p:cNvPicPr>
+          <p:nvPr/>
+        </p:nvPicPr>
+        <p:blipFill>
+          <a:blip r:embed="rId3">
+            <a:extLst>
+              <a:ext uri="{28A0092B-C50C-407E-A947-70E740481C1C}">
+                <a14:useLocalDpi xmlns:a14="http://schemas.microsoft.com/office/drawing/2010/main" val="0"/>
+              </a:ext>
+            </a:extLst>
+          </a:blip>
+          <a:srcRect/>
+          <a:stretch/>
+        </p:blipFill>
+        <p:spPr>
+          <a:xfrm>
+            <a:off x="-53170" y="4067525"/>
+            <a:ext cx="13411200" cy="2852115"/>
+          </a:xfrm>
+          <a:prstGeom prst="rect">
+            <a:avLst/>
+          </a:prstGeom>
+        </p:spPr>
+      </p:pic>
+      <p:pic>
+        <p:nvPicPr>
+          <p:cNvPr id="13" name="Kép 12">
+            <a:extLst>
+              <a:ext uri="{FF2B5EF4-FFF2-40B4-BE49-F238E27FC236}">
+                <a16:creationId xmlns:a16="http://schemas.microsoft.com/office/drawing/2014/main" id="{291697DC-B603-445F-9E4B-805889AB2229}"/>
+              </a:ext>
+            </a:extLst>
+          </p:cNvPr>
+          <p:cNvPicPr>
+            <a:picLocks noChangeAspect="1"/>
+          </p:cNvPicPr>
+          <p:nvPr/>
+        </p:nvPicPr>
+        <p:blipFill>
+          <a:blip r:embed="rId4">
+            <a:extLst>
+              <a:ext uri="{28A0092B-C50C-407E-A947-70E740481C1C}">
+                <a14:useLocalDpi xmlns:a14="http://schemas.microsoft.com/office/drawing/2010/main" val="0"/>
+              </a:ext>
+            </a:extLst>
+          </a:blip>
+          <a:srcRect/>
+          <a:stretch/>
+        </p:blipFill>
+        <p:spPr>
+          <a:xfrm>
+            <a:off x="16932" y="133775"/>
+            <a:ext cx="13375365" cy="4313282"/>
+          </a:xfrm>
+          <a:prstGeom prst="rect">
+            <a:avLst/>
+          </a:prstGeom>
+        </p:spPr>
+      </p:pic>
+      <p:sp>
+        <p:nvSpPr>
+          <p:cNvPr id="9" name="Szöveg helye 14">
+            <a:extLst>
+              <a:ext uri="{FF2B5EF4-FFF2-40B4-BE49-F238E27FC236}">
+                <a16:creationId xmlns:a16="http://schemas.microsoft.com/office/drawing/2014/main" id="{E95EF36E-7288-407C-AE92-887D116734CD}"/>
+              </a:ext>
+            </a:extLst>
+          </p:cNvPr>
+          <p:cNvSpPr txBox="1">
+            <a:spLocks/>
+          </p:cNvSpPr>
+          <p:nvPr/>
+        </p:nvSpPr>
+        <p:spPr>
+          <a:xfrm>
+            <a:off x="5294552" y="2981739"/>
+            <a:ext cx="7395097" cy="1475463"/>
+          </a:xfrm>
+          <a:prstGeom prst="rect">
+            <a:avLst/>
+          </a:prstGeom>
+          <a:noFill/>
+        </p:spPr>
+        <p:txBody>
+          <a:bodyPr vert="horz" lIns="108000" tIns="72000" rIns="72000" bIns="36000" rtlCol="0">
+            <a:noAutofit/>
+          </a:bodyPr>
+          <a:lstStyle>
+            <a:lvl1pPr marL="0" indent="0" algn="ctr" defTabSz="914400" rtl="0" eaLnBrk="1" latinLnBrk="0" hangingPunct="1">
+              <a:lnSpc>
+                <a:spcPct val="90000"/>
+              </a:lnSpc>
+              <a:spcBef>
+                <a:spcPts val="1000"/>
+              </a:spcBef>
+              <a:buFont typeface="Arial" panose="020B0604020202020204" pitchFamily="34" charset="0"/>
+              <a:buNone/>
+              <a:defRPr sz="1600" kern="1200">
+                <a:solidFill>
+                  <a:schemeClr val="tx1">
+                    <a:lumMod val="75000"/>
+                    <a:lumOff val="25000"/>
+                  </a:schemeClr>
+                </a:solidFill>
+                <a:latin typeface="+mn-lt"/>
+                <a:ea typeface="+mn-ea"/>
+                <a:cs typeface="+mn-cs"/>
+              </a:defRPr>
+            </a:lvl1pPr>
+            <a:lvl2pPr marL="542925" indent="-276225" algn="l" defTabSz="914400" rtl="0" eaLnBrk="1" latinLnBrk="0" hangingPunct="1">
+              <a:lnSpc>
+                <a:spcPct val="90000"/>
+              </a:lnSpc>
+              <a:spcBef>
+                <a:spcPts val="500"/>
+              </a:spcBef>
+              <a:buFont typeface="Arial" panose="020B0604020202020204" pitchFamily="34" charset="0"/>
+              <a:buChar char="•"/>
+              <a:defRPr sz="1600" kern="1200">
+                <a:solidFill>
+                  <a:schemeClr val="tx1">
+                    <a:lumMod val="75000"/>
+                    <a:lumOff val="25000"/>
+                  </a:schemeClr>
+                </a:solidFill>
+                <a:latin typeface="+mn-lt"/>
+                <a:ea typeface="+mn-ea"/>
+                <a:cs typeface="+mn-cs"/>
+              </a:defRPr>
+            </a:lvl2pPr>
+            <a:lvl3pPr marL="809625" indent="-266700" algn="l" defTabSz="914400" rtl="0" eaLnBrk="1" latinLnBrk="0" hangingPunct="1">
+              <a:lnSpc>
+                <a:spcPct val="90000"/>
+              </a:lnSpc>
+              <a:spcBef>
+                <a:spcPts val="500"/>
+              </a:spcBef>
+              <a:buFont typeface="Arial" panose="020B0604020202020204" pitchFamily="34" charset="0"/>
+              <a:buChar char="•"/>
+              <a:defRPr sz="1400" kern="1200">
+                <a:solidFill>
+                  <a:schemeClr val="tx1">
+                    <a:lumMod val="75000"/>
+                    <a:lumOff val="25000"/>
+                  </a:schemeClr>
+                </a:solidFill>
+                <a:latin typeface="+mn-lt"/>
+                <a:ea typeface="+mn-ea"/>
+                <a:cs typeface="+mn-cs"/>
+              </a:defRPr>
+            </a:lvl3pPr>
+            <a:lvl4pPr marL="1076325" indent="-266700" algn="l" defTabSz="914400" rtl="0" eaLnBrk="1" latinLnBrk="0" hangingPunct="1">
+              <a:lnSpc>
+                <a:spcPct val="90000"/>
+              </a:lnSpc>
+              <a:spcBef>
+                <a:spcPts val="500"/>
+              </a:spcBef>
+              <a:buFont typeface="Arial" panose="020B0604020202020204" pitchFamily="34" charset="0"/>
+              <a:buChar char="•"/>
+              <a:defRPr sz="1400" kern="1200">
+                <a:solidFill>
+                  <a:schemeClr val="tx1">
+                    <a:lumMod val="75000"/>
+                    <a:lumOff val="25000"/>
+                  </a:schemeClr>
+                </a:solidFill>
+                <a:latin typeface="+mn-lt"/>
+                <a:ea typeface="+mn-ea"/>
+                <a:cs typeface="+mn-cs"/>
+              </a:defRPr>
+            </a:lvl4pPr>
+            <a:lvl5pPr marL="1343025" indent="-266700" algn="l" defTabSz="914400" rtl="0" eaLnBrk="1" latinLnBrk="0" hangingPunct="1">
+              <a:lnSpc>
+                <a:spcPct val="90000"/>
+              </a:lnSpc>
+              <a:spcBef>
+                <a:spcPts val="500"/>
+              </a:spcBef>
+              <a:buFont typeface="Arial" panose="020B0604020202020204" pitchFamily="34" charset="0"/>
+              <a:buChar char="•"/>
+              <a:defRPr sz="1400" kern="1200">
+                <a:solidFill>
+                  <a:schemeClr val="tx1">
+                    <a:lumMod val="75000"/>
+                    <a:lumOff val="25000"/>
+                  </a:schemeClr>
+                </a:solidFill>
+                <a:latin typeface="+mn-lt"/>
+                <a:ea typeface="+mn-ea"/>
+                <a:cs typeface="+mn-cs"/>
+              </a:defRPr>
+            </a:lvl5pPr>
+            <a:lvl6pPr marL="2514600" indent="-228600" algn="l" defTabSz="914400" rtl="0" eaLnBrk="1" latinLnBrk="0" hangingPunct="1">
+              <a:lnSpc>
+                <a:spcPct val="90000"/>
+              </a:lnSpc>
+              <a:spcBef>
+                <a:spcPts val="500"/>
+              </a:spcBef>
+              <a:buFont typeface="Arial" panose="020B0604020202020204" pitchFamily="34" charset="0"/>
+              <a:buChar char="•"/>
+              <a:defRPr sz="1800" kern="1200">
+                <a:solidFill>
+                  <a:schemeClr val="tx1"/>
+                </a:solidFill>
+                <a:latin typeface="+mn-lt"/>
+                <a:ea typeface="+mn-ea"/>
+                <a:cs typeface="+mn-cs"/>
+              </a:defRPr>
+            </a:lvl6pPr>
+            <a:lvl7pPr marL="2971800" indent="-228600" algn="l" defTabSz="914400" rtl="0" eaLnBrk="1" latinLnBrk="0" hangingPunct="1">
+              <a:lnSpc>
+                <a:spcPct val="90000"/>
+              </a:lnSpc>
+              <a:spcBef>
+                <a:spcPts val="500"/>
+              </a:spcBef>
+              <a:buFont typeface="Arial" panose="020B0604020202020204" pitchFamily="34" charset="0"/>
+              <a:buChar char="•"/>
+              <a:defRPr sz="1800" kern="1200">
+                <a:solidFill>
+                  <a:schemeClr val="tx1"/>
+                </a:solidFill>
+                <a:latin typeface="+mn-lt"/>
+                <a:ea typeface="+mn-ea"/>
+                <a:cs typeface="+mn-cs"/>
+              </a:defRPr>
+            </a:lvl7pPr>
+            <a:lvl8pPr marL="3429000" indent="-228600" algn="l" defTabSz="914400" rtl="0" eaLnBrk="1" latinLnBrk="0" hangingPunct="1">
+              <a:lnSpc>
+                <a:spcPct val="90000"/>
+              </a:lnSpc>
+              <a:spcBef>
+                <a:spcPts val="500"/>
+              </a:spcBef>
+              <a:buFont typeface="Arial" panose="020B0604020202020204" pitchFamily="34" charset="0"/>
+              <a:buChar char="•"/>
+              <a:defRPr sz="1800" kern="1200">
+                <a:solidFill>
+                  <a:schemeClr val="tx1"/>
+                </a:solidFill>
+                <a:latin typeface="+mn-lt"/>
+                <a:ea typeface="+mn-ea"/>
+                <a:cs typeface="+mn-cs"/>
+              </a:defRPr>
+            </a:lvl8pPr>
+            <a:lvl9pPr marL="3886200" indent="-228600" algn="l" defTabSz="914400" rtl="0" eaLnBrk="1" latinLnBrk="0" hangingPunct="1">
+              <a:lnSpc>
+                <a:spcPct val="90000"/>
+              </a:lnSpc>
+              <a:spcBef>
+                <a:spcPts val="500"/>
+              </a:spcBef>
+              <a:buFont typeface="Arial" panose="020B0604020202020204" pitchFamily="34" charset="0"/>
+              <a:buChar char="•"/>
+              <a:defRPr sz="1800" kern="1200">
+                <a:solidFill>
+                  <a:schemeClr val="tx1"/>
+                </a:solidFill>
+                <a:latin typeface="+mn-lt"/>
+                <a:ea typeface="+mn-ea"/>
+                <a:cs typeface="+mn-cs"/>
+              </a:defRPr>
+            </a:lvl9pPr>
+          </a:lstStyle>
+          <a:p>
+            <a:pPr algn="l">
+              <a:lnSpc>
+                <a:spcPct val="100000"/>
+              </a:lnSpc>
+            </a:pPr>
+            <a:r>
+              <a:rPr lang="hu-HU" sz="4800" dirty="0">
+                <a:solidFill>
+                  <a:schemeClr val="tx1"/>
+                </a:solidFill>
+                <a:latin typeface="Georgia" panose="02040502050405020303" pitchFamily="18" charset="0"/>
+                <a:cs typeface="Arial" panose="020B0604020202020204" pitchFamily="34" charset="0"/>
+              </a:rPr>
+              <a:t>Példa a csak akkor ha</a:t>
+            </a:r>
+            <a:br>
+              <a:rPr lang="hu-HU" sz="4800" dirty="0">
+                <a:solidFill>
+                  <a:schemeClr val="tx1"/>
+                </a:solidFill>
+                <a:latin typeface="Georgia" panose="02040502050405020303" pitchFamily="18" charset="0"/>
+                <a:cs typeface="Arial" panose="020B0604020202020204" pitchFamily="34" charset="0"/>
+              </a:rPr>
+            </a:br>
+            <a:r>
+              <a:rPr lang="hu-HU" sz="1400" dirty="0">
+                <a:solidFill>
+                  <a:schemeClr val="tx1"/>
+                </a:solidFill>
+                <a:latin typeface="Arial" panose="020B0604020202020204" pitchFamily="34" charset="0"/>
+                <a:cs typeface="Arial" panose="020B0604020202020204" pitchFamily="34" charset="0"/>
+              </a:rPr>
+              <a:t>Alapú skálázás hívásánál. Ilyen eredményre számítunk.</a:t>
+            </a:r>
+            <a:br>
+              <a:rPr lang="hu-HU" sz="1400" dirty="0">
+                <a:solidFill>
+                  <a:schemeClr val="tx1"/>
+                </a:solidFill>
+                <a:latin typeface="Arial" panose="020B0604020202020204" pitchFamily="34" charset="0"/>
+                <a:cs typeface="Arial" panose="020B0604020202020204" pitchFamily="34" charset="0"/>
+              </a:rPr>
+            </a:br>
+            <a:r>
+              <a:rPr lang="hu-HU" sz="1400" dirty="0">
+                <a:solidFill>
+                  <a:schemeClr val="tx1"/>
+                </a:solidFill>
+                <a:latin typeface="Arial" panose="020B0604020202020204" pitchFamily="34" charset="0"/>
+                <a:cs typeface="Arial" panose="020B0604020202020204" pitchFamily="34" charset="0"/>
+              </a:rPr>
+              <a:t>Itt csak ad-hoc alapon a szabály ha eltérés &gt; 10 akkor hívja meg a skálázást. </a:t>
+            </a:r>
+            <a:endParaRPr lang="hu-HU" sz="4800" dirty="0">
+              <a:solidFill>
+                <a:schemeClr val="tx1"/>
+              </a:solidFill>
+              <a:latin typeface="Georgia" panose="02040502050405020303" pitchFamily="18" charset="0"/>
+              <a:cs typeface="Calibri Light" panose="020F0302020204030204" pitchFamily="34" charset="0"/>
+            </a:endParaRPr>
+          </a:p>
+        </p:txBody>
+      </p:sp>
+      <p:sp>
+        <p:nvSpPr>
+          <p:cNvPr id="10" name="Szöveg helye 14">
+            <a:extLst>
+              <a:ext uri="{FF2B5EF4-FFF2-40B4-BE49-F238E27FC236}">
+                <a16:creationId xmlns:a16="http://schemas.microsoft.com/office/drawing/2014/main" id="{A58D0517-0BCD-4741-8DB7-2BFE99FEBD7F}"/>
+              </a:ext>
+            </a:extLst>
+          </p:cNvPr>
+          <p:cNvSpPr txBox="1">
+            <a:spLocks/>
+          </p:cNvSpPr>
+          <p:nvPr/>
+        </p:nvSpPr>
+        <p:spPr>
+          <a:xfrm>
+            <a:off x="7180853" y="4177657"/>
+            <a:ext cx="6511368" cy="1372805"/>
+          </a:xfrm>
+          <a:prstGeom prst="rect">
+            <a:avLst/>
+          </a:prstGeom>
+          <a:noFill/>
+        </p:spPr>
+        <p:txBody>
+          <a:bodyPr vert="horz" lIns="108000" tIns="72000" rIns="72000" bIns="36000" rtlCol="0">
+            <a:noAutofit/>
+          </a:bodyPr>
+          <a:lstStyle>
+            <a:lvl1pPr marL="0" indent="0" algn="ctr" defTabSz="914400" rtl="0" eaLnBrk="1" latinLnBrk="0" hangingPunct="1">
+              <a:lnSpc>
+                <a:spcPct val="90000"/>
+              </a:lnSpc>
+              <a:spcBef>
+                <a:spcPts val="1000"/>
+              </a:spcBef>
+              <a:buFont typeface="Arial" panose="020B0604020202020204" pitchFamily="34" charset="0"/>
+              <a:buNone/>
+              <a:defRPr sz="1600" kern="1200">
+                <a:solidFill>
+                  <a:schemeClr val="tx1">
+                    <a:lumMod val="75000"/>
+                    <a:lumOff val="25000"/>
+                  </a:schemeClr>
+                </a:solidFill>
+                <a:latin typeface="+mn-lt"/>
+                <a:ea typeface="+mn-ea"/>
+                <a:cs typeface="+mn-cs"/>
+              </a:defRPr>
+            </a:lvl1pPr>
+            <a:lvl2pPr marL="542925" indent="-276225" algn="l" defTabSz="914400" rtl="0" eaLnBrk="1" latinLnBrk="0" hangingPunct="1">
+              <a:lnSpc>
+                <a:spcPct val="90000"/>
+              </a:lnSpc>
+              <a:spcBef>
+                <a:spcPts val="500"/>
+              </a:spcBef>
+              <a:buFont typeface="Arial" panose="020B0604020202020204" pitchFamily="34" charset="0"/>
+              <a:buChar char="•"/>
+              <a:defRPr sz="1600" kern="1200">
+                <a:solidFill>
+                  <a:schemeClr val="tx1">
+                    <a:lumMod val="75000"/>
+                    <a:lumOff val="25000"/>
+                  </a:schemeClr>
+                </a:solidFill>
+                <a:latin typeface="+mn-lt"/>
+                <a:ea typeface="+mn-ea"/>
+                <a:cs typeface="+mn-cs"/>
+              </a:defRPr>
+            </a:lvl2pPr>
+            <a:lvl3pPr marL="809625" indent="-266700" algn="l" defTabSz="914400" rtl="0" eaLnBrk="1" latinLnBrk="0" hangingPunct="1">
+              <a:lnSpc>
+                <a:spcPct val="90000"/>
+              </a:lnSpc>
+              <a:spcBef>
+                <a:spcPts val="500"/>
+              </a:spcBef>
+              <a:buFont typeface="Arial" panose="020B0604020202020204" pitchFamily="34" charset="0"/>
+              <a:buChar char="•"/>
+              <a:defRPr sz="1400" kern="1200">
+                <a:solidFill>
+                  <a:schemeClr val="tx1">
+                    <a:lumMod val="75000"/>
+                    <a:lumOff val="25000"/>
+                  </a:schemeClr>
+                </a:solidFill>
+                <a:latin typeface="+mn-lt"/>
+                <a:ea typeface="+mn-ea"/>
+                <a:cs typeface="+mn-cs"/>
+              </a:defRPr>
+            </a:lvl3pPr>
+            <a:lvl4pPr marL="1076325" indent="-266700" algn="l" defTabSz="914400" rtl="0" eaLnBrk="1" latinLnBrk="0" hangingPunct="1">
+              <a:lnSpc>
+                <a:spcPct val="90000"/>
+              </a:lnSpc>
+              <a:spcBef>
+                <a:spcPts val="500"/>
+              </a:spcBef>
+              <a:buFont typeface="Arial" panose="020B0604020202020204" pitchFamily="34" charset="0"/>
+              <a:buChar char="•"/>
+              <a:defRPr sz="1400" kern="1200">
+                <a:solidFill>
+                  <a:schemeClr val="tx1">
+                    <a:lumMod val="75000"/>
+                    <a:lumOff val="25000"/>
+                  </a:schemeClr>
+                </a:solidFill>
+                <a:latin typeface="+mn-lt"/>
+                <a:ea typeface="+mn-ea"/>
+                <a:cs typeface="+mn-cs"/>
+              </a:defRPr>
+            </a:lvl4pPr>
+            <a:lvl5pPr marL="1343025" indent="-266700" algn="l" defTabSz="914400" rtl="0" eaLnBrk="1" latinLnBrk="0" hangingPunct="1">
+              <a:lnSpc>
+                <a:spcPct val="90000"/>
+              </a:lnSpc>
+              <a:spcBef>
+                <a:spcPts val="500"/>
+              </a:spcBef>
+              <a:buFont typeface="Arial" panose="020B0604020202020204" pitchFamily="34" charset="0"/>
+              <a:buChar char="•"/>
+              <a:defRPr sz="1400" kern="1200">
+                <a:solidFill>
+                  <a:schemeClr val="tx1">
+                    <a:lumMod val="75000"/>
+                    <a:lumOff val="25000"/>
+                  </a:schemeClr>
+                </a:solidFill>
+                <a:latin typeface="+mn-lt"/>
+                <a:ea typeface="+mn-ea"/>
+                <a:cs typeface="+mn-cs"/>
+              </a:defRPr>
+            </a:lvl5pPr>
+            <a:lvl6pPr marL="2514600" indent="-228600" algn="l" defTabSz="914400" rtl="0" eaLnBrk="1" latinLnBrk="0" hangingPunct="1">
+              <a:lnSpc>
+                <a:spcPct val="90000"/>
+              </a:lnSpc>
+              <a:spcBef>
+                <a:spcPts val="500"/>
+              </a:spcBef>
+              <a:buFont typeface="Arial" panose="020B0604020202020204" pitchFamily="34" charset="0"/>
+              <a:buChar char="•"/>
+              <a:defRPr sz="1800" kern="1200">
+                <a:solidFill>
+                  <a:schemeClr val="tx1"/>
+                </a:solidFill>
+                <a:latin typeface="+mn-lt"/>
+                <a:ea typeface="+mn-ea"/>
+                <a:cs typeface="+mn-cs"/>
+              </a:defRPr>
+            </a:lvl6pPr>
+            <a:lvl7pPr marL="2971800" indent="-228600" algn="l" defTabSz="914400" rtl="0" eaLnBrk="1" latinLnBrk="0" hangingPunct="1">
+              <a:lnSpc>
+                <a:spcPct val="90000"/>
+              </a:lnSpc>
+              <a:spcBef>
+                <a:spcPts val="500"/>
+              </a:spcBef>
+              <a:buFont typeface="Arial" panose="020B0604020202020204" pitchFamily="34" charset="0"/>
+              <a:buChar char="•"/>
+              <a:defRPr sz="1800" kern="1200">
+                <a:solidFill>
+                  <a:schemeClr val="tx1"/>
+                </a:solidFill>
+                <a:latin typeface="+mn-lt"/>
+                <a:ea typeface="+mn-ea"/>
+                <a:cs typeface="+mn-cs"/>
+              </a:defRPr>
+            </a:lvl7pPr>
+            <a:lvl8pPr marL="3429000" indent="-228600" algn="l" defTabSz="914400" rtl="0" eaLnBrk="1" latinLnBrk="0" hangingPunct="1">
+              <a:lnSpc>
+                <a:spcPct val="90000"/>
+              </a:lnSpc>
+              <a:spcBef>
+                <a:spcPts val="500"/>
+              </a:spcBef>
+              <a:buFont typeface="Arial" panose="020B0604020202020204" pitchFamily="34" charset="0"/>
+              <a:buChar char="•"/>
+              <a:defRPr sz="1800" kern="1200">
+                <a:solidFill>
+                  <a:schemeClr val="tx1"/>
+                </a:solidFill>
+                <a:latin typeface="+mn-lt"/>
+                <a:ea typeface="+mn-ea"/>
+                <a:cs typeface="+mn-cs"/>
+              </a:defRPr>
+            </a:lvl8pPr>
+            <a:lvl9pPr marL="3886200" indent="-228600" algn="l" defTabSz="914400" rtl="0" eaLnBrk="1" latinLnBrk="0" hangingPunct="1">
+              <a:lnSpc>
+                <a:spcPct val="90000"/>
+              </a:lnSpc>
+              <a:spcBef>
+                <a:spcPts val="500"/>
+              </a:spcBef>
+              <a:buFont typeface="Arial" panose="020B0604020202020204" pitchFamily="34" charset="0"/>
+              <a:buChar char="•"/>
+              <a:defRPr sz="1800" kern="1200">
+                <a:solidFill>
+                  <a:schemeClr val="tx1"/>
+                </a:solidFill>
+                <a:latin typeface="+mn-lt"/>
+                <a:ea typeface="+mn-ea"/>
+                <a:cs typeface="+mn-cs"/>
+              </a:defRPr>
+            </a:lvl9pPr>
+          </a:lstStyle>
+          <a:p>
+            <a:pPr algn="l">
+              <a:lnSpc>
+                <a:spcPct val="100000"/>
+              </a:lnSpc>
+            </a:pPr>
+            <a:r>
+              <a:rPr lang="hu-HU" sz="4800" dirty="0">
+                <a:solidFill>
+                  <a:schemeClr val="tx1"/>
+                </a:solidFill>
+                <a:latin typeface="Georgia" panose="02040502050405020303" pitchFamily="18" charset="0"/>
+                <a:cs typeface="Arial" panose="020B0604020202020204" pitchFamily="34" charset="0"/>
+              </a:rPr>
+              <a:t>Ritkán teljesül</a:t>
+            </a:r>
+            <a:br>
+              <a:rPr lang="hu-HU" sz="4800" dirty="0">
+                <a:solidFill>
+                  <a:schemeClr val="tx1"/>
+                </a:solidFill>
+                <a:latin typeface="Georgia" panose="02040502050405020303" pitchFamily="18" charset="0"/>
+                <a:cs typeface="Arial" panose="020B0604020202020204" pitchFamily="34" charset="0"/>
+              </a:rPr>
+            </a:br>
+            <a:r>
+              <a:rPr lang="hu-HU" sz="1400" dirty="0">
+                <a:solidFill>
+                  <a:schemeClr val="tx1"/>
+                </a:solidFill>
+                <a:latin typeface="Arial" panose="020B0604020202020204" pitchFamily="34" charset="0"/>
+                <a:cs typeface="Arial" panose="020B0604020202020204" pitchFamily="34" charset="0"/>
+              </a:rPr>
+              <a:t>Ez a feltétel, de olyankor Egy lépésben rögtön meglépi a megfelelő</a:t>
+            </a:r>
+            <a:br>
+              <a:rPr lang="hu-HU" sz="1400" dirty="0">
+                <a:solidFill>
+                  <a:schemeClr val="tx1"/>
+                </a:solidFill>
+                <a:latin typeface="Arial" panose="020B0604020202020204" pitchFamily="34" charset="0"/>
+                <a:cs typeface="Arial" panose="020B0604020202020204" pitchFamily="34" charset="0"/>
+              </a:rPr>
+            </a:br>
+            <a:r>
+              <a:rPr lang="hu-HU" sz="1400" dirty="0">
+                <a:solidFill>
+                  <a:schemeClr val="tx1"/>
+                </a:solidFill>
+                <a:latin typeface="Arial" panose="020B0604020202020204" pitchFamily="34" charset="0"/>
+                <a:cs typeface="Arial" panose="020B0604020202020204" pitchFamily="34" charset="0"/>
+              </a:rPr>
+              <a:t>számot. (amivel vissza is hozza magát a </a:t>
+            </a:r>
+            <a:r>
+              <a:rPr lang="hu-HU" sz="1400" dirty="0" err="1">
+                <a:solidFill>
+                  <a:schemeClr val="tx1"/>
+                </a:solidFill>
+                <a:latin typeface="Arial" panose="020B0604020202020204" pitchFamily="34" charset="0"/>
+                <a:cs typeface="Arial" panose="020B0604020202020204" pitchFamily="34" charset="0"/>
+              </a:rPr>
+              <a:t>megf</a:t>
+            </a:r>
+            <a:r>
+              <a:rPr lang="hu-HU" sz="1400" dirty="0">
+                <a:solidFill>
+                  <a:schemeClr val="tx1"/>
+                </a:solidFill>
+                <a:latin typeface="Arial" panose="020B0604020202020204" pitchFamily="34" charset="0"/>
+                <a:cs typeface="Arial" panose="020B0604020202020204" pitchFamily="34" charset="0"/>
+              </a:rPr>
+              <a:t>. helyre)</a:t>
+            </a:r>
+            <a:endParaRPr lang="hu-HU" sz="4800" dirty="0">
+              <a:solidFill>
+                <a:schemeClr val="tx1"/>
+              </a:solidFill>
+              <a:latin typeface="Georgia" panose="02040502050405020303" pitchFamily="18" charset="0"/>
+              <a:cs typeface="Calibri Light" panose="020F0302020204030204" pitchFamily="34" charset="0"/>
+            </a:endParaRPr>
+          </a:p>
+        </p:txBody>
+      </p:sp>
+      <p:sp>
+        <p:nvSpPr>
+          <p:cNvPr id="12" name="Szöveg helye 14">
+            <a:extLst>
+              <a:ext uri="{FF2B5EF4-FFF2-40B4-BE49-F238E27FC236}">
+                <a16:creationId xmlns:a16="http://schemas.microsoft.com/office/drawing/2014/main" id="{B43F2BCE-0C4D-4956-BCB3-A062CA336D3F}"/>
+              </a:ext>
+            </a:extLst>
+          </p:cNvPr>
+          <p:cNvSpPr txBox="1">
+            <a:spLocks/>
+          </p:cNvSpPr>
+          <p:nvPr/>
+        </p:nvSpPr>
+        <p:spPr>
+          <a:xfrm>
+            <a:off x="6504166" y="5410316"/>
+            <a:ext cx="7277065" cy="1372805"/>
+          </a:xfrm>
+          <a:prstGeom prst="rect">
+            <a:avLst/>
+          </a:prstGeom>
+          <a:noFill/>
+        </p:spPr>
+        <p:txBody>
+          <a:bodyPr vert="horz" lIns="108000" tIns="72000" rIns="72000" bIns="36000" rtlCol="0">
+            <a:noAutofit/>
+          </a:bodyPr>
+          <a:lstStyle>
+            <a:lvl1pPr marL="0" indent="0" algn="ctr" defTabSz="914400" rtl="0" eaLnBrk="1" latinLnBrk="0" hangingPunct="1">
+              <a:lnSpc>
+                <a:spcPct val="90000"/>
+              </a:lnSpc>
+              <a:spcBef>
+                <a:spcPts val="1000"/>
+              </a:spcBef>
+              <a:buFont typeface="Arial" panose="020B0604020202020204" pitchFamily="34" charset="0"/>
+              <a:buNone/>
+              <a:defRPr sz="1600" kern="1200">
+                <a:solidFill>
+                  <a:schemeClr val="tx1">
+                    <a:lumMod val="75000"/>
+                    <a:lumOff val="25000"/>
+                  </a:schemeClr>
+                </a:solidFill>
+                <a:latin typeface="+mn-lt"/>
+                <a:ea typeface="+mn-ea"/>
+                <a:cs typeface="+mn-cs"/>
+              </a:defRPr>
+            </a:lvl1pPr>
+            <a:lvl2pPr marL="542925" indent="-276225" algn="l" defTabSz="914400" rtl="0" eaLnBrk="1" latinLnBrk="0" hangingPunct="1">
+              <a:lnSpc>
+                <a:spcPct val="90000"/>
+              </a:lnSpc>
+              <a:spcBef>
+                <a:spcPts val="500"/>
+              </a:spcBef>
+              <a:buFont typeface="Arial" panose="020B0604020202020204" pitchFamily="34" charset="0"/>
+              <a:buChar char="•"/>
+              <a:defRPr sz="1600" kern="1200">
+                <a:solidFill>
+                  <a:schemeClr val="tx1">
+                    <a:lumMod val="75000"/>
+                    <a:lumOff val="25000"/>
+                  </a:schemeClr>
+                </a:solidFill>
+                <a:latin typeface="+mn-lt"/>
+                <a:ea typeface="+mn-ea"/>
+                <a:cs typeface="+mn-cs"/>
+              </a:defRPr>
+            </a:lvl2pPr>
+            <a:lvl3pPr marL="809625" indent="-266700" algn="l" defTabSz="914400" rtl="0" eaLnBrk="1" latinLnBrk="0" hangingPunct="1">
+              <a:lnSpc>
+                <a:spcPct val="90000"/>
+              </a:lnSpc>
+              <a:spcBef>
+                <a:spcPts val="500"/>
+              </a:spcBef>
+              <a:buFont typeface="Arial" panose="020B0604020202020204" pitchFamily="34" charset="0"/>
+              <a:buChar char="•"/>
+              <a:defRPr sz="1400" kern="1200">
+                <a:solidFill>
+                  <a:schemeClr val="tx1">
+                    <a:lumMod val="75000"/>
+                    <a:lumOff val="25000"/>
+                  </a:schemeClr>
+                </a:solidFill>
+                <a:latin typeface="+mn-lt"/>
+                <a:ea typeface="+mn-ea"/>
+                <a:cs typeface="+mn-cs"/>
+              </a:defRPr>
+            </a:lvl3pPr>
+            <a:lvl4pPr marL="1076325" indent="-266700" algn="l" defTabSz="914400" rtl="0" eaLnBrk="1" latinLnBrk="0" hangingPunct="1">
+              <a:lnSpc>
+                <a:spcPct val="90000"/>
+              </a:lnSpc>
+              <a:spcBef>
+                <a:spcPts val="500"/>
+              </a:spcBef>
+              <a:buFont typeface="Arial" panose="020B0604020202020204" pitchFamily="34" charset="0"/>
+              <a:buChar char="•"/>
+              <a:defRPr sz="1400" kern="1200">
+                <a:solidFill>
+                  <a:schemeClr val="tx1">
+                    <a:lumMod val="75000"/>
+                    <a:lumOff val="25000"/>
+                  </a:schemeClr>
+                </a:solidFill>
+                <a:latin typeface="+mn-lt"/>
+                <a:ea typeface="+mn-ea"/>
+                <a:cs typeface="+mn-cs"/>
+              </a:defRPr>
+            </a:lvl4pPr>
+            <a:lvl5pPr marL="1343025" indent="-266700" algn="l" defTabSz="914400" rtl="0" eaLnBrk="1" latinLnBrk="0" hangingPunct="1">
+              <a:lnSpc>
+                <a:spcPct val="90000"/>
+              </a:lnSpc>
+              <a:spcBef>
+                <a:spcPts val="500"/>
+              </a:spcBef>
+              <a:buFont typeface="Arial" panose="020B0604020202020204" pitchFamily="34" charset="0"/>
+              <a:buChar char="•"/>
+              <a:defRPr sz="1400" kern="1200">
+                <a:solidFill>
+                  <a:schemeClr val="tx1">
+                    <a:lumMod val="75000"/>
+                    <a:lumOff val="25000"/>
+                  </a:schemeClr>
+                </a:solidFill>
+                <a:latin typeface="+mn-lt"/>
+                <a:ea typeface="+mn-ea"/>
+                <a:cs typeface="+mn-cs"/>
+              </a:defRPr>
+            </a:lvl5pPr>
+            <a:lvl6pPr marL="2514600" indent="-228600" algn="l" defTabSz="914400" rtl="0" eaLnBrk="1" latinLnBrk="0" hangingPunct="1">
+              <a:lnSpc>
+                <a:spcPct val="90000"/>
+              </a:lnSpc>
+              <a:spcBef>
+                <a:spcPts val="500"/>
+              </a:spcBef>
+              <a:buFont typeface="Arial" panose="020B0604020202020204" pitchFamily="34" charset="0"/>
+              <a:buChar char="•"/>
+              <a:defRPr sz="1800" kern="1200">
+                <a:solidFill>
+                  <a:schemeClr val="tx1"/>
+                </a:solidFill>
+                <a:latin typeface="+mn-lt"/>
+                <a:ea typeface="+mn-ea"/>
+                <a:cs typeface="+mn-cs"/>
+              </a:defRPr>
+            </a:lvl6pPr>
+            <a:lvl7pPr marL="2971800" indent="-228600" algn="l" defTabSz="914400" rtl="0" eaLnBrk="1" latinLnBrk="0" hangingPunct="1">
+              <a:lnSpc>
+                <a:spcPct val="90000"/>
+              </a:lnSpc>
+              <a:spcBef>
+                <a:spcPts val="500"/>
+              </a:spcBef>
+              <a:buFont typeface="Arial" panose="020B0604020202020204" pitchFamily="34" charset="0"/>
+              <a:buChar char="•"/>
+              <a:defRPr sz="1800" kern="1200">
+                <a:solidFill>
+                  <a:schemeClr val="tx1"/>
+                </a:solidFill>
+                <a:latin typeface="+mn-lt"/>
+                <a:ea typeface="+mn-ea"/>
+                <a:cs typeface="+mn-cs"/>
+              </a:defRPr>
+            </a:lvl7pPr>
+            <a:lvl8pPr marL="3429000" indent="-228600" algn="l" defTabSz="914400" rtl="0" eaLnBrk="1" latinLnBrk="0" hangingPunct="1">
+              <a:lnSpc>
+                <a:spcPct val="90000"/>
+              </a:lnSpc>
+              <a:spcBef>
+                <a:spcPts val="500"/>
+              </a:spcBef>
+              <a:buFont typeface="Arial" panose="020B0604020202020204" pitchFamily="34" charset="0"/>
+              <a:buChar char="•"/>
+              <a:defRPr sz="1800" kern="1200">
+                <a:solidFill>
+                  <a:schemeClr val="tx1"/>
+                </a:solidFill>
+                <a:latin typeface="+mn-lt"/>
+                <a:ea typeface="+mn-ea"/>
+                <a:cs typeface="+mn-cs"/>
+              </a:defRPr>
+            </a:lvl8pPr>
+            <a:lvl9pPr marL="3886200" indent="-228600" algn="l" defTabSz="914400" rtl="0" eaLnBrk="1" latinLnBrk="0" hangingPunct="1">
+              <a:lnSpc>
+                <a:spcPct val="90000"/>
+              </a:lnSpc>
+              <a:spcBef>
+                <a:spcPts val="500"/>
+              </a:spcBef>
+              <a:buFont typeface="Arial" panose="020B0604020202020204" pitchFamily="34" charset="0"/>
+              <a:buChar char="•"/>
+              <a:defRPr sz="1800" kern="1200">
+                <a:solidFill>
+                  <a:schemeClr val="tx1"/>
+                </a:solidFill>
+                <a:latin typeface="+mn-lt"/>
+                <a:ea typeface="+mn-ea"/>
+                <a:cs typeface="+mn-cs"/>
+              </a:defRPr>
+            </a:lvl9pPr>
+          </a:lstStyle>
+          <a:p>
+            <a:pPr algn="l">
+              <a:lnSpc>
+                <a:spcPct val="100000"/>
+              </a:lnSpc>
+            </a:pPr>
+            <a:r>
+              <a:rPr lang="hu-HU" sz="4800" dirty="0">
+                <a:solidFill>
+                  <a:schemeClr val="tx1"/>
+                </a:solidFill>
+                <a:latin typeface="Georgia" panose="02040502050405020303" pitchFamily="18" charset="0"/>
+                <a:cs typeface="Arial" panose="020B0604020202020204" pitchFamily="34" charset="0"/>
+              </a:rPr>
+              <a:t>     Még azt is tudja</a:t>
+            </a:r>
+            <a:br>
+              <a:rPr lang="hu-HU" sz="4800" dirty="0">
+                <a:solidFill>
+                  <a:schemeClr val="tx1"/>
+                </a:solidFill>
+                <a:latin typeface="Georgia" panose="02040502050405020303" pitchFamily="18" charset="0"/>
+                <a:cs typeface="Arial" panose="020B0604020202020204" pitchFamily="34" charset="0"/>
+              </a:rPr>
+            </a:br>
+            <a:r>
+              <a:rPr lang="hu-HU" sz="1400" dirty="0">
+                <a:solidFill>
+                  <a:schemeClr val="tx1"/>
+                </a:solidFill>
+                <a:latin typeface="Arial" panose="020B0604020202020204" pitchFamily="34" charset="0"/>
+                <a:cs typeface="Arial" panose="020B0604020202020204" pitchFamily="34" charset="0"/>
+              </a:rPr>
+              <a:t>hogy mekkorát kell lépnie hogy megfelelő helyre hozza magát,</a:t>
+            </a:r>
+            <a:br>
+              <a:rPr lang="hu-HU" sz="1400" dirty="0">
+                <a:solidFill>
+                  <a:schemeClr val="tx1"/>
+                </a:solidFill>
+                <a:latin typeface="Arial" panose="020B0604020202020204" pitchFamily="34" charset="0"/>
+                <a:cs typeface="Arial" panose="020B0604020202020204" pitchFamily="34" charset="0"/>
+              </a:rPr>
+            </a:br>
+            <a:r>
+              <a:rPr lang="hu-HU" sz="1400" dirty="0">
+                <a:solidFill>
+                  <a:schemeClr val="tx1"/>
+                </a:solidFill>
+                <a:latin typeface="Arial" panose="020B0604020202020204" pitchFamily="34" charset="0"/>
+                <a:cs typeface="Arial" panose="020B0604020202020204" pitchFamily="34" charset="0"/>
+              </a:rPr>
+              <a:t>ahol kevés is elég ott kevesebbet lép.</a:t>
+            </a:r>
+            <a:endParaRPr lang="hu-HU" sz="4800" dirty="0">
+              <a:solidFill>
+                <a:schemeClr val="tx1"/>
+              </a:solidFill>
+              <a:latin typeface="Georgia" panose="02040502050405020303" pitchFamily="18" charset="0"/>
+              <a:cs typeface="Calibri Light" panose="020F0302020204030204" pitchFamily="34" charset="0"/>
+            </a:endParaRPr>
+          </a:p>
+        </p:txBody>
+      </p:sp>
+      <p:cxnSp>
+        <p:nvCxnSpPr>
+          <p:cNvPr id="3" name="Egyenes összekötő nyíllal 2">
+            <a:extLst>
+              <a:ext uri="{FF2B5EF4-FFF2-40B4-BE49-F238E27FC236}">
+                <a16:creationId xmlns:a16="http://schemas.microsoft.com/office/drawing/2014/main" id="{6B863C87-3CFD-4F73-8690-9149FB96479F}"/>
+              </a:ext>
+            </a:extLst>
+          </p:cNvPr>
+          <p:cNvCxnSpPr>
+            <a:cxnSpLocks/>
+          </p:cNvCxnSpPr>
+          <p:nvPr/>
+        </p:nvCxnSpPr>
+        <p:spPr>
+          <a:xfrm flipH="1">
+            <a:off x="5663821" y="6605466"/>
+            <a:ext cx="1295149" cy="0"/>
+          </a:xfrm>
+          <a:prstGeom prst="straightConnector1">
+            <a:avLst/>
+          </a:prstGeom>
+          <a:ln>
+            <a:tailEnd type="triangle"/>
+          </a:ln>
+        </p:spPr>
+        <p:style>
+          <a:lnRef idx="1">
+            <a:schemeClr val="accent1"/>
+          </a:lnRef>
+          <a:fillRef idx="0">
+            <a:schemeClr val="accent1"/>
+          </a:fillRef>
+          <a:effectRef idx="0">
+            <a:schemeClr val="accent1"/>
+          </a:effectRef>
+          <a:fontRef idx="minor">
+            <a:schemeClr val="tx1"/>
+          </a:fontRef>
+        </p:style>
+      </p:cxnSp>
+    </p:spTree>
+    <p:extLst>
+      <p:ext uri="{BB962C8B-B14F-4D97-AF65-F5344CB8AC3E}">
+        <p14:creationId xmlns:p14="http://schemas.microsoft.com/office/powerpoint/2010/main" val="1996089457"/>
+      </p:ext>
+    </p:extLst>
+  </p:cSld>
+  <p:clrMapOvr>
+    <a:masterClrMapping/>
+  </p:clrMapOvr>
+  <mc:AlternateContent xmlns:mc="http://schemas.openxmlformats.org/markup-compatibility/2006">
+    <mc:Choice xmlns:p14="http://schemas.microsoft.com/office/powerpoint/2010/main" Requires="p14">
+      <p:transition spd="med" p14:dur="700">
+        <p:fade/>
+      </p:transition>
+    </mc:Choice>
+    <mc:Fallback>
+      <p:transition spd="med">
+        <p:fade/>
+      </p:transition>
+    </mc:Fallback>
+  </mc:AlternateContent>
+  <p:timing>
+    <p:tnLst>
+      <p:par>
+        <p:cTn id="1" dur="indefinite" restart="never" nodeType="tmRoot">
+          <p:childTnLst>
+            <p:seq concurrent="1" nextAc="seek">
+              <p:cTn id="2" dur="indefinite" nodeType="mainSeq">
+                <p:childTnLst>
+                  <p:par>
+                    <p:cTn id="3" fill="hold">
+                      <p:stCondLst>
+                        <p:cond delay="indefinite"/>
+                      </p:stCondLst>
+                      <p:childTnLst>
+                        <p:par>
+                          <p:cTn id="4" fill="hold">
+                            <p:stCondLst>
+                              <p:cond delay="0"/>
+                            </p:stCondLst>
+                            <p:childTnLst>
+                              <p:par>
+                                <p:cTn id="5" presetID="10" presetClass="entr" presetSubtype="0" fill="hold" grpId="0" nodeType="clickEffect">
+                                  <p:stCondLst>
+                                    <p:cond delay="0"/>
+                                  </p:stCondLst>
+                                  <p:childTnLst>
+                                    <p:set>
+                                      <p:cBhvr>
+                                        <p:cTn id="6" dur="1" fill="hold">
+                                          <p:stCondLst>
+                                            <p:cond delay="0"/>
+                                          </p:stCondLst>
+                                        </p:cTn>
+                                        <p:tgtEl>
+                                          <p:spTgt spid="10"/>
+                                        </p:tgtEl>
+                                        <p:attrNameLst>
+                                          <p:attrName>style.visibility</p:attrName>
+                                        </p:attrNameLst>
+                                      </p:cBhvr>
+                                      <p:to>
+                                        <p:strVal val="visible"/>
+                                      </p:to>
+                                    </p:set>
+                                    <p:animEffect transition="in" filter="fade">
+                                      <p:cBhvr>
+                                        <p:cTn id="7" dur="500"/>
+                                        <p:tgtEl>
+                                          <p:spTgt spid="10"/>
+                                        </p:tgtEl>
+                                      </p:cBhvr>
+                                    </p:animEffect>
+                                  </p:childTnLst>
+                                </p:cTn>
+                              </p:par>
+                            </p:childTnLst>
+                          </p:cTn>
+                        </p:par>
+                      </p:childTnLst>
+                    </p:cTn>
+                  </p:par>
+                  <p:par>
+                    <p:cTn id="8" fill="hold">
+                      <p:stCondLst>
+                        <p:cond delay="indefinite"/>
+                      </p:stCondLst>
+                      <p:childTnLst>
+                        <p:par>
+                          <p:cTn id="9" fill="hold">
+                            <p:stCondLst>
+                              <p:cond delay="0"/>
+                            </p:stCondLst>
+                            <p:childTnLst>
+                              <p:par>
+                                <p:cTn id="10" presetID="10" presetClass="entr" presetSubtype="0" fill="hold" grpId="0" nodeType="clickEffect">
+                                  <p:stCondLst>
+                                    <p:cond delay="0"/>
+                                  </p:stCondLst>
+                                  <p:childTnLst>
+                                    <p:set>
+                                      <p:cBhvr>
+                                        <p:cTn id="11" dur="1" fill="hold">
+                                          <p:stCondLst>
+                                            <p:cond delay="0"/>
+                                          </p:stCondLst>
+                                        </p:cTn>
+                                        <p:tgtEl>
+                                          <p:spTgt spid="12"/>
+                                        </p:tgtEl>
+                                        <p:attrNameLst>
+                                          <p:attrName>style.visibility</p:attrName>
+                                        </p:attrNameLst>
+                                      </p:cBhvr>
+                                      <p:to>
+                                        <p:strVal val="visible"/>
+                                      </p:to>
+                                    </p:set>
+                                    <p:animEffect transition="in" filter="fade">
+                                      <p:cBhvr>
+                                        <p:cTn id="12" dur="500"/>
+                                        <p:tgtEl>
+                                          <p:spTgt spid="12"/>
+                                        </p:tgtEl>
+                                      </p:cBhvr>
+                                    </p:animEffect>
+                                  </p:childTnLst>
+                                </p:cTn>
+                              </p:par>
+                              <p:par>
+                                <p:cTn id="13" presetID="10" presetClass="entr" presetSubtype="0" fill="hold" nodeType="withEffect">
+                                  <p:stCondLst>
+                                    <p:cond delay="0"/>
+                                  </p:stCondLst>
+                                  <p:childTnLst>
+                                    <p:set>
+                                      <p:cBhvr>
+                                        <p:cTn id="14" dur="1" fill="hold">
+                                          <p:stCondLst>
+                                            <p:cond delay="0"/>
+                                          </p:stCondLst>
+                                        </p:cTn>
+                                        <p:tgtEl>
+                                          <p:spTgt spid="3"/>
+                                        </p:tgtEl>
+                                        <p:attrNameLst>
+                                          <p:attrName>style.visibility</p:attrName>
+                                        </p:attrNameLst>
+                                      </p:cBhvr>
+                                      <p:to>
+                                        <p:strVal val="visible"/>
+                                      </p:to>
+                                    </p:set>
+                                    <p:animEffect transition="in" filter="fade">
+                                      <p:cBhvr>
+                                        <p:cTn id="15" dur="500"/>
+                                        <p:tgtEl>
+                                          <p:spTgt spid="3"/>
+                                        </p:tgtEl>
+                                      </p:cBhvr>
+                                    </p:animEffect>
+                                  </p:childTnLst>
+                                </p:cTn>
+                              </p:par>
+                            </p:childTnLst>
+                          </p:cTn>
+                        </p:par>
+                      </p:childTnLst>
+                    </p:cTn>
+                  </p:par>
+                </p:childTnLst>
+              </p:cTn>
+              <p:prevCondLst>
+                <p:cond evt="onPrev" delay="0">
+                  <p:tgtEl>
+                    <p:sldTgt/>
+                  </p:tgtEl>
+                </p:cond>
+              </p:prevCondLst>
+              <p:nextCondLst>
+                <p:cond evt="onNext" delay="0">
+                  <p:tgtEl>
+                    <p:sldTgt/>
+                  </p:tgtEl>
+                </p:cond>
+              </p:nextCondLst>
+            </p:seq>
+          </p:childTnLst>
+        </p:cTn>
+      </p:par>
+    </p:tnLst>
+    <p:bldLst>
+      <p:bldP spid="10" grpId="0"/>
+      <p:bldP spid="12" grpId="0"/>
+    </p:bldLst>
+  </p:timing>
+</p:sld>
+</file>
+
+<file path=ppt/slides/slide18.xml><?xml version="1.0" encoding="utf-8"?>
+<p:sld xmlns:a="http://schemas.openxmlformats.org/drawingml/2006/main" xmlns:r="http://schemas.openxmlformats.org/officeDocument/2006/relationships" xmlns:p="http://schemas.openxmlformats.org/presentationml/2006/main">
+  <p:cSld>
+    <p:spTree>
+      <p:nvGrpSpPr>
+        <p:cNvPr id="1" name=""/>
+        <p:cNvGrpSpPr/>
+        <p:nvPr/>
+      </p:nvGrpSpPr>
+      <p:grpSpPr>
+        <a:xfrm>
+          <a:off x="0" y="0"/>
+          <a:ext cx="0" cy="0"/>
+          <a:chOff x="0" y="0"/>
+          <a:chExt cx="0" cy="0"/>
+        </a:xfrm>
+      </p:grpSpPr>
+      <p:pic>
+        <p:nvPicPr>
+          <p:cNvPr id="4" name="Kép 3" descr="A képen háló látható&#10;&#10;Automatikusan generált leírás">
+            <a:extLst>
+              <a:ext uri="{FF2B5EF4-FFF2-40B4-BE49-F238E27FC236}">
+                <a16:creationId xmlns:a16="http://schemas.microsoft.com/office/drawing/2014/main" id="{B7B7332F-71BE-4DF1-8FF7-6FEAA97B25FB}"/>
+              </a:ext>
+            </a:extLst>
+          </p:cNvPr>
+          <p:cNvPicPr>
+            <a:picLocks noChangeAspect="1"/>
+          </p:cNvPicPr>
+          <p:nvPr/>
+        </p:nvPicPr>
+        <p:blipFill>
+          <a:blip r:embed="rId3">
+            <a:extLst>
+              <a:ext uri="{BEBA8EAE-BF5A-486C-A8C5-ECC9F3942E4B}">
+                <a14:imgProps xmlns:a14="http://schemas.microsoft.com/office/drawing/2010/main">
+                  <a14:imgLayer r:embed="rId4">
+                    <a14:imgEffect>
+                      <a14:sharpenSoften amount="-100000"/>
+                    </a14:imgEffect>
+                  </a14:imgLayer>
+                </a14:imgProps>
+              </a:ext>
+              <a:ext uri="{28A0092B-C50C-407E-A947-70E740481C1C}">
+                <a14:useLocalDpi xmlns:a14="http://schemas.microsoft.com/office/drawing/2010/main" val="0"/>
+              </a:ext>
+            </a:extLst>
+          </a:blip>
+          <a:stretch>
+            <a:fillRect/>
+          </a:stretch>
+        </p:blipFill>
+        <p:spPr>
+          <a:xfrm>
+            <a:off x="0" y="-3182798"/>
+            <a:ext cx="13475043" cy="10040798"/>
+          </a:xfrm>
+          <a:prstGeom prst="rect">
+            <a:avLst/>
+          </a:prstGeom>
+        </p:spPr>
+      </p:pic>
+      <p:sp>
+        <p:nvSpPr>
           <p:cNvPr id="16" name="Szöveg helye 14">
             <a:extLst>
               <a:ext uri="{FF2B5EF4-FFF2-40B4-BE49-F238E27FC236}">
@@ -14934,7 +17024,7 @@
 </p:sld>
 </file>
 
-<file path=ppt/slides/slide17.xml><?xml version="1.0" encoding="utf-8"?>
+<file path=ppt/slides/slide19.xml><?xml version="1.0" encoding="utf-8"?>
 <p:sld xmlns:a="http://schemas.openxmlformats.org/drawingml/2006/main" xmlns:r="http://schemas.openxmlformats.org/officeDocument/2006/relationships" xmlns:p="http://schemas.openxmlformats.org/presentationml/2006/main">
   <p:cSld>
     <p:spTree>
@@ -15739,7 +17829,1013 @@
 </p:sld>
 </file>
 
-<file path=ppt/slides/slide18.xml><?xml version="1.0" encoding="utf-8"?>
+<file path=ppt/slides/slide2.xml><?xml version="1.0" encoding="utf-8"?>
+<p:sld xmlns:a="http://schemas.openxmlformats.org/drawingml/2006/main" xmlns:r="http://schemas.openxmlformats.org/officeDocument/2006/relationships" xmlns:p="http://schemas.openxmlformats.org/presentationml/2006/main">
+  <p:cSld>
+    <p:spTree>
+      <p:nvGrpSpPr>
+        <p:cNvPr id="1" name=""/>
+        <p:cNvGrpSpPr/>
+        <p:nvPr/>
+      </p:nvGrpSpPr>
+      <p:grpSpPr>
+        <a:xfrm>
+          <a:off x="0" y="0"/>
+          <a:ext cx="0" cy="0"/>
+          <a:chOff x="0" y="0"/>
+          <a:chExt cx="0" cy="0"/>
+        </a:xfrm>
+      </p:grpSpPr>
+      <p:sp>
+        <p:nvSpPr>
+          <p:cNvPr id="9" name="Szöveg helye 14">
+            <a:extLst>
+              <a:ext uri="{FF2B5EF4-FFF2-40B4-BE49-F238E27FC236}">
+                <a16:creationId xmlns:a16="http://schemas.microsoft.com/office/drawing/2014/main" id="{27FB6942-F6E0-48A2-84B6-F1FA23483B8E}"/>
+              </a:ext>
+            </a:extLst>
+          </p:cNvPr>
+          <p:cNvSpPr txBox="1">
+            <a:spLocks/>
+          </p:cNvSpPr>
+          <p:nvPr/>
+        </p:nvSpPr>
+        <p:spPr>
+          <a:xfrm>
+            <a:off x="541246" y="386452"/>
+            <a:ext cx="8708771" cy="942559"/>
+          </a:xfrm>
+          <a:prstGeom prst="rect">
+            <a:avLst/>
+          </a:prstGeom>
+          <a:noFill/>
+        </p:spPr>
+        <p:txBody>
+          <a:bodyPr vert="horz" lIns="108000" tIns="72000" rIns="72000" bIns="36000" rtlCol="0">
+            <a:noAutofit/>
+          </a:bodyPr>
+          <a:lstStyle>
+            <a:lvl1pPr marL="0" indent="0" algn="ctr" defTabSz="914400" rtl="0" eaLnBrk="1" latinLnBrk="0" hangingPunct="1">
+              <a:lnSpc>
+                <a:spcPct val="90000"/>
+              </a:lnSpc>
+              <a:spcBef>
+                <a:spcPts val="1000"/>
+              </a:spcBef>
+              <a:buFont typeface="Arial" panose="020B0604020202020204" pitchFamily="34" charset="0"/>
+              <a:buNone/>
+              <a:defRPr sz="1600" kern="1200">
+                <a:solidFill>
+                  <a:schemeClr val="tx1">
+                    <a:lumMod val="75000"/>
+                    <a:lumOff val="25000"/>
+                  </a:schemeClr>
+                </a:solidFill>
+                <a:latin typeface="+mn-lt"/>
+                <a:ea typeface="+mn-ea"/>
+                <a:cs typeface="+mn-cs"/>
+              </a:defRPr>
+            </a:lvl1pPr>
+            <a:lvl2pPr marL="542925" indent="-276225" algn="l" defTabSz="914400" rtl="0" eaLnBrk="1" latinLnBrk="0" hangingPunct="1">
+              <a:lnSpc>
+                <a:spcPct val="90000"/>
+              </a:lnSpc>
+              <a:spcBef>
+                <a:spcPts val="500"/>
+              </a:spcBef>
+              <a:buFont typeface="Arial" panose="020B0604020202020204" pitchFamily="34" charset="0"/>
+              <a:buChar char="•"/>
+              <a:defRPr sz="1600" kern="1200">
+                <a:solidFill>
+                  <a:schemeClr val="tx1">
+                    <a:lumMod val="75000"/>
+                    <a:lumOff val="25000"/>
+                  </a:schemeClr>
+                </a:solidFill>
+                <a:latin typeface="+mn-lt"/>
+                <a:ea typeface="+mn-ea"/>
+                <a:cs typeface="+mn-cs"/>
+              </a:defRPr>
+            </a:lvl2pPr>
+            <a:lvl3pPr marL="809625" indent="-266700" algn="l" defTabSz="914400" rtl="0" eaLnBrk="1" latinLnBrk="0" hangingPunct="1">
+              <a:lnSpc>
+                <a:spcPct val="90000"/>
+              </a:lnSpc>
+              <a:spcBef>
+                <a:spcPts val="500"/>
+              </a:spcBef>
+              <a:buFont typeface="Arial" panose="020B0604020202020204" pitchFamily="34" charset="0"/>
+              <a:buChar char="•"/>
+              <a:defRPr sz="1400" kern="1200">
+                <a:solidFill>
+                  <a:schemeClr val="tx1">
+                    <a:lumMod val="75000"/>
+                    <a:lumOff val="25000"/>
+                  </a:schemeClr>
+                </a:solidFill>
+                <a:latin typeface="+mn-lt"/>
+                <a:ea typeface="+mn-ea"/>
+                <a:cs typeface="+mn-cs"/>
+              </a:defRPr>
+            </a:lvl3pPr>
+            <a:lvl4pPr marL="1076325" indent="-266700" algn="l" defTabSz="914400" rtl="0" eaLnBrk="1" latinLnBrk="0" hangingPunct="1">
+              <a:lnSpc>
+                <a:spcPct val="90000"/>
+              </a:lnSpc>
+              <a:spcBef>
+                <a:spcPts val="500"/>
+              </a:spcBef>
+              <a:buFont typeface="Arial" panose="020B0604020202020204" pitchFamily="34" charset="0"/>
+              <a:buChar char="•"/>
+              <a:defRPr sz="1400" kern="1200">
+                <a:solidFill>
+                  <a:schemeClr val="tx1">
+                    <a:lumMod val="75000"/>
+                    <a:lumOff val="25000"/>
+                  </a:schemeClr>
+                </a:solidFill>
+                <a:latin typeface="+mn-lt"/>
+                <a:ea typeface="+mn-ea"/>
+                <a:cs typeface="+mn-cs"/>
+              </a:defRPr>
+            </a:lvl4pPr>
+            <a:lvl5pPr marL="1343025" indent="-266700" algn="l" defTabSz="914400" rtl="0" eaLnBrk="1" latinLnBrk="0" hangingPunct="1">
+              <a:lnSpc>
+                <a:spcPct val="90000"/>
+              </a:lnSpc>
+              <a:spcBef>
+                <a:spcPts val="500"/>
+              </a:spcBef>
+              <a:buFont typeface="Arial" panose="020B0604020202020204" pitchFamily="34" charset="0"/>
+              <a:buChar char="•"/>
+              <a:defRPr sz="1400" kern="1200">
+                <a:solidFill>
+                  <a:schemeClr val="tx1">
+                    <a:lumMod val="75000"/>
+                    <a:lumOff val="25000"/>
+                  </a:schemeClr>
+                </a:solidFill>
+                <a:latin typeface="+mn-lt"/>
+                <a:ea typeface="+mn-ea"/>
+                <a:cs typeface="+mn-cs"/>
+              </a:defRPr>
+            </a:lvl5pPr>
+            <a:lvl6pPr marL="2514600" indent="-228600" algn="l" defTabSz="914400" rtl="0" eaLnBrk="1" latinLnBrk="0" hangingPunct="1">
+              <a:lnSpc>
+                <a:spcPct val="90000"/>
+              </a:lnSpc>
+              <a:spcBef>
+                <a:spcPts val="500"/>
+              </a:spcBef>
+              <a:buFont typeface="Arial" panose="020B0604020202020204" pitchFamily="34" charset="0"/>
+              <a:buChar char="•"/>
+              <a:defRPr sz="1800" kern="1200">
+                <a:solidFill>
+                  <a:schemeClr val="tx1"/>
+                </a:solidFill>
+                <a:latin typeface="+mn-lt"/>
+                <a:ea typeface="+mn-ea"/>
+                <a:cs typeface="+mn-cs"/>
+              </a:defRPr>
+            </a:lvl6pPr>
+            <a:lvl7pPr marL="2971800" indent="-228600" algn="l" defTabSz="914400" rtl="0" eaLnBrk="1" latinLnBrk="0" hangingPunct="1">
+              <a:lnSpc>
+                <a:spcPct val="90000"/>
+              </a:lnSpc>
+              <a:spcBef>
+                <a:spcPts val="500"/>
+              </a:spcBef>
+              <a:buFont typeface="Arial" panose="020B0604020202020204" pitchFamily="34" charset="0"/>
+              <a:buChar char="•"/>
+              <a:defRPr sz="1800" kern="1200">
+                <a:solidFill>
+                  <a:schemeClr val="tx1"/>
+                </a:solidFill>
+                <a:latin typeface="+mn-lt"/>
+                <a:ea typeface="+mn-ea"/>
+                <a:cs typeface="+mn-cs"/>
+              </a:defRPr>
+            </a:lvl7pPr>
+            <a:lvl8pPr marL="3429000" indent="-228600" algn="l" defTabSz="914400" rtl="0" eaLnBrk="1" latinLnBrk="0" hangingPunct="1">
+              <a:lnSpc>
+                <a:spcPct val="90000"/>
+              </a:lnSpc>
+              <a:spcBef>
+                <a:spcPts val="500"/>
+              </a:spcBef>
+              <a:buFont typeface="Arial" panose="020B0604020202020204" pitchFamily="34" charset="0"/>
+              <a:buChar char="•"/>
+              <a:defRPr sz="1800" kern="1200">
+                <a:solidFill>
+                  <a:schemeClr val="tx1"/>
+                </a:solidFill>
+                <a:latin typeface="+mn-lt"/>
+                <a:ea typeface="+mn-ea"/>
+                <a:cs typeface="+mn-cs"/>
+              </a:defRPr>
+            </a:lvl8pPr>
+            <a:lvl9pPr marL="3886200" indent="-228600" algn="l" defTabSz="914400" rtl="0" eaLnBrk="1" latinLnBrk="0" hangingPunct="1">
+              <a:lnSpc>
+                <a:spcPct val="90000"/>
+              </a:lnSpc>
+              <a:spcBef>
+                <a:spcPts val="500"/>
+              </a:spcBef>
+              <a:buFont typeface="Arial" panose="020B0604020202020204" pitchFamily="34" charset="0"/>
+              <a:buChar char="•"/>
+              <a:defRPr sz="1800" kern="1200">
+                <a:solidFill>
+                  <a:schemeClr val="tx1"/>
+                </a:solidFill>
+                <a:latin typeface="+mn-lt"/>
+                <a:ea typeface="+mn-ea"/>
+                <a:cs typeface="+mn-cs"/>
+              </a:defRPr>
+            </a:lvl9pPr>
+          </a:lstStyle>
+          <a:p>
+            <a:pPr algn="l">
+              <a:lnSpc>
+                <a:spcPct val="100000"/>
+              </a:lnSpc>
+            </a:pPr>
+            <a:r>
+              <a:rPr lang="hu-HU" sz="4800" dirty="0" err="1">
+                <a:solidFill>
+                  <a:schemeClr val="tx1"/>
+                </a:solidFill>
+                <a:latin typeface="Georgia" panose="02040502050405020303" pitchFamily="18" charset="0"/>
+                <a:cs typeface="Arial" panose="020B0604020202020204" pitchFamily="34" charset="0"/>
+              </a:rPr>
+              <a:t>ToDo</a:t>
+            </a:r>
+            <a:r>
+              <a:rPr lang="hu-HU" sz="4800" dirty="0">
+                <a:solidFill>
+                  <a:schemeClr val="tx1"/>
+                </a:solidFill>
+                <a:latin typeface="Georgia" panose="02040502050405020303" pitchFamily="18" charset="0"/>
+                <a:cs typeface="Arial" panose="020B0604020202020204" pitchFamily="34" charset="0"/>
+              </a:rPr>
+              <a:t> </a:t>
+            </a:r>
+            <a:r>
+              <a:rPr lang="hu-HU" sz="4800" dirty="0" err="1">
+                <a:solidFill>
+                  <a:schemeClr val="tx1"/>
+                </a:solidFill>
+                <a:latin typeface="Georgia" panose="02040502050405020303" pitchFamily="18" charset="0"/>
+                <a:cs typeface="Arial" panose="020B0604020202020204" pitchFamily="34" charset="0"/>
+              </a:rPr>
+              <a:t>list</a:t>
+            </a:r>
+            <a:endParaRPr lang="hu-HU" sz="4800" dirty="0">
+              <a:solidFill>
+                <a:schemeClr val="tx1"/>
+              </a:solidFill>
+              <a:latin typeface="Georgia" panose="02040502050405020303" pitchFamily="18" charset="0"/>
+              <a:cs typeface="Calibri Light" panose="020F0302020204030204" pitchFamily="34" charset="0"/>
+            </a:endParaRPr>
+          </a:p>
+        </p:txBody>
+      </p:sp>
+      <p:sp>
+        <p:nvSpPr>
+          <p:cNvPr id="10" name="Szöveg helye 14">
+            <a:extLst>
+              <a:ext uri="{FF2B5EF4-FFF2-40B4-BE49-F238E27FC236}">
+                <a16:creationId xmlns:a16="http://schemas.microsoft.com/office/drawing/2014/main" id="{9FB85B1C-99A5-4A8E-95DD-57C11294BB7A}"/>
+              </a:ext>
+            </a:extLst>
+          </p:cNvPr>
+          <p:cNvSpPr txBox="1">
+            <a:spLocks/>
+          </p:cNvSpPr>
+          <p:nvPr/>
+        </p:nvSpPr>
+        <p:spPr>
+          <a:xfrm>
+            <a:off x="541247" y="1329010"/>
+            <a:ext cx="10988144" cy="5142537"/>
+          </a:xfrm>
+          <a:prstGeom prst="rect">
+            <a:avLst/>
+          </a:prstGeom>
+          <a:noFill/>
+        </p:spPr>
+        <p:txBody>
+          <a:bodyPr vert="horz" lIns="108000" tIns="72000" rIns="72000" bIns="36000" rtlCol="0">
+            <a:noAutofit/>
+          </a:bodyPr>
+          <a:lstStyle>
+            <a:lvl1pPr marL="0" indent="0" algn="ctr" defTabSz="914400" rtl="0" eaLnBrk="1" latinLnBrk="0" hangingPunct="1">
+              <a:lnSpc>
+                <a:spcPct val="90000"/>
+              </a:lnSpc>
+              <a:spcBef>
+                <a:spcPts val="1000"/>
+              </a:spcBef>
+              <a:buFont typeface="Arial" panose="020B0604020202020204" pitchFamily="34" charset="0"/>
+              <a:buNone/>
+              <a:defRPr sz="1600" kern="1200">
+                <a:solidFill>
+                  <a:schemeClr val="tx1">
+                    <a:lumMod val="75000"/>
+                    <a:lumOff val="25000"/>
+                  </a:schemeClr>
+                </a:solidFill>
+                <a:latin typeface="+mn-lt"/>
+                <a:ea typeface="+mn-ea"/>
+                <a:cs typeface="+mn-cs"/>
+              </a:defRPr>
+            </a:lvl1pPr>
+            <a:lvl2pPr marL="542925" indent="-276225" algn="l" defTabSz="914400" rtl="0" eaLnBrk="1" latinLnBrk="0" hangingPunct="1">
+              <a:lnSpc>
+                <a:spcPct val="90000"/>
+              </a:lnSpc>
+              <a:spcBef>
+                <a:spcPts val="500"/>
+              </a:spcBef>
+              <a:buFont typeface="Arial" panose="020B0604020202020204" pitchFamily="34" charset="0"/>
+              <a:buChar char="•"/>
+              <a:defRPr sz="1600" kern="1200">
+                <a:solidFill>
+                  <a:schemeClr val="tx1">
+                    <a:lumMod val="75000"/>
+                    <a:lumOff val="25000"/>
+                  </a:schemeClr>
+                </a:solidFill>
+                <a:latin typeface="+mn-lt"/>
+                <a:ea typeface="+mn-ea"/>
+                <a:cs typeface="+mn-cs"/>
+              </a:defRPr>
+            </a:lvl2pPr>
+            <a:lvl3pPr marL="809625" indent="-266700" algn="l" defTabSz="914400" rtl="0" eaLnBrk="1" latinLnBrk="0" hangingPunct="1">
+              <a:lnSpc>
+                <a:spcPct val="90000"/>
+              </a:lnSpc>
+              <a:spcBef>
+                <a:spcPts val="500"/>
+              </a:spcBef>
+              <a:buFont typeface="Arial" panose="020B0604020202020204" pitchFamily="34" charset="0"/>
+              <a:buChar char="•"/>
+              <a:defRPr sz="1400" kern="1200">
+                <a:solidFill>
+                  <a:schemeClr val="tx1">
+                    <a:lumMod val="75000"/>
+                    <a:lumOff val="25000"/>
+                  </a:schemeClr>
+                </a:solidFill>
+                <a:latin typeface="+mn-lt"/>
+                <a:ea typeface="+mn-ea"/>
+                <a:cs typeface="+mn-cs"/>
+              </a:defRPr>
+            </a:lvl3pPr>
+            <a:lvl4pPr marL="1076325" indent="-266700" algn="l" defTabSz="914400" rtl="0" eaLnBrk="1" latinLnBrk="0" hangingPunct="1">
+              <a:lnSpc>
+                <a:spcPct val="90000"/>
+              </a:lnSpc>
+              <a:spcBef>
+                <a:spcPts val="500"/>
+              </a:spcBef>
+              <a:buFont typeface="Arial" panose="020B0604020202020204" pitchFamily="34" charset="0"/>
+              <a:buChar char="•"/>
+              <a:defRPr sz="1400" kern="1200">
+                <a:solidFill>
+                  <a:schemeClr val="tx1">
+                    <a:lumMod val="75000"/>
+                    <a:lumOff val="25000"/>
+                  </a:schemeClr>
+                </a:solidFill>
+                <a:latin typeface="+mn-lt"/>
+                <a:ea typeface="+mn-ea"/>
+                <a:cs typeface="+mn-cs"/>
+              </a:defRPr>
+            </a:lvl4pPr>
+            <a:lvl5pPr marL="1343025" indent="-266700" algn="l" defTabSz="914400" rtl="0" eaLnBrk="1" latinLnBrk="0" hangingPunct="1">
+              <a:lnSpc>
+                <a:spcPct val="90000"/>
+              </a:lnSpc>
+              <a:spcBef>
+                <a:spcPts val="500"/>
+              </a:spcBef>
+              <a:buFont typeface="Arial" panose="020B0604020202020204" pitchFamily="34" charset="0"/>
+              <a:buChar char="•"/>
+              <a:defRPr sz="1400" kern="1200">
+                <a:solidFill>
+                  <a:schemeClr val="tx1">
+                    <a:lumMod val="75000"/>
+                    <a:lumOff val="25000"/>
+                  </a:schemeClr>
+                </a:solidFill>
+                <a:latin typeface="+mn-lt"/>
+                <a:ea typeface="+mn-ea"/>
+                <a:cs typeface="+mn-cs"/>
+              </a:defRPr>
+            </a:lvl5pPr>
+            <a:lvl6pPr marL="2514600" indent="-228600" algn="l" defTabSz="914400" rtl="0" eaLnBrk="1" latinLnBrk="0" hangingPunct="1">
+              <a:lnSpc>
+                <a:spcPct val="90000"/>
+              </a:lnSpc>
+              <a:spcBef>
+                <a:spcPts val="500"/>
+              </a:spcBef>
+              <a:buFont typeface="Arial" panose="020B0604020202020204" pitchFamily="34" charset="0"/>
+              <a:buChar char="•"/>
+              <a:defRPr sz="1800" kern="1200">
+                <a:solidFill>
+                  <a:schemeClr val="tx1"/>
+                </a:solidFill>
+                <a:latin typeface="+mn-lt"/>
+                <a:ea typeface="+mn-ea"/>
+                <a:cs typeface="+mn-cs"/>
+              </a:defRPr>
+            </a:lvl6pPr>
+            <a:lvl7pPr marL="2971800" indent="-228600" algn="l" defTabSz="914400" rtl="0" eaLnBrk="1" latinLnBrk="0" hangingPunct="1">
+              <a:lnSpc>
+                <a:spcPct val="90000"/>
+              </a:lnSpc>
+              <a:spcBef>
+                <a:spcPts val="500"/>
+              </a:spcBef>
+              <a:buFont typeface="Arial" panose="020B0604020202020204" pitchFamily="34" charset="0"/>
+              <a:buChar char="•"/>
+              <a:defRPr sz="1800" kern="1200">
+                <a:solidFill>
+                  <a:schemeClr val="tx1"/>
+                </a:solidFill>
+                <a:latin typeface="+mn-lt"/>
+                <a:ea typeface="+mn-ea"/>
+                <a:cs typeface="+mn-cs"/>
+              </a:defRPr>
+            </a:lvl7pPr>
+            <a:lvl8pPr marL="3429000" indent="-228600" algn="l" defTabSz="914400" rtl="0" eaLnBrk="1" latinLnBrk="0" hangingPunct="1">
+              <a:lnSpc>
+                <a:spcPct val="90000"/>
+              </a:lnSpc>
+              <a:spcBef>
+                <a:spcPts val="500"/>
+              </a:spcBef>
+              <a:buFont typeface="Arial" panose="020B0604020202020204" pitchFamily="34" charset="0"/>
+              <a:buChar char="•"/>
+              <a:defRPr sz="1800" kern="1200">
+                <a:solidFill>
+                  <a:schemeClr val="tx1"/>
+                </a:solidFill>
+                <a:latin typeface="+mn-lt"/>
+                <a:ea typeface="+mn-ea"/>
+                <a:cs typeface="+mn-cs"/>
+              </a:defRPr>
+            </a:lvl8pPr>
+            <a:lvl9pPr marL="3886200" indent="-228600" algn="l" defTabSz="914400" rtl="0" eaLnBrk="1" latinLnBrk="0" hangingPunct="1">
+              <a:lnSpc>
+                <a:spcPct val="90000"/>
+              </a:lnSpc>
+              <a:spcBef>
+                <a:spcPts val="500"/>
+              </a:spcBef>
+              <a:buFont typeface="Arial" panose="020B0604020202020204" pitchFamily="34" charset="0"/>
+              <a:buChar char="•"/>
+              <a:defRPr sz="1800" kern="1200">
+                <a:solidFill>
+                  <a:schemeClr val="tx1"/>
+                </a:solidFill>
+                <a:latin typeface="+mn-lt"/>
+                <a:ea typeface="+mn-ea"/>
+                <a:cs typeface="+mn-cs"/>
+              </a:defRPr>
+            </a:lvl9pPr>
+          </a:lstStyle>
+          <a:p>
+            <a:pPr algn="l">
+              <a:lnSpc>
+                <a:spcPct val="100000"/>
+              </a:lnSpc>
+            </a:pPr>
+            <a:r>
+              <a:rPr lang="hu-HU" sz="2000" dirty="0">
+                <a:solidFill>
+                  <a:schemeClr val="tx1"/>
+                </a:solidFill>
+                <a:latin typeface="Georgia" panose="02040502050405020303" pitchFamily="18" charset="0"/>
+                <a:cs typeface="Calibri Light" panose="020F0302020204030204" pitchFamily="34" charset="0"/>
+              </a:rPr>
+              <a:t>A program átalakításával kapcsolatban</a:t>
+            </a:r>
+          </a:p>
+          <a:p>
+            <a:pPr marL="285750" indent="-285750" algn="l">
+              <a:lnSpc>
+                <a:spcPct val="100000"/>
+              </a:lnSpc>
+              <a:buFontTx/>
+              <a:buChar char="-"/>
+            </a:pPr>
+            <a:r>
+              <a:rPr lang="hu-HU" dirty="0" err="1">
+                <a:solidFill>
+                  <a:schemeClr val="tx1"/>
+                </a:solidFill>
+                <a:latin typeface="Arial" panose="020B0604020202020204" pitchFamily="34" charset="0"/>
+                <a:cs typeface="Arial" panose="020B0604020202020204" pitchFamily="34" charset="0"/>
+              </a:rPr>
+              <a:t>Kigyomálni</a:t>
+            </a:r>
+            <a:r>
+              <a:rPr lang="hu-HU" dirty="0">
+                <a:solidFill>
+                  <a:schemeClr val="tx1"/>
+                </a:solidFill>
+                <a:latin typeface="Arial" panose="020B0604020202020204" pitchFamily="34" charset="0"/>
+                <a:cs typeface="Arial" panose="020B0604020202020204" pitchFamily="34" charset="0"/>
+              </a:rPr>
+              <a:t> a kódod, párhuzamosítani a </a:t>
+            </a:r>
+            <a:r>
+              <a:rPr lang="hu-HU" dirty="0" err="1">
+                <a:solidFill>
+                  <a:schemeClr val="tx1"/>
+                </a:solidFill>
+                <a:latin typeface="Arial" panose="020B0604020202020204" pitchFamily="34" charset="0"/>
+                <a:cs typeface="Arial" panose="020B0604020202020204" pitchFamily="34" charset="0"/>
+              </a:rPr>
+              <a:t>Car</a:t>
+            </a:r>
+            <a:r>
+              <a:rPr lang="hu-HU" dirty="0">
+                <a:solidFill>
+                  <a:schemeClr val="tx1"/>
+                </a:solidFill>
+                <a:latin typeface="Arial" panose="020B0604020202020204" pitchFamily="34" charset="0"/>
+                <a:cs typeface="Arial" panose="020B0604020202020204" pitchFamily="34" charset="0"/>
+              </a:rPr>
+              <a:t> osztály </a:t>
+            </a:r>
+            <a:r>
+              <a:rPr lang="hu-HU" dirty="0" err="1">
+                <a:solidFill>
+                  <a:schemeClr val="tx1"/>
+                </a:solidFill>
+                <a:latin typeface="Arial" panose="020B0604020202020204" pitchFamily="34" charset="0"/>
+                <a:cs typeface="Arial" panose="020B0604020202020204" pitchFamily="34" charset="0"/>
+              </a:rPr>
+              <a:t>plottolási</a:t>
+            </a:r>
+            <a:r>
+              <a:rPr lang="hu-HU" dirty="0">
+                <a:solidFill>
+                  <a:schemeClr val="tx1"/>
+                </a:solidFill>
+                <a:latin typeface="Arial" panose="020B0604020202020204" pitchFamily="34" charset="0"/>
+                <a:cs typeface="Arial" panose="020B0604020202020204" pitchFamily="34" charset="0"/>
+              </a:rPr>
+              <a:t> mechanizmusait.</a:t>
+            </a:r>
+          </a:p>
+          <a:p>
+            <a:pPr marL="285750" indent="-285750" algn="l">
+              <a:lnSpc>
+                <a:spcPct val="100000"/>
+              </a:lnSpc>
+              <a:buFontTx/>
+              <a:buChar char="-"/>
+            </a:pPr>
+            <a:r>
+              <a:rPr lang="hu-HU" dirty="0">
+                <a:solidFill>
+                  <a:schemeClr val="tx1"/>
+                </a:solidFill>
+                <a:latin typeface="Arial" panose="020B0604020202020204" pitchFamily="34" charset="0"/>
+                <a:cs typeface="Arial" panose="020B0604020202020204" pitchFamily="34" charset="0"/>
+              </a:rPr>
+              <a:t>Szisztematikus teszt </a:t>
+            </a:r>
+            <a:r>
+              <a:rPr lang="hu-HU" dirty="0" err="1">
+                <a:solidFill>
+                  <a:schemeClr val="tx1"/>
+                </a:solidFill>
+                <a:latin typeface="Arial" panose="020B0604020202020204" pitchFamily="34" charset="0"/>
+                <a:cs typeface="Arial" panose="020B0604020202020204" pitchFamily="34" charset="0"/>
+              </a:rPr>
+              <a:t>Notebookat</a:t>
+            </a:r>
+            <a:r>
+              <a:rPr lang="hu-HU" dirty="0">
+                <a:solidFill>
+                  <a:schemeClr val="tx1"/>
+                </a:solidFill>
+                <a:latin typeface="Arial" panose="020B0604020202020204" pitchFamily="34" charset="0"/>
+                <a:cs typeface="Arial" panose="020B0604020202020204" pitchFamily="34" charset="0"/>
+              </a:rPr>
+              <a:t> írni a </a:t>
+            </a:r>
+            <a:r>
+              <a:rPr lang="hu-HU" dirty="0" err="1">
+                <a:solidFill>
+                  <a:schemeClr val="tx1"/>
+                </a:solidFill>
+                <a:latin typeface="Arial" panose="020B0604020202020204" pitchFamily="34" charset="0"/>
+                <a:cs typeface="Arial" panose="020B0604020202020204" pitchFamily="34" charset="0"/>
+              </a:rPr>
+              <a:t>PlostPlottet</a:t>
+            </a:r>
+            <a:r>
+              <a:rPr lang="hu-HU" dirty="0">
+                <a:solidFill>
+                  <a:schemeClr val="tx1"/>
+                </a:solidFill>
+                <a:latin typeface="Arial" panose="020B0604020202020204" pitchFamily="34" charset="0"/>
+                <a:cs typeface="Arial" panose="020B0604020202020204" pitchFamily="34" charset="0"/>
+              </a:rPr>
+              <a:t> és a Storage osztályok segítségével</a:t>
+            </a:r>
+          </a:p>
+          <a:p>
+            <a:pPr marL="285750" indent="-285750" algn="l">
+              <a:lnSpc>
+                <a:spcPct val="100000"/>
+              </a:lnSpc>
+              <a:buFontTx/>
+              <a:buChar char="-"/>
+            </a:pPr>
+            <a:r>
+              <a:rPr lang="hu-HU" dirty="0">
+                <a:solidFill>
+                  <a:schemeClr val="tx1"/>
+                </a:solidFill>
+                <a:latin typeface="Arial" panose="020B0604020202020204" pitchFamily="34" charset="0"/>
+                <a:cs typeface="Arial" panose="020B0604020202020204" pitchFamily="34" charset="0"/>
+              </a:rPr>
+              <a:t>Megtervezni és megírni, hogy legyen </a:t>
+            </a:r>
+            <a:r>
+              <a:rPr lang="hu-HU" dirty="0" err="1">
+                <a:solidFill>
+                  <a:schemeClr val="tx1"/>
+                </a:solidFill>
+                <a:latin typeface="Arial" panose="020B0604020202020204" pitchFamily="34" charset="0"/>
+                <a:cs typeface="Arial" panose="020B0604020202020204" pitchFamily="34" charset="0"/>
+              </a:rPr>
+              <a:t>perzisztálva</a:t>
+            </a:r>
+            <a:r>
+              <a:rPr lang="hu-HU" dirty="0">
+                <a:solidFill>
+                  <a:schemeClr val="tx1"/>
+                </a:solidFill>
+                <a:latin typeface="Arial" panose="020B0604020202020204" pitchFamily="34" charset="0"/>
+                <a:cs typeface="Arial" panose="020B0604020202020204" pitchFamily="34" charset="0"/>
+              </a:rPr>
+              <a:t> a futások, mivel legyen ellátva, hogy újra hasznosítani tudjam</a:t>
+            </a:r>
+          </a:p>
+          <a:p>
+            <a:pPr algn="l">
+              <a:lnSpc>
+                <a:spcPct val="100000"/>
+              </a:lnSpc>
+            </a:pPr>
+            <a:r>
+              <a:rPr lang="hu-HU" sz="2000" dirty="0">
+                <a:solidFill>
+                  <a:schemeClr val="tx1"/>
+                </a:solidFill>
+                <a:latin typeface="Georgia" panose="02040502050405020303" pitchFamily="18" charset="0"/>
+                <a:cs typeface="Calibri Light" panose="020F0302020204030204" pitchFamily="34" charset="0"/>
+              </a:rPr>
+              <a:t>Az elvégzendő tesztekkel kapcsolatban</a:t>
+            </a:r>
+          </a:p>
+          <a:p>
+            <a:pPr marL="285750" indent="-285750" algn="l">
+              <a:lnSpc>
+                <a:spcPct val="100000"/>
+              </a:lnSpc>
+              <a:buFontTx/>
+              <a:buChar char="-"/>
+            </a:pPr>
+            <a:r>
+              <a:rPr lang="hu-HU" dirty="0">
+                <a:solidFill>
+                  <a:schemeClr val="tx1"/>
+                </a:solidFill>
+                <a:latin typeface="Arial" panose="020B0604020202020204" pitchFamily="34" charset="0"/>
+                <a:cs typeface="Arial" panose="020B0604020202020204" pitchFamily="34" charset="0"/>
+              </a:rPr>
+              <a:t>Az alaptesztek, hogy jól működik-e a program, nincs-e benne szisztematikus hiba (a </a:t>
+            </a:r>
+            <a:r>
+              <a:rPr lang="hu-HU" dirty="0" err="1">
+                <a:solidFill>
+                  <a:schemeClr val="tx1"/>
+                </a:solidFill>
+                <a:latin typeface="Arial" panose="020B0604020202020204" pitchFamily="34" charset="0"/>
+                <a:cs typeface="Arial" panose="020B0604020202020204" pitchFamily="34" charset="0"/>
+              </a:rPr>
+              <a:t>linreg</a:t>
+            </a:r>
+            <a:r>
+              <a:rPr lang="hu-HU" dirty="0">
+                <a:solidFill>
+                  <a:schemeClr val="tx1"/>
+                </a:solidFill>
+                <a:latin typeface="Arial" panose="020B0604020202020204" pitchFamily="34" charset="0"/>
+                <a:cs typeface="Arial" panose="020B0604020202020204" pitchFamily="34" charset="0"/>
+              </a:rPr>
+              <a:t> még mindig a régi)</a:t>
+            </a:r>
+          </a:p>
+          <a:p>
+            <a:pPr marL="285750" indent="-285750" algn="l">
+              <a:lnSpc>
+                <a:spcPct val="100000"/>
+              </a:lnSpc>
+              <a:buFontTx/>
+              <a:buChar char="-"/>
+            </a:pPr>
+            <a:r>
+              <a:rPr lang="hu-HU" dirty="0">
+                <a:solidFill>
+                  <a:schemeClr val="tx1"/>
+                </a:solidFill>
+                <a:latin typeface="Arial" panose="020B0604020202020204" pitchFamily="34" charset="0"/>
+                <a:cs typeface="Arial" panose="020B0604020202020204" pitchFamily="34" charset="0"/>
+              </a:rPr>
+              <a:t>A különböző tesztpályákat felépíteni (az environment.py modulban a </a:t>
+            </a:r>
+            <a:r>
+              <a:rPr lang="hu-HU" dirty="0" err="1">
+                <a:solidFill>
+                  <a:schemeClr val="tx1"/>
+                </a:solidFill>
+                <a:latin typeface="Arial" panose="020B0604020202020204" pitchFamily="34" charset="0"/>
+                <a:cs typeface="Arial" panose="020B0604020202020204" pitchFamily="34" charset="0"/>
+              </a:rPr>
+              <a:t>Road</a:t>
+            </a:r>
+            <a:r>
+              <a:rPr lang="hu-HU" dirty="0">
+                <a:solidFill>
+                  <a:schemeClr val="tx1"/>
+                </a:solidFill>
+                <a:latin typeface="Arial" panose="020B0604020202020204" pitchFamily="34" charset="0"/>
+                <a:cs typeface="Arial" panose="020B0604020202020204" pitchFamily="34" charset="0"/>
+              </a:rPr>
+              <a:t> osztály, már majdnem kész az összes)</a:t>
+            </a:r>
+          </a:p>
+          <a:p>
+            <a:pPr marL="285750" indent="-285750" algn="l">
+              <a:lnSpc>
+                <a:spcPct val="100000"/>
+              </a:lnSpc>
+              <a:buFontTx/>
+              <a:buChar char="-"/>
+            </a:pPr>
+            <a:r>
+              <a:rPr lang="hu-HU" dirty="0">
+                <a:solidFill>
+                  <a:schemeClr val="tx1"/>
+                </a:solidFill>
+                <a:latin typeface="Arial" panose="020B0604020202020204" pitchFamily="34" charset="0"/>
+                <a:cs typeface="Arial" panose="020B0604020202020204" pitchFamily="34" charset="0"/>
+              </a:rPr>
+              <a:t>A </a:t>
+            </a:r>
+            <a:r>
+              <a:rPr lang="hu-HU" dirty="0" err="1">
+                <a:solidFill>
+                  <a:schemeClr val="tx1"/>
+                </a:solidFill>
+                <a:latin typeface="Arial" panose="020B0604020202020204" pitchFamily="34" charset="0"/>
+                <a:cs typeface="Arial" panose="020B0604020202020204" pitchFamily="34" charset="0"/>
+              </a:rPr>
+              <a:t>concept</a:t>
+            </a:r>
+            <a:r>
+              <a:rPr lang="hu-HU" dirty="0">
+                <a:solidFill>
+                  <a:schemeClr val="tx1"/>
+                </a:solidFill>
+                <a:latin typeface="Arial" panose="020B0604020202020204" pitchFamily="34" charset="0"/>
+                <a:cs typeface="Arial" panose="020B0604020202020204" pitchFamily="34" charset="0"/>
+              </a:rPr>
+              <a:t> </a:t>
+            </a:r>
+            <a:r>
+              <a:rPr lang="hu-HU" dirty="0" err="1">
+                <a:solidFill>
+                  <a:schemeClr val="tx1"/>
+                </a:solidFill>
+                <a:latin typeface="Arial" panose="020B0604020202020204" pitchFamily="34" charset="0"/>
+                <a:cs typeface="Arial" panose="020B0604020202020204" pitchFamily="34" charset="0"/>
+              </a:rPr>
+              <a:t>drift</a:t>
+            </a:r>
+            <a:r>
+              <a:rPr lang="hu-HU" dirty="0">
+                <a:solidFill>
+                  <a:schemeClr val="tx1"/>
+                </a:solidFill>
+                <a:latin typeface="Arial" panose="020B0604020202020204" pitchFamily="34" charset="0"/>
+                <a:cs typeface="Arial" panose="020B0604020202020204" pitchFamily="34" charset="0"/>
+              </a:rPr>
+              <a:t> az egyik vezér teszt ezen kell kipróbálni, hogy</a:t>
+            </a:r>
+          </a:p>
+          <a:p>
+            <a:pPr marL="285750" indent="-285750" algn="l">
+              <a:lnSpc>
+                <a:spcPct val="100000"/>
+              </a:lnSpc>
+              <a:buFontTx/>
+              <a:buChar char="-"/>
+            </a:pPr>
+            <a:r>
+              <a:rPr lang="hu-HU" dirty="0">
+                <a:solidFill>
+                  <a:schemeClr val="tx1"/>
+                </a:solidFill>
+                <a:latin typeface="Arial" panose="020B0604020202020204" pitchFamily="34" charset="0"/>
+                <a:cs typeface="Arial" panose="020B0604020202020204" pitchFamily="34" charset="0"/>
+              </a:rPr>
+              <a:t>A neurális háló egyes </a:t>
+            </a:r>
+            <a:r>
+              <a:rPr lang="hu-HU" dirty="0" err="1">
+                <a:solidFill>
+                  <a:schemeClr val="tx1"/>
+                </a:solidFill>
+                <a:latin typeface="Arial" panose="020B0604020202020204" pitchFamily="34" charset="0"/>
+                <a:cs typeface="Arial" panose="020B0604020202020204" pitchFamily="34" charset="0"/>
+              </a:rPr>
+              <a:t>hiperparaméterei</a:t>
+            </a:r>
+            <a:r>
+              <a:rPr lang="hu-HU" dirty="0">
+                <a:solidFill>
+                  <a:schemeClr val="tx1"/>
+                </a:solidFill>
+                <a:latin typeface="Arial" panose="020B0604020202020204" pitchFamily="34" charset="0"/>
+                <a:cs typeface="Arial" panose="020B0604020202020204" pitchFamily="34" charset="0"/>
+              </a:rPr>
+              <a:t> milyen hatással vannak</a:t>
+            </a:r>
+          </a:p>
+          <a:p>
+            <a:pPr marL="285750" indent="-285750" algn="l">
+              <a:lnSpc>
+                <a:spcPct val="100000"/>
+              </a:lnSpc>
+              <a:buFontTx/>
+              <a:buChar char="-"/>
+            </a:pPr>
+            <a:r>
+              <a:rPr lang="hu-HU" dirty="0">
+                <a:solidFill>
+                  <a:schemeClr val="tx1"/>
+                </a:solidFill>
+                <a:latin typeface="Arial" panose="020B0604020202020204" pitchFamily="34" charset="0"/>
+                <a:cs typeface="Arial" panose="020B0604020202020204" pitchFamily="34" charset="0"/>
+              </a:rPr>
+              <a:t>Erre kell írni egy olyan programrészt, ami több futást képes egy </a:t>
+            </a:r>
+            <a:r>
+              <a:rPr lang="hu-HU" dirty="0" err="1">
+                <a:solidFill>
+                  <a:schemeClr val="tx1"/>
+                </a:solidFill>
+                <a:latin typeface="Arial" panose="020B0604020202020204" pitchFamily="34" charset="0"/>
+                <a:cs typeface="Arial" panose="020B0604020202020204" pitchFamily="34" charset="0"/>
+              </a:rPr>
+              <a:t>plotton</a:t>
+            </a:r>
+            <a:r>
+              <a:rPr lang="hu-HU" dirty="0">
+                <a:solidFill>
+                  <a:schemeClr val="tx1"/>
+                </a:solidFill>
+                <a:latin typeface="Arial" panose="020B0604020202020204" pitchFamily="34" charset="0"/>
+                <a:cs typeface="Arial" panose="020B0604020202020204" pitchFamily="34" charset="0"/>
+              </a:rPr>
+              <a:t> kezelni</a:t>
+            </a:r>
+          </a:p>
+        </p:txBody>
+      </p:sp>
+    </p:spTree>
+    <p:extLst>
+      <p:ext uri="{BB962C8B-B14F-4D97-AF65-F5344CB8AC3E}">
+        <p14:creationId xmlns:p14="http://schemas.microsoft.com/office/powerpoint/2010/main" val="902711551"/>
+      </p:ext>
+    </p:extLst>
+  </p:cSld>
+  <p:clrMapOvr>
+    <a:masterClrMapping/>
+  </p:clrMapOvr>
+  <mc:AlternateContent xmlns:mc="http://schemas.openxmlformats.org/markup-compatibility/2006" xmlns:p14="http://schemas.microsoft.com/office/powerpoint/2010/main">
+    <mc:Choice Requires="p14">
+      <p:transition spd="med" p14:dur="700">
+        <p:fade/>
+      </p:transition>
+    </mc:Choice>
+    <mc:Fallback xmlns="">
+      <p:transition spd="med">
+        <p:fade/>
+      </p:transition>
+    </mc:Fallback>
+  </mc:AlternateContent>
+  <p:timing>
+    <p:tnLst>
+      <p:par>
+        <p:cTn id="1" dur="indefinite" restart="never" nodeType="tmRoot">
+          <p:childTnLst>
+            <p:seq concurrent="1" nextAc="seek">
+              <p:cTn id="2" dur="indefinite" nodeType="mainSeq">
+                <p:childTnLst>
+                  <p:par>
+                    <p:cTn id="3" fill="hold">
+                      <p:stCondLst>
+                        <p:cond delay="indefinite"/>
+                      </p:stCondLst>
+                      <p:childTnLst>
+                        <p:par>
+                          <p:cTn id="4" fill="hold">
+                            <p:stCondLst>
+                              <p:cond delay="0"/>
+                            </p:stCondLst>
+                            <p:childTnLst>
+                              <p:par>
+                                <p:cTn id="5" presetID="10" presetClass="entr" presetSubtype="0" fill="hold" grpId="0" nodeType="clickEffect">
+                                  <p:stCondLst>
+                                    <p:cond delay="0"/>
+                                  </p:stCondLst>
+                                  <p:childTnLst>
+                                    <p:set>
+                                      <p:cBhvr>
+                                        <p:cTn id="6" dur="1" fill="hold">
+                                          <p:stCondLst>
+                                            <p:cond delay="0"/>
+                                          </p:stCondLst>
+                                        </p:cTn>
+                                        <p:tgtEl>
+                                          <p:spTgt spid="10"/>
+                                        </p:tgtEl>
+                                        <p:attrNameLst>
+                                          <p:attrName>style.visibility</p:attrName>
+                                        </p:attrNameLst>
+                                      </p:cBhvr>
+                                      <p:to>
+                                        <p:strVal val="visible"/>
+                                      </p:to>
+                                    </p:set>
+                                    <p:animEffect transition="in" filter="fade">
+                                      <p:cBhvr>
+                                        <p:cTn id="7" dur="500"/>
+                                        <p:tgtEl>
+                                          <p:spTgt spid="10"/>
+                                        </p:tgtEl>
+                                      </p:cBhvr>
+                                    </p:animEffect>
+                                  </p:childTnLst>
+                                </p:cTn>
+                              </p:par>
+                            </p:childTnLst>
+                          </p:cTn>
+                        </p:par>
+                      </p:childTnLst>
+                    </p:cTn>
+                  </p:par>
+                </p:childTnLst>
+              </p:cTn>
+              <p:prevCondLst>
+                <p:cond evt="onPrev" delay="0">
+                  <p:tgtEl>
+                    <p:sldTgt/>
+                  </p:tgtEl>
+                </p:cond>
+              </p:prevCondLst>
+              <p:nextCondLst>
+                <p:cond evt="onNext" delay="0">
+                  <p:tgtEl>
+                    <p:sldTgt/>
+                  </p:tgtEl>
+                </p:cond>
+              </p:nextCondLst>
+            </p:seq>
+          </p:childTnLst>
+        </p:cTn>
+      </p:par>
+    </p:tnLst>
+    <p:bldLst>
+      <p:bldP spid="10" grpId="0"/>
+    </p:bldLst>
+  </p:timing>
+</p:sld>
+</file>
+
+<file path=ppt/slides/slide20.xml><?xml version="1.0" encoding="utf-8"?>
 <p:sld xmlns:a="http://schemas.openxmlformats.org/drawingml/2006/main" xmlns:r="http://schemas.openxmlformats.org/officeDocument/2006/relationships" xmlns:p="http://schemas.openxmlformats.org/presentationml/2006/main">
   <p:cSld>
     <p:spTree>
@@ -16999,7 +20095,7 @@
 </p:sld>
 </file>
 
-<file path=ppt/slides/slide19.xml><?xml version="1.0" encoding="utf-8"?>
+<file path=ppt/slides/slide21.xml><?xml version="1.0" encoding="utf-8"?>
 <p:sld xmlns:a="http://schemas.openxmlformats.org/drawingml/2006/main" xmlns:r="http://schemas.openxmlformats.org/officeDocument/2006/relationships" xmlns:p="http://schemas.openxmlformats.org/presentationml/2006/main">
   <p:cSld>
     <p:spTree>
@@ -18104,1013 +21200,7 @@
 </p:sld>
 </file>
 
-<file path=ppt/slides/slide2.xml><?xml version="1.0" encoding="utf-8"?>
-<p:sld xmlns:a="http://schemas.openxmlformats.org/drawingml/2006/main" xmlns:r="http://schemas.openxmlformats.org/officeDocument/2006/relationships" xmlns:p="http://schemas.openxmlformats.org/presentationml/2006/main">
-  <p:cSld>
-    <p:spTree>
-      <p:nvGrpSpPr>
-        <p:cNvPr id="1" name=""/>
-        <p:cNvGrpSpPr/>
-        <p:nvPr/>
-      </p:nvGrpSpPr>
-      <p:grpSpPr>
-        <a:xfrm>
-          <a:off x="0" y="0"/>
-          <a:ext cx="0" cy="0"/>
-          <a:chOff x="0" y="0"/>
-          <a:chExt cx="0" cy="0"/>
-        </a:xfrm>
-      </p:grpSpPr>
-      <p:sp>
-        <p:nvSpPr>
-          <p:cNvPr id="9" name="Szöveg helye 14">
-            <a:extLst>
-              <a:ext uri="{FF2B5EF4-FFF2-40B4-BE49-F238E27FC236}">
-                <a16:creationId xmlns:a16="http://schemas.microsoft.com/office/drawing/2014/main" id="{27FB6942-F6E0-48A2-84B6-F1FA23483B8E}"/>
-              </a:ext>
-            </a:extLst>
-          </p:cNvPr>
-          <p:cNvSpPr txBox="1">
-            <a:spLocks/>
-          </p:cNvSpPr>
-          <p:nvPr/>
-        </p:nvSpPr>
-        <p:spPr>
-          <a:xfrm>
-            <a:off x="541246" y="386452"/>
-            <a:ext cx="8708771" cy="942559"/>
-          </a:xfrm>
-          <a:prstGeom prst="rect">
-            <a:avLst/>
-          </a:prstGeom>
-          <a:noFill/>
-        </p:spPr>
-        <p:txBody>
-          <a:bodyPr vert="horz" lIns="108000" tIns="72000" rIns="72000" bIns="36000" rtlCol="0">
-            <a:noAutofit/>
-          </a:bodyPr>
-          <a:lstStyle>
-            <a:lvl1pPr marL="0" indent="0" algn="ctr" defTabSz="914400" rtl="0" eaLnBrk="1" latinLnBrk="0" hangingPunct="1">
-              <a:lnSpc>
-                <a:spcPct val="90000"/>
-              </a:lnSpc>
-              <a:spcBef>
-                <a:spcPts val="1000"/>
-              </a:spcBef>
-              <a:buFont typeface="Arial" panose="020B0604020202020204" pitchFamily="34" charset="0"/>
-              <a:buNone/>
-              <a:defRPr sz="1600" kern="1200">
-                <a:solidFill>
-                  <a:schemeClr val="tx1">
-                    <a:lumMod val="75000"/>
-                    <a:lumOff val="25000"/>
-                  </a:schemeClr>
-                </a:solidFill>
-                <a:latin typeface="+mn-lt"/>
-                <a:ea typeface="+mn-ea"/>
-                <a:cs typeface="+mn-cs"/>
-              </a:defRPr>
-            </a:lvl1pPr>
-            <a:lvl2pPr marL="542925" indent="-276225" algn="l" defTabSz="914400" rtl="0" eaLnBrk="1" latinLnBrk="0" hangingPunct="1">
-              <a:lnSpc>
-                <a:spcPct val="90000"/>
-              </a:lnSpc>
-              <a:spcBef>
-                <a:spcPts val="500"/>
-              </a:spcBef>
-              <a:buFont typeface="Arial" panose="020B0604020202020204" pitchFamily="34" charset="0"/>
-              <a:buChar char="•"/>
-              <a:defRPr sz="1600" kern="1200">
-                <a:solidFill>
-                  <a:schemeClr val="tx1">
-                    <a:lumMod val="75000"/>
-                    <a:lumOff val="25000"/>
-                  </a:schemeClr>
-                </a:solidFill>
-                <a:latin typeface="+mn-lt"/>
-                <a:ea typeface="+mn-ea"/>
-                <a:cs typeface="+mn-cs"/>
-              </a:defRPr>
-            </a:lvl2pPr>
-            <a:lvl3pPr marL="809625" indent="-266700" algn="l" defTabSz="914400" rtl="0" eaLnBrk="1" latinLnBrk="0" hangingPunct="1">
-              <a:lnSpc>
-                <a:spcPct val="90000"/>
-              </a:lnSpc>
-              <a:spcBef>
-                <a:spcPts val="500"/>
-              </a:spcBef>
-              <a:buFont typeface="Arial" panose="020B0604020202020204" pitchFamily="34" charset="0"/>
-              <a:buChar char="•"/>
-              <a:defRPr sz="1400" kern="1200">
-                <a:solidFill>
-                  <a:schemeClr val="tx1">
-                    <a:lumMod val="75000"/>
-                    <a:lumOff val="25000"/>
-                  </a:schemeClr>
-                </a:solidFill>
-                <a:latin typeface="+mn-lt"/>
-                <a:ea typeface="+mn-ea"/>
-                <a:cs typeface="+mn-cs"/>
-              </a:defRPr>
-            </a:lvl3pPr>
-            <a:lvl4pPr marL="1076325" indent="-266700" algn="l" defTabSz="914400" rtl="0" eaLnBrk="1" latinLnBrk="0" hangingPunct="1">
-              <a:lnSpc>
-                <a:spcPct val="90000"/>
-              </a:lnSpc>
-              <a:spcBef>
-                <a:spcPts val="500"/>
-              </a:spcBef>
-              <a:buFont typeface="Arial" panose="020B0604020202020204" pitchFamily="34" charset="0"/>
-              <a:buChar char="•"/>
-              <a:defRPr sz="1400" kern="1200">
-                <a:solidFill>
-                  <a:schemeClr val="tx1">
-                    <a:lumMod val="75000"/>
-                    <a:lumOff val="25000"/>
-                  </a:schemeClr>
-                </a:solidFill>
-                <a:latin typeface="+mn-lt"/>
-                <a:ea typeface="+mn-ea"/>
-                <a:cs typeface="+mn-cs"/>
-              </a:defRPr>
-            </a:lvl4pPr>
-            <a:lvl5pPr marL="1343025" indent="-266700" algn="l" defTabSz="914400" rtl="0" eaLnBrk="1" latinLnBrk="0" hangingPunct="1">
-              <a:lnSpc>
-                <a:spcPct val="90000"/>
-              </a:lnSpc>
-              <a:spcBef>
-                <a:spcPts val="500"/>
-              </a:spcBef>
-              <a:buFont typeface="Arial" panose="020B0604020202020204" pitchFamily="34" charset="0"/>
-              <a:buChar char="•"/>
-              <a:defRPr sz="1400" kern="1200">
-                <a:solidFill>
-                  <a:schemeClr val="tx1">
-                    <a:lumMod val="75000"/>
-                    <a:lumOff val="25000"/>
-                  </a:schemeClr>
-                </a:solidFill>
-                <a:latin typeface="+mn-lt"/>
-                <a:ea typeface="+mn-ea"/>
-                <a:cs typeface="+mn-cs"/>
-              </a:defRPr>
-            </a:lvl5pPr>
-            <a:lvl6pPr marL="2514600" indent="-228600" algn="l" defTabSz="914400" rtl="0" eaLnBrk="1" latinLnBrk="0" hangingPunct="1">
-              <a:lnSpc>
-                <a:spcPct val="90000"/>
-              </a:lnSpc>
-              <a:spcBef>
-                <a:spcPts val="500"/>
-              </a:spcBef>
-              <a:buFont typeface="Arial" panose="020B0604020202020204" pitchFamily="34" charset="0"/>
-              <a:buChar char="•"/>
-              <a:defRPr sz="1800" kern="1200">
-                <a:solidFill>
-                  <a:schemeClr val="tx1"/>
-                </a:solidFill>
-                <a:latin typeface="+mn-lt"/>
-                <a:ea typeface="+mn-ea"/>
-                <a:cs typeface="+mn-cs"/>
-              </a:defRPr>
-            </a:lvl6pPr>
-            <a:lvl7pPr marL="2971800" indent="-228600" algn="l" defTabSz="914400" rtl="0" eaLnBrk="1" latinLnBrk="0" hangingPunct="1">
-              <a:lnSpc>
-                <a:spcPct val="90000"/>
-              </a:lnSpc>
-              <a:spcBef>
-                <a:spcPts val="500"/>
-              </a:spcBef>
-              <a:buFont typeface="Arial" panose="020B0604020202020204" pitchFamily="34" charset="0"/>
-              <a:buChar char="•"/>
-              <a:defRPr sz="1800" kern="1200">
-                <a:solidFill>
-                  <a:schemeClr val="tx1"/>
-                </a:solidFill>
-                <a:latin typeface="+mn-lt"/>
-                <a:ea typeface="+mn-ea"/>
-                <a:cs typeface="+mn-cs"/>
-              </a:defRPr>
-            </a:lvl7pPr>
-            <a:lvl8pPr marL="3429000" indent="-228600" algn="l" defTabSz="914400" rtl="0" eaLnBrk="1" latinLnBrk="0" hangingPunct="1">
-              <a:lnSpc>
-                <a:spcPct val="90000"/>
-              </a:lnSpc>
-              <a:spcBef>
-                <a:spcPts val="500"/>
-              </a:spcBef>
-              <a:buFont typeface="Arial" panose="020B0604020202020204" pitchFamily="34" charset="0"/>
-              <a:buChar char="•"/>
-              <a:defRPr sz="1800" kern="1200">
-                <a:solidFill>
-                  <a:schemeClr val="tx1"/>
-                </a:solidFill>
-                <a:latin typeface="+mn-lt"/>
-                <a:ea typeface="+mn-ea"/>
-                <a:cs typeface="+mn-cs"/>
-              </a:defRPr>
-            </a:lvl8pPr>
-            <a:lvl9pPr marL="3886200" indent="-228600" algn="l" defTabSz="914400" rtl="0" eaLnBrk="1" latinLnBrk="0" hangingPunct="1">
-              <a:lnSpc>
-                <a:spcPct val="90000"/>
-              </a:lnSpc>
-              <a:spcBef>
-                <a:spcPts val="500"/>
-              </a:spcBef>
-              <a:buFont typeface="Arial" panose="020B0604020202020204" pitchFamily="34" charset="0"/>
-              <a:buChar char="•"/>
-              <a:defRPr sz="1800" kern="1200">
-                <a:solidFill>
-                  <a:schemeClr val="tx1"/>
-                </a:solidFill>
-                <a:latin typeface="+mn-lt"/>
-                <a:ea typeface="+mn-ea"/>
-                <a:cs typeface="+mn-cs"/>
-              </a:defRPr>
-            </a:lvl9pPr>
-          </a:lstStyle>
-          <a:p>
-            <a:pPr algn="l">
-              <a:lnSpc>
-                <a:spcPct val="100000"/>
-              </a:lnSpc>
-            </a:pPr>
-            <a:r>
-              <a:rPr lang="hu-HU" sz="4800" dirty="0" err="1">
-                <a:solidFill>
-                  <a:schemeClr val="tx1"/>
-                </a:solidFill>
-                <a:latin typeface="Georgia" panose="02040502050405020303" pitchFamily="18" charset="0"/>
-                <a:cs typeface="Arial" panose="020B0604020202020204" pitchFamily="34" charset="0"/>
-              </a:rPr>
-              <a:t>ToDo</a:t>
-            </a:r>
-            <a:r>
-              <a:rPr lang="hu-HU" sz="4800" dirty="0">
-                <a:solidFill>
-                  <a:schemeClr val="tx1"/>
-                </a:solidFill>
-                <a:latin typeface="Georgia" panose="02040502050405020303" pitchFamily="18" charset="0"/>
-                <a:cs typeface="Arial" panose="020B0604020202020204" pitchFamily="34" charset="0"/>
-              </a:rPr>
-              <a:t> </a:t>
-            </a:r>
-            <a:r>
-              <a:rPr lang="hu-HU" sz="4800" dirty="0" err="1">
-                <a:solidFill>
-                  <a:schemeClr val="tx1"/>
-                </a:solidFill>
-                <a:latin typeface="Georgia" panose="02040502050405020303" pitchFamily="18" charset="0"/>
-                <a:cs typeface="Arial" panose="020B0604020202020204" pitchFamily="34" charset="0"/>
-              </a:rPr>
-              <a:t>list</a:t>
-            </a:r>
-            <a:endParaRPr lang="hu-HU" sz="4800" dirty="0">
-              <a:solidFill>
-                <a:schemeClr val="tx1"/>
-              </a:solidFill>
-              <a:latin typeface="Georgia" panose="02040502050405020303" pitchFamily="18" charset="0"/>
-              <a:cs typeface="Calibri Light" panose="020F0302020204030204" pitchFamily="34" charset="0"/>
-            </a:endParaRPr>
-          </a:p>
-        </p:txBody>
-      </p:sp>
-      <p:sp>
-        <p:nvSpPr>
-          <p:cNvPr id="10" name="Szöveg helye 14">
-            <a:extLst>
-              <a:ext uri="{FF2B5EF4-FFF2-40B4-BE49-F238E27FC236}">
-                <a16:creationId xmlns:a16="http://schemas.microsoft.com/office/drawing/2014/main" id="{9FB85B1C-99A5-4A8E-95DD-57C11294BB7A}"/>
-              </a:ext>
-            </a:extLst>
-          </p:cNvPr>
-          <p:cNvSpPr txBox="1">
-            <a:spLocks/>
-          </p:cNvSpPr>
-          <p:nvPr/>
-        </p:nvSpPr>
-        <p:spPr>
-          <a:xfrm>
-            <a:off x="541247" y="1329010"/>
-            <a:ext cx="10988144" cy="5142537"/>
-          </a:xfrm>
-          <a:prstGeom prst="rect">
-            <a:avLst/>
-          </a:prstGeom>
-          <a:noFill/>
-        </p:spPr>
-        <p:txBody>
-          <a:bodyPr vert="horz" lIns="108000" tIns="72000" rIns="72000" bIns="36000" rtlCol="0">
-            <a:noAutofit/>
-          </a:bodyPr>
-          <a:lstStyle>
-            <a:lvl1pPr marL="0" indent="0" algn="ctr" defTabSz="914400" rtl="0" eaLnBrk="1" latinLnBrk="0" hangingPunct="1">
-              <a:lnSpc>
-                <a:spcPct val="90000"/>
-              </a:lnSpc>
-              <a:spcBef>
-                <a:spcPts val="1000"/>
-              </a:spcBef>
-              <a:buFont typeface="Arial" panose="020B0604020202020204" pitchFamily="34" charset="0"/>
-              <a:buNone/>
-              <a:defRPr sz="1600" kern="1200">
-                <a:solidFill>
-                  <a:schemeClr val="tx1">
-                    <a:lumMod val="75000"/>
-                    <a:lumOff val="25000"/>
-                  </a:schemeClr>
-                </a:solidFill>
-                <a:latin typeface="+mn-lt"/>
-                <a:ea typeface="+mn-ea"/>
-                <a:cs typeface="+mn-cs"/>
-              </a:defRPr>
-            </a:lvl1pPr>
-            <a:lvl2pPr marL="542925" indent="-276225" algn="l" defTabSz="914400" rtl="0" eaLnBrk="1" latinLnBrk="0" hangingPunct="1">
-              <a:lnSpc>
-                <a:spcPct val="90000"/>
-              </a:lnSpc>
-              <a:spcBef>
-                <a:spcPts val="500"/>
-              </a:spcBef>
-              <a:buFont typeface="Arial" panose="020B0604020202020204" pitchFamily="34" charset="0"/>
-              <a:buChar char="•"/>
-              <a:defRPr sz="1600" kern="1200">
-                <a:solidFill>
-                  <a:schemeClr val="tx1">
-                    <a:lumMod val="75000"/>
-                    <a:lumOff val="25000"/>
-                  </a:schemeClr>
-                </a:solidFill>
-                <a:latin typeface="+mn-lt"/>
-                <a:ea typeface="+mn-ea"/>
-                <a:cs typeface="+mn-cs"/>
-              </a:defRPr>
-            </a:lvl2pPr>
-            <a:lvl3pPr marL="809625" indent="-266700" algn="l" defTabSz="914400" rtl="0" eaLnBrk="1" latinLnBrk="0" hangingPunct="1">
-              <a:lnSpc>
-                <a:spcPct val="90000"/>
-              </a:lnSpc>
-              <a:spcBef>
-                <a:spcPts val="500"/>
-              </a:spcBef>
-              <a:buFont typeface="Arial" panose="020B0604020202020204" pitchFamily="34" charset="0"/>
-              <a:buChar char="•"/>
-              <a:defRPr sz="1400" kern="1200">
-                <a:solidFill>
-                  <a:schemeClr val="tx1">
-                    <a:lumMod val="75000"/>
-                    <a:lumOff val="25000"/>
-                  </a:schemeClr>
-                </a:solidFill>
-                <a:latin typeface="+mn-lt"/>
-                <a:ea typeface="+mn-ea"/>
-                <a:cs typeface="+mn-cs"/>
-              </a:defRPr>
-            </a:lvl3pPr>
-            <a:lvl4pPr marL="1076325" indent="-266700" algn="l" defTabSz="914400" rtl="0" eaLnBrk="1" latinLnBrk="0" hangingPunct="1">
-              <a:lnSpc>
-                <a:spcPct val="90000"/>
-              </a:lnSpc>
-              <a:spcBef>
-                <a:spcPts val="500"/>
-              </a:spcBef>
-              <a:buFont typeface="Arial" panose="020B0604020202020204" pitchFamily="34" charset="0"/>
-              <a:buChar char="•"/>
-              <a:defRPr sz="1400" kern="1200">
-                <a:solidFill>
-                  <a:schemeClr val="tx1">
-                    <a:lumMod val="75000"/>
-                    <a:lumOff val="25000"/>
-                  </a:schemeClr>
-                </a:solidFill>
-                <a:latin typeface="+mn-lt"/>
-                <a:ea typeface="+mn-ea"/>
-                <a:cs typeface="+mn-cs"/>
-              </a:defRPr>
-            </a:lvl4pPr>
-            <a:lvl5pPr marL="1343025" indent="-266700" algn="l" defTabSz="914400" rtl="0" eaLnBrk="1" latinLnBrk="0" hangingPunct="1">
-              <a:lnSpc>
-                <a:spcPct val="90000"/>
-              </a:lnSpc>
-              <a:spcBef>
-                <a:spcPts val="500"/>
-              </a:spcBef>
-              <a:buFont typeface="Arial" panose="020B0604020202020204" pitchFamily="34" charset="0"/>
-              <a:buChar char="•"/>
-              <a:defRPr sz="1400" kern="1200">
-                <a:solidFill>
-                  <a:schemeClr val="tx1">
-                    <a:lumMod val="75000"/>
-                    <a:lumOff val="25000"/>
-                  </a:schemeClr>
-                </a:solidFill>
-                <a:latin typeface="+mn-lt"/>
-                <a:ea typeface="+mn-ea"/>
-                <a:cs typeface="+mn-cs"/>
-              </a:defRPr>
-            </a:lvl5pPr>
-            <a:lvl6pPr marL="2514600" indent="-228600" algn="l" defTabSz="914400" rtl="0" eaLnBrk="1" latinLnBrk="0" hangingPunct="1">
-              <a:lnSpc>
-                <a:spcPct val="90000"/>
-              </a:lnSpc>
-              <a:spcBef>
-                <a:spcPts val="500"/>
-              </a:spcBef>
-              <a:buFont typeface="Arial" panose="020B0604020202020204" pitchFamily="34" charset="0"/>
-              <a:buChar char="•"/>
-              <a:defRPr sz="1800" kern="1200">
-                <a:solidFill>
-                  <a:schemeClr val="tx1"/>
-                </a:solidFill>
-                <a:latin typeface="+mn-lt"/>
-                <a:ea typeface="+mn-ea"/>
-                <a:cs typeface="+mn-cs"/>
-              </a:defRPr>
-            </a:lvl6pPr>
-            <a:lvl7pPr marL="2971800" indent="-228600" algn="l" defTabSz="914400" rtl="0" eaLnBrk="1" latinLnBrk="0" hangingPunct="1">
-              <a:lnSpc>
-                <a:spcPct val="90000"/>
-              </a:lnSpc>
-              <a:spcBef>
-                <a:spcPts val="500"/>
-              </a:spcBef>
-              <a:buFont typeface="Arial" panose="020B0604020202020204" pitchFamily="34" charset="0"/>
-              <a:buChar char="•"/>
-              <a:defRPr sz="1800" kern="1200">
-                <a:solidFill>
-                  <a:schemeClr val="tx1"/>
-                </a:solidFill>
-                <a:latin typeface="+mn-lt"/>
-                <a:ea typeface="+mn-ea"/>
-                <a:cs typeface="+mn-cs"/>
-              </a:defRPr>
-            </a:lvl7pPr>
-            <a:lvl8pPr marL="3429000" indent="-228600" algn="l" defTabSz="914400" rtl="0" eaLnBrk="1" latinLnBrk="0" hangingPunct="1">
-              <a:lnSpc>
-                <a:spcPct val="90000"/>
-              </a:lnSpc>
-              <a:spcBef>
-                <a:spcPts val="500"/>
-              </a:spcBef>
-              <a:buFont typeface="Arial" panose="020B0604020202020204" pitchFamily="34" charset="0"/>
-              <a:buChar char="•"/>
-              <a:defRPr sz="1800" kern="1200">
-                <a:solidFill>
-                  <a:schemeClr val="tx1"/>
-                </a:solidFill>
-                <a:latin typeface="+mn-lt"/>
-                <a:ea typeface="+mn-ea"/>
-                <a:cs typeface="+mn-cs"/>
-              </a:defRPr>
-            </a:lvl8pPr>
-            <a:lvl9pPr marL="3886200" indent="-228600" algn="l" defTabSz="914400" rtl="0" eaLnBrk="1" latinLnBrk="0" hangingPunct="1">
-              <a:lnSpc>
-                <a:spcPct val="90000"/>
-              </a:lnSpc>
-              <a:spcBef>
-                <a:spcPts val="500"/>
-              </a:spcBef>
-              <a:buFont typeface="Arial" panose="020B0604020202020204" pitchFamily="34" charset="0"/>
-              <a:buChar char="•"/>
-              <a:defRPr sz="1800" kern="1200">
-                <a:solidFill>
-                  <a:schemeClr val="tx1"/>
-                </a:solidFill>
-                <a:latin typeface="+mn-lt"/>
-                <a:ea typeface="+mn-ea"/>
-                <a:cs typeface="+mn-cs"/>
-              </a:defRPr>
-            </a:lvl9pPr>
-          </a:lstStyle>
-          <a:p>
-            <a:pPr algn="l">
-              <a:lnSpc>
-                <a:spcPct val="100000"/>
-              </a:lnSpc>
-            </a:pPr>
-            <a:r>
-              <a:rPr lang="hu-HU" sz="2000" dirty="0">
-                <a:solidFill>
-                  <a:schemeClr val="tx1"/>
-                </a:solidFill>
-                <a:latin typeface="Georgia" panose="02040502050405020303" pitchFamily="18" charset="0"/>
-                <a:cs typeface="Calibri Light" panose="020F0302020204030204" pitchFamily="34" charset="0"/>
-              </a:rPr>
-              <a:t>A program átalakításával kapcsolatban</a:t>
-            </a:r>
-          </a:p>
-          <a:p>
-            <a:pPr marL="285750" indent="-285750" algn="l">
-              <a:lnSpc>
-                <a:spcPct val="100000"/>
-              </a:lnSpc>
-              <a:buFontTx/>
-              <a:buChar char="-"/>
-            </a:pPr>
-            <a:r>
-              <a:rPr lang="hu-HU" dirty="0" err="1">
-                <a:solidFill>
-                  <a:schemeClr val="tx1"/>
-                </a:solidFill>
-                <a:latin typeface="Arial" panose="020B0604020202020204" pitchFamily="34" charset="0"/>
-                <a:cs typeface="Arial" panose="020B0604020202020204" pitchFamily="34" charset="0"/>
-              </a:rPr>
-              <a:t>Kigyomálni</a:t>
-            </a:r>
-            <a:r>
-              <a:rPr lang="hu-HU" dirty="0">
-                <a:solidFill>
-                  <a:schemeClr val="tx1"/>
-                </a:solidFill>
-                <a:latin typeface="Arial" panose="020B0604020202020204" pitchFamily="34" charset="0"/>
-                <a:cs typeface="Arial" panose="020B0604020202020204" pitchFamily="34" charset="0"/>
-              </a:rPr>
-              <a:t> a kódod, párhuzamosítani a </a:t>
-            </a:r>
-            <a:r>
-              <a:rPr lang="hu-HU" dirty="0" err="1">
-                <a:solidFill>
-                  <a:schemeClr val="tx1"/>
-                </a:solidFill>
-                <a:latin typeface="Arial" panose="020B0604020202020204" pitchFamily="34" charset="0"/>
-                <a:cs typeface="Arial" panose="020B0604020202020204" pitchFamily="34" charset="0"/>
-              </a:rPr>
-              <a:t>Car</a:t>
-            </a:r>
-            <a:r>
-              <a:rPr lang="hu-HU" dirty="0">
-                <a:solidFill>
-                  <a:schemeClr val="tx1"/>
-                </a:solidFill>
-                <a:latin typeface="Arial" panose="020B0604020202020204" pitchFamily="34" charset="0"/>
-                <a:cs typeface="Arial" panose="020B0604020202020204" pitchFamily="34" charset="0"/>
-              </a:rPr>
-              <a:t> osztály </a:t>
-            </a:r>
-            <a:r>
-              <a:rPr lang="hu-HU" dirty="0" err="1">
-                <a:solidFill>
-                  <a:schemeClr val="tx1"/>
-                </a:solidFill>
-                <a:latin typeface="Arial" panose="020B0604020202020204" pitchFamily="34" charset="0"/>
-                <a:cs typeface="Arial" panose="020B0604020202020204" pitchFamily="34" charset="0"/>
-              </a:rPr>
-              <a:t>plottolási</a:t>
-            </a:r>
-            <a:r>
-              <a:rPr lang="hu-HU" dirty="0">
-                <a:solidFill>
-                  <a:schemeClr val="tx1"/>
-                </a:solidFill>
-                <a:latin typeface="Arial" panose="020B0604020202020204" pitchFamily="34" charset="0"/>
-                <a:cs typeface="Arial" panose="020B0604020202020204" pitchFamily="34" charset="0"/>
-              </a:rPr>
-              <a:t> mechanizmusait.</a:t>
-            </a:r>
-          </a:p>
-          <a:p>
-            <a:pPr marL="285750" indent="-285750" algn="l">
-              <a:lnSpc>
-                <a:spcPct val="100000"/>
-              </a:lnSpc>
-              <a:buFontTx/>
-              <a:buChar char="-"/>
-            </a:pPr>
-            <a:r>
-              <a:rPr lang="hu-HU" dirty="0">
-                <a:solidFill>
-                  <a:schemeClr val="tx1"/>
-                </a:solidFill>
-                <a:latin typeface="Arial" panose="020B0604020202020204" pitchFamily="34" charset="0"/>
-                <a:cs typeface="Arial" panose="020B0604020202020204" pitchFamily="34" charset="0"/>
-              </a:rPr>
-              <a:t>Szisztematikus teszt </a:t>
-            </a:r>
-            <a:r>
-              <a:rPr lang="hu-HU" dirty="0" err="1">
-                <a:solidFill>
-                  <a:schemeClr val="tx1"/>
-                </a:solidFill>
-                <a:latin typeface="Arial" panose="020B0604020202020204" pitchFamily="34" charset="0"/>
-                <a:cs typeface="Arial" panose="020B0604020202020204" pitchFamily="34" charset="0"/>
-              </a:rPr>
-              <a:t>Notebookat</a:t>
-            </a:r>
-            <a:r>
-              <a:rPr lang="hu-HU" dirty="0">
-                <a:solidFill>
-                  <a:schemeClr val="tx1"/>
-                </a:solidFill>
-                <a:latin typeface="Arial" panose="020B0604020202020204" pitchFamily="34" charset="0"/>
-                <a:cs typeface="Arial" panose="020B0604020202020204" pitchFamily="34" charset="0"/>
-              </a:rPr>
-              <a:t> írni a </a:t>
-            </a:r>
-            <a:r>
-              <a:rPr lang="hu-HU" dirty="0" err="1">
-                <a:solidFill>
-                  <a:schemeClr val="tx1"/>
-                </a:solidFill>
-                <a:latin typeface="Arial" panose="020B0604020202020204" pitchFamily="34" charset="0"/>
-                <a:cs typeface="Arial" panose="020B0604020202020204" pitchFamily="34" charset="0"/>
-              </a:rPr>
-              <a:t>PlostPlottet</a:t>
-            </a:r>
-            <a:r>
-              <a:rPr lang="hu-HU" dirty="0">
-                <a:solidFill>
-                  <a:schemeClr val="tx1"/>
-                </a:solidFill>
-                <a:latin typeface="Arial" panose="020B0604020202020204" pitchFamily="34" charset="0"/>
-                <a:cs typeface="Arial" panose="020B0604020202020204" pitchFamily="34" charset="0"/>
-              </a:rPr>
-              <a:t> és a Storage osztályok segítségével</a:t>
-            </a:r>
-          </a:p>
-          <a:p>
-            <a:pPr marL="285750" indent="-285750" algn="l">
-              <a:lnSpc>
-                <a:spcPct val="100000"/>
-              </a:lnSpc>
-              <a:buFontTx/>
-              <a:buChar char="-"/>
-            </a:pPr>
-            <a:r>
-              <a:rPr lang="hu-HU" dirty="0">
-                <a:solidFill>
-                  <a:schemeClr val="tx1"/>
-                </a:solidFill>
-                <a:latin typeface="Arial" panose="020B0604020202020204" pitchFamily="34" charset="0"/>
-                <a:cs typeface="Arial" panose="020B0604020202020204" pitchFamily="34" charset="0"/>
-              </a:rPr>
-              <a:t>Megtervezni és megírni, hogy legyen </a:t>
-            </a:r>
-            <a:r>
-              <a:rPr lang="hu-HU" dirty="0" err="1">
-                <a:solidFill>
-                  <a:schemeClr val="tx1"/>
-                </a:solidFill>
-                <a:latin typeface="Arial" panose="020B0604020202020204" pitchFamily="34" charset="0"/>
-                <a:cs typeface="Arial" panose="020B0604020202020204" pitchFamily="34" charset="0"/>
-              </a:rPr>
-              <a:t>perzisztálva</a:t>
-            </a:r>
-            <a:r>
-              <a:rPr lang="hu-HU" dirty="0">
-                <a:solidFill>
-                  <a:schemeClr val="tx1"/>
-                </a:solidFill>
-                <a:latin typeface="Arial" panose="020B0604020202020204" pitchFamily="34" charset="0"/>
-                <a:cs typeface="Arial" panose="020B0604020202020204" pitchFamily="34" charset="0"/>
-              </a:rPr>
-              <a:t> a futások, mivel legyen ellátva, hogy újra hasznosítani tudjam</a:t>
-            </a:r>
-          </a:p>
-          <a:p>
-            <a:pPr algn="l">
-              <a:lnSpc>
-                <a:spcPct val="100000"/>
-              </a:lnSpc>
-            </a:pPr>
-            <a:r>
-              <a:rPr lang="hu-HU" sz="2000" dirty="0">
-                <a:solidFill>
-                  <a:schemeClr val="tx1"/>
-                </a:solidFill>
-                <a:latin typeface="Georgia" panose="02040502050405020303" pitchFamily="18" charset="0"/>
-                <a:cs typeface="Calibri Light" panose="020F0302020204030204" pitchFamily="34" charset="0"/>
-              </a:rPr>
-              <a:t>Az elvégzendő tesztekkel kapcsolatban</a:t>
-            </a:r>
-          </a:p>
-          <a:p>
-            <a:pPr marL="285750" indent="-285750" algn="l">
-              <a:lnSpc>
-                <a:spcPct val="100000"/>
-              </a:lnSpc>
-              <a:buFontTx/>
-              <a:buChar char="-"/>
-            </a:pPr>
-            <a:r>
-              <a:rPr lang="hu-HU" dirty="0">
-                <a:solidFill>
-                  <a:schemeClr val="tx1"/>
-                </a:solidFill>
-                <a:latin typeface="Arial" panose="020B0604020202020204" pitchFamily="34" charset="0"/>
-                <a:cs typeface="Arial" panose="020B0604020202020204" pitchFamily="34" charset="0"/>
-              </a:rPr>
-              <a:t>Az alaptesztek, hogy jól működik-e a program, nincs-e benne szisztematikus hiba (a </a:t>
-            </a:r>
-            <a:r>
-              <a:rPr lang="hu-HU" dirty="0" err="1">
-                <a:solidFill>
-                  <a:schemeClr val="tx1"/>
-                </a:solidFill>
-                <a:latin typeface="Arial" panose="020B0604020202020204" pitchFamily="34" charset="0"/>
-                <a:cs typeface="Arial" panose="020B0604020202020204" pitchFamily="34" charset="0"/>
-              </a:rPr>
-              <a:t>linreg</a:t>
-            </a:r>
-            <a:r>
-              <a:rPr lang="hu-HU" dirty="0">
-                <a:solidFill>
-                  <a:schemeClr val="tx1"/>
-                </a:solidFill>
-                <a:latin typeface="Arial" panose="020B0604020202020204" pitchFamily="34" charset="0"/>
-                <a:cs typeface="Arial" panose="020B0604020202020204" pitchFamily="34" charset="0"/>
-              </a:rPr>
-              <a:t> még mindig a régi)</a:t>
-            </a:r>
-          </a:p>
-          <a:p>
-            <a:pPr marL="285750" indent="-285750" algn="l">
-              <a:lnSpc>
-                <a:spcPct val="100000"/>
-              </a:lnSpc>
-              <a:buFontTx/>
-              <a:buChar char="-"/>
-            </a:pPr>
-            <a:r>
-              <a:rPr lang="hu-HU" dirty="0">
-                <a:solidFill>
-                  <a:schemeClr val="tx1"/>
-                </a:solidFill>
-                <a:latin typeface="Arial" panose="020B0604020202020204" pitchFamily="34" charset="0"/>
-                <a:cs typeface="Arial" panose="020B0604020202020204" pitchFamily="34" charset="0"/>
-              </a:rPr>
-              <a:t>A különböző tesztpályákat felépíteni (az environment.py modulban a </a:t>
-            </a:r>
-            <a:r>
-              <a:rPr lang="hu-HU" dirty="0" err="1">
-                <a:solidFill>
-                  <a:schemeClr val="tx1"/>
-                </a:solidFill>
-                <a:latin typeface="Arial" panose="020B0604020202020204" pitchFamily="34" charset="0"/>
-                <a:cs typeface="Arial" panose="020B0604020202020204" pitchFamily="34" charset="0"/>
-              </a:rPr>
-              <a:t>Road</a:t>
-            </a:r>
-            <a:r>
-              <a:rPr lang="hu-HU" dirty="0">
-                <a:solidFill>
-                  <a:schemeClr val="tx1"/>
-                </a:solidFill>
-                <a:latin typeface="Arial" panose="020B0604020202020204" pitchFamily="34" charset="0"/>
-                <a:cs typeface="Arial" panose="020B0604020202020204" pitchFamily="34" charset="0"/>
-              </a:rPr>
-              <a:t> osztály, már majdnem kész az összes)</a:t>
-            </a:r>
-          </a:p>
-          <a:p>
-            <a:pPr marL="285750" indent="-285750" algn="l">
-              <a:lnSpc>
-                <a:spcPct val="100000"/>
-              </a:lnSpc>
-              <a:buFontTx/>
-              <a:buChar char="-"/>
-            </a:pPr>
-            <a:r>
-              <a:rPr lang="hu-HU" dirty="0">
-                <a:solidFill>
-                  <a:schemeClr val="tx1"/>
-                </a:solidFill>
-                <a:latin typeface="Arial" panose="020B0604020202020204" pitchFamily="34" charset="0"/>
-                <a:cs typeface="Arial" panose="020B0604020202020204" pitchFamily="34" charset="0"/>
-              </a:rPr>
-              <a:t>A </a:t>
-            </a:r>
-            <a:r>
-              <a:rPr lang="hu-HU" dirty="0" err="1">
-                <a:solidFill>
-                  <a:schemeClr val="tx1"/>
-                </a:solidFill>
-                <a:latin typeface="Arial" panose="020B0604020202020204" pitchFamily="34" charset="0"/>
-                <a:cs typeface="Arial" panose="020B0604020202020204" pitchFamily="34" charset="0"/>
-              </a:rPr>
-              <a:t>concept</a:t>
-            </a:r>
-            <a:r>
-              <a:rPr lang="hu-HU" dirty="0">
-                <a:solidFill>
-                  <a:schemeClr val="tx1"/>
-                </a:solidFill>
-                <a:latin typeface="Arial" panose="020B0604020202020204" pitchFamily="34" charset="0"/>
-                <a:cs typeface="Arial" panose="020B0604020202020204" pitchFamily="34" charset="0"/>
-              </a:rPr>
-              <a:t> </a:t>
-            </a:r>
-            <a:r>
-              <a:rPr lang="hu-HU" dirty="0" err="1">
-                <a:solidFill>
-                  <a:schemeClr val="tx1"/>
-                </a:solidFill>
-                <a:latin typeface="Arial" panose="020B0604020202020204" pitchFamily="34" charset="0"/>
-                <a:cs typeface="Arial" panose="020B0604020202020204" pitchFamily="34" charset="0"/>
-              </a:rPr>
-              <a:t>drift</a:t>
-            </a:r>
-            <a:r>
-              <a:rPr lang="hu-HU" dirty="0">
-                <a:solidFill>
-                  <a:schemeClr val="tx1"/>
-                </a:solidFill>
-                <a:latin typeface="Arial" panose="020B0604020202020204" pitchFamily="34" charset="0"/>
-                <a:cs typeface="Arial" panose="020B0604020202020204" pitchFamily="34" charset="0"/>
-              </a:rPr>
-              <a:t> az egyik vezér teszt ezen kell kipróbálni, hogy</a:t>
-            </a:r>
-          </a:p>
-          <a:p>
-            <a:pPr marL="285750" indent="-285750" algn="l">
-              <a:lnSpc>
-                <a:spcPct val="100000"/>
-              </a:lnSpc>
-              <a:buFontTx/>
-              <a:buChar char="-"/>
-            </a:pPr>
-            <a:r>
-              <a:rPr lang="hu-HU" dirty="0">
-                <a:solidFill>
-                  <a:schemeClr val="tx1"/>
-                </a:solidFill>
-                <a:latin typeface="Arial" panose="020B0604020202020204" pitchFamily="34" charset="0"/>
-                <a:cs typeface="Arial" panose="020B0604020202020204" pitchFamily="34" charset="0"/>
-              </a:rPr>
-              <a:t>A neurális háló egyes </a:t>
-            </a:r>
-            <a:r>
-              <a:rPr lang="hu-HU" dirty="0" err="1">
-                <a:solidFill>
-                  <a:schemeClr val="tx1"/>
-                </a:solidFill>
-                <a:latin typeface="Arial" panose="020B0604020202020204" pitchFamily="34" charset="0"/>
-                <a:cs typeface="Arial" panose="020B0604020202020204" pitchFamily="34" charset="0"/>
-              </a:rPr>
-              <a:t>hiperparaméterei</a:t>
-            </a:r>
-            <a:r>
-              <a:rPr lang="hu-HU" dirty="0">
-                <a:solidFill>
-                  <a:schemeClr val="tx1"/>
-                </a:solidFill>
-                <a:latin typeface="Arial" panose="020B0604020202020204" pitchFamily="34" charset="0"/>
-                <a:cs typeface="Arial" panose="020B0604020202020204" pitchFamily="34" charset="0"/>
-              </a:rPr>
-              <a:t> milyen hatással vannak</a:t>
-            </a:r>
-          </a:p>
-          <a:p>
-            <a:pPr marL="285750" indent="-285750" algn="l">
-              <a:lnSpc>
-                <a:spcPct val="100000"/>
-              </a:lnSpc>
-              <a:buFontTx/>
-              <a:buChar char="-"/>
-            </a:pPr>
-            <a:r>
-              <a:rPr lang="hu-HU" dirty="0">
-                <a:solidFill>
-                  <a:schemeClr val="tx1"/>
-                </a:solidFill>
-                <a:latin typeface="Arial" panose="020B0604020202020204" pitchFamily="34" charset="0"/>
-                <a:cs typeface="Arial" panose="020B0604020202020204" pitchFamily="34" charset="0"/>
-              </a:rPr>
-              <a:t>Erre kell írni egy olyan programrészt, ami több futást képes egy </a:t>
-            </a:r>
-            <a:r>
-              <a:rPr lang="hu-HU" dirty="0" err="1">
-                <a:solidFill>
-                  <a:schemeClr val="tx1"/>
-                </a:solidFill>
-                <a:latin typeface="Arial" panose="020B0604020202020204" pitchFamily="34" charset="0"/>
-                <a:cs typeface="Arial" panose="020B0604020202020204" pitchFamily="34" charset="0"/>
-              </a:rPr>
-              <a:t>plotton</a:t>
-            </a:r>
-            <a:r>
-              <a:rPr lang="hu-HU" dirty="0">
-                <a:solidFill>
-                  <a:schemeClr val="tx1"/>
-                </a:solidFill>
-                <a:latin typeface="Arial" panose="020B0604020202020204" pitchFamily="34" charset="0"/>
-                <a:cs typeface="Arial" panose="020B0604020202020204" pitchFamily="34" charset="0"/>
-              </a:rPr>
-              <a:t> kezelni</a:t>
-            </a:r>
-          </a:p>
-        </p:txBody>
-      </p:sp>
-    </p:spTree>
-    <p:extLst>
-      <p:ext uri="{BB962C8B-B14F-4D97-AF65-F5344CB8AC3E}">
-        <p14:creationId xmlns:p14="http://schemas.microsoft.com/office/powerpoint/2010/main" val="902711551"/>
-      </p:ext>
-    </p:extLst>
-  </p:cSld>
-  <p:clrMapOvr>
-    <a:masterClrMapping/>
-  </p:clrMapOvr>
-  <mc:AlternateContent xmlns:mc="http://schemas.openxmlformats.org/markup-compatibility/2006">
-    <mc:Choice xmlns:p14="http://schemas.microsoft.com/office/powerpoint/2010/main" Requires="p14">
-      <p:transition spd="med" p14:dur="700">
-        <p:fade/>
-      </p:transition>
-    </mc:Choice>
-    <mc:Fallback>
-      <p:transition spd="med">
-        <p:fade/>
-      </p:transition>
-    </mc:Fallback>
-  </mc:AlternateContent>
-  <p:timing>
-    <p:tnLst>
-      <p:par>
-        <p:cTn id="1" dur="indefinite" restart="never" nodeType="tmRoot">
-          <p:childTnLst>
-            <p:seq concurrent="1" nextAc="seek">
-              <p:cTn id="2" dur="indefinite" nodeType="mainSeq">
-                <p:childTnLst>
-                  <p:par>
-                    <p:cTn id="3" fill="hold">
-                      <p:stCondLst>
-                        <p:cond delay="indefinite"/>
-                      </p:stCondLst>
-                      <p:childTnLst>
-                        <p:par>
-                          <p:cTn id="4" fill="hold">
-                            <p:stCondLst>
-                              <p:cond delay="0"/>
-                            </p:stCondLst>
-                            <p:childTnLst>
-                              <p:par>
-                                <p:cTn id="5" presetID="10" presetClass="entr" presetSubtype="0" fill="hold" grpId="0" nodeType="clickEffect">
-                                  <p:stCondLst>
-                                    <p:cond delay="0"/>
-                                  </p:stCondLst>
-                                  <p:childTnLst>
-                                    <p:set>
-                                      <p:cBhvr>
-                                        <p:cTn id="6" dur="1" fill="hold">
-                                          <p:stCondLst>
-                                            <p:cond delay="0"/>
-                                          </p:stCondLst>
-                                        </p:cTn>
-                                        <p:tgtEl>
-                                          <p:spTgt spid="10"/>
-                                        </p:tgtEl>
-                                        <p:attrNameLst>
-                                          <p:attrName>style.visibility</p:attrName>
-                                        </p:attrNameLst>
-                                      </p:cBhvr>
-                                      <p:to>
-                                        <p:strVal val="visible"/>
-                                      </p:to>
-                                    </p:set>
-                                    <p:animEffect transition="in" filter="fade">
-                                      <p:cBhvr>
-                                        <p:cTn id="7" dur="500"/>
-                                        <p:tgtEl>
-                                          <p:spTgt spid="10"/>
-                                        </p:tgtEl>
-                                      </p:cBhvr>
-                                    </p:animEffect>
-                                  </p:childTnLst>
-                                </p:cTn>
-                              </p:par>
-                            </p:childTnLst>
-                          </p:cTn>
-                        </p:par>
-                      </p:childTnLst>
-                    </p:cTn>
-                  </p:par>
-                </p:childTnLst>
-              </p:cTn>
-              <p:prevCondLst>
-                <p:cond evt="onPrev" delay="0">
-                  <p:tgtEl>
-                    <p:sldTgt/>
-                  </p:tgtEl>
-                </p:cond>
-              </p:prevCondLst>
-              <p:nextCondLst>
-                <p:cond evt="onNext" delay="0">
-                  <p:tgtEl>
-                    <p:sldTgt/>
-                  </p:tgtEl>
-                </p:cond>
-              </p:nextCondLst>
-            </p:seq>
-          </p:childTnLst>
-        </p:cTn>
-      </p:par>
-    </p:tnLst>
-    <p:bldLst>
-      <p:bldP spid="10" grpId="0"/>
-    </p:bldLst>
-  </p:timing>
-</p:sld>
-</file>
-
-<file path=ppt/slides/slide20.xml><?xml version="1.0" encoding="utf-8"?>
+<file path=ppt/slides/slide22.xml><?xml version="1.0" encoding="utf-8"?>
 <p:sld xmlns:a="http://schemas.openxmlformats.org/drawingml/2006/main" xmlns:r="http://schemas.openxmlformats.org/officeDocument/2006/relationships" xmlns:p="http://schemas.openxmlformats.org/presentationml/2006/main">
   <p:cSld>
     <p:spTree>
@@ -20351,7 +22441,7 @@
 </p:sld>
 </file>
 
-<file path=ppt/slides/slide21.xml><?xml version="1.0" encoding="utf-8"?>
+<file path=ppt/slides/slide23.xml><?xml version="1.0" encoding="utf-8"?>
 <p:sld xmlns:a="http://schemas.openxmlformats.org/drawingml/2006/main" xmlns:r="http://schemas.openxmlformats.org/officeDocument/2006/relationships" xmlns:p="http://schemas.openxmlformats.org/presentationml/2006/main">
   <p:cSld>
     <p:spTree>
@@ -21618,7 +23708,7 @@
 </p:sld>
 </file>
 
-<file path=ppt/slides/slide22.xml><?xml version="1.0" encoding="utf-8"?>
+<file path=ppt/slides/slide24.xml><?xml version="1.0" encoding="utf-8"?>
 <p:sld xmlns:a="http://schemas.openxmlformats.org/drawingml/2006/main" xmlns:r="http://schemas.openxmlformats.org/officeDocument/2006/relationships" xmlns:p="http://schemas.openxmlformats.org/presentationml/2006/main">
   <p:cSld>
     <p:spTree>
@@ -22937,7 +25027,7 @@
 </p:sld>
 </file>
 
-<file path=ppt/slides/slide23.xml><?xml version="1.0" encoding="utf-8"?>
+<file path=ppt/slides/slide25.xml><?xml version="1.0" encoding="utf-8"?>
 <p:sld xmlns:a="http://schemas.openxmlformats.org/drawingml/2006/main" xmlns:r="http://schemas.openxmlformats.org/officeDocument/2006/relationships" xmlns:p="http://schemas.openxmlformats.org/presentationml/2006/main">
   <p:cSld>
     <p:spTree>
@@ -24409,7 +26499,7 @@
 </p:sld>
 </file>
 
-<file path=ppt/slides/slide24.xml><?xml version="1.0" encoding="utf-8"?>
+<file path=ppt/slides/slide26.xml><?xml version="1.0" encoding="utf-8"?>
 <p:sld xmlns:a="http://schemas.openxmlformats.org/drawingml/2006/main" xmlns:r="http://schemas.openxmlformats.org/officeDocument/2006/relationships" xmlns:p="http://schemas.openxmlformats.org/presentationml/2006/main">
   <p:cSld>
     <p:spTree>
@@ -25503,7 +27593,7 @@
 </p:sld>
 </file>
 
-<file path=ppt/slides/slide25.xml><?xml version="1.0" encoding="utf-8"?>
+<file path=ppt/slides/slide27.xml><?xml version="1.0" encoding="utf-8"?>
 <p:sld xmlns:a="http://schemas.openxmlformats.org/drawingml/2006/main" xmlns:r="http://schemas.openxmlformats.org/officeDocument/2006/relationships" xmlns:p="http://schemas.openxmlformats.org/presentationml/2006/main">
   <p:cSld>
     <p:spTree>
@@ -26631,7 +28721,7 @@
 </p:sld>
 </file>
 
-<file path=ppt/slides/slide26.xml><?xml version="1.0" encoding="utf-8"?>
+<file path=ppt/slides/slide28.xml><?xml version="1.0" encoding="utf-8"?>
 <p:sld xmlns:a="http://schemas.openxmlformats.org/drawingml/2006/main" xmlns:r="http://schemas.openxmlformats.org/officeDocument/2006/relationships" xmlns:p="http://schemas.openxmlformats.org/presentationml/2006/main">
   <p:cSld>
     <p:spTree>
@@ -27697,7 +29787,7 @@
 </p:sld>
 </file>
 
-<file path=ppt/slides/slide27.xml><?xml version="1.0" encoding="utf-8"?>
+<file path=ppt/slides/slide29.xml><?xml version="1.0" encoding="utf-8"?>
 <p:sld xmlns:a="http://schemas.openxmlformats.org/drawingml/2006/main" xmlns:r="http://schemas.openxmlformats.org/officeDocument/2006/relationships" xmlns:p="http://schemas.openxmlformats.org/presentationml/2006/main">
   <p:cSld>
     <p:spTree>
@@ -28479,7 +30569,613 @@
 </p:sld>
 </file>
 
-<file path=ppt/slides/slide28.xml><?xml version="1.0" encoding="utf-8"?>
+<file path=ppt/slides/slide3.xml><?xml version="1.0" encoding="utf-8"?>
+<p:sld xmlns:a="http://schemas.openxmlformats.org/drawingml/2006/main" xmlns:r="http://schemas.openxmlformats.org/officeDocument/2006/relationships" xmlns:p="http://schemas.openxmlformats.org/presentationml/2006/main">
+  <p:cSld>
+    <p:spTree>
+      <p:nvGrpSpPr>
+        <p:cNvPr id="1" name=""/>
+        <p:cNvGrpSpPr/>
+        <p:nvPr/>
+      </p:nvGrpSpPr>
+      <p:grpSpPr>
+        <a:xfrm>
+          <a:off x="0" y="0"/>
+          <a:ext cx="0" cy="0"/>
+          <a:chOff x="0" y="0"/>
+          <a:chExt cx="0" cy="0"/>
+        </a:xfrm>
+      </p:grpSpPr>
+      <p:sp>
+        <p:nvSpPr>
+          <p:cNvPr id="9" name="Szöveg helye 14">
+            <a:extLst>
+              <a:ext uri="{FF2B5EF4-FFF2-40B4-BE49-F238E27FC236}">
+                <a16:creationId xmlns:a16="http://schemas.microsoft.com/office/drawing/2014/main" id="{27FB6942-F6E0-48A2-84B6-F1FA23483B8E}"/>
+              </a:ext>
+            </a:extLst>
+          </p:cNvPr>
+          <p:cNvSpPr txBox="1">
+            <a:spLocks/>
+          </p:cNvSpPr>
+          <p:nvPr/>
+        </p:nvSpPr>
+        <p:spPr>
+          <a:xfrm>
+            <a:off x="541246" y="386452"/>
+            <a:ext cx="8708771" cy="942559"/>
+          </a:xfrm>
+          <a:prstGeom prst="rect">
+            <a:avLst/>
+          </a:prstGeom>
+          <a:noFill/>
+        </p:spPr>
+        <p:txBody>
+          <a:bodyPr vert="horz" lIns="108000" tIns="72000" rIns="72000" bIns="36000" rtlCol="0">
+            <a:noAutofit/>
+          </a:bodyPr>
+          <a:lstStyle>
+            <a:lvl1pPr marL="0" indent="0" algn="ctr" defTabSz="914400" rtl="0" eaLnBrk="1" latinLnBrk="0" hangingPunct="1">
+              <a:lnSpc>
+                <a:spcPct val="90000"/>
+              </a:lnSpc>
+              <a:spcBef>
+                <a:spcPts val="1000"/>
+              </a:spcBef>
+              <a:buFont typeface="Arial" panose="020B0604020202020204" pitchFamily="34" charset="0"/>
+              <a:buNone/>
+              <a:defRPr sz="1600" kern="1200">
+                <a:solidFill>
+                  <a:schemeClr val="tx1">
+                    <a:lumMod val="75000"/>
+                    <a:lumOff val="25000"/>
+                  </a:schemeClr>
+                </a:solidFill>
+                <a:latin typeface="+mn-lt"/>
+                <a:ea typeface="+mn-ea"/>
+                <a:cs typeface="+mn-cs"/>
+              </a:defRPr>
+            </a:lvl1pPr>
+            <a:lvl2pPr marL="542925" indent="-276225" algn="l" defTabSz="914400" rtl="0" eaLnBrk="1" latinLnBrk="0" hangingPunct="1">
+              <a:lnSpc>
+                <a:spcPct val="90000"/>
+              </a:lnSpc>
+              <a:spcBef>
+                <a:spcPts val="500"/>
+              </a:spcBef>
+              <a:buFont typeface="Arial" panose="020B0604020202020204" pitchFamily="34" charset="0"/>
+              <a:buChar char="•"/>
+              <a:defRPr sz="1600" kern="1200">
+                <a:solidFill>
+                  <a:schemeClr val="tx1">
+                    <a:lumMod val="75000"/>
+                    <a:lumOff val="25000"/>
+                  </a:schemeClr>
+                </a:solidFill>
+                <a:latin typeface="+mn-lt"/>
+                <a:ea typeface="+mn-ea"/>
+                <a:cs typeface="+mn-cs"/>
+              </a:defRPr>
+            </a:lvl2pPr>
+            <a:lvl3pPr marL="809625" indent="-266700" algn="l" defTabSz="914400" rtl="0" eaLnBrk="1" latinLnBrk="0" hangingPunct="1">
+              <a:lnSpc>
+                <a:spcPct val="90000"/>
+              </a:lnSpc>
+              <a:spcBef>
+                <a:spcPts val="500"/>
+              </a:spcBef>
+              <a:buFont typeface="Arial" panose="020B0604020202020204" pitchFamily="34" charset="0"/>
+              <a:buChar char="•"/>
+              <a:defRPr sz="1400" kern="1200">
+                <a:solidFill>
+                  <a:schemeClr val="tx1">
+                    <a:lumMod val="75000"/>
+                    <a:lumOff val="25000"/>
+                  </a:schemeClr>
+                </a:solidFill>
+                <a:latin typeface="+mn-lt"/>
+                <a:ea typeface="+mn-ea"/>
+                <a:cs typeface="+mn-cs"/>
+              </a:defRPr>
+            </a:lvl3pPr>
+            <a:lvl4pPr marL="1076325" indent="-266700" algn="l" defTabSz="914400" rtl="0" eaLnBrk="1" latinLnBrk="0" hangingPunct="1">
+              <a:lnSpc>
+                <a:spcPct val="90000"/>
+              </a:lnSpc>
+              <a:spcBef>
+                <a:spcPts val="500"/>
+              </a:spcBef>
+              <a:buFont typeface="Arial" panose="020B0604020202020204" pitchFamily="34" charset="0"/>
+              <a:buChar char="•"/>
+              <a:defRPr sz="1400" kern="1200">
+                <a:solidFill>
+                  <a:schemeClr val="tx1">
+                    <a:lumMod val="75000"/>
+                    <a:lumOff val="25000"/>
+                  </a:schemeClr>
+                </a:solidFill>
+                <a:latin typeface="+mn-lt"/>
+                <a:ea typeface="+mn-ea"/>
+                <a:cs typeface="+mn-cs"/>
+              </a:defRPr>
+            </a:lvl4pPr>
+            <a:lvl5pPr marL="1343025" indent="-266700" algn="l" defTabSz="914400" rtl="0" eaLnBrk="1" latinLnBrk="0" hangingPunct="1">
+              <a:lnSpc>
+                <a:spcPct val="90000"/>
+              </a:lnSpc>
+              <a:spcBef>
+                <a:spcPts val="500"/>
+              </a:spcBef>
+              <a:buFont typeface="Arial" panose="020B0604020202020204" pitchFamily="34" charset="0"/>
+              <a:buChar char="•"/>
+              <a:defRPr sz="1400" kern="1200">
+                <a:solidFill>
+                  <a:schemeClr val="tx1">
+                    <a:lumMod val="75000"/>
+                    <a:lumOff val="25000"/>
+                  </a:schemeClr>
+                </a:solidFill>
+                <a:latin typeface="+mn-lt"/>
+                <a:ea typeface="+mn-ea"/>
+                <a:cs typeface="+mn-cs"/>
+              </a:defRPr>
+            </a:lvl5pPr>
+            <a:lvl6pPr marL="2514600" indent="-228600" algn="l" defTabSz="914400" rtl="0" eaLnBrk="1" latinLnBrk="0" hangingPunct="1">
+              <a:lnSpc>
+                <a:spcPct val="90000"/>
+              </a:lnSpc>
+              <a:spcBef>
+                <a:spcPts val="500"/>
+              </a:spcBef>
+              <a:buFont typeface="Arial" panose="020B0604020202020204" pitchFamily="34" charset="0"/>
+              <a:buChar char="•"/>
+              <a:defRPr sz="1800" kern="1200">
+                <a:solidFill>
+                  <a:schemeClr val="tx1"/>
+                </a:solidFill>
+                <a:latin typeface="+mn-lt"/>
+                <a:ea typeface="+mn-ea"/>
+                <a:cs typeface="+mn-cs"/>
+              </a:defRPr>
+            </a:lvl6pPr>
+            <a:lvl7pPr marL="2971800" indent="-228600" algn="l" defTabSz="914400" rtl="0" eaLnBrk="1" latinLnBrk="0" hangingPunct="1">
+              <a:lnSpc>
+                <a:spcPct val="90000"/>
+              </a:lnSpc>
+              <a:spcBef>
+                <a:spcPts val="500"/>
+              </a:spcBef>
+              <a:buFont typeface="Arial" panose="020B0604020202020204" pitchFamily="34" charset="0"/>
+              <a:buChar char="•"/>
+              <a:defRPr sz="1800" kern="1200">
+                <a:solidFill>
+                  <a:schemeClr val="tx1"/>
+                </a:solidFill>
+                <a:latin typeface="+mn-lt"/>
+                <a:ea typeface="+mn-ea"/>
+                <a:cs typeface="+mn-cs"/>
+              </a:defRPr>
+            </a:lvl7pPr>
+            <a:lvl8pPr marL="3429000" indent="-228600" algn="l" defTabSz="914400" rtl="0" eaLnBrk="1" latinLnBrk="0" hangingPunct="1">
+              <a:lnSpc>
+                <a:spcPct val="90000"/>
+              </a:lnSpc>
+              <a:spcBef>
+                <a:spcPts val="500"/>
+              </a:spcBef>
+              <a:buFont typeface="Arial" panose="020B0604020202020204" pitchFamily="34" charset="0"/>
+              <a:buChar char="•"/>
+              <a:defRPr sz="1800" kern="1200">
+                <a:solidFill>
+                  <a:schemeClr val="tx1"/>
+                </a:solidFill>
+                <a:latin typeface="+mn-lt"/>
+                <a:ea typeface="+mn-ea"/>
+                <a:cs typeface="+mn-cs"/>
+              </a:defRPr>
+            </a:lvl8pPr>
+            <a:lvl9pPr marL="3886200" indent="-228600" algn="l" defTabSz="914400" rtl="0" eaLnBrk="1" latinLnBrk="0" hangingPunct="1">
+              <a:lnSpc>
+                <a:spcPct val="90000"/>
+              </a:lnSpc>
+              <a:spcBef>
+                <a:spcPts val="500"/>
+              </a:spcBef>
+              <a:buFont typeface="Arial" panose="020B0604020202020204" pitchFamily="34" charset="0"/>
+              <a:buChar char="•"/>
+              <a:defRPr sz="1800" kern="1200">
+                <a:solidFill>
+                  <a:schemeClr val="tx1"/>
+                </a:solidFill>
+                <a:latin typeface="+mn-lt"/>
+                <a:ea typeface="+mn-ea"/>
+                <a:cs typeface="+mn-cs"/>
+              </a:defRPr>
+            </a:lvl9pPr>
+          </a:lstStyle>
+          <a:p>
+            <a:pPr algn="l">
+              <a:lnSpc>
+                <a:spcPct val="100000"/>
+              </a:lnSpc>
+            </a:pPr>
+            <a:r>
+              <a:rPr lang="hu-HU" sz="4800" dirty="0">
+                <a:solidFill>
+                  <a:schemeClr val="tx1"/>
+                </a:solidFill>
+                <a:latin typeface="Georgia" panose="02040502050405020303" pitchFamily="18" charset="0"/>
+                <a:cs typeface="Arial" panose="020B0604020202020204" pitchFamily="34" charset="0"/>
+              </a:rPr>
+              <a:t>LR teszt</a:t>
+            </a:r>
+            <a:endParaRPr lang="hu-HU" sz="4800" dirty="0">
+              <a:solidFill>
+                <a:schemeClr val="tx1"/>
+              </a:solidFill>
+              <a:latin typeface="Georgia" panose="02040502050405020303" pitchFamily="18" charset="0"/>
+              <a:cs typeface="Calibri Light" panose="020F0302020204030204" pitchFamily="34" charset="0"/>
+            </a:endParaRPr>
+          </a:p>
+        </p:txBody>
+      </p:sp>
+      <p:sp>
+        <p:nvSpPr>
+          <p:cNvPr id="10" name="Szöveg helye 14">
+            <a:extLst>
+              <a:ext uri="{FF2B5EF4-FFF2-40B4-BE49-F238E27FC236}">
+                <a16:creationId xmlns:a16="http://schemas.microsoft.com/office/drawing/2014/main" id="{9FB85B1C-99A5-4A8E-95DD-57C11294BB7A}"/>
+              </a:ext>
+            </a:extLst>
+          </p:cNvPr>
+          <p:cNvSpPr txBox="1">
+            <a:spLocks/>
+          </p:cNvSpPr>
+          <p:nvPr/>
+        </p:nvSpPr>
+        <p:spPr>
+          <a:xfrm>
+            <a:off x="541247" y="1329010"/>
+            <a:ext cx="10988144" cy="5142537"/>
+          </a:xfrm>
+          <a:prstGeom prst="rect">
+            <a:avLst/>
+          </a:prstGeom>
+          <a:noFill/>
+        </p:spPr>
+        <p:txBody>
+          <a:bodyPr vert="horz" lIns="108000" tIns="72000" rIns="72000" bIns="36000" rtlCol="0">
+            <a:noAutofit/>
+          </a:bodyPr>
+          <a:lstStyle>
+            <a:lvl1pPr marL="0" indent="0" algn="ctr" defTabSz="914400" rtl="0" eaLnBrk="1" latinLnBrk="0" hangingPunct="1">
+              <a:lnSpc>
+                <a:spcPct val="90000"/>
+              </a:lnSpc>
+              <a:spcBef>
+                <a:spcPts val="1000"/>
+              </a:spcBef>
+              <a:buFont typeface="Arial" panose="020B0604020202020204" pitchFamily="34" charset="0"/>
+              <a:buNone/>
+              <a:defRPr sz="1600" kern="1200">
+                <a:solidFill>
+                  <a:schemeClr val="tx1">
+                    <a:lumMod val="75000"/>
+                    <a:lumOff val="25000"/>
+                  </a:schemeClr>
+                </a:solidFill>
+                <a:latin typeface="+mn-lt"/>
+                <a:ea typeface="+mn-ea"/>
+                <a:cs typeface="+mn-cs"/>
+              </a:defRPr>
+            </a:lvl1pPr>
+            <a:lvl2pPr marL="542925" indent="-276225" algn="l" defTabSz="914400" rtl="0" eaLnBrk="1" latinLnBrk="0" hangingPunct="1">
+              <a:lnSpc>
+                <a:spcPct val="90000"/>
+              </a:lnSpc>
+              <a:spcBef>
+                <a:spcPts val="500"/>
+              </a:spcBef>
+              <a:buFont typeface="Arial" panose="020B0604020202020204" pitchFamily="34" charset="0"/>
+              <a:buChar char="•"/>
+              <a:defRPr sz="1600" kern="1200">
+                <a:solidFill>
+                  <a:schemeClr val="tx1">
+                    <a:lumMod val="75000"/>
+                    <a:lumOff val="25000"/>
+                  </a:schemeClr>
+                </a:solidFill>
+                <a:latin typeface="+mn-lt"/>
+                <a:ea typeface="+mn-ea"/>
+                <a:cs typeface="+mn-cs"/>
+              </a:defRPr>
+            </a:lvl2pPr>
+            <a:lvl3pPr marL="809625" indent="-266700" algn="l" defTabSz="914400" rtl="0" eaLnBrk="1" latinLnBrk="0" hangingPunct="1">
+              <a:lnSpc>
+                <a:spcPct val="90000"/>
+              </a:lnSpc>
+              <a:spcBef>
+                <a:spcPts val="500"/>
+              </a:spcBef>
+              <a:buFont typeface="Arial" panose="020B0604020202020204" pitchFamily="34" charset="0"/>
+              <a:buChar char="•"/>
+              <a:defRPr sz="1400" kern="1200">
+                <a:solidFill>
+                  <a:schemeClr val="tx1">
+                    <a:lumMod val="75000"/>
+                    <a:lumOff val="25000"/>
+                  </a:schemeClr>
+                </a:solidFill>
+                <a:latin typeface="+mn-lt"/>
+                <a:ea typeface="+mn-ea"/>
+                <a:cs typeface="+mn-cs"/>
+              </a:defRPr>
+            </a:lvl3pPr>
+            <a:lvl4pPr marL="1076325" indent="-266700" algn="l" defTabSz="914400" rtl="0" eaLnBrk="1" latinLnBrk="0" hangingPunct="1">
+              <a:lnSpc>
+                <a:spcPct val="90000"/>
+              </a:lnSpc>
+              <a:spcBef>
+                <a:spcPts val="500"/>
+              </a:spcBef>
+              <a:buFont typeface="Arial" panose="020B0604020202020204" pitchFamily="34" charset="0"/>
+              <a:buChar char="•"/>
+              <a:defRPr sz="1400" kern="1200">
+                <a:solidFill>
+                  <a:schemeClr val="tx1">
+                    <a:lumMod val="75000"/>
+                    <a:lumOff val="25000"/>
+                  </a:schemeClr>
+                </a:solidFill>
+                <a:latin typeface="+mn-lt"/>
+                <a:ea typeface="+mn-ea"/>
+                <a:cs typeface="+mn-cs"/>
+              </a:defRPr>
+            </a:lvl4pPr>
+            <a:lvl5pPr marL="1343025" indent="-266700" algn="l" defTabSz="914400" rtl="0" eaLnBrk="1" latinLnBrk="0" hangingPunct="1">
+              <a:lnSpc>
+                <a:spcPct val="90000"/>
+              </a:lnSpc>
+              <a:spcBef>
+                <a:spcPts val="500"/>
+              </a:spcBef>
+              <a:buFont typeface="Arial" panose="020B0604020202020204" pitchFamily="34" charset="0"/>
+              <a:buChar char="•"/>
+              <a:defRPr sz="1400" kern="1200">
+                <a:solidFill>
+                  <a:schemeClr val="tx1">
+                    <a:lumMod val="75000"/>
+                    <a:lumOff val="25000"/>
+                  </a:schemeClr>
+                </a:solidFill>
+                <a:latin typeface="+mn-lt"/>
+                <a:ea typeface="+mn-ea"/>
+                <a:cs typeface="+mn-cs"/>
+              </a:defRPr>
+            </a:lvl5pPr>
+            <a:lvl6pPr marL="2514600" indent="-228600" algn="l" defTabSz="914400" rtl="0" eaLnBrk="1" latinLnBrk="0" hangingPunct="1">
+              <a:lnSpc>
+                <a:spcPct val="90000"/>
+              </a:lnSpc>
+              <a:spcBef>
+                <a:spcPts val="500"/>
+              </a:spcBef>
+              <a:buFont typeface="Arial" panose="020B0604020202020204" pitchFamily="34" charset="0"/>
+              <a:buChar char="•"/>
+              <a:defRPr sz="1800" kern="1200">
+                <a:solidFill>
+                  <a:schemeClr val="tx1"/>
+                </a:solidFill>
+                <a:latin typeface="+mn-lt"/>
+                <a:ea typeface="+mn-ea"/>
+                <a:cs typeface="+mn-cs"/>
+              </a:defRPr>
+            </a:lvl6pPr>
+            <a:lvl7pPr marL="2971800" indent="-228600" algn="l" defTabSz="914400" rtl="0" eaLnBrk="1" latinLnBrk="0" hangingPunct="1">
+              <a:lnSpc>
+                <a:spcPct val="90000"/>
+              </a:lnSpc>
+              <a:spcBef>
+                <a:spcPts val="500"/>
+              </a:spcBef>
+              <a:buFont typeface="Arial" panose="020B0604020202020204" pitchFamily="34" charset="0"/>
+              <a:buChar char="•"/>
+              <a:defRPr sz="1800" kern="1200">
+                <a:solidFill>
+                  <a:schemeClr val="tx1"/>
+                </a:solidFill>
+                <a:latin typeface="+mn-lt"/>
+                <a:ea typeface="+mn-ea"/>
+                <a:cs typeface="+mn-cs"/>
+              </a:defRPr>
+            </a:lvl7pPr>
+            <a:lvl8pPr marL="3429000" indent="-228600" algn="l" defTabSz="914400" rtl="0" eaLnBrk="1" latinLnBrk="0" hangingPunct="1">
+              <a:lnSpc>
+                <a:spcPct val="90000"/>
+              </a:lnSpc>
+              <a:spcBef>
+                <a:spcPts val="500"/>
+              </a:spcBef>
+              <a:buFont typeface="Arial" panose="020B0604020202020204" pitchFamily="34" charset="0"/>
+              <a:buChar char="•"/>
+              <a:defRPr sz="1800" kern="1200">
+                <a:solidFill>
+                  <a:schemeClr val="tx1"/>
+                </a:solidFill>
+                <a:latin typeface="+mn-lt"/>
+                <a:ea typeface="+mn-ea"/>
+                <a:cs typeface="+mn-cs"/>
+              </a:defRPr>
+            </a:lvl8pPr>
+            <a:lvl9pPr marL="3886200" indent="-228600" algn="l" defTabSz="914400" rtl="0" eaLnBrk="1" latinLnBrk="0" hangingPunct="1">
+              <a:lnSpc>
+                <a:spcPct val="90000"/>
+              </a:lnSpc>
+              <a:spcBef>
+                <a:spcPts val="500"/>
+              </a:spcBef>
+              <a:buFont typeface="Arial" panose="020B0604020202020204" pitchFamily="34" charset="0"/>
+              <a:buChar char="•"/>
+              <a:defRPr sz="1800" kern="1200">
+                <a:solidFill>
+                  <a:schemeClr val="tx1"/>
+                </a:solidFill>
+                <a:latin typeface="+mn-lt"/>
+                <a:ea typeface="+mn-ea"/>
+                <a:cs typeface="+mn-cs"/>
+              </a:defRPr>
+            </a:lvl9pPr>
+          </a:lstStyle>
+          <a:p>
+            <a:pPr algn="l">
+              <a:lnSpc>
+                <a:spcPct val="100000"/>
+              </a:lnSpc>
+            </a:pPr>
+            <a:r>
+              <a:rPr lang="hu-HU" sz="2000" dirty="0">
+                <a:solidFill>
+                  <a:schemeClr val="tx1"/>
+                </a:solidFill>
+                <a:latin typeface="Georgia" panose="02040502050405020303" pitchFamily="18" charset="0"/>
+                <a:cs typeface="Calibri Light" panose="020F0302020204030204" pitchFamily="34" charset="0"/>
+              </a:rPr>
+              <a:t>1.  Megnézni ha a másik képletet használom mi változik</a:t>
+            </a:r>
+          </a:p>
+          <a:p>
+            <a:pPr marL="285750" indent="-285750" algn="l">
+              <a:lnSpc>
+                <a:spcPct val="100000"/>
+              </a:lnSpc>
+              <a:buFontTx/>
+              <a:buChar char="-"/>
+            </a:pPr>
+            <a:r>
+              <a:rPr lang="hu-HU" dirty="0">
+                <a:solidFill>
+                  <a:schemeClr val="tx1"/>
+                </a:solidFill>
+                <a:latin typeface="Arial" panose="020B0604020202020204" pitchFamily="34" charset="0"/>
+                <a:cs typeface="Arial" panose="020B0604020202020204" pitchFamily="34" charset="0"/>
+              </a:rPr>
+              <a:t>Átírni a LR képletet úgy ahogy az eredeti cikkben volt az én változatomhoz képest, és megfigyelni az összefüggéseket.</a:t>
+            </a:r>
+          </a:p>
+        </p:txBody>
+      </p:sp>
+    </p:spTree>
+    <p:extLst>
+      <p:ext uri="{BB962C8B-B14F-4D97-AF65-F5344CB8AC3E}">
+        <p14:creationId xmlns:p14="http://schemas.microsoft.com/office/powerpoint/2010/main" val="71653685"/>
+      </p:ext>
+    </p:extLst>
+  </p:cSld>
+  <p:clrMapOvr>
+    <a:masterClrMapping/>
+  </p:clrMapOvr>
+  <mc:AlternateContent xmlns:mc="http://schemas.openxmlformats.org/markup-compatibility/2006" xmlns:p14="http://schemas.microsoft.com/office/powerpoint/2010/main">
+    <mc:Choice Requires="p14">
+      <p:transition spd="med" p14:dur="700">
+        <p:fade/>
+      </p:transition>
+    </mc:Choice>
+    <mc:Fallback xmlns="">
+      <p:transition spd="med">
+        <p:fade/>
+      </p:transition>
+    </mc:Fallback>
+  </mc:AlternateContent>
+  <p:timing>
+    <p:tnLst>
+      <p:par>
+        <p:cTn id="1" dur="indefinite" restart="never" nodeType="tmRoot">
+          <p:childTnLst>
+            <p:seq concurrent="1" nextAc="seek">
+              <p:cTn id="2" dur="indefinite" nodeType="mainSeq">
+                <p:childTnLst>
+                  <p:par>
+                    <p:cTn id="3" fill="hold">
+                      <p:stCondLst>
+                        <p:cond delay="indefinite"/>
+                      </p:stCondLst>
+                      <p:childTnLst>
+                        <p:par>
+                          <p:cTn id="4" fill="hold">
+                            <p:stCondLst>
+                              <p:cond delay="0"/>
+                            </p:stCondLst>
+                            <p:childTnLst>
+                              <p:par>
+                                <p:cTn id="5" presetID="10" presetClass="entr" presetSubtype="0" fill="hold" grpId="0" nodeType="clickEffect">
+                                  <p:stCondLst>
+                                    <p:cond delay="0"/>
+                                  </p:stCondLst>
+                                  <p:childTnLst>
+                                    <p:set>
+                                      <p:cBhvr>
+                                        <p:cTn id="6" dur="1" fill="hold">
+                                          <p:stCondLst>
+                                            <p:cond delay="0"/>
+                                          </p:stCondLst>
+                                        </p:cTn>
+                                        <p:tgtEl>
+                                          <p:spTgt spid="10"/>
+                                        </p:tgtEl>
+                                        <p:attrNameLst>
+                                          <p:attrName>style.visibility</p:attrName>
+                                        </p:attrNameLst>
+                                      </p:cBhvr>
+                                      <p:to>
+                                        <p:strVal val="visible"/>
+                                      </p:to>
+                                    </p:set>
+                                    <p:animEffect transition="in" filter="fade">
+                                      <p:cBhvr>
+                                        <p:cTn id="7" dur="500"/>
+                                        <p:tgtEl>
+                                          <p:spTgt spid="10"/>
+                                        </p:tgtEl>
+                                      </p:cBhvr>
+                                    </p:animEffect>
+                                  </p:childTnLst>
+                                </p:cTn>
+                              </p:par>
+                            </p:childTnLst>
+                          </p:cTn>
+                        </p:par>
+                      </p:childTnLst>
+                    </p:cTn>
+                  </p:par>
+                </p:childTnLst>
+              </p:cTn>
+              <p:prevCondLst>
+                <p:cond evt="onPrev" delay="0">
+                  <p:tgtEl>
+                    <p:sldTgt/>
+                  </p:tgtEl>
+                </p:cond>
+              </p:prevCondLst>
+              <p:nextCondLst>
+                <p:cond evt="onNext" delay="0">
+                  <p:tgtEl>
+                    <p:sldTgt/>
+                  </p:tgtEl>
+                </p:cond>
+              </p:nextCondLst>
+            </p:seq>
+          </p:childTnLst>
+        </p:cTn>
+      </p:par>
+    </p:tnLst>
+    <p:bldLst>
+      <p:bldP spid="10" grpId="0"/>
+    </p:bldLst>
+  </p:timing>
+</p:sld>
+</file>
+
+<file path=ppt/slides/slide30.xml><?xml version="1.0" encoding="utf-8"?>
 <p:sld xmlns:a="http://schemas.openxmlformats.org/drawingml/2006/main" xmlns:r="http://schemas.openxmlformats.org/officeDocument/2006/relationships" xmlns:p="http://schemas.openxmlformats.org/presentationml/2006/main">
   <p:cSld>
     <p:spTree>
@@ -28956,612 +31652,6 @@
 </p:sld>
 </file>
 
-<file path=ppt/slides/slide3.xml><?xml version="1.0" encoding="utf-8"?>
-<p:sld xmlns:a="http://schemas.openxmlformats.org/drawingml/2006/main" xmlns:r="http://schemas.openxmlformats.org/officeDocument/2006/relationships" xmlns:p="http://schemas.openxmlformats.org/presentationml/2006/main">
-  <p:cSld>
-    <p:spTree>
-      <p:nvGrpSpPr>
-        <p:cNvPr id="1" name=""/>
-        <p:cNvGrpSpPr/>
-        <p:nvPr/>
-      </p:nvGrpSpPr>
-      <p:grpSpPr>
-        <a:xfrm>
-          <a:off x="0" y="0"/>
-          <a:ext cx="0" cy="0"/>
-          <a:chOff x="0" y="0"/>
-          <a:chExt cx="0" cy="0"/>
-        </a:xfrm>
-      </p:grpSpPr>
-      <p:sp>
-        <p:nvSpPr>
-          <p:cNvPr id="9" name="Szöveg helye 14">
-            <a:extLst>
-              <a:ext uri="{FF2B5EF4-FFF2-40B4-BE49-F238E27FC236}">
-                <a16:creationId xmlns:a16="http://schemas.microsoft.com/office/drawing/2014/main" id="{27FB6942-F6E0-48A2-84B6-F1FA23483B8E}"/>
-              </a:ext>
-            </a:extLst>
-          </p:cNvPr>
-          <p:cNvSpPr txBox="1">
-            <a:spLocks/>
-          </p:cNvSpPr>
-          <p:nvPr/>
-        </p:nvSpPr>
-        <p:spPr>
-          <a:xfrm>
-            <a:off x="541246" y="386452"/>
-            <a:ext cx="8708771" cy="942559"/>
-          </a:xfrm>
-          <a:prstGeom prst="rect">
-            <a:avLst/>
-          </a:prstGeom>
-          <a:noFill/>
-        </p:spPr>
-        <p:txBody>
-          <a:bodyPr vert="horz" lIns="108000" tIns="72000" rIns="72000" bIns="36000" rtlCol="0">
-            <a:noAutofit/>
-          </a:bodyPr>
-          <a:lstStyle>
-            <a:lvl1pPr marL="0" indent="0" algn="ctr" defTabSz="914400" rtl="0" eaLnBrk="1" latinLnBrk="0" hangingPunct="1">
-              <a:lnSpc>
-                <a:spcPct val="90000"/>
-              </a:lnSpc>
-              <a:spcBef>
-                <a:spcPts val="1000"/>
-              </a:spcBef>
-              <a:buFont typeface="Arial" panose="020B0604020202020204" pitchFamily="34" charset="0"/>
-              <a:buNone/>
-              <a:defRPr sz="1600" kern="1200">
-                <a:solidFill>
-                  <a:schemeClr val="tx1">
-                    <a:lumMod val="75000"/>
-                    <a:lumOff val="25000"/>
-                  </a:schemeClr>
-                </a:solidFill>
-                <a:latin typeface="+mn-lt"/>
-                <a:ea typeface="+mn-ea"/>
-                <a:cs typeface="+mn-cs"/>
-              </a:defRPr>
-            </a:lvl1pPr>
-            <a:lvl2pPr marL="542925" indent="-276225" algn="l" defTabSz="914400" rtl="0" eaLnBrk="1" latinLnBrk="0" hangingPunct="1">
-              <a:lnSpc>
-                <a:spcPct val="90000"/>
-              </a:lnSpc>
-              <a:spcBef>
-                <a:spcPts val="500"/>
-              </a:spcBef>
-              <a:buFont typeface="Arial" panose="020B0604020202020204" pitchFamily="34" charset="0"/>
-              <a:buChar char="•"/>
-              <a:defRPr sz="1600" kern="1200">
-                <a:solidFill>
-                  <a:schemeClr val="tx1">
-                    <a:lumMod val="75000"/>
-                    <a:lumOff val="25000"/>
-                  </a:schemeClr>
-                </a:solidFill>
-                <a:latin typeface="+mn-lt"/>
-                <a:ea typeface="+mn-ea"/>
-                <a:cs typeface="+mn-cs"/>
-              </a:defRPr>
-            </a:lvl2pPr>
-            <a:lvl3pPr marL="809625" indent="-266700" algn="l" defTabSz="914400" rtl="0" eaLnBrk="1" latinLnBrk="0" hangingPunct="1">
-              <a:lnSpc>
-                <a:spcPct val="90000"/>
-              </a:lnSpc>
-              <a:spcBef>
-                <a:spcPts val="500"/>
-              </a:spcBef>
-              <a:buFont typeface="Arial" panose="020B0604020202020204" pitchFamily="34" charset="0"/>
-              <a:buChar char="•"/>
-              <a:defRPr sz="1400" kern="1200">
-                <a:solidFill>
-                  <a:schemeClr val="tx1">
-                    <a:lumMod val="75000"/>
-                    <a:lumOff val="25000"/>
-                  </a:schemeClr>
-                </a:solidFill>
-                <a:latin typeface="+mn-lt"/>
-                <a:ea typeface="+mn-ea"/>
-                <a:cs typeface="+mn-cs"/>
-              </a:defRPr>
-            </a:lvl3pPr>
-            <a:lvl4pPr marL="1076325" indent="-266700" algn="l" defTabSz="914400" rtl="0" eaLnBrk="1" latinLnBrk="0" hangingPunct="1">
-              <a:lnSpc>
-                <a:spcPct val="90000"/>
-              </a:lnSpc>
-              <a:spcBef>
-                <a:spcPts val="500"/>
-              </a:spcBef>
-              <a:buFont typeface="Arial" panose="020B0604020202020204" pitchFamily="34" charset="0"/>
-              <a:buChar char="•"/>
-              <a:defRPr sz="1400" kern="1200">
-                <a:solidFill>
-                  <a:schemeClr val="tx1">
-                    <a:lumMod val="75000"/>
-                    <a:lumOff val="25000"/>
-                  </a:schemeClr>
-                </a:solidFill>
-                <a:latin typeface="+mn-lt"/>
-                <a:ea typeface="+mn-ea"/>
-                <a:cs typeface="+mn-cs"/>
-              </a:defRPr>
-            </a:lvl4pPr>
-            <a:lvl5pPr marL="1343025" indent="-266700" algn="l" defTabSz="914400" rtl="0" eaLnBrk="1" latinLnBrk="0" hangingPunct="1">
-              <a:lnSpc>
-                <a:spcPct val="90000"/>
-              </a:lnSpc>
-              <a:spcBef>
-                <a:spcPts val="500"/>
-              </a:spcBef>
-              <a:buFont typeface="Arial" panose="020B0604020202020204" pitchFamily="34" charset="0"/>
-              <a:buChar char="•"/>
-              <a:defRPr sz="1400" kern="1200">
-                <a:solidFill>
-                  <a:schemeClr val="tx1">
-                    <a:lumMod val="75000"/>
-                    <a:lumOff val="25000"/>
-                  </a:schemeClr>
-                </a:solidFill>
-                <a:latin typeface="+mn-lt"/>
-                <a:ea typeface="+mn-ea"/>
-                <a:cs typeface="+mn-cs"/>
-              </a:defRPr>
-            </a:lvl5pPr>
-            <a:lvl6pPr marL="2514600" indent="-228600" algn="l" defTabSz="914400" rtl="0" eaLnBrk="1" latinLnBrk="0" hangingPunct="1">
-              <a:lnSpc>
-                <a:spcPct val="90000"/>
-              </a:lnSpc>
-              <a:spcBef>
-                <a:spcPts val="500"/>
-              </a:spcBef>
-              <a:buFont typeface="Arial" panose="020B0604020202020204" pitchFamily="34" charset="0"/>
-              <a:buChar char="•"/>
-              <a:defRPr sz="1800" kern="1200">
-                <a:solidFill>
-                  <a:schemeClr val="tx1"/>
-                </a:solidFill>
-                <a:latin typeface="+mn-lt"/>
-                <a:ea typeface="+mn-ea"/>
-                <a:cs typeface="+mn-cs"/>
-              </a:defRPr>
-            </a:lvl6pPr>
-            <a:lvl7pPr marL="2971800" indent="-228600" algn="l" defTabSz="914400" rtl="0" eaLnBrk="1" latinLnBrk="0" hangingPunct="1">
-              <a:lnSpc>
-                <a:spcPct val="90000"/>
-              </a:lnSpc>
-              <a:spcBef>
-                <a:spcPts val="500"/>
-              </a:spcBef>
-              <a:buFont typeface="Arial" panose="020B0604020202020204" pitchFamily="34" charset="0"/>
-              <a:buChar char="•"/>
-              <a:defRPr sz="1800" kern="1200">
-                <a:solidFill>
-                  <a:schemeClr val="tx1"/>
-                </a:solidFill>
-                <a:latin typeface="+mn-lt"/>
-                <a:ea typeface="+mn-ea"/>
-                <a:cs typeface="+mn-cs"/>
-              </a:defRPr>
-            </a:lvl7pPr>
-            <a:lvl8pPr marL="3429000" indent="-228600" algn="l" defTabSz="914400" rtl="0" eaLnBrk="1" latinLnBrk="0" hangingPunct="1">
-              <a:lnSpc>
-                <a:spcPct val="90000"/>
-              </a:lnSpc>
-              <a:spcBef>
-                <a:spcPts val="500"/>
-              </a:spcBef>
-              <a:buFont typeface="Arial" panose="020B0604020202020204" pitchFamily="34" charset="0"/>
-              <a:buChar char="•"/>
-              <a:defRPr sz="1800" kern="1200">
-                <a:solidFill>
-                  <a:schemeClr val="tx1"/>
-                </a:solidFill>
-                <a:latin typeface="+mn-lt"/>
-                <a:ea typeface="+mn-ea"/>
-                <a:cs typeface="+mn-cs"/>
-              </a:defRPr>
-            </a:lvl8pPr>
-            <a:lvl9pPr marL="3886200" indent="-228600" algn="l" defTabSz="914400" rtl="0" eaLnBrk="1" latinLnBrk="0" hangingPunct="1">
-              <a:lnSpc>
-                <a:spcPct val="90000"/>
-              </a:lnSpc>
-              <a:spcBef>
-                <a:spcPts val="500"/>
-              </a:spcBef>
-              <a:buFont typeface="Arial" panose="020B0604020202020204" pitchFamily="34" charset="0"/>
-              <a:buChar char="•"/>
-              <a:defRPr sz="1800" kern="1200">
-                <a:solidFill>
-                  <a:schemeClr val="tx1"/>
-                </a:solidFill>
-                <a:latin typeface="+mn-lt"/>
-                <a:ea typeface="+mn-ea"/>
-                <a:cs typeface="+mn-cs"/>
-              </a:defRPr>
-            </a:lvl9pPr>
-          </a:lstStyle>
-          <a:p>
-            <a:pPr algn="l">
-              <a:lnSpc>
-                <a:spcPct val="100000"/>
-              </a:lnSpc>
-            </a:pPr>
-            <a:r>
-              <a:rPr lang="hu-HU" sz="4800" dirty="0">
-                <a:solidFill>
-                  <a:schemeClr val="tx1"/>
-                </a:solidFill>
-                <a:latin typeface="Georgia" panose="02040502050405020303" pitchFamily="18" charset="0"/>
-                <a:cs typeface="Arial" panose="020B0604020202020204" pitchFamily="34" charset="0"/>
-              </a:rPr>
-              <a:t>LR teszt</a:t>
-            </a:r>
-            <a:endParaRPr lang="hu-HU" sz="4800" dirty="0">
-              <a:solidFill>
-                <a:schemeClr val="tx1"/>
-              </a:solidFill>
-              <a:latin typeface="Georgia" panose="02040502050405020303" pitchFamily="18" charset="0"/>
-              <a:cs typeface="Calibri Light" panose="020F0302020204030204" pitchFamily="34" charset="0"/>
-            </a:endParaRPr>
-          </a:p>
-        </p:txBody>
-      </p:sp>
-      <p:sp>
-        <p:nvSpPr>
-          <p:cNvPr id="10" name="Szöveg helye 14">
-            <a:extLst>
-              <a:ext uri="{FF2B5EF4-FFF2-40B4-BE49-F238E27FC236}">
-                <a16:creationId xmlns:a16="http://schemas.microsoft.com/office/drawing/2014/main" id="{9FB85B1C-99A5-4A8E-95DD-57C11294BB7A}"/>
-              </a:ext>
-            </a:extLst>
-          </p:cNvPr>
-          <p:cNvSpPr txBox="1">
-            <a:spLocks/>
-          </p:cNvSpPr>
-          <p:nvPr/>
-        </p:nvSpPr>
-        <p:spPr>
-          <a:xfrm>
-            <a:off x="541247" y="1329010"/>
-            <a:ext cx="10988144" cy="5142537"/>
-          </a:xfrm>
-          <a:prstGeom prst="rect">
-            <a:avLst/>
-          </a:prstGeom>
-          <a:noFill/>
-        </p:spPr>
-        <p:txBody>
-          <a:bodyPr vert="horz" lIns="108000" tIns="72000" rIns="72000" bIns="36000" rtlCol="0">
-            <a:noAutofit/>
-          </a:bodyPr>
-          <a:lstStyle>
-            <a:lvl1pPr marL="0" indent="0" algn="ctr" defTabSz="914400" rtl="0" eaLnBrk="1" latinLnBrk="0" hangingPunct="1">
-              <a:lnSpc>
-                <a:spcPct val="90000"/>
-              </a:lnSpc>
-              <a:spcBef>
-                <a:spcPts val="1000"/>
-              </a:spcBef>
-              <a:buFont typeface="Arial" panose="020B0604020202020204" pitchFamily="34" charset="0"/>
-              <a:buNone/>
-              <a:defRPr sz="1600" kern="1200">
-                <a:solidFill>
-                  <a:schemeClr val="tx1">
-                    <a:lumMod val="75000"/>
-                    <a:lumOff val="25000"/>
-                  </a:schemeClr>
-                </a:solidFill>
-                <a:latin typeface="+mn-lt"/>
-                <a:ea typeface="+mn-ea"/>
-                <a:cs typeface="+mn-cs"/>
-              </a:defRPr>
-            </a:lvl1pPr>
-            <a:lvl2pPr marL="542925" indent="-276225" algn="l" defTabSz="914400" rtl="0" eaLnBrk="1" latinLnBrk="0" hangingPunct="1">
-              <a:lnSpc>
-                <a:spcPct val="90000"/>
-              </a:lnSpc>
-              <a:spcBef>
-                <a:spcPts val="500"/>
-              </a:spcBef>
-              <a:buFont typeface="Arial" panose="020B0604020202020204" pitchFamily="34" charset="0"/>
-              <a:buChar char="•"/>
-              <a:defRPr sz="1600" kern="1200">
-                <a:solidFill>
-                  <a:schemeClr val="tx1">
-                    <a:lumMod val="75000"/>
-                    <a:lumOff val="25000"/>
-                  </a:schemeClr>
-                </a:solidFill>
-                <a:latin typeface="+mn-lt"/>
-                <a:ea typeface="+mn-ea"/>
-                <a:cs typeface="+mn-cs"/>
-              </a:defRPr>
-            </a:lvl2pPr>
-            <a:lvl3pPr marL="809625" indent="-266700" algn="l" defTabSz="914400" rtl="0" eaLnBrk="1" latinLnBrk="0" hangingPunct="1">
-              <a:lnSpc>
-                <a:spcPct val="90000"/>
-              </a:lnSpc>
-              <a:spcBef>
-                <a:spcPts val="500"/>
-              </a:spcBef>
-              <a:buFont typeface="Arial" panose="020B0604020202020204" pitchFamily="34" charset="0"/>
-              <a:buChar char="•"/>
-              <a:defRPr sz="1400" kern="1200">
-                <a:solidFill>
-                  <a:schemeClr val="tx1">
-                    <a:lumMod val="75000"/>
-                    <a:lumOff val="25000"/>
-                  </a:schemeClr>
-                </a:solidFill>
-                <a:latin typeface="+mn-lt"/>
-                <a:ea typeface="+mn-ea"/>
-                <a:cs typeface="+mn-cs"/>
-              </a:defRPr>
-            </a:lvl3pPr>
-            <a:lvl4pPr marL="1076325" indent="-266700" algn="l" defTabSz="914400" rtl="0" eaLnBrk="1" latinLnBrk="0" hangingPunct="1">
-              <a:lnSpc>
-                <a:spcPct val="90000"/>
-              </a:lnSpc>
-              <a:spcBef>
-                <a:spcPts val="500"/>
-              </a:spcBef>
-              <a:buFont typeface="Arial" panose="020B0604020202020204" pitchFamily="34" charset="0"/>
-              <a:buChar char="•"/>
-              <a:defRPr sz="1400" kern="1200">
-                <a:solidFill>
-                  <a:schemeClr val="tx1">
-                    <a:lumMod val="75000"/>
-                    <a:lumOff val="25000"/>
-                  </a:schemeClr>
-                </a:solidFill>
-                <a:latin typeface="+mn-lt"/>
-                <a:ea typeface="+mn-ea"/>
-                <a:cs typeface="+mn-cs"/>
-              </a:defRPr>
-            </a:lvl4pPr>
-            <a:lvl5pPr marL="1343025" indent="-266700" algn="l" defTabSz="914400" rtl="0" eaLnBrk="1" latinLnBrk="0" hangingPunct="1">
-              <a:lnSpc>
-                <a:spcPct val="90000"/>
-              </a:lnSpc>
-              <a:spcBef>
-                <a:spcPts val="500"/>
-              </a:spcBef>
-              <a:buFont typeface="Arial" panose="020B0604020202020204" pitchFamily="34" charset="0"/>
-              <a:buChar char="•"/>
-              <a:defRPr sz="1400" kern="1200">
-                <a:solidFill>
-                  <a:schemeClr val="tx1">
-                    <a:lumMod val="75000"/>
-                    <a:lumOff val="25000"/>
-                  </a:schemeClr>
-                </a:solidFill>
-                <a:latin typeface="+mn-lt"/>
-                <a:ea typeface="+mn-ea"/>
-                <a:cs typeface="+mn-cs"/>
-              </a:defRPr>
-            </a:lvl5pPr>
-            <a:lvl6pPr marL="2514600" indent="-228600" algn="l" defTabSz="914400" rtl="0" eaLnBrk="1" latinLnBrk="0" hangingPunct="1">
-              <a:lnSpc>
-                <a:spcPct val="90000"/>
-              </a:lnSpc>
-              <a:spcBef>
-                <a:spcPts val="500"/>
-              </a:spcBef>
-              <a:buFont typeface="Arial" panose="020B0604020202020204" pitchFamily="34" charset="0"/>
-              <a:buChar char="•"/>
-              <a:defRPr sz="1800" kern="1200">
-                <a:solidFill>
-                  <a:schemeClr val="tx1"/>
-                </a:solidFill>
-                <a:latin typeface="+mn-lt"/>
-                <a:ea typeface="+mn-ea"/>
-                <a:cs typeface="+mn-cs"/>
-              </a:defRPr>
-            </a:lvl6pPr>
-            <a:lvl7pPr marL="2971800" indent="-228600" algn="l" defTabSz="914400" rtl="0" eaLnBrk="1" latinLnBrk="0" hangingPunct="1">
-              <a:lnSpc>
-                <a:spcPct val="90000"/>
-              </a:lnSpc>
-              <a:spcBef>
-                <a:spcPts val="500"/>
-              </a:spcBef>
-              <a:buFont typeface="Arial" panose="020B0604020202020204" pitchFamily="34" charset="0"/>
-              <a:buChar char="•"/>
-              <a:defRPr sz="1800" kern="1200">
-                <a:solidFill>
-                  <a:schemeClr val="tx1"/>
-                </a:solidFill>
-                <a:latin typeface="+mn-lt"/>
-                <a:ea typeface="+mn-ea"/>
-                <a:cs typeface="+mn-cs"/>
-              </a:defRPr>
-            </a:lvl7pPr>
-            <a:lvl8pPr marL="3429000" indent="-228600" algn="l" defTabSz="914400" rtl="0" eaLnBrk="1" latinLnBrk="0" hangingPunct="1">
-              <a:lnSpc>
-                <a:spcPct val="90000"/>
-              </a:lnSpc>
-              <a:spcBef>
-                <a:spcPts val="500"/>
-              </a:spcBef>
-              <a:buFont typeface="Arial" panose="020B0604020202020204" pitchFamily="34" charset="0"/>
-              <a:buChar char="•"/>
-              <a:defRPr sz="1800" kern="1200">
-                <a:solidFill>
-                  <a:schemeClr val="tx1"/>
-                </a:solidFill>
-                <a:latin typeface="+mn-lt"/>
-                <a:ea typeface="+mn-ea"/>
-                <a:cs typeface="+mn-cs"/>
-              </a:defRPr>
-            </a:lvl8pPr>
-            <a:lvl9pPr marL="3886200" indent="-228600" algn="l" defTabSz="914400" rtl="0" eaLnBrk="1" latinLnBrk="0" hangingPunct="1">
-              <a:lnSpc>
-                <a:spcPct val="90000"/>
-              </a:lnSpc>
-              <a:spcBef>
-                <a:spcPts val="500"/>
-              </a:spcBef>
-              <a:buFont typeface="Arial" panose="020B0604020202020204" pitchFamily="34" charset="0"/>
-              <a:buChar char="•"/>
-              <a:defRPr sz="1800" kern="1200">
-                <a:solidFill>
-                  <a:schemeClr val="tx1"/>
-                </a:solidFill>
-                <a:latin typeface="+mn-lt"/>
-                <a:ea typeface="+mn-ea"/>
-                <a:cs typeface="+mn-cs"/>
-              </a:defRPr>
-            </a:lvl9pPr>
-          </a:lstStyle>
-          <a:p>
-            <a:pPr algn="l">
-              <a:lnSpc>
-                <a:spcPct val="100000"/>
-              </a:lnSpc>
-            </a:pPr>
-            <a:r>
-              <a:rPr lang="hu-HU" sz="2000" dirty="0">
-                <a:solidFill>
-                  <a:schemeClr val="tx1"/>
-                </a:solidFill>
-                <a:latin typeface="Georgia" panose="02040502050405020303" pitchFamily="18" charset="0"/>
-                <a:cs typeface="Calibri Light" panose="020F0302020204030204" pitchFamily="34" charset="0"/>
-              </a:rPr>
-              <a:t>1.  Megnézni ha a másik képletet használom mi változik</a:t>
-            </a:r>
-          </a:p>
-          <a:p>
-            <a:pPr marL="285750" indent="-285750" algn="l">
-              <a:lnSpc>
-                <a:spcPct val="100000"/>
-              </a:lnSpc>
-              <a:buFontTx/>
-              <a:buChar char="-"/>
-            </a:pPr>
-            <a:r>
-              <a:rPr lang="hu-HU" dirty="0">
-                <a:solidFill>
-                  <a:schemeClr val="tx1"/>
-                </a:solidFill>
-                <a:latin typeface="Arial" panose="020B0604020202020204" pitchFamily="34" charset="0"/>
-                <a:cs typeface="Arial" panose="020B0604020202020204" pitchFamily="34" charset="0"/>
-              </a:rPr>
-              <a:t>Átírni a LR képletet úgy ahogy az eredeti cikkben volt az én változatomhoz képest, és megfigyelni az összefüggéseket.</a:t>
-            </a:r>
-          </a:p>
-        </p:txBody>
-      </p:sp>
-    </p:spTree>
-    <p:extLst>
-      <p:ext uri="{BB962C8B-B14F-4D97-AF65-F5344CB8AC3E}">
-        <p14:creationId xmlns:p14="http://schemas.microsoft.com/office/powerpoint/2010/main" val="71653685"/>
-      </p:ext>
-    </p:extLst>
-  </p:cSld>
-  <p:clrMapOvr>
-    <a:masterClrMapping/>
-  </p:clrMapOvr>
-  <mc:AlternateContent xmlns:mc="http://schemas.openxmlformats.org/markup-compatibility/2006">
-    <mc:Choice xmlns:p14="http://schemas.microsoft.com/office/powerpoint/2010/main" Requires="p14">
-      <p:transition spd="med" p14:dur="700">
-        <p:fade/>
-      </p:transition>
-    </mc:Choice>
-    <mc:Fallback>
-      <p:transition spd="med">
-        <p:fade/>
-      </p:transition>
-    </mc:Fallback>
-  </mc:AlternateContent>
-  <p:timing>
-    <p:tnLst>
-      <p:par>
-        <p:cTn id="1" dur="indefinite" restart="never" nodeType="tmRoot">
-          <p:childTnLst>
-            <p:seq concurrent="1" nextAc="seek">
-              <p:cTn id="2" dur="indefinite" nodeType="mainSeq">
-                <p:childTnLst>
-                  <p:par>
-                    <p:cTn id="3" fill="hold">
-                      <p:stCondLst>
-                        <p:cond delay="indefinite"/>
-                      </p:stCondLst>
-                      <p:childTnLst>
-                        <p:par>
-                          <p:cTn id="4" fill="hold">
-                            <p:stCondLst>
-                              <p:cond delay="0"/>
-                            </p:stCondLst>
-                            <p:childTnLst>
-                              <p:par>
-                                <p:cTn id="5" presetID="10" presetClass="entr" presetSubtype="0" fill="hold" grpId="0" nodeType="clickEffect">
-                                  <p:stCondLst>
-                                    <p:cond delay="0"/>
-                                  </p:stCondLst>
-                                  <p:childTnLst>
-                                    <p:set>
-                                      <p:cBhvr>
-                                        <p:cTn id="6" dur="1" fill="hold">
-                                          <p:stCondLst>
-                                            <p:cond delay="0"/>
-                                          </p:stCondLst>
-                                        </p:cTn>
-                                        <p:tgtEl>
-                                          <p:spTgt spid="10"/>
-                                        </p:tgtEl>
-                                        <p:attrNameLst>
-                                          <p:attrName>style.visibility</p:attrName>
-                                        </p:attrNameLst>
-                                      </p:cBhvr>
-                                      <p:to>
-                                        <p:strVal val="visible"/>
-                                      </p:to>
-                                    </p:set>
-                                    <p:animEffect transition="in" filter="fade">
-                                      <p:cBhvr>
-                                        <p:cTn id="7" dur="500"/>
-                                        <p:tgtEl>
-                                          <p:spTgt spid="10"/>
-                                        </p:tgtEl>
-                                      </p:cBhvr>
-                                    </p:animEffect>
-                                  </p:childTnLst>
-                                </p:cTn>
-                              </p:par>
-                            </p:childTnLst>
-                          </p:cTn>
-                        </p:par>
-                      </p:childTnLst>
-                    </p:cTn>
-                  </p:par>
-                </p:childTnLst>
-              </p:cTn>
-              <p:prevCondLst>
-                <p:cond evt="onPrev" delay="0">
-                  <p:tgtEl>
-                    <p:sldTgt/>
-                  </p:tgtEl>
-                </p:cond>
-              </p:prevCondLst>
-              <p:nextCondLst>
-                <p:cond evt="onNext" delay="0">
-                  <p:tgtEl>
-                    <p:sldTgt/>
-                  </p:tgtEl>
-                </p:cond>
-              </p:nextCondLst>
-            </p:seq>
-          </p:childTnLst>
-        </p:cTn>
-      </p:par>
-    </p:tnLst>
-    <p:bldLst>
-      <p:bldP spid="10" grpId="0"/>
-    </p:bldLst>
-  </p:timing>
-</p:sld>
-</file>
-
 <file path=ppt/slides/slide4.xml><?xml version="1.0" encoding="utf-8"?>
 <p:sld xmlns:a="http://schemas.openxmlformats.org/drawingml/2006/main" xmlns:r="http://schemas.openxmlformats.org/officeDocument/2006/relationships" xmlns:p="http://schemas.openxmlformats.org/presentationml/2006/main">
   <p:cSld>
@@ -30333,13 +32423,13 @@
   <p:clrMapOvr>
     <a:masterClrMapping/>
   </p:clrMapOvr>
-  <mc:AlternateContent xmlns:mc="http://schemas.openxmlformats.org/markup-compatibility/2006">
-    <mc:Choice xmlns:p14="http://schemas.microsoft.com/office/powerpoint/2010/main" Requires="p14">
+  <mc:AlternateContent xmlns:mc="http://schemas.openxmlformats.org/markup-compatibility/2006" xmlns:p14="http://schemas.microsoft.com/office/powerpoint/2010/main">
+    <mc:Choice Requires="p14">
       <p:transition spd="med" p14:dur="700">
         <p:fade/>
       </p:transition>
     </mc:Choice>
-    <mc:Fallback>
+    <mc:Fallback xmlns="">
       <p:transition spd="med">
         <p:fade/>
       </p:transition>
@@ -31098,13 +33188,13 @@
   <p:clrMapOvr>
     <a:masterClrMapping/>
   </p:clrMapOvr>
-  <mc:AlternateContent xmlns:mc="http://schemas.openxmlformats.org/markup-compatibility/2006">
-    <mc:Choice xmlns:p14="http://schemas.microsoft.com/office/powerpoint/2010/main" Requires="p14">
+  <mc:AlternateContent xmlns:mc="http://schemas.openxmlformats.org/markup-compatibility/2006" xmlns:p14="http://schemas.microsoft.com/office/powerpoint/2010/main">
+    <mc:Choice Requires="p14">
       <p:transition spd="med" p14:dur="700">
         <p:fade/>
       </p:transition>
     </mc:Choice>
-    <mc:Fallback>
+    <mc:Fallback xmlns="">
       <p:transition spd="med">
         <p:fade/>
       </p:transition>
@@ -31704,13 +33794,13 @@
   <p:clrMapOvr>
     <a:masterClrMapping/>
   </p:clrMapOvr>
-  <mc:AlternateContent xmlns:mc="http://schemas.openxmlformats.org/markup-compatibility/2006">
-    <mc:Choice xmlns:p14="http://schemas.microsoft.com/office/powerpoint/2010/main" Requires="p14">
+  <mc:AlternateContent xmlns:mc="http://schemas.openxmlformats.org/markup-compatibility/2006" xmlns:p14="http://schemas.microsoft.com/office/powerpoint/2010/main">
+    <mc:Choice Requires="p14">
       <p:transition spd="med" p14:dur="700">
         <p:fade/>
       </p:transition>
     </mc:Choice>
-    <mc:Fallback>
+    <mc:Fallback xmlns="">
       <p:transition spd="med">
         <p:fade/>
       </p:transition>
@@ -32340,13 +34430,13 @@
   <p:clrMapOvr>
     <a:masterClrMapping/>
   </p:clrMapOvr>
-  <mc:AlternateContent xmlns:mc="http://schemas.openxmlformats.org/markup-compatibility/2006">
-    <mc:Choice xmlns:p14="http://schemas.microsoft.com/office/powerpoint/2010/main" Requires="p14">
+  <mc:AlternateContent xmlns:mc="http://schemas.openxmlformats.org/markup-compatibility/2006" xmlns:p14="http://schemas.microsoft.com/office/powerpoint/2010/main">
+    <mc:Choice Requires="p14">
       <p:transition spd="med" p14:dur="700">
         <p:fade/>
       </p:transition>
     </mc:Choice>
-    <mc:Fallback>
+    <mc:Fallback xmlns="">
       <p:transition spd="med">
         <p:fade/>
       </p:transition>
@@ -33033,13 +35123,13 @@
   <p:clrMapOvr>
     <a:masterClrMapping/>
   </p:clrMapOvr>
-  <mc:AlternateContent xmlns:mc="http://schemas.openxmlformats.org/markup-compatibility/2006">
-    <mc:Choice xmlns:p14="http://schemas.microsoft.com/office/powerpoint/2010/main" Requires="p14">
+  <mc:AlternateContent xmlns:mc="http://schemas.openxmlformats.org/markup-compatibility/2006" xmlns:p14="http://schemas.microsoft.com/office/powerpoint/2010/main">
+    <mc:Choice Requires="p14">
       <p:transition spd="med" p14:dur="700">
         <p:fade/>
       </p:transition>
     </mc:Choice>
-    <mc:Fallback>
+    <mc:Fallback xmlns="">
       <p:transition spd="med">
         <p:fade/>
       </p:transition>
@@ -33699,13 +35789,13 @@
   <p:clrMapOvr>
     <a:masterClrMapping/>
   </p:clrMapOvr>
-  <mc:AlternateContent xmlns:mc="http://schemas.openxmlformats.org/markup-compatibility/2006">
-    <mc:Choice xmlns:p14="http://schemas.microsoft.com/office/powerpoint/2010/main" Requires="p14">
+  <mc:AlternateContent xmlns:mc="http://schemas.openxmlformats.org/markup-compatibility/2006" xmlns:p14="http://schemas.microsoft.com/office/powerpoint/2010/main">
+    <mc:Choice Requires="p14">
       <p:transition spd="med" p14:dur="700">
         <p:fade/>
       </p:transition>
     </mc:Choice>
-    <mc:Fallback>
+    <mc:Fallback xmlns="">
       <p:transition spd="med">
         <p:fade/>
       </p:transition>

--- a/Results/PhD-Results.pptx
+++ b/Results/PhD-Results.pptx
@@ -7591,6 +7591,23 @@
               </a:rPr>
               <a:t>Irányítás elmélet, Szabályozás elmélet, Vezérlés elmélet, </a:t>
             </a:r>
+            <a:r>
+              <a:rPr lang="en-US" dirty="0">
+                <a:solidFill>
+                  <a:schemeClr val="bg1"/>
+                </a:solidFill>
+                <a:latin typeface="Arial" panose="020B0604020202020204" pitchFamily="34" charset="0"/>
+                <a:cs typeface="Arial" panose="020B0604020202020204" pitchFamily="34" charset="0"/>
+              </a:rPr>
+              <a:t>dynamical system and optimal control.</a:t>
+            </a:r>
+            <a:endParaRPr lang="hu-HU" dirty="0">
+              <a:solidFill>
+                <a:schemeClr val="bg1"/>
+              </a:solidFill>
+              <a:latin typeface="Arial" panose="020B0604020202020204" pitchFamily="34" charset="0"/>
+              <a:cs typeface="Arial" panose="020B0604020202020204" pitchFamily="34" charset="0"/>
+            </a:endParaRPr>
           </a:p>
         </p:txBody>
       </p:sp>
@@ -14436,13 +14453,13 @@
   <p:clrMapOvr>
     <a:masterClrMapping/>
   </p:clrMapOvr>
-  <mc:AlternateContent xmlns:mc="http://schemas.openxmlformats.org/markup-compatibility/2006">
-    <mc:Choice xmlns:p14="http://schemas.microsoft.com/office/powerpoint/2010/main" Requires="p14">
+  <mc:AlternateContent xmlns:mc="http://schemas.openxmlformats.org/markup-compatibility/2006" xmlns:p14="http://schemas.microsoft.com/office/powerpoint/2010/main">
+    <mc:Choice Requires="p14">
       <p:transition spd="med" p14:dur="700">
         <p:fade/>
       </p:transition>
     </mc:Choice>
-    <mc:Fallback>
+    <mc:Fallback xmlns="">
       <p:transition spd="med">
         <p:fade/>
       </p:transition>
@@ -15565,13 +15582,13 @@
   <p:clrMapOvr>
     <a:masterClrMapping/>
   </p:clrMapOvr>
-  <mc:AlternateContent xmlns:mc="http://schemas.openxmlformats.org/markup-compatibility/2006">
-    <mc:Choice xmlns:p14="http://schemas.microsoft.com/office/powerpoint/2010/main" Requires="p14">
+  <mc:AlternateContent xmlns:mc="http://schemas.openxmlformats.org/markup-compatibility/2006" xmlns:p14="http://schemas.microsoft.com/office/powerpoint/2010/main">
+    <mc:Choice Requires="p14">
       <p:transition spd="med" p14:dur="700">
         <p:fade/>
       </p:transition>
     </mc:Choice>
-    <mc:Fallback>
+    <mc:Fallback xmlns="">
       <p:transition spd="med">
         <p:fade/>
       </p:transition>

--- a/Results/PhD-Results.pptx
+++ b/Results/PhD-Results.pptx
@@ -5,42 +5,43 @@
     <p:sldMasterId id="2147483648" r:id="rId1"/>
   </p:sldMasterIdLst>
   <p:notesMasterIdLst>
-    <p:notesMasterId r:id="rId32"/>
+    <p:notesMasterId r:id="rId33"/>
   </p:notesMasterIdLst>
   <p:handoutMasterIdLst>
-    <p:handoutMasterId r:id="rId33"/>
+    <p:handoutMasterId r:id="rId34"/>
   </p:handoutMasterIdLst>
   <p:sldIdLst>
     <p:sldId id="868" r:id="rId2"/>
     <p:sldId id="871" r:id="rId3"/>
     <p:sldId id="872" r:id="rId4"/>
     <p:sldId id="878" r:id="rId5"/>
-    <p:sldId id="873" r:id="rId6"/>
-    <p:sldId id="874" r:id="rId7"/>
-    <p:sldId id="876" r:id="rId8"/>
-    <p:sldId id="875" r:id="rId9"/>
-    <p:sldId id="877" r:id="rId10"/>
-    <p:sldId id="869" r:id="rId11"/>
-    <p:sldId id="870" r:id="rId12"/>
-    <p:sldId id="826" r:id="rId13"/>
-    <p:sldId id="867" r:id="rId14"/>
-    <p:sldId id="853" r:id="rId15"/>
-    <p:sldId id="854" r:id="rId16"/>
-    <p:sldId id="879" r:id="rId17"/>
-    <p:sldId id="880" r:id="rId18"/>
-    <p:sldId id="855" r:id="rId19"/>
-    <p:sldId id="857" r:id="rId20"/>
-    <p:sldId id="856" r:id="rId21"/>
-    <p:sldId id="858" r:id="rId22"/>
-    <p:sldId id="859" r:id="rId23"/>
-    <p:sldId id="860" r:id="rId24"/>
-    <p:sldId id="861" r:id="rId25"/>
-    <p:sldId id="862" r:id="rId26"/>
-    <p:sldId id="863" r:id="rId27"/>
-    <p:sldId id="864" r:id="rId28"/>
-    <p:sldId id="865" r:id="rId29"/>
-    <p:sldId id="866" r:id="rId30"/>
-    <p:sldId id="592" r:id="rId31"/>
+    <p:sldId id="881" r:id="rId6"/>
+    <p:sldId id="873" r:id="rId7"/>
+    <p:sldId id="874" r:id="rId8"/>
+    <p:sldId id="876" r:id="rId9"/>
+    <p:sldId id="875" r:id="rId10"/>
+    <p:sldId id="877" r:id="rId11"/>
+    <p:sldId id="869" r:id="rId12"/>
+    <p:sldId id="870" r:id="rId13"/>
+    <p:sldId id="826" r:id="rId14"/>
+    <p:sldId id="867" r:id="rId15"/>
+    <p:sldId id="853" r:id="rId16"/>
+    <p:sldId id="854" r:id="rId17"/>
+    <p:sldId id="879" r:id="rId18"/>
+    <p:sldId id="880" r:id="rId19"/>
+    <p:sldId id="855" r:id="rId20"/>
+    <p:sldId id="857" r:id="rId21"/>
+    <p:sldId id="856" r:id="rId22"/>
+    <p:sldId id="858" r:id="rId23"/>
+    <p:sldId id="859" r:id="rId24"/>
+    <p:sldId id="860" r:id="rId25"/>
+    <p:sldId id="861" r:id="rId26"/>
+    <p:sldId id="862" r:id="rId27"/>
+    <p:sldId id="863" r:id="rId28"/>
+    <p:sldId id="864" r:id="rId29"/>
+    <p:sldId id="865" r:id="rId30"/>
+    <p:sldId id="866" r:id="rId31"/>
+    <p:sldId id="592" r:id="rId32"/>
   </p:sldIdLst>
   <p:sldSz cx="12192000" cy="6858000"/>
   <p:notesSz cx="6858000" cy="9144000"/>
@@ -148,6 +149,7 @@
             <p14:sldId id="871"/>
             <p14:sldId id="872"/>
             <p14:sldId id="878"/>
+            <p14:sldId id="881"/>
             <p14:sldId id="873"/>
             <p14:sldId id="874"/>
             <p14:sldId id="876"/>
@@ -916,7 +918,7 @@
     </p:spTree>
     <p:extLst>
       <p:ext uri="{BB962C8B-B14F-4D97-AF65-F5344CB8AC3E}">
-        <p14:creationId xmlns:p14="http://schemas.microsoft.com/office/powerpoint/2010/main" val="4003311567"/>
+        <p14:creationId xmlns:p14="http://schemas.microsoft.com/office/powerpoint/2010/main" val="2170993472"/>
       </p:ext>
     </p:extLst>
   </p:cSld>
@@ -1001,7 +1003,7 @@
     </p:spTree>
     <p:extLst>
       <p:ext uri="{BB962C8B-B14F-4D97-AF65-F5344CB8AC3E}">
-        <p14:creationId xmlns:p14="http://schemas.microsoft.com/office/powerpoint/2010/main" val="2887280331"/>
+        <p14:creationId xmlns:p14="http://schemas.microsoft.com/office/powerpoint/2010/main" val="4003311567"/>
       </p:ext>
     </p:extLst>
   </p:cSld>
@@ -1086,7 +1088,7 @@
     </p:spTree>
     <p:extLst>
       <p:ext uri="{BB962C8B-B14F-4D97-AF65-F5344CB8AC3E}">
-        <p14:creationId xmlns:p14="http://schemas.microsoft.com/office/powerpoint/2010/main" val="242820905"/>
+        <p14:creationId xmlns:p14="http://schemas.microsoft.com/office/powerpoint/2010/main" val="2887280331"/>
       </p:ext>
     </p:extLst>
   </p:cSld>
@@ -1171,7 +1173,7 @@
     </p:spTree>
     <p:extLst>
       <p:ext uri="{BB962C8B-B14F-4D97-AF65-F5344CB8AC3E}">
-        <p14:creationId xmlns:p14="http://schemas.microsoft.com/office/powerpoint/2010/main" val="753555239"/>
+        <p14:creationId xmlns:p14="http://schemas.microsoft.com/office/powerpoint/2010/main" val="242820905"/>
       </p:ext>
     </p:extLst>
   </p:cSld>
@@ -1256,7 +1258,7 @@
     </p:spTree>
     <p:extLst>
       <p:ext uri="{BB962C8B-B14F-4D97-AF65-F5344CB8AC3E}">
-        <p14:creationId xmlns:p14="http://schemas.microsoft.com/office/powerpoint/2010/main" val="2709703090"/>
+        <p14:creationId xmlns:p14="http://schemas.microsoft.com/office/powerpoint/2010/main" val="753555239"/>
       </p:ext>
     </p:extLst>
   </p:cSld>
@@ -1341,7 +1343,7 @@
     </p:spTree>
     <p:extLst>
       <p:ext uri="{BB962C8B-B14F-4D97-AF65-F5344CB8AC3E}">
-        <p14:creationId xmlns:p14="http://schemas.microsoft.com/office/powerpoint/2010/main" val="2578694871"/>
+        <p14:creationId xmlns:p14="http://schemas.microsoft.com/office/powerpoint/2010/main" val="2709703090"/>
       </p:ext>
     </p:extLst>
   </p:cSld>
@@ -1426,7 +1428,7 @@
     </p:spTree>
     <p:extLst>
       <p:ext uri="{BB962C8B-B14F-4D97-AF65-F5344CB8AC3E}">
-        <p14:creationId xmlns:p14="http://schemas.microsoft.com/office/powerpoint/2010/main" val="1102662361"/>
+        <p14:creationId xmlns:p14="http://schemas.microsoft.com/office/powerpoint/2010/main" val="2578694871"/>
       </p:ext>
     </p:extLst>
   </p:cSld>
@@ -1511,7 +1513,7 @@
     </p:spTree>
     <p:extLst>
       <p:ext uri="{BB962C8B-B14F-4D97-AF65-F5344CB8AC3E}">
-        <p14:creationId xmlns:p14="http://schemas.microsoft.com/office/powerpoint/2010/main" val="2053924446"/>
+        <p14:creationId xmlns:p14="http://schemas.microsoft.com/office/powerpoint/2010/main" val="1102662361"/>
       </p:ext>
     </p:extLst>
   </p:cSld>
@@ -1596,7 +1598,7 @@
     </p:spTree>
     <p:extLst>
       <p:ext uri="{BB962C8B-B14F-4D97-AF65-F5344CB8AC3E}">
-        <p14:creationId xmlns:p14="http://schemas.microsoft.com/office/powerpoint/2010/main" val="4125374407"/>
+        <p14:creationId xmlns:p14="http://schemas.microsoft.com/office/powerpoint/2010/main" val="2053924446"/>
       </p:ext>
     </p:extLst>
   </p:cSld>
@@ -1681,7 +1683,7 @@
     </p:spTree>
     <p:extLst>
       <p:ext uri="{BB962C8B-B14F-4D97-AF65-F5344CB8AC3E}">
-        <p14:creationId xmlns:p14="http://schemas.microsoft.com/office/powerpoint/2010/main" val="3622988359"/>
+        <p14:creationId xmlns:p14="http://schemas.microsoft.com/office/powerpoint/2010/main" val="4125374407"/>
       </p:ext>
     </p:extLst>
   </p:cSld>
@@ -1851,7 +1853,7 @@
     </p:spTree>
     <p:extLst>
       <p:ext uri="{BB962C8B-B14F-4D97-AF65-F5344CB8AC3E}">
-        <p14:creationId xmlns:p14="http://schemas.microsoft.com/office/powerpoint/2010/main" val="675826955"/>
+        <p14:creationId xmlns:p14="http://schemas.microsoft.com/office/powerpoint/2010/main" val="3622988359"/>
       </p:ext>
     </p:extLst>
   </p:cSld>
@@ -1936,7 +1938,7 @@
     </p:spTree>
     <p:extLst>
       <p:ext uri="{BB962C8B-B14F-4D97-AF65-F5344CB8AC3E}">
-        <p14:creationId xmlns:p14="http://schemas.microsoft.com/office/powerpoint/2010/main" val="1659332452"/>
+        <p14:creationId xmlns:p14="http://schemas.microsoft.com/office/powerpoint/2010/main" val="675826955"/>
       </p:ext>
     </p:extLst>
   </p:cSld>
@@ -2021,7 +2023,7 @@
     </p:spTree>
     <p:extLst>
       <p:ext uri="{BB962C8B-B14F-4D97-AF65-F5344CB8AC3E}">
-        <p14:creationId xmlns:p14="http://schemas.microsoft.com/office/powerpoint/2010/main" val="982171833"/>
+        <p14:creationId xmlns:p14="http://schemas.microsoft.com/office/powerpoint/2010/main" val="1659332452"/>
       </p:ext>
     </p:extLst>
   </p:cSld>
@@ -2106,7 +2108,7 @@
     </p:spTree>
     <p:extLst>
       <p:ext uri="{BB962C8B-B14F-4D97-AF65-F5344CB8AC3E}">
-        <p14:creationId xmlns:p14="http://schemas.microsoft.com/office/powerpoint/2010/main" val="3001039385"/>
+        <p14:creationId xmlns:p14="http://schemas.microsoft.com/office/powerpoint/2010/main" val="982171833"/>
       </p:ext>
     </p:extLst>
   </p:cSld>
@@ -2191,7 +2193,7 @@
     </p:spTree>
     <p:extLst>
       <p:ext uri="{BB962C8B-B14F-4D97-AF65-F5344CB8AC3E}">
-        <p14:creationId xmlns:p14="http://schemas.microsoft.com/office/powerpoint/2010/main" val="3867602380"/>
+        <p14:creationId xmlns:p14="http://schemas.microsoft.com/office/powerpoint/2010/main" val="3001039385"/>
       </p:ext>
     </p:extLst>
   </p:cSld>
@@ -2276,7 +2278,7 @@
     </p:spTree>
     <p:extLst>
       <p:ext uri="{BB962C8B-B14F-4D97-AF65-F5344CB8AC3E}">
-        <p14:creationId xmlns:p14="http://schemas.microsoft.com/office/powerpoint/2010/main" val="241380272"/>
+        <p14:creationId xmlns:p14="http://schemas.microsoft.com/office/powerpoint/2010/main" val="3867602380"/>
       </p:ext>
     </p:extLst>
   </p:cSld>
@@ -2361,7 +2363,7 @@
     </p:spTree>
     <p:extLst>
       <p:ext uri="{BB962C8B-B14F-4D97-AF65-F5344CB8AC3E}">
-        <p14:creationId xmlns:p14="http://schemas.microsoft.com/office/powerpoint/2010/main" val="3932332321"/>
+        <p14:creationId xmlns:p14="http://schemas.microsoft.com/office/powerpoint/2010/main" val="241380272"/>
       </p:ext>
     </p:extLst>
   </p:cSld>
@@ -2446,7 +2448,7 @@
     </p:spTree>
     <p:extLst>
       <p:ext uri="{BB962C8B-B14F-4D97-AF65-F5344CB8AC3E}">
-        <p14:creationId xmlns:p14="http://schemas.microsoft.com/office/powerpoint/2010/main" val="2486513509"/>
+        <p14:creationId xmlns:p14="http://schemas.microsoft.com/office/powerpoint/2010/main" val="3932332321"/>
       </p:ext>
     </p:extLst>
   </p:cSld>
@@ -2531,7 +2533,7 @@
     </p:spTree>
     <p:extLst>
       <p:ext uri="{BB962C8B-B14F-4D97-AF65-F5344CB8AC3E}">
-        <p14:creationId xmlns:p14="http://schemas.microsoft.com/office/powerpoint/2010/main" val="1492575674"/>
+        <p14:creationId xmlns:p14="http://schemas.microsoft.com/office/powerpoint/2010/main" val="2486513509"/>
       </p:ext>
     </p:extLst>
   </p:cSld>
@@ -2616,7 +2618,7 @@
     </p:spTree>
     <p:extLst>
       <p:ext uri="{BB962C8B-B14F-4D97-AF65-F5344CB8AC3E}">
-        <p14:creationId xmlns:p14="http://schemas.microsoft.com/office/powerpoint/2010/main" val="1612428130"/>
+        <p14:creationId xmlns:p14="http://schemas.microsoft.com/office/powerpoint/2010/main" val="1492575674"/>
       </p:ext>
     </p:extLst>
   </p:cSld>
@@ -2702,6 +2704,91 @@
     <p:extLst>
       <p:ext uri="{BB962C8B-B14F-4D97-AF65-F5344CB8AC3E}">
         <p14:creationId xmlns:p14="http://schemas.microsoft.com/office/powerpoint/2010/main" val="3420726163"/>
+      </p:ext>
+    </p:extLst>
+  </p:cSld>
+  <p:clrMapOvr>
+    <a:masterClrMapping/>
+  </p:clrMapOvr>
+</p:notes>
+</file>
+
+<file path=ppt/notesSlides/notesSlide30.xml><?xml version="1.0" encoding="utf-8"?>
+<p:notes xmlns:a="http://schemas.openxmlformats.org/drawingml/2006/main" xmlns:r="http://schemas.openxmlformats.org/officeDocument/2006/relationships" xmlns:p="http://schemas.openxmlformats.org/presentationml/2006/main">
+  <p:cSld>
+    <p:spTree>
+      <p:nvGrpSpPr>
+        <p:cNvPr id="1" name=""/>
+        <p:cNvGrpSpPr/>
+        <p:nvPr/>
+      </p:nvGrpSpPr>
+      <p:grpSpPr>
+        <a:xfrm>
+          <a:off x="0" y="0"/>
+          <a:ext cx="0" cy="0"/>
+          <a:chOff x="0" y="0"/>
+          <a:chExt cx="0" cy="0"/>
+        </a:xfrm>
+      </p:grpSpPr>
+      <p:sp>
+        <p:nvSpPr>
+          <p:cNvPr id="2" name="Diakép helye 1"/>
+          <p:cNvSpPr>
+            <a:spLocks noGrp="1" noRot="1" noChangeAspect="1"/>
+          </p:cNvSpPr>
+          <p:nvPr>
+            <p:ph type="sldImg"/>
+          </p:nvPr>
+        </p:nvSpPr>
+        <p:spPr/>
+      </p:sp>
+      <p:sp>
+        <p:nvSpPr>
+          <p:cNvPr id="3" name="Jegyzetek helye 2"/>
+          <p:cNvSpPr>
+            <a:spLocks noGrp="1"/>
+          </p:cNvSpPr>
+          <p:nvPr>
+            <p:ph type="body" idx="1"/>
+          </p:nvPr>
+        </p:nvSpPr>
+        <p:spPr/>
+        <p:txBody>
+          <a:bodyPr/>
+          <a:lstStyle/>
+          <a:p>
+            <a:endParaRPr lang="hu-HU" dirty="0"/>
+          </a:p>
+        </p:txBody>
+      </p:sp>
+      <p:sp>
+        <p:nvSpPr>
+          <p:cNvPr id="4" name="Dia számának helye 3"/>
+          <p:cNvSpPr>
+            <a:spLocks noGrp="1"/>
+          </p:cNvSpPr>
+          <p:nvPr>
+            <p:ph type="sldNum" sz="quarter" idx="10"/>
+          </p:nvPr>
+        </p:nvSpPr>
+        <p:spPr/>
+        <p:txBody>
+          <a:bodyPr/>
+          <a:lstStyle/>
+          <a:p>
+            <a:pPr rtl="0"/>
+            <a:fld id="{B8649DAF-093F-4482-AA38-346E9A2DEE94}" type="slidenum">
+              <a:rPr lang="hu-HU" smtClean="0"/>
+              <a:t>30</a:t>
+            </a:fld>
+            <a:endParaRPr lang="hu-HU" dirty="0"/>
+          </a:p>
+        </p:txBody>
+      </p:sp>
+    </p:spTree>
+    <p:extLst>
+      <p:ext uri="{BB962C8B-B14F-4D97-AF65-F5344CB8AC3E}">
+        <p14:creationId xmlns:p14="http://schemas.microsoft.com/office/powerpoint/2010/main" val="1612428130"/>
       </p:ext>
     </p:extLst>
   </p:cSld>
@@ -2871,7 +2958,7 @@
     </p:spTree>
     <p:extLst>
       <p:ext uri="{BB962C8B-B14F-4D97-AF65-F5344CB8AC3E}">
-        <p14:creationId xmlns:p14="http://schemas.microsoft.com/office/powerpoint/2010/main" val="1647641171"/>
+        <p14:creationId xmlns:p14="http://schemas.microsoft.com/office/powerpoint/2010/main" val="971636100"/>
       </p:ext>
     </p:extLst>
   </p:cSld>
@@ -2956,7 +3043,7 @@
     </p:spTree>
     <p:extLst>
       <p:ext uri="{BB962C8B-B14F-4D97-AF65-F5344CB8AC3E}">
-        <p14:creationId xmlns:p14="http://schemas.microsoft.com/office/powerpoint/2010/main" val="3697002538"/>
+        <p14:creationId xmlns:p14="http://schemas.microsoft.com/office/powerpoint/2010/main" val="1647641171"/>
       </p:ext>
     </p:extLst>
   </p:cSld>
@@ -3041,7 +3128,7 @@
     </p:spTree>
     <p:extLst>
       <p:ext uri="{BB962C8B-B14F-4D97-AF65-F5344CB8AC3E}">
-        <p14:creationId xmlns:p14="http://schemas.microsoft.com/office/powerpoint/2010/main" val="2533173766"/>
+        <p14:creationId xmlns:p14="http://schemas.microsoft.com/office/powerpoint/2010/main" val="3697002538"/>
       </p:ext>
     </p:extLst>
   </p:cSld>
@@ -3126,7 +3213,7 @@
     </p:spTree>
     <p:extLst>
       <p:ext uri="{BB962C8B-B14F-4D97-AF65-F5344CB8AC3E}">
-        <p14:creationId xmlns:p14="http://schemas.microsoft.com/office/powerpoint/2010/main" val="4150620277"/>
+        <p14:creationId xmlns:p14="http://schemas.microsoft.com/office/powerpoint/2010/main" val="2533173766"/>
       </p:ext>
     </p:extLst>
   </p:cSld>
@@ -3211,7 +3298,7 @@
     </p:spTree>
     <p:extLst>
       <p:ext uri="{BB962C8B-B14F-4D97-AF65-F5344CB8AC3E}">
-        <p14:creationId xmlns:p14="http://schemas.microsoft.com/office/powerpoint/2010/main" val="2170993472"/>
+        <p14:creationId xmlns:p14="http://schemas.microsoft.com/office/powerpoint/2010/main" val="4150620277"/>
       </p:ext>
     </p:extLst>
   </p:cSld>
@@ -7793,6 +7880,672 @@
           <a:chExt cx="0" cy="0"/>
         </a:xfrm>
       </p:grpSpPr>
+      <p:sp>
+        <p:nvSpPr>
+          <p:cNvPr id="9" name="Szöveg helye 14">
+            <a:extLst>
+              <a:ext uri="{FF2B5EF4-FFF2-40B4-BE49-F238E27FC236}">
+                <a16:creationId xmlns:a16="http://schemas.microsoft.com/office/drawing/2014/main" id="{27FB6942-F6E0-48A2-84B6-F1FA23483B8E}"/>
+              </a:ext>
+            </a:extLst>
+          </p:cNvPr>
+          <p:cNvSpPr txBox="1">
+            <a:spLocks/>
+          </p:cNvSpPr>
+          <p:nvPr/>
+        </p:nvSpPr>
+        <p:spPr>
+          <a:xfrm>
+            <a:off x="541246" y="386452"/>
+            <a:ext cx="8708771" cy="942559"/>
+          </a:xfrm>
+          <a:prstGeom prst="rect">
+            <a:avLst/>
+          </a:prstGeom>
+          <a:noFill/>
+        </p:spPr>
+        <p:txBody>
+          <a:bodyPr vert="horz" lIns="108000" tIns="72000" rIns="72000" bIns="36000" rtlCol="0">
+            <a:noAutofit/>
+          </a:bodyPr>
+          <a:lstStyle>
+            <a:lvl1pPr marL="0" indent="0" algn="ctr" defTabSz="914400" rtl="0" eaLnBrk="1" latinLnBrk="0" hangingPunct="1">
+              <a:lnSpc>
+                <a:spcPct val="90000"/>
+              </a:lnSpc>
+              <a:spcBef>
+                <a:spcPts val="1000"/>
+              </a:spcBef>
+              <a:buFont typeface="Arial" panose="020B0604020202020204" pitchFamily="34" charset="0"/>
+              <a:buNone/>
+              <a:defRPr sz="1600" kern="1200">
+                <a:solidFill>
+                  <a:schemeClr val="tx1">
+                    <a:lumMod val="75000"/>
+                    <a:lumOff val="25000"/>
+                  </a:schemeClr>
+                </a:solidFill>
+                <a:latin typeface="+mn-lt"/>
+                <a:ea typeface="+mn-ea"/>
+                <a:cs typeface="+mn-cs"/>
+              </a:defRPr>
+            </a:lvl1pPr>
+            <a:lvl2pPr marL="542925" indent="-276225" algn="l" defTabSz="914400" rtl="0" eaLnBrk="1" latinLnBrk="0" hangingPunct="1">
+              <a:lnSpc>
+                <a:spcPct val="90000"/>
+              </a:lnSpc>
+              <a:spcBef>
+                <a:spcPts val="500"/>
+              </a:spcBef>
+              <a:buFont typeface="Arial" panose="020B0604020202020204" pitchFamily="34" charset="0"/>
+              <a:buChar char="•"/>
+              <a:defRPr sz="1600" kern="1200">
+                <a:solidFill>
+                  <a:schemeClr val="tx1">
+                    <a:lumMod val="75000"/>
+                    <a:lumOff val="25000"/>
+                  </a:schemeClr>
+                </a:solidFill>
+                <a:latin typeface="+mn-lt"/>
+                <a:ea typeface="+mn-ea"/>
+                <a:cs typeface="+mn-cs"/>
+              </a:defRPr>
+            </a:lvl2pPr>
+            <a:lvl3pPr marL="809625" indent="-266700" algn="l" defTabSz="914400" rtl="0" eaLnBrk="1" latinLnBrk="0" hangingPunct="1">
+              <a:lnSpc>
+                <a:spcPct val="90000"/>
+              </a:lnSpc>
+              <a:spcBef>
+                <a:spcPts val="500"/>
+              </a:spcBef>
+              <a:buFont typeface="Arial" panose="020B0604020202020204" pitchFamily="34" charset="0"/>
+              <a:buChar char="•"/>
+              <a:defRPr sz="1400" kern="1200">
+                <a:solidFill>
+                  <a:schemeClr val="tx1">
+                    <a:lumMod val="75000"/>
+                    <a:lumOff val="25000"/>
+                  </a:schemeClr>
+                </a:solidFill>
+                <a:latin typeface="+mn-lt"/>
+                <a:ea typeface="+mn-ea"/>
+                <a:cs typeface="+mn-cs"/>
+              </a:defRPr>
+            </a:lvl3pPr>
+            <a:lvl4pPr marL="1076325" indent="-266700" algn="l" defTabSz="914400" rtl="0" eaLnBrk="1" latinLnBrk="0" hangingPunct="1">
+              <a:lnSpc>
+                <a:spcPct val="90000"/>
+              </a:lnSpc>
+              <a:spcBef>
+                <a:spcPts val="500"/>
+              </a:spcBef>
+              <a:buFont typeface="Arial" panose="020B0604020202020204" pitchFamily="34" charset="0"/>
+              <a:buChar char="•"/>
+              <a:defRPr sz="1400" kern="1200">
+                <a:solidFill>
+                  <a:schemeClr val="tx1">
+                    <a:lumMod val="75000"/>
+                    <a:lumOff val="25000"/>
+                  </a:schemeClr>
+                </a:solidFill>
+                <a:latin typeface="+mn-lt"/>
+                <a:ea typeface="+mn-ea"/>
+                <a:cs typeface="+mn-cs"/>
+              </a:defRPr>
+            </a:lvl4pPr>
+            <a:lvl5pPr marL="1343025" indent="-266700" algn="l" defTabSz="914400" rtl="0" eaLnBrk="1" latinLnBrk="0" hangingPunct="1">
+              <a:lnSpc>
+                <a:spcPct val="90000"/>
+              </a:lnSpc>
+              <a:spcBef>
+                <a:spcPts val="500"/>
+              </a:spcBef>
+              <a:buFont typeface="Arial" panose="020B0604020202020204" pitchFamily="34" charset="0"/>
+              <a:buChar char="•"/>
+              <a:defRPr sz="1400" kern="1200">
+                <a:solidFill>
+                  <a:schemeClr val="tx1">
+                    <a:lumMod val="75000"/>
+                    <a:lumOff val="25000"/>
+                  </a:schemeClr>
+                </a:solidFill>
+                <a:latin typeface="+mn-lt"/>
+                <a:ea typeface="+mn-ea"/>
+                <a:cs typeface="+mn-cs"/>
+              </a:defRPr>
+            </a:lvl5pPr>
+            <a:lvl6pPr marL="2514600" indent="-228600" algn="l" defTabSz="914400" rtl="0" eaLnBrk="1" latinLnBrk="0" hangingPunct="1">
+              <a:lnSpc>
+                <a:spcPct val="90000"/>
+              </a:lnSpc>
+              <a:spcBef>
+                <a:spcPts val="500"/>
+              </a:spcBef>
+              <a:buFont typeface="Arial" panose="020B0604020202020204" pitchFamily="34" charset="0"/>
+              <a:buChar char="•"/>
+              <a:defRPr sz="1800" kern="1200">
+                <a:solidFill>
+                  <a:schemeClr val="tx1"/>
+                </a:solidFill>
+                <a:latin typeface="+mn-lt"/>
+                <a:ea typeface="+mn-ea"/>
+                <a:cs typeface="+mn-cs"/>
+              </a:defRPr>
+            </a:lvl6pPr>
+            <a:lvl7pPr marL="2971800" indent="-228600" algn="l" defTabSz="914400" rtl="0" eaLnBrk="1" latinLnBrk="0" hangingPunct="1">
+              <a:lnSpc>
+                <a:spcPct val="90000"/>
+              </a:lnSpc>
+              <a:spcBef>
+                <a:spcPts val="500"/>
+              </a:spcBef>
+              <a:buFont typeface="Arial" panose="020B0604020202020204" pitchFamily="34" charset="0"/>
+              <a:buChar char="•"/>
+              <a:defRPr sz="1800" kern="1200">
+                <a:solidFill>
+                  <a:schemeClr val="tx1"/>
+                </a:solidFill>
+                <a:latin typeface="+mn-lt"/>
+                <a:ea typeface="+mn-ea"/>
+                <a:cs typeface="+mn-cs"/>
+              </a:defRPr>
+            </a:lvl7pPr>
+            <a:lvl8pPr marL="3429000" indent="-228600" algn="l" defTabSz="914400" rtl="0" eaLnBrk="1" latinLnBrk="0" hangingPunct="1">
+              <a:lnSpc>
+                <a:spcPct val="90000"/>
+              </a:lnSpc>
+              <a:spcBef>
+                <a:spcPts val="500"/>
+              </a:spcBef>
+              <a:buFont typeface="Arial" panose="020B0604020202020204" pitchFamily="34" charset="0"/>
+              <a:buChar char="•"/>
+              <a:defRPr sz="1800" kern="1200">
+                <a:solidFill>
+                  <a:schemeClr val="tx1"/>
+                </a:solidFill>
+                <a:latin typeface="+mn-lt"/>
+                <a:ea typeface="+mn-ea"/>
+                <a:cs typeface="+mn-cs"/>
+              </a:defRPr>
+            </a:lvl8pPr>
+            <a:lvl9pPr marL="3886200" indent="-228600" algn="l" defTabSz="914400" rtl="0" eaLnBrk="1" latinLnBrk="0" hangingPunct="1">
+              <a:lnSpc>
+                <a:spcPct val="90000"/>
+              </a:lnSpc>
+              <a:spcBef>
+                <a:spcPts val="500"/>
+              </a:spcBef>
+              <a:buFont typeface="Arial" panose="020B0604020202020204" pitchFamily="34" charset="0"/>
+              <a:buChar char="•"/>
+              <a:defRPr sz="1800" kern="1200">
+                <a:solidFill>
+                  <a:schemeClr val="tx1"/>
+                </a:solidFill>
+                <a:latin typeface="+mn-lt"/>
+                <a:ea typeface="+mn-ea"/>
+                <a:cs typeface="+mn-cs"/>
+              </a:defRPr>
+            </a:lvl9pPr>
+          </a:lstStyle>
+          <a:p>
+            <a:pPr algn="l">
+              <a:lnSpc>
+                <a:spcPct val="100000"/>
+              </a:lnSpc>
+            </a:pPr>
+            <a:r>
+              <a:rPr lang="hu-HU" sz="4800" dirty="0">
+                <a:solidFill>
+                  <a:schemeClr val="tx1"/>
+                </a:solidFill>
+                <a:latin typeface="Georgia" panose="02040502050405020303" pitchFamily="18" charset="0"/>
+                <a:cs typeface="Arial" panose="020B0604020202020204" pitchFamily="34" charset="0"/>
+              </a:rPr>
+              <a:t>MLP -&gt; 1D </a:t>
+            </a:r>
+            <a:r>
+              <a:rPr lang="hu-HU" sz="4800" dirty="0" err="1">
+                <a:solidFill>
+                  <a:schemeClr val="tx1"/>
+                </a:solidFill>
+                <a:latin typeface="Georgia" panose="02040502050405020303" pitchFamily="18" charset="0"/>
+                <a:cs typeface="Arial" panose="020B0604020202020204" pitchFamily="34" charset="0"/>
+              </a:rPr>
+              <a:t>Convolution</a:t>
+            </a:r>
+            <a:r>
+              <a:rPr lang="hu-HU" sz="4800" dirty="0">
+                <a:solidFill>
+                  <a:schemeClr val="tx1"/>
+                </a:solidFill>
+                <a:latin typeface="Georgia" panose="02040502050405020303" pitchFamily="18" charset="0"/>
+                <a:cs typeface="Arial" panose="020B0604020202020204" pitchFamily="34" charset="0"/>
+              </a:rPr>
+              <a:t> teszt</a:t>
+            </a:r>
+            <a:endParaRPr lang="hu-HU" sz="4800" dirty="0">
+              <a:solidFill>
+                <a:schemeClr val="tx1"/>
+              </a:solidFill>
+              <a:latin typeface="Georgia" panose="02040502050405020303" pitchFamily="18" charset="0"/>
+              <a:cs typeface="Calibri Light" panose="020F0302020204030204" pitchFamily="34" charset="0"/>
+            </a:endParaRPr>
+          </a:p>
+        </p:txBody>
+      </p:sp>
+      <p:sp>
+        <p:nvSpPr>
+          <p:cNvPr id="10" name="Szöveg helye 14">
+            <a:extLst>
+              <a:ext uri="{FF2B5EF4-FFF2-40B4-BE49-F238E27FC236}">
+                <a16:creationId xmlns:a16="http://schemas.microsoft.com/office/drawing/2014/main" id="{9FB85B1C-99A5-4A8E-95DD-57C11294BB7A}"/>
+              </a:ext>
+            </a:extLst>
+          </p:cNvPr>
+          <p:cNvSpPr txBox="1">
+            <a:spLocks/>
+          </p:cNvSpPr>
+          <p:nvPr/>
+        </p:nvSpPr>
+        <p:spPr>
+          <a:xfrm>
+            <a:off x="541247" y="1329010"/>
+            <a:ext cx="10988144" cy="5142537"/>
+          </a:xfrm>
+          <a:prstGeom prst="rect">
+            <a:avLst/>
+          </a:prstGeom>
+          <a:noFill/>
+        </p:spPr>
+        <p:txBody>
+          <a:bodyPr vert="horz" lIns="108000" tIns="72000" rIns="72000" bIns="36000" rtlCol="0">
+            <a:noAutofit/>
+          </a:bodyPr>
+          <a:lstStyle>
+            <a:lvl1pPr marL="0" indent="0" algn="ctr" defTabSz="914400" rtl="0" eaLnBrk="1" latinLnBrk="0" hangingPunct="1">
+              <a:lnSpc>
+                <a:spcPct val="90000"/>
+              </a:lnSpc>
+              <a:spcBef>
+                <a:spcPts val="1000"/>
+              </a:spcBef>
+              <a:buFont typeface="Arial" panose="020B0604020202020204" pitchFamily="34" charset="0"/>
+              <a:buNone/>
+              <a:defRPr sz="1600" kern="1200">
+                <a:solidFill>
+                  <a:schemeClr val="tx1">
+                    <a:lumMod val="75000"/>
+                    <a:lumOff val="25000"/>
+                  </a:schemeClr>
+                </a:solidFill>
+                <a:latin typeface="+mn-lt"/>
+                <a:ea typeface="+mn-ea"/>
+                <a:cs typeface="+mn-cs"/>
+              </a:defRPr>
+            </a:lvl1pPr>
+            <a:lvl2pPr marL="542925" indent="-276225" algn="l" defTabSz="914400" rtl="0" eaLnBrk="1" latinLnBrk="0" hangingPunct="1">
+              <a:lnSpc>
+                <a:spcPct val="90000"/>
+              </a:lnSpc>
+              <a:spcBef>
+                <a:spcPts val="500"/>
+              </a:spcBef>
+              <a:buFont typeface="Arial" panose="020B0604020202020204" pitchFamily="34" charset="0"/>
+              <a:buChar char="•"/>
+              <a:defRPr sz="1600" kern="1200">
+                <a:solidFill>
+                  <a:schemeClr val="tx1">
+                    <a:lumMod val="75000"/>
+                    <a:lumOff val="25000"/>
+                  </a:schemeClr>
+                </a:solidFill>
+                <a:latin typeface="+mn-lt"/>
+                <a:ea typeface="+mn-ea"/>
+                <a:cs typeface="+mn-cs"/>
+              </a:defRPr>
+            </a:lvl2pPr>
+            <a:lvl3pPr marL="809625" indent="-266700" algn="l" defTabSz="914400" rtl="0" eaLnBrk="1" latinLnBrk="0" hangingPunct="1">
+              <a:lnSpc>
+                <a:spcPct val="90000"/>
+              </a:lnSpc>
+              <a:spcBef>
+                <a:spcPts val="500"/>
+              </a:spcBef>
+              <a:buFont typeface="Arial" panose="020B0604020202020204" pitchFamily="34" charset="0"/>
+              <a:buChar char="•"/>
+              <a:defRPr sz="1400" kern="1200">
+                <a:solidFill>
+                  <a:schemeClr val="tx1">
+                    <a:lumMod val="75000"/>
+                    <a:lumOff val="25000"/>
+                  </a:schemeClr>
+                </a:solidFill>
+                <a:latin typeface="+mn-lt"/>
+                <a:ea typeface="+mn-ea"/>
+                <a:cs typeface="+mn-cs"/>
+              </a:defRPr>
+            </a:lvl3pPr>
+            <a:lvl4pPr marL="1076325" indent="-266700" algn="l" defTabSz="914400" rtl="0" eaLnBrk="1" latinLnBrk="0" hangingPunct="1">
+              <a:lnSpc>
+                <a:spcPct val="90000"/>
+              </a:lnSpc>
+              <a:spcBef>
+                <a:spcPts val="500"/>
+              </a:spcBef>
+              <a:buFont typeface="Arial" panose="020B0604020202020204" pitchFamily="34" charset="0"/>
+              <a:buChar char="•"/>
+              <a:defRPr sz="1400" kern="1200">
+                <a:solidFill>
+                  <a:schemeClr val="tx1">
+                    <a:lumMod val="75000"/>
+                    <a:lumOff val="25000"/>
+                  </a:schemeClr>
+                </a:solidFill>
+                <a:latin typeface="+mn-lt"/>
+                <a:ea typeface="+mn-ea"/>
+                <a:cs typeface="+mn-cs"/>
+              </a:defRPr>
+            </a:lvl4pPr>
+            <a:lvl5pPr marL="1343025" indent="-266700" algn="l" defTabSz="914400" rtl="0" eaLnBrk="1" latinLnBrk="0" hangingPunct="1">
+              <a:lnSpc>
+                <a:spcPct val="90000"/>
+              </a:lnSpc>
+              <a:spcBef>
+                <a:spcPts val="500"/>
+              </a:spcBef>
+              <a:buFont typeface="Arial" panose="020B0604020202020204" pitchFamily="34" charset="0"/>
+              <a:buChar char="•"/>
+              <a:defRPr sz="1400" kern="1200">
+                <a:solidFill>
+                  <a:schemeClr val="tx1">
+                    <a:lumMod val="75000"/>
+                    <a:lumOff val="25000"/>
+                  </a:schemeClr>
+                </a:solidFill>
+                <a:latin typeface="+mn-lt"/>
+                <a:ea typeface="+mn-ea"/>
+                <a:cs typeface="+mn-cs"/>
+              </a:defRPr>
+            </a:lvl5pPr>
+            <a:lvl6pPr marL="2514600" indent="-228600" algn="l" defTabSz="914400" rtl="0" eaLnBrk="1" latinLnBrk="0" hangingPunct="1">
+              <a:lnSpc>
+                <a:spcPct val="90000"/>
+              </a:lnSpc>
+              <a:spcBef>
+                <a:spcPts val="500"/>
+              </a:spcBef>
+              <a:buFont typeface="Arial" panose="020B0604020202020204" pitchFamily="34" charset="0"/>
+              <a:buChar char="•"/>
+              <a:defRPr sz="1800" kern="1200">
+                <a:solidFill>
+                  <a:schemeClr val="tx1"/>
+                </a:solidFill>
+                <a:latin typeface="+mn-lt"/>
+                <a:ea typeface="+mn-ea"/>
+                <a:cs typeface="+mn-cs"/>
+              </a:defRPr>
+            </a:lvl6pPr>
+            <a:lvl7pPr marL="2971800" indent="-228600" algn="l" defTabSz="914400" rtl="0" eaLnBrk="1" latinLnBrk="0" hangingPunct="1">
+              <a:lnSpc>
+                <a:spcPct val="90000"/>
+              </a:lnSpc>
+              <a:spcBef>
+                <a:spcPts val="500"/>
+              </a:spcBef>
+              <a:buFont typeface="Arial" panose="020B0604020202020204" pitchFamily="34" charset="0"/>
+              <a:buChar char="•"/>
+              <a:defRPr sz="1800" kern="1200">
+                <a:solidFill>
+                  <a:schemeClr val="tx1"/>
+                </a:solidFill>
+                <a:latin typeface="+mn-lt"/>
+                <a:ea typeface="+mn-ea"/>
+                <a:cs typeface="+mn-cs"/>
+              </a:defRPr>
+            </a:lvl7pPr>
+            <a:lvl8pPr marL="3429000" indent="-228600" algn="l" defTabSz="914400" rtl="0" eaLnBrk="1" latinLnBrk="0" hangingPunct="1">
+              <a:lnSpc>
+                <a:spcPct val="90000"/>
+              </a:lnSpc>
+              <a:spcBef>
+                <a:spcPts val="500"/>
+              </a:spcBef>
+              <a:buFont typeface="Arial" panose="020B0604020202020204" pitchFamily="34" charset="0"/>
+              <a:buChar char="•"/>
+              <a:defRPr sz="1800" kern="1200">
+                <a:solidFill>
+                  <a:schemeClr val="tx1"/>
+                </a:solidFill>
+                <a:latin typeface="+mn-lt"/>
+                <a:ea typeface="+mn-ea"/>
+                <a:cs typeface="+mn-cs"/>
+              </a:defRPr>
+            </a:lvl8pPr>
+            <a:lvl9pPr marL="3886200" indent="-228600" algn="l" defTabSz="914400" rtl="0" eaLnBrk="1" latinLnBrk="0" hangingPunct="1">
+              <a:lnSpc>
+                <a:spcPct val="90000"/>
+              </a:lnSpc>
+              <a:spcBef>
+                <a:spcPts val="500"/>
+              </a:spcBef>
+              <a:buFont typeface="Arial" panose="020B0604020202020204" pitchFamily="34" charset="0"/>
+              <a:buChar char="•"/>
+              <a:defRPr sz="1800" kern="1200">
+                <a:solidFill>
+                  <a:schemeClr val="tx1"/>
+                </a:solidFill>
+                <a:latin typeface="+mn-lt"/>
+                <a:ea typeface="+mn-ea"/>
+                <a:cs typeface="+mn-cs"/>
+              </a:defRPr>
+            </a:lvl9pPr>
+          </a:lstStyle>
+          <a:p>
+            <a:pPr algn="l">
+              <a:lnSpc>
+                <a:spcPct val="100000"/>
+              </a:lnSpc>
+            </a:pPr>
+            <a:r>
+              <a:rPr lang="hu-HU" sz="2000" dirty="0">
+                <a:solidFill>
+                  <a:schemeClr val="tx1"/>
+                </a:solidFill>
+                <a:latin typeface="Georgia" panose="02040502050405020303" pitchFamily="18" charset="0"/>
+                <a:cs typeface="Calibri Light" panose="020F0302020204030204" pitchFamily="34" charset="0"/>
+              </a:rPr>
+              <a:t>1.  </a:t>
+            </a:r>
+            <a:r>
+              <a:rPr lang="hu-HU" sz="2000" dirty="0" err="1">
+                <a:solidFill>
+                  <a:schemeClr val="tx1"/>
+                </a:solidFill>
+                <a:latin typeface="Georgia" panose="02040502050405020303" pitchFamily="18" charset="0"/>
+                <a:cs typeface="Calibri Light" panose="020F0302020204030204" pitchFamily="34" charset="0"/>
+              </a:rPr>
+              <a:t>Kerasban</a:t>
+            </a:r>
+            <a:r>
+              <a:rPr lang="hu-HU" sz="2000" dirty="0">
+                <a:solidFill>
+                  <a:schemeClr val="tx1"/>
+                </a:solidFill>
+                <a:latin typeface="Georgia" panose="02040502050405020303" pitchFamily="18" charset="0"/>
+                <a:cs typeface="Calibri Light" panose="020F0302020204030204" pitchFamily="34" charset="0"/>
+              </a:rPr>
+              <a:t> megcsinálni, hogy 1-d </a:t>
+            </a:r>
+            <a:r>
+              <a:rPr lang="hu-HU" sz="2000" dirty="0" err="1">
+                <a:solidFill>
+                  <a:schemeClr val="tx1"/>
+                </a:solidFill>
+                <a:latin typeface="Georgia" panose="02040502050405020303" pitchFamily="18" charset="0"/>
+                <a:cs typeface="Calibri Light" panose="020F0302020204030204" pitchFamily="34" charset="0"/>
+              </a:rPr>
+              <a:t>convolúciós</a:t>
+            </a:r>
+            <a:r>
+              <a:rPr lang="hu-HU" sz="2000" dirty="0">
+                <a:solidFill>
+                  <a:schemeClr val="tx1"/>
+                </a:solidFill>
+                <a:latin typeface="Georgia" panose="02040502050405020303" pitchFamily="18" charset="0"/>
+                <a:cs typeface="Calibri Light" panose="020F0302020204030204" pitchFamily="34" charset="0"/>
+              </a:rPr>
+              <a:t> neurális háló legyen ott ahol most MLP van</a:t>
+            </a:r>
+          </a:p>
+          <a:p>
+            <a:pPr marL="285750" indent="-285750" algn="l">
+              <a:lnSpc>
+                <a:spcPct val="100000"/>
+              </a:lnSpc>
+              <a:buFontTx/>
+              <a:buChar char="-"/>
+            </a:pPr>
+            <a:r>
+              <a:rPr lang="hu-HU" dirty="0">
+                <a:solidFill>
+                  <a:schemeClr val="tx1"/>
+                </a:solidFill>
+                <a:latin typeface="Arial" panose="020B0604020202020204" pitchFamily="34" charset="0"/>
+                <a:cs typeface="Arial" panose="020B0604020202020204" pitchFamily="34" charset="0"/>
+              </a:rPr>
+              <a:t>Megmérni a különbséget, megvizsgálni a hatást.</a:t>
+            </a:r>
+          </a:p>
+        </p:txBody>
+      </p:sp>
+    </p:spTree>
+    <p:extLst>
+      <p:ext uri="{BB962C8B-B14F-4D97-AF65-F5344CB8AC3E}">
+        <p14:creationId xmlns:p14="http://schemas.microsoft.com/office/powerpoint/2010/main" val="262674525"/>
+      </p:ext>
+    </p:extLst>
+  </p:cSld>
+  <p:clrMapOvr>
+    <a:masterClrMapping/>
+  </p:clrMapOvr>
+  <mc:AlternateContent xmlns:mc="http://schemas.openxmlformats.org/markup-compatibility/2006" xmlns:p14="http://schemas.microsoft.com/office/powerpoint/2010/main">
+    <mc:Choice Requires="p14">
+      <p:transition spd="med" p14:dur="700">
+        <p:fade/>
+      </p:transition>
+    </mc:Choice>
+    <mc:Fallback xmlns="">
+      <p:transition spd="med">
+        <p:fade/>
+      </p:transition>
+    </mc:Fallback>
+  </mc:AlternateContent>
+  <p:timing>
+    <p:tnLst>
+      <p:par>
+        <p:cTn id="1" dur="indefinite" restart="never" nodeType="tmRoot">
+          <p:childTnLst>
+            <p:seq concurrent="1" nextAc="seek">
+              <p:cTn id="2" dur="indefinite" nodeType="mainSeq">
+                <p:childTnLst>
+                  <p:par>
+                    <p:cTn id="3" fill="hold">
+                      <p:stCondLst>
+                        <p:cond delay="indefinite"/>
+                      </p:stCondLst>
+                      <p:childTnLst>
+                        <p:par>
+                          <p:cTn id="4" fill="hold">
+                            <p:stCondLst>
+                              <p:cond delay="0"/>
+                            </p:stCondLst>
+                            <p:childTnLst>
+                              <p:par>
+                                <p:cTn id="5" presetID="10" presetClass="entr" presetSubtype="0" fill="hold" grpId="0" nodeType="clickEffect">
+                                  <p:stCondLst>
+                                    <p:cond delay="0"/>
+                                  </p:stCondLst>
+                                  <p:childTnLst>
+                                    <p:set>
+                                      <p:cBhvr>
+                                        <p:cTn id="6" dur="1" fill="hold">
+                                          <p:stCondLst>
+                                            <p:cond delay="0"/>
+                                          </p:stCondLst>
+                                        </p:cTn>
+                                        <p:tgtEl>
+                                          <p:spTgt spid="10"/>
+                                        </p:tgtEl>
+                                        <p:attrNameLst>
+                                          <p:attrName>style.visibility</p:attrName>
+                                        </p:attrNameLst>
+                                      </p:cBhvr>
+                                      <p:to>
+                                        <p:strVal val="visible"/>
+                                      </p:to>
+                                    </p:set>
+                                    <p:animEffect transition="in" filter="fade">
+                                      <p:cBhvr>
+                                        <p:cTn id="7" dur="500"/>
+                                        <p:tgtEl>
+                                          <p:spTgt spid="10"/>
+                                        </p:tgtEl>
+                                      </p:cBhvr>
+                                    </p:animEffect>
+                                  </p:childTnLst>
+                                </p:cTn>
+                              </p:par>
+                            </p:childTnLst>
+                          </p:cTn>
+                        </p:par>
+                      </p:childTnLst>
+                    </p:cTn>
+                  </p:par>
+                </p:childTnLst>
+              </p:cTn>
+              <p:prevCondLst>
+                <p:cond evt="onPrev" delay="0">
+                  <p:tgtEl>
+                    <p:sldTgt/>
+                  </p:tgtEl>
+                </p:cond>
+              </p:prevCondLst>
+              <p:nextCondLst>
+                <p:cond evt="onNext" delay="0">
+                  <p:tgtEl>
+                    <p:sldTgt/>
+                  </p:tgtEl>
+                </p:cond>
+              </p:nextCondLst>
+            </p:seq>
+          </p:childTnLst>
+        </p:cTn>
+      </p:par>
+    </p:tnLst>
+    <p:bldLst>
+      <p:bldP spid="10" grpId="0"/>
+    </p:bldLst>
+  </p:timing>
+</p:sld>
+</file>
+
+<file path=ppt/slides/slide11.xml><?xml version="1.0" encoding="utf-8"?>
+<p:sld xmlns:a="http://schemas.openxmlformats.org/drawingml/2006/main" xmlns:r="http://schemas.openxmlformats.org/officeDocument/2006/relationships" xmlns:p="http://schemas.openxmlformats.org/presentationml/2006/main">
+  <p:cSld>
+    <p:spTree>
+      <p:nvGrpSpPr>
+        <p:cNvPr id="1" name=""/>
+        <p:cNvGrpSpPr/>
+        <p:nvPr/>
+      </p:nvGrpSpPr>
+      <p:grpSpPr>
+        <a:xfrm>
+          <a:off x="0" y="0"/>
+          <a:ext cx="0" cy="0"/>
+          <a:chOff x="0" y="0"/>
+          <a:chExt cx="0" cy="0"/>
+        </a:xfrm>
+      </p:grpSpPr>
       <p:pic>
         <p:nvPicPr>
           <p:cNvPr id="4" name="Kép 3" descr="A képen háló látható&#10;&#10;Automatikusan generált leírás">
@@ -8465,7 +9218,7 @@
 </p:sld>
 </file>
 
-<file path=ppt/slides/slide11.xml><?xml version="1.0" encoding="utf-8"?>
+<file path=ppt/slides/slide12.xml><?xml version="1.0" encoding="utf-8"?>
 <p:sld xmlns:a="http://schemas.openxmlformats.org/drawingml/2006/main" xmlns:r="http://schemas.openxmlformats.org/officeDocument/2006/relationships" xmlns:p="http://schemas.openxmlformats.org/presentationml/2006/main">
   <p:cSld>
     <p:spTree>
@@ -9051,7 +9804,7 @@
 </p:sld>
 </file>
 
-<file path=ppt/slides/slide12.xml><?xml version="1.0" encoding="utf-8"?>
+<file path=ppt/slides/slide13.xml><?xml version="1.0" encoding="utf-8"?>
 <p:sld xmlns:a="http://schemas.openxmlformats.org/drawingml/2006/main" xmlns:r="http://schemas.openxmlformats.org/officeDocument/2006/relationships" xmlns:p="http://schemas.openxmlformats.org/presentationml/2006/main">
   <p:cSld>
     <p:spTree>
@@ -11080,7 +11833,7 @@
 </p:sld>
 </file>
 
-<file path=ppt/slides/slide13.xml><?xml version="1.0" encoding="utf-8"?>
+<file path=ppt/slides/slide14.xml><?xml version="1.0" encoding="utf-8"?>
 <p:sld xmlns:a="http://schemas.openxmlformats.org/drawingml/2006/main" xmlns:r="http://schemas.openxmlformats.org/officeDocument/2006/relationships" xmlns:p="http://schemas.openxmlformats.org/presentationml/2006/main">
   <p:cSld>
     <p:spTree>
@@ -12557,7 +13310,7 @@
 </p:sld>
 </file>
 
-<file path=ppt/slides/slide14.xml><?xml version="1.0" encoding="utf-8"?>
+<file path=ppt/slides/slide15.xml><?xml version="1.0" encoding="utf-8"?>
 <p:sld xmlns:a="http://schemas.openxmlformats.org/drawingml/2006/main" xmlns:r="http://schemas.openxmlformats.org/officeDocument/2006/relationships" xmlns:p="http://schemas.openxmlformats.org/presentationml/2006/main">
   <p:cSld>
     <p:spTree>
@@ -12923,7 +13676,7 @@
 </p:sld>
 </file>
 
-<file path=ppt/slides/slide15.xml><?xml version="1.0" encoding="utf-8"?>
+<file path=ppt/slides/slide16.xml><?xml version="1.0" encoding="utf-8"?>
 <p:sld xmlns:a="http://schemas.openxmlformats.org/drawingml/2006/main" xmlns:r="http://schemas.openxmlformats.org/officeDocument/2006/relationships" xmlns:p="http://schemas.openxmlformats.org/presentationml/2006/main">
   <p:cSld>
     <p:spTree>
@@ -13856,7 +14609,7 @@
 </p:sld>
 </file>
 
-<file path=ppt/slides/slide16.xml><?xml version="1.0" encoding="utf-8"?>
+<file path=ppt/slides/slide17.xml><?xml version="1.0" encoding="utf-8"?>
 <p:sld xmlns:a="http://schemas.openxmlformats.org/drawingml/2006/main" xmlns:r="http://schemas.openxmlformats.org/officeDocument/2006/relationships" xmlns:p="http://schemas.openxmlformats.org/presentationml/2006/main">
   <p:cSld>
     <p:spTree>
@@ -14611,7 +15364,7 @@
 </p:sld>
 </file>
 
-<file path=ppt/slides/slide17.xml><?xml version="1.0" encoding="utf-8"?>
+<file path=ppt/slides/slide18.xml><?xml version="1.0" encoding="utf-8"?>
 <p:sld xmlns:a="http://schemas.openxmlformats.org/drawingml/2006/main" xmlns:r="http://schemas.openxmlformats.org/officeDocument/2006/relationships" xmlns:p="http://schemas.openxmlformats.org/presentationml/2006/main">
   <p:cSld>
     <p:spTree>
@@ -15772,7 +16525,7 @@
 </p:sld>
 </file>
 
-<file path=ppt/slides/slide18.xml><?xml version="1.0" encoding="utf-8"?>
+<file path=ppt/slides/slide19.xml><?xml version="1.0" encoding="utf-8"?>
 <p:sld xmlns:a="http://schemas.openxmlformats.org/drawingml/2006/main" xmlns:r="http://schemas.openxmlformats.org/officeDocument/2006/relationships" xmlns:p="http://schemas.openxmlformats.org/presentationml/2006/main">
   <p:cSld>
     <p:spTree>
@@ -17041,7 +17794,1013 @@
 </p:sld>
 </file>
 
-<file path=ppt/slides/slide19.xml><?xml version="1.0" encoding="utf-8"?>
+<file path=ppt/slides/slide2.xml><?xml version="1.0" encoding="utf-8"?>
+<p:sld xmlns:a="http://schemas.openxmlformats.org/drawingml/2006/main" xmlns:r="http://schemas.openxmlformats.org/officeDocument/2006/relationships" xmlns:p="http://schemas.openxmlformats.org/presentationml/2006/main">
+  <p:cSld>
+    <p:spTree>
+      <p:nvGrpSpPr>
+        <p:cNvPr id="1" name=""/>
+        <p:cNvGrpSpPr/>
+        <p:nvPr/>
+      </p:nvGrpSpPr>
+      <p:grpSpPr>
+        <a:xfrm>
+          <a:off x="0" y="0"/>
+          <a:ext cx="0" cy="0"/>
+          <a:chOff x="0" y="0"/>
+          <a:chExt cx="0" cy="0"/>
+        </a:xfrm>
+      </p:grpSpPr>
+      <p:sp>
+        <p:nvSpPr>
+          <p:cNvPr id="9" name="Szöveg helye 14">
+            <a:extLst>
+              <a:ext uri="{FF2B5EF4-FFF2-40B4-BE49-F238E27FC236}">
+                <a16:creationId xmlns:a16="http://schemas.microsoft.com/office/drawing/2014/main" id="{27FB6942-F6E0-48A2-84B6-F1FA23483B8E}"/>
+              </a:ext>
+            </a:extLst>
+          </p:cNvPr>
+          <p:cNvSpPr txBox="1">
+            <a:spLocks/>
+          </p:cNvSpPr>
+          <p:nvPr/>
+        </p:nvSpPr>
+        <p:spPr>
+          <a:xfrm>
+            <a:off x="541246" y="386452"/>
+            <a:ext cx="8708771" cy="942559"/>
+          </a:xfrm>
+          <a:prstGeom prst="rect">
+            <a:avLst/>
+          </a:prstGeom>
+          <a:noFill/>
+        </p:spPr>
+        <p:txBody>
+          <a:bodyPr vert="horz" lIns="108000" tIns="72000" rIns="72000" bIns="36000" rtlCol="0">
+            <a:noAutofit/>
+          </a:bodyPr>
+          <a:lstStyle>
+            <a:lvl1pPr marL="0" indent="0" algn="ctr" defTabSz="914400" rtl="0" eaLnBrk="1" latinLnBrk="0" hangingPunct="1">
+              <a:lnSpc>
+                <a:spcPct val="90000"/>
+              </a:lnSpc>
+              <a:spcBef>
+                <a:spcPts val="1000"/>
+              </a:spcBef>
+              <a:buFont typeface="Arial" panose="020B0604020202020204" pitchFamily="34" charset="0"/>
+              <a:buNone/>
+              <a:defRPr sz="1600" kern="1200">
+                <a:solidFill>
+                  <a:schemeClr val="tx1">
+                    <a:lumMod val="75000"/>
+                    <a:lumOff val="25000"/>
+                  </a:schemeClr>
+                </a:solidFill>
+                <a:latin typeface="+mn-lt"/>
+                <a:ea typeface="+mn-ea"/>
+                <a:cs typeface="+mn-cs"/>
+              </a:defRPr>
+            </a:lvl1pPr>
+            <a:lvl2pPr marL="542925" indent="-276225" algn="l" defTabSz="914400" rtl="0" eaLnBrk="1" latinLnBrk="0" hangingPunct="1">
+              <a:lnSpc>
+                <a:spcPct val="90000"/>
+              </a:lnSpc>
+              <a:spcBef>
+                <a:spcPts val="500"/>
+              </a:spcBef>
+              <a:buFont typeface="Arial" panose="020B0604020202020204" pitchFamily="34" charset="0"/>
+              <a:buChar char="•"/>
+              <a:defRPr sz="1600" kern="1200">
+                <a:solidFill>
+                  <a:schemeClr val="tx1">
+                    <a:lumMod val="75000"/>
+                    <a:lumOff val="25000"/>
+                  </a:schemeClr>
+                </a:solidFill>
+                <a:latin typeface="+mn-lt"/>
+                <a:ea typeface="+mn-ea"/>
+                <a:cs typeface="+mn-cs"/>
+              </a:defRPr>
+            </a:lvl2pPr>
+            <a:lvl3pPr marL="809625" indent="-266700" algn="l" defTabSz="914400" rtl="0" eaLnBrk="1" latinLnBrk="0" hangingPunct="1">
+              <a:lnSpc>
+                <a:spcPct val="90000"/>
+              </a:lnSpc>
+              <a:spcBef>
+                <a:spcPts val="500"/>
+              </a:spcBef>
+              <a:buFont typeface="Arial" panose="020B0604020202020204" pitchFamily="34" charset="0"/>
+              <a:buChar char="•"/>
+              <a:defRPr sz="1400" kern="1200">
+                <a:solidFill>
+                  <a:schemeClr val="tx1">
+                    <a:lumMod val="75000"/>
+                    <a:lumOff val="25000"/>
+                  </a:schemeClr>
+                </a:solidFill>
+                <a:latin typeface="+mn-lt"/>
+                <a:ea typeface="+mn-ea"/>
+                <a:cs typeface="+mn-cs"/>
+              </a:defRPr>
+            </a:lvl3pPr>
+            <a:lvl4pPr marL="1076325" indent="-266700" algn="l" defTabSz="914400" rtl="0" eaLnBrk="1" latinLnBrk="0" hangingPunct="1">
+              <a:lnSpc>
+                <a:spcPct val="90000"/>
+              </a:lnSpc>
+              <a:spcBef>
+                <a:spcPts val="500"/>
+              </a:spcBef>
+              <a:buFont typeface="Arial" panose="020B0604020202020204" pitchFamily="34" charset="0"/>
+              <a:buChar char="•"/>
+              <a:defRPr sz="1400" kern="1200">
+                <a:solidFill>
+                  <a:schemeClr val="tx1">
+                    <a:lumMod val="75000"/>
+                    <a:lumOff val="25000"/>
+                  </a:schemeClr>
+                </a:solidFill>
+                <a:latin typeface="+mn-lt"/>
+                <a:ea typeface="+mn-ea"/>
+                <a:cs typeface="+mn-cs"/>
+              </a:defRPr>
+            </a:lvl4pPr>
+            <a:lvl5pPr marL="1343025" indent="-266700" algn="l" defTabSz="914400" rtl="0" eaLnBrk="1" latinLnBrk="0" hangingPunct="1">
+              <a:lnSpc>
+                <a:spcPct val="90000"/>
+              </a:lnSpc>
+              <a:spcBef>
+                <a:spcPts val="500"/>
+              </a:spcBef>
+              <a:buFont typeface="Arial" panose="020B0604020202020204" pitchFamily="34" charset="0"/>
+              <a:buChar char="•"/>
+              <a:defRPr sz="1400" kern="1200">
+                <a:solidFill>
+                  <a:schemeClr val="tx1">
+                    <a:lumMod val="75000"/>
+                    <a:lumOff val="25000"/>
+                  </a:schemeClr>
+                </a:solidFill>
+                <a:latin typeface="+mn-lt"/>
+                <a:ea typeface="+mn-ea"/>
+                <a:cs typeface="+mn-cs"/>
+              </a:defRPr>
+            </a:lvl5pPr>
+            <a:lvl6pPr marL="2514600" indent="-228600" algn="l" defTabSz="914400" rtl="0" eaLnBrk="1" latinLnBrk="0" hangingPunct="1">
+              <a:lnSpc>
+                <a:spcPct val="90000"/>
+              </a:lnSpc>
+              <a:spcBef>
+                <a:spcPts val="500"/>
+              </a:spcBef>
+              <a:buFont typeface="Arial" panose="020B0604020202020204" pitchFamily="34" charset="0"/>
+              <a:buChar char="•"/>
+              <a:defRPr sz="1800" kern="1200">
+                <a:solidFill>
+                  <a:schemeClr val="tx1"/>
+                </a:solidFill>
+                <a:latin typeface="+mn-lt"/>
+                <a:ea typeface="+mn-ea"/>
+                <a:cs typeface="+mn-cs"/>
+              </a:defRPr>
+            </a:lvl6pPr>
+            <a:lvl7pPr marL="2971800" indent="-228600" algn="l" defTabSz="914400" rtl="0" eaLnBrk="1" latinLnBrk="0" hangingPunct="1">
+              <a:lnSpc>
+                <a:spcPct val="90000"/>
+              </a:lnSpc>
+              <a:spcBef>
+                <a:spcPts val="500"/>
+              </a:spcBef>
+              <a:buFont typeface="Arial" panose="020B0604020202020204" pitchFamily="34" charset="0"/>
+              <a:buChar char="•"/>
+              <a:defRPr sz="1800" kern="1200">
+                <a:solidFill>
+                  <a:schemeClr val="tx1"/>
+                </a:solidFill>
+                <a:latin typeface="+mn-lt"/>
+                <a:ea typeface="+mn-ea"/>
+                <a:cs typeface="+mn-cs"/>
+              </a:defRPr>
+            </a:lvl7pPr>
+            <a:lvl8pPr marL="3429000" indent="-228600" algn="l" defTabSz="914400" rtl="0" eaLnBrk="1" latinLnBrk="0" hangingPunct="1">
+              <a:lnSpc>
+                <a:spcPct val="90000"/>
+              </a:lnSpc>
+              <a:spcBef>
+                <a:spcPts val="500"/>
+              </a:spcBef>
+              <a:buFont typeface="Arial" panose="020B0604020202020204" pitchFamily="34" charset="0"/>
+              <a:buChar char="•"/>
+              <a:defRPr sz="1800" kern="1200">
+                <a:solidFill>
+                  <a:schemeClr val="tx1"/>
+                </a:solidFill>
+                <a:latin typeface="+mn-lt"/>
+                <a:ea typeface="+mn-ea"/>
+                <a:cs typeface="+mn-cs"/>
+              </a:defRPr>
+            </a:lvl8pPr>
+            <a:lvl9pPr marL="3886200" indent="-228600" algn="l" defTabSz="914400" rtl="0" eaLnBrk="1" latinLnBrk="0" hangingPunct="1">
+              <a:lnSpc>
+                <a:spcPct val="90000"/>
+              </a:lnSpc>
+              <a:spcBef>
+                <a:spcPts val="500"/>
+              </a:spcBef>
+              <a:buFont typeface="Arial" panose="020B0604020202020204" pitchFamily="34" charset="0"/>
+              <a:buChar char="•"/>
+              <a:defRPr sz="1800" kern="1200">
+                <a:solidFill>
+                  <a:schemeClr val="tx1"/>
+                </a:solidFill>
+                <a:latin typeface="+mn-lt"/>
+                <a:ea typeface="+mn-ea"/>
+                <a:cs typeface="+mn-cs"/>
+              </a:defRPr>
+            </a:lvl9pPr>
+          </a:lstStyle>
+          <a:p>
+            <a:pPr algn="l">
+              <a:lnSpc>
+                <a:spcPct val="100000"/>
+              </a:lnSpc>
+            </a:pPr>
+            <a:r>
+              <a:rPr lang="hu-HU" sz="4800" dirty="0" err="1">
+                <a:solidFill>
+                  <a:schemeClr val="tx1"/>
+                </a:solidFill>
+                <a:latin typeface="Georgia" panose="02040502050405020303" pitchFamily="18" charset="0"/>
+                <a:cs typeface="Arial" panose="020B0604020202020204" pitchFamily="34" charset="0"/>
+              </a:rPr>
+              <a:t>ToDo</a:t>
+            </a:r>
+            <a:r>
+              <a:rPr lang="hu-HU" sz="4800" dirty="0">
+                <a:solidFill>
+                  <a:schemeClr val="tx1"/>
+                </a:solidFill>
+                <a:latin typeface="Georgia" panose="02040502050405020303" pitchFamily="18" charset="0"/>
+                <a:cs typeface="Arial" panose="020B0604020202020204" pitchFamily="34" charset="0"/>
+              </a:rPr>
+              <a:t> </a:t>
+            </a:r>
+            <a:r>
+              <a:rPr lang="hu-HU" sz="4800" dirty="0" err="1">
+                <a:solidFill>
+                  <a:schemeClr val="tx1"/>
+                </a:solidFill>
+                <a:latin typeface="Georgia" panose="02040502050405020303" pitchFamily="18" charset="0"/>
+                <a:cs typeface="Arial" panose="020B0604020202020204" pitchFamily="34" charset="0"/>
+              </a:rPr>
+              <a:t>list</a:t>
+            </a:r>
+            <a:endParaRPr lang="hu-HU" sz="4800" dirty="0">
+              <a:solidFill>
+                <a:schemeClr val="tx1"/>
+              </a:solidFill>
+              <a:latin typeface="Georgia" panose="02040502050405020303" pitchFamily="18" charset="0"/>
+              <a:cs typeface="Calibri Light" panose="020F0302020204030204" pitchFamily="34" charset="0"/>
+            </a:endParaRPr>
+          </a:p>
+        </p:txBody>
+      </p:sp>
+      <p:sp>
+        <p:nvSpPr>
+          <p:cNvPr id="10" name="Szöveg helye 14">
+            <a:extLst>
+              <a:ext uri="{FF2B5EF4-FFF2-40B4-BE49-F238E27FC236}">
+                <a16:creationId xmlns:a16="http://schemas.microsoft.com/office/drawing/2014/main" id="{9FB85B1C-99A5-4A8E-95DD-57C11294BB7A}"/>
+              </a:ext>
+            </a:extLst>
+          </p:cNvPr>
+          <p:cNvSpPr txBox="1">
+            <a:spLocks/>
+          </p:cNvSpPr>
+          <p:nvPr/>
+        </p:nvSpPr>
+        <p:spPr>
+          <a:xfrm>
+            <a:off x="541247" y="1329010"/>
+            <a:ext cx="10988144" cy="5142537"/>
+          </a:xfrm>
+          <a:prstGeom prst="rect">
+            <a:avLst/>
+          </a:prstGeom>
+          <a:noFill/>
+        </p:spPr>
+        <p:txBody>
+          <a:bodyPr vert="horz" lIns="108000" tIns="72000" rIns="72000" bIns="36000" rtlCol="0">
+            <a:noAutofit/>
+          </a:bodyPr>
+          <a:lstStyle>
+            <a:lvl1pPr marL="0" indent="0" algn="ctr" defTabSz="914400" rtl="0" eaLnBrk="1" latinLnBrk="0" hangingPunct="1">
+              <a:lnSpc>
+                <a:spcPct val="90000"/>
+              </a:lnSpc>
+              <a:spcBef>
+                <a:spcPts val="1000"/>
+              </a:spcBef>
+              <a:buFont typeface="Arial" panose="020B0604020202020204" pitchFamily="34" charset="0"/>
+              <a:buNone/>
+              <a:defRPr sz="1600" kern="1200">
+                <a:solidFill>
+                  <a:schemeClr val="tx1">
+                    <a:lumMod val="75000"/>
+                    <a:lumOff val="25000"/>
+                  </a:schemeClr>
+                </a:solidFill>
+                <a:latin typeface="+mn-lt"/>
+                <a:ea typeface="+mn-ea"/>
+                <a:cs typeface="+mn-cs"/>
+              </a:defRPr>
+            </a:lvl1pPr>
+            <a:lvl2pPr marL="542925" indent="-276225" algn="l" defTabSz="914400" rtl="0" eaLnBrk="1" latinLnBrk="0" hangingPunct="1">
+              <a:lnSpc>
+                <a:spcPct val="90000"/>
+              </a:lnSpc>
+              <a:spcBef>
+                <a:spcPts val="500"/>
+              </a:spcBef>
+              <a:buFont typeface="Arial" panose="020B0604020202020204" pitchFamily="34" charset="0"/>
+              <a:buChar char="•"/>
+              <a:defRPr sz="1600" kern="1200">
+                <a:solidFill>
+                  <a:schemeClr val="tx1">
+                    <a:lumMod val="75000"/>
+                    <a:lumOff val="25000"/>
+                  </a:schemeClr>
+                </a:solidFill>
+                <a:latin typeface="+mn-lt"/>
+                <a:ea typeface="+mn-ea"/>
+                <a:cs typeface="+mn-cs"/>
+              </a:defRPr>
+            </a:lvl2pPr>
+            <a:lvl3pPr marL="809625" indent="-266700" algn="l" defTabSz="914400" rtl="0" eaLnBrk="1" latinLnBrk="0" hangingPunct="1">
+              <a:lnSpc>
+                <a:spcPct val="90000"/>
+              </a:lnSpc>
+              <a:spcBef>
+                <a:spcPts val="500"/>
+              </a:spcBef>
+              <a:buFont typeface="Arial" panose="020B0604020202020204" pitchFamily="34" charset="0"/>
+              <a:buChar char="•"/>
+              <a:defRPr sz="1400" kern="1200">
+                <a:solidFill>
+                  <a:schemeClr val="tx1">
+                    <a:lumMod val="75000"/>
+                    <a:lumOff val="25000"/>
+                  </a:schemeClr>
+                </a:solidFill>
+                <a:latin typeface="+mn-lt"/>
+                <a:ea typeface="+mn-ea"/>
+                <a:cs typeface="+mn-cs"/>
+              </a:defRPr>
+            </a:lvl3pPr>
+            <a:lvl4pPr marL="1076325" indent="-266700" algn="l" defTabSz="914400" rtl="0" eaLnBrk="1" latinLnBrk="0" hangingPunct="1">
+              <a:lnSpc>
+                <a:spcPct val="90000"/>
+              </a:lnSpc>
+              <a:spcBef>
+                <a:spcPts val="500"/>
+              </a:spcBef>
+              <a:buFont typeface="Arial" panose="020B0604020202020204" pitchFamily="34" charset="0"/>
+              <a:buChar char="•"/>
+              <a:defRPr sz="1400" kern="1200">
+                <a:solidFill>
+                  <a:schemeClr val="tx1">
+                    <a:lumMod val="75000"/>
+                    <a:lumOff val="25000"/>
+                  </a:schemeClr>
+                </a:solidFill>
+                <a:latin typeface="+mn-lt"/>
+                <a:ea typeface="+mn-ea"/>
+                <a:cs typeface="+mn-cs"/>
+              </a:defRPr>
+            </a:lvl4pPr>
+            <a:lvl5pPr marL="1343025" indent="-266700" algn="l" defTabSz="914400" rtl="0" eaLnBrk="1" latinLnBrk="0" hangingPunct="1">
+              <a:lnSpc>
+                <a:spcPct val="90000"/>
+              </a:lnSpc>
+              <a:spcBef>
+                <a:spcPts val="500"/>
+              </a:spcBef>
+              <a:buFont typeface="Arial" panose="020B0604020202020204" pitchFamily="34" charset="0"/>
+              <a:buChar char="•"/>
+              <a:defRPr sz="1400" kern="1200">
+                <a:solidFill>
+                  <a:schemeClr val="tx1">
+                    <a:lumMod val="75000"/>
+                    <a:lumOff val="25000"/>
+                  </a:schemeClr>
+                </a:solidFill>
+                <a:latin typeface="+mn-lt"/>
+                <a:ea typeface="+mn-ea"/>
+                <a:cs typeface="+mn-cs"/>
+              </a:defRPr>
+            </a:lvl5pPr>
+            <a:lvl6pPr marL="2514600" indent="-228600" algn="l" defTabSz="914400" rtl="0" eaLnBrk="1" latinLnBrk="0" hangingPunct="1">
+              <a:lnSpc>
+                <a:spcPct val="90000"/>
+              </a:lnSpc>
+              <a:spcBef>
+                <a:spcPts val="500"/>
+              </a:spcBef>
+              <a:buFont typeface="Arial" panose="020B0604020202020204" pitchFamily="34" charset="0"/>
+              <a:buChar char="•"/>
+              <a:defRPr sz="1800" kern="1200">
+                <a:solidFill>
+                  <a:schemeClr val="tx1"/>
+                </a:solidFill>
+                <a:latin typeface="+mn-lt"/>
+                <a:ea typeface="+mn-ea"/>
+                <a:cs typeface="+mn-cs"/>
+              </a:defRPr>
+            </a:lvl6pPr>
+            <a:lvl7pPr marL="2971800" indent="-228600" algn="l" defTabSz="914400" rtl="0" eaLnBrk="1" latinLnBrk="0" hangingPunct="1">
+              <a:lnSpc>
+                <a:spcPct val="90000"/>
+              </a:lnSpc>
+              <a:spcBef>
+                <a:spcPts val="500"/>
+              </a:spcBef>
+              <a:buFont typeface="Arial" panose="020B0604020202020204" pitchFamily="34" charset="0"/>
+              <a:buChar char="•"/>
+              <a:defRPr sz="1800" kern="1200">
+                <a:solidFill>
+                  <a:schemeClr val="tx1"/>
+                </a:solidFill>
+                <a:latin typeface="+mn-lt"/>
+                <a:ea typeface="+mn-ea"/>
+                <a:cs typeface="+mn-cs"/>
+              </a:defRPr>
+            </a:lvl7pPr>
+            <a:lvl8pPr marL="3429000" indent="-228600" algn="l" defTabSz="914400" rtl="0" eaLnBrk="1" latinLnBrk="0" hangingPunct="1">
+              <a:lnSpc>
+                <a:spcPct val="90000"/>
+              </a:lnSpc>
+              <a:spcBef>
+                <a:spcPts val="500"/>
+              </a:spcBef>
+              <a:buFont typeface="Arial" panose="020B0604020202020204" pitchFamily="34" charset="0"/>
+              <a:buChar char="•"/>
+              <a:defRPr sz="1800" kern="1200">
+                <a:solidFill>
+                  <a:schemeClr val="tx1"/>
+                </a:solidFill>
+                <a:latin typeface="+mn-lt"/>
+                <a:ea typeface="+mn-ea"/>
+                <a:cs typeface="+mn-cs"/>
+              </a:defRPr>
+            </a:lvl8pPr>
+            <a:lvl9pPr marL="3886200" indent="-228600" algn="l" defTabSz="914400" rtl="0" eaLnBrk="1" latinLnBrk="0" hangingPunct="1">
+              <a:lnSpc>
+                <a:spcPct val="90000"/>
+              </a:lnSpc>
+              <a:spcBef>
+                <a:spcPts val="500"/>
+              </a:spcBef>
+              <a:buFont typeface="Arial" panose="020B0604020202020204" pitchFamily="34" charset="0"/>
+              <a:buChar char="•"/>
+              <a:defRPr sz="1800" kern="1200">
+                <a:solidFill>
+                  <a:schemeClr val="tx1"/>
+                </a:solidFill>
+                <a:latin typeface="+mn-lt"/>
+                <a:ea typeface="+mn-ea"/>
+                <a:cs typeface="+mn-cs"/>
+              </a:defRPr>
+            </a:lvl9pPr>
+          </a:lstStyle>
+          <a:p>
+            <a:pPr algn="l">
+              <a:lnSpc>
+                <a:spcPct val="100000"/>
+              </a:lnSpc>
+            </a:pPr>
+            <a:r>
+              <a:rPr lang="hu-HU" sz="2000" dirty="0">
+                <a:solidFill>
+                  <a:schemeClr val="tx1"/>
+                </a:solidFill>
+                <a:latin typeface="Georgia" panose="02040502050405020303" pitchFamily="18" charset="0"/>
+                <a:cs typeface="Calibri Light" panose="020F0302020204030204" pitchFamily="34" charset="0"/>
+              </a:rPr>
+              <a:t>A program átalakításával kapcsolatban</a:t>
+            </a:r>
+          </a:p>
+          <a:p>
+            <a:pPr marL="285750" indent="-285750" algn="l">
+              <a:lnSpc>
+                <a:spcPct val="100000"/>
+              </a:lnSpc>
+              <a:buFontTx/>
+              <a:buChar char="-"/>
+            </a:pPr>
+            <a:r>
+              <a:rPr lang="hu-HU" dirty="0" err="1">
+                <a:solidFill>
+                  <a:schemeClr val="tx1"/>
+                </a:solidFill>
+                <a:latin typeface="Arial" panose="020B0604020202020204" pitchFamily="34" charset="0"/>
+                <a:cs typeface="Arial" panose="020B0604020202020204" pitchFamily="34" charset="0"/>
+              </a:rPr>
+              <a:t>Kigyomálni</a:t>
+            </a:r>
+            <a:r>
+              <a:rPr lang="hu-HU" dirty="0">
+                <a:solidFill>
+                  <a:schemeClr val="tx1"/>
+                </a:solidFill>
+                <a:latin typeface="Arial" panose="020B0604020202020204" pitchFamily="34" charset="0"/>
+                <a:cs typeface="Arial" panose="020B0604020202020204" pitchFamily="34" charset="0"/>
+              </a:rPr>
+              <a:t> a kódod, párhuzamosítani a </a:t>
+            </a:r>
+            <a:r>
+              <a:rPr lang="hu-HU" dirty="0" err="1">
+                <a:solidFill>
+                  <a:schemeClr val="tx1"/>
+                </a:solidFill>
+                <a:latin typeface="Arial" panose="020B0604020202020204" pitchFamily="34" charset="0"/>
+                <a:cs typeface="Arial" panose="020B0604020202020204" pitchFamily="34" charset="0"/>
+              </a:rPr>
+              <a:t>Car</a:t>
+            </a:r>
+            <a:r>
+              <a:rPr lang="hu-HU" dirty="0">
+                <a:solidFill>
+                  <a:schemeClr val="tx1"/>
+                </a:solidFill>
+                <a:latin typeface="Arial" panose="020B0604020202020204" pitchFamily="34" charset="0"/>
+                <a:cs typeface="Arial" panose="020B0604020202020204" pitchFamily="34" charset="0"/>
+              </a:rPr>
+              <a:t> osztály </a:t>
+            </a:r>
+            <a:r>
+              <a:rPr lang="hu-HU" dirty="0" err="1">
+                <a:solidFill>
+                  <a:schemeClr val="tx1"/>
+                </a:solidFill>
+                <a:latin typeface="Arial" panose="020B0604020202020204" pitchFamily="34" charset="0"/>
+                <a:cs typeface="Arial" panose="020B0604020202020204" pitchFamily="34" charset="0"/>
+              </a:rPr>
+              <a:t>plottolási</a:t>
+            </a:r>
+            <a:r>
+              <a:rPr lang="hu-HU" dirty="0">
+                <a:solidFill>
+                  <a:schemeClr val="tx1"/>
+                </a:solidFill>
+                <a:latin typeface="Arial" panose="020B0604020202020204" pitchFamily="34" charset="0"/>
+                <a:cs typeface="Arial" panose="020B0604020202020204" pitchFamily="34" charset="0"/>
+              </a:rPr>
+              <a:t> mechanizmusait.</a:t>
+            </a:r>
+          </a:p>
+          <a:p>
+            <a:pPr marL="285750" indent="-285750" algn="l">
+              <a:lnSpc>
+                <a:spcPct val="100000"/>
+              </a:lnSpc>
+              <a:buFontTx/>
+              <a:buChar char="-"/>
+            </a:pPr>
+            <a:r>
+              <a:rPr lang="hu-HU" dirty="0">
+                <a:solidFill>
+                  <a:schemeClr val="tx1"/>
+                </a:solidFill>
+                <a:latin typeface="Arial" panose="020B0604020202020204" pitchFamily="34" charset="0"/>
+                <a:cs typeface="Arial" panose="020B0604020202020204" pitchFamily="34" charset="0"/>
+              </a:rPr>
+              <a:t>Szisztematikus teszt </a:t>
+            </a:r>
+            <a:r>
+              <a:rPr lang="hu-HU" dirty="0" err="1">
+                <a:solidFill>
+                  <a:schemeClr val="tx1"/>
+                </a:solidFill>
+                <a:latin typeface="Arial" panose="020B0604020202020204" pitchFamily="34" charset="0"/>
+                <a:cs typeface="Arial" panose="020B0604020202020204" pitchFamily="34" charset="0"/>
+              </a:rPr>
+              <a:t>Notebookat</a:t>
+            </a:r>
+            <a:r>
+              <a:rPr lang="hu-HU" dirty="0">
+                <a:solidFill>
+                  <a:schemeClr val="tx1"/>
+                </a:solidFill>
+                <a:latin typeface="Arial" panose="020B0604020202020204" pitchFamily="34" charset="0"/>
+                <a:cs typeface="Arial" panose="020B0604020202020204" pitchFamily="34" charset="0"/>
+              </a:rPr>
+              <a:t> írni a </a:t>
+            </a:r>
+            <a:r>
+              <a:rPr lang="hu-HU" dirty="0" err="1">
+                <a:solidFill>
+                  <a:schemeClr val="tx1"/>
+                </a:solidFill>
+                <a:latin typeface="Arial" panose="020B0604020202020204" pitchFamily="34" charset="0"/>
+                <a:cs typeface="Arial" panose="020B0604020202020204" pitchFamily="34" charset="0"/>
+              </a:rPr>
+              <a:t>PlostPlottet</a:t>
+            </a:r>
+            <a:r>
+              <a:rPr lang="hu-HU" dirty="0">
+                <a:solidFill>
+                  <a:schemeClr val="tx1"/>
+                </a:solidFill>
+                <a:latin typeface="Arial" panose="020B0604020202020204" pitchFamily="34" charset="0"/>
+                <a:cs typeface="Arial" panose="020B0604020202020204" pitchFamily="34" charset="0"/>
+              </a:rPr>
+              <a:t> és a Storage osztályok segítségével</a:t>
+            </a:r>
+          </a:p>
+          <a:p>
+            <a:pPr marL="285750" indent="-285750" algn="l">
+              <a:lnSpc>
+                <a:spcPct val="100000"/>
+              </a:lnSpc>
+              <a:buFontTx/>
+              <a:buChar char="-"/>
+            </a:pPr>
+            <a:r>
+              <a:rPr lang="hu-HU" dirty="0">
+                <a:solidFill>
+                  <a:schemeClr val="tx1"/>
+                </a:solidFill>
+                <a:latin typeface="Arial" panose="020B0604020202020204" pitchFamily="34" charset="0"/>
+                <a:cs typeface="Arial" panose="020B0604020202020204" pitchFamily="34" charset="0"/>
+              </a:rPr>
+              <a:t>Megtervezni és megírni, hogy legyen </a:t>
+            </a:r>
+            <a:r>
+              <a:rPr lang="hu-HU" dirty="0" err="1">
+                <a:solidFill>
+                  <a:schemeClr val="tx1"/>
+                </a:solidFill>
+                <a:latin typeface="Arial" panose="020B0604020202020204" pitchFamily="34" charset="0"/>
+                <a:cs typeface="Arial" panose="020B0604020202020204" pitchFamily="34" charset="0"/>
+              </a:rPr>
+              <a:t>perzisztálva</a:t>
+            </a:r>
+            <a:r>
+              <a:rPr lang="hu-HU" dirty="0">
+                <a:solidFill>
+                  <a:schemeClr val="tx1"/>
+                </a:solidFill>
+                <a:latin typeface="Arial" panose="020B0604020202020204" pitchFamily="34" charset="0"/>
+                <a:cs typeface="Arial" panose="020B0604020202020204" pitchFamily="34" charset="0"/>
+              </a:rPr>
+              <a:t> a futások, mivel legyen ellátva, hogy újra hasznosítani tudjam</a:t>
+            </a:r>
+          </a:p>
+          <a:p>
+            <a:pPr algn="l">
+              <a:lnSpc>
+                <a:spcPct val="100000"/>
+              </a:lnSpc>
+            </a:pPr>
+            <a:r>
+              <a:rPr lang="hu-HU" sz="2000" dirty="0">
+                <a:solidFill>
+                  <a:schemeClr val="tx1"/>
+                </a:solidFill>
+                <a:latin typeface="Georgia" panose="02040502050405020303" pitchFamily="18" charset="0"/>
+                <a:cs typeface="Calibri Light" panose="020F0302020204030204" pitchFamily="34" charset="0"/>
+              </a:rPr>
+              <a:t>Az elvégzendő tesztekkel kapcsolatban</a:t>
+            </a:r>
+          </a:p>
+          <a:p>
+            <a:pPr marL="285750" indent="-285750" algn="l">
+              <a:lnSpc>
+                <a:spcPct val="100000"/>
+              </a:lnSpc>
+              <a:buFontTx/>
+              <a:buChar char="-"/>
+            </a:pPr>
+            <a:r>
+              <a:rPr lang="hu-HU" dirty="0">
+                <a:solidFill>
+                  <a:schemeClr val="tx1"/>
+                </a:solidFill>
+                <a:latin typeface="Arial" panose="020B0604020202020204" pitchFamily="34" charset="0"/>
+                <a:cs typeface="Arial" panose="020B0604020202020204" pitchFamily="34" charset="0"/>
+              </a:rPr>
+              <a:t>Az alaptesztek, hogy jól működik-e a program, nincs-e benne szisztematikus hiba (a </a:t>
+            </a:r>
+            <a:r>
+              <a:rPr lang="hu-HU" dirty="0" err="1">
+                <a:solidFill>
+                  <a:schemeClr val="tx1"/>
+                </a:solidFill>
+                <a:latin typeface="Arial" panose="020B0604020202020204" pitchFamily="34" charset="0"/>
+                <a:cs typeface="Arial" panose="020B0604020202020204" pitchFamily="34" charset="0"/>
+              </a:rPr>
+              <a:t>linreg</a:t>
+            </a:r>
+            <a:r>
+              <a:rPr lang="hu-HU" dirty="0">
+                <a:solidFill>
+                  <a:schemeClr val="tx1"/>
+                </a:solidFill>
+                <a:latin typeface="Arial" panose="020B0604020202020204" pitchFamily="34" charset="0"/>
+                <a:cs typeface="Arial" panose="020B0604020202020204" pitchFamily="34" charset="0"/>
+              </a:rPr>
+              <a:t> még mindig a régi)</a:t>
+            </a:r>
+          </a:p>
+          <a:p>
+            <a:pPr marL="285750" indent="-285750" algn="l">
+              <a:lnSpc>
+                <a:spcPct val="100000"/>
+              </a:lnSpc>
+              <a:buFontTx/>
+              <a:buChar char="-"/>
+            </a:pPr>
+            <a:r>
+              <a:rPr lang="hu-HU" dirty="0">
+                <a:solidFill>
+                  <a:schemeClr val="tx1"/>
+                </a:solidFill>
+                <a:latin typeface="Arial" panose="020B0604020202020204" pitchFamily="34" charset="0"/>
+                <a:cs typeface="Arial" panose="020B0604020202020204" pitchFamily="34" charset="0"/>
+              </a:rPr>
+              <a:t>A különböző tesztpályákat felépíteni (az environment.py modulban a </a:t>
+            </a:r>
+            <a:r>
+              <a:rPr lang="hu-HU" dirty="0" err="1">
+                <a:solidFill>
+                  <a:schemeClr val="tx1"/>
+                </a:solidFill>
+                <a:latin typeface="Arial" panose="020B0604020202020204" pitchFamily="34" charset="0"/>
+                <a:cs typeface="Arial" panose="020B0604020202020204" pitchFamily="34" charset="0"/>
+              </a:rPr>
+              <a:t>Road</a:t>
+            </a:r>
+            <a:r>
+              <a:rPr lang="hu-HU" dirty="0">
+                <a:solidFill>
+                  <a:schemeClr val="tx1"/>
+                </a:solidFill>
+                <a:latin typeface="Arial" panose="020B0604020202020204" pitchFamily="34" charset="0"/>
+                <a:cs typeface="Arial" panose="020B0604020202020204" pitchFamily="34" charset="0"/>
+              </a:rPr>
+              <a:t> osztály, már majdnem kész az összes)</a:t>
+            </a:r>
+          </a:p>
+          <a:p>
+            <a:pPr marL="285750" indent="-285750" algn="l">
+              <a:lnSpc>
+                <a:spcPct val="100000"/>
+              </a:lnSpc>
+              <a:buFontTx/>
+              <a:buChar char="-"/>
+            </a:pPr>
+            <a:r>
+              <a:rPr lang="hu-HU" dirty="0">
+                <a:solidFill>
+                  <a:schemeClr val="tx1"/>
+                </a:solidFill>
+                <a:latin typeface="Arial" panose="020B0604020202020204" pitchFamily="34" charset="0"/>
+                <a:cs typeface="Arial" panose="020B0604020202020204" pitchFamily="34" charset="0"/>
+              </a:rPr>
+              <a:t>A </a:t>
+            </a:r>
+            <a:r>
+              <a:rPr lang="hu-HU" dirty="0" err="1">
+                <a:solidFill>
+                  <a:schemeClr val="tx1"/>
+                </a:solidFill>
+                <a:latin typeface="Arial" panose="020B0604020202020204" pitchFamily="34" charset="0"/>
+                <a:cs typeface="Arial" panose="020B0604020202020204" pitchFamily="34" charset="0"/>
+              </a:rPr>
+              <a:t>concept</a:t>
+            </a:r>
+            <a:r>
+              <a:rPr lang="hu-HU" dirty="0">
+                <a:solidFill>
+                  <a:schemeClr val="tx1"/>
+                </a:solidFill>
+                <a:latin typeface="Arial" panose="020B0604020202020204" pitchFamily="34" charset="0"/>
+                <a:cs typeface="Arial" panose="020B0604020202020204" pitchFamily="34" charset="0"/>
+              </a:rPr>
+              <a:t> </a:t>
+            </a:r>
+            <a:r>
+              <a:rPr lang="hu-HU" dirty="0" err="1">
+                <a:solidFill>
+                  <a:schemeClr val="tx1"/>
+                </a:solidFill>
+                <a:latin typeface="Arial" panose="020B0604020202020204" pitchFamily="34" charset="0"/>
+                <a:cs typeface="Arial" panose="020B0604020202020204" pitchFamily="34" charset="0"/>
+              </a:rPr>
+              <a:t>drift</a:t>
+            </a:r>
+            <a:r>
+              <a:rPr lang="hu-HU" dirty="0">
+                <a:solidFill>
+                  <a:schemeClr val="tx1"/>
+                </a:solidFill>
+                <a:latin typeface="Arial" panose="020B0604020202020204" pitchFamily="34" charset="0"/>
+                <a:cs typeface="Arial" panose="020B0604020202020204" pitchFamily="34" charset="0"/>
+              </a:rPr>
+              <a:t> az egyik vezér teszt ezen kell kipróbálni, hogy</a:t>
+            </a:r>
+          </a:p>
+          <a:p>
+            <a:pPr marL="285750" indent="-285750" algn="l">
+              <a:lnSpc>
+                <a:spcPct val="100000"/>
+              </a:lnSpc>
+              <a:buFontTx/>
+              <a:buChar char="-"/>
+            </a:pPr>
+            <a:r>
+              <a:rPr lang="hu-HU" dirty="0">
+                <a:solidFill>
+                  <a:schemeClr val="tx1"/>
+                </a:solidFill>
+                <a:latin typeface="Arial" panose="020B0604020202020204" pitchFamily="34" charset="0"/>
+                <a:cs typeface="Arial" panose="020B0604020202020204" pitchFamily="34" charset="0"/>
+              </a:rPr>
+              <a:t>A neurális háló egyes </a:t>
+            </a:r>
+            <a:r>
+              <a:rPr lang="hu-HU" dirty="0" err="1">
+                <a:solidFill>
+                  <a:schemeClr val="tx1"/>
+                </a:solidFill>
+                <a:latin typeface="Arial" panose="020B0604020202020204" pitchFamily="34" charset="0"/>
+                <a:cs typeface="Arial" panose="020B0604020202020204" pitchFamily="34" charset="0"/>
+              </a:rPr>
+              <a:t>hiperparaméterei</a:t>
+            </a:r>
+            <a:r>
+              <a:rPr lang="hu-HU" dirty="0">
+                <a:solidFill>
+                  <a:schemeClr val="tx1"/>
+                </a:solidFill>
+                <a:latin typeface="Arial" panose="020B0604020202020204" pitchFamily="34" charset="0"/>
+                <a:cs typeface="Arial" panose="020B0604020202020204" pitchFamily="34" charset="0"/>
+              </a:rPr>
+              <a:t> milyen hatással vannak</a:t>
+            </a:r>
+          </a:p>
+          <a:p>
+            <a:pPr marL="285750" indent="-285750" algn="l">
+              <a:lnSpc>
+                <a:spcPct val="100000"/>
+              </a:lnSpc>
+              <a:buFontTx/>
+              <a:buChar char="-"/>
+            </a:pPr>
+            <a:r>
+              <a:rPr lang="hu-HU" dirty="0">
+                <a:solidFill>
+                  <a:schemeClr val="tx1"/>
+                </a:solidFill>
+                <a:latin typeface="Arial" panose="020B0604020202020204" pitchFamily="34" charset="0"/>
+                <a:cs typeface="Arial" panose="020B0604020202020204" pitchFamily="34" charset="0"/>
+              </a:rPr>
+              <a:t>Erre kell írni egy olyan programrészt, ami több futást képes egy </a:t>
+            </a:r>
+            <a:r>
+              <a:rPr lang="hu-HU" dirty="0" err="1">
+                <a:solidFill>
+                  <a:schemeClr val="tx1"/>
+                </a:solidFill>
+                <a:latin typeface="Arial" panose="020B0604020202020204" pitchFamily="34" charset="0"/>
+                <a:cs typeface="Arial" panose="020B0604020202020204" pitchFamily="34" charset="0"/>
+              </a:rPr>
+              <a:t>plotton</a:t>
+            </a:r>
+            <a:r>
+              <a:rPr lang="hu-HU" dirty="0">
+                <a:solidFill>
+                  <a:schemeClr val="tx1"/>
+                </a:solidFill>
+                <a:latin typeface="Arial" panose="020B0604020202020204" pitchFamily="34" charset="0"/>
+                <a:cs typeface="Arial" panose="020B0604020202020204" pitchFamily="34" charset="0"/>
+              </a:rPr>
+              <a:t> kezelni</a:t>
+            </a:r>
+          </a:p>
+        </p:txBody>
+      </p:sp>
+    </p:spTree>
+    <p:extLst>
+      <p:ext uri="{BB962C8B-B14F-4D97-AF65-F5344CB8AC3E}">
+        <p14:creationId xmlns:p14="http://schemas.microsoft.com/office/powerpoint/2010/main" val="902711551"/>
+      </p:ext>
+    </p:extLst>
+  </p:cSld>
+  <p:clrMapOvr>
+    <a:masterClrMapping/>
+  </p:clrMapOvr>
+  <mc:AlternateContent xmlns:mc="http://schemas.openxmlformats.org/markup-compatibility/2006" xmlns:p14="http://schemas.microsoft.com/office/powerpoint/2010/main">
+    <mc:Choice Requires="p14">
+      <p:transition spd="med" p14:dur="700">
+        <p:fade/>
+      </p:transition>
+    </mc:Choice>
+    <mc:Fallback xmlns="">
+      <p:transition spd="med">
+        <p:fade/>
+      </p:transition>
+    </mc:Fallback>
+  </mc:AlternateContent>
+  <p:timing>
+    <p:tnLst>
+      <p:par>
+        <p:cTn id="1" dur="indefinite" restart="never" nodeType="tmRoot">
+          <p:childTnLst>
+            <p:seq concurrent="1" nextAc="seek">
+              <p:cTn id="2" dur="indefinite" nodeType="mainSeq">
+                <p:childTnLst>
+                  <p:par>
+                    <p:cTn id="3" fill="hold">
+                      <p:stCondLst>
+                        <p:cond delay="indefinite"/>
+                      </p:stCondLst>
+                      <p:childTnLst>
+                        <p:par>
+                          <p:cTn id="4" fill="hold">
+                            <p:stCondLst>
+                              <p:cond delay="0"/>
+                            </p:stCondLst>
+                            <p:childTnLst>
+                              <p:par>
+                                <p:cTn id="5" presetID="10" presetClass="entr" presetSubtype="0" fill="hold" grpId="0" nodeType="clickEffect">
+                                  <p:stCondLst>
+                                    <p:cond delay="0"/>
+                                  </p:stCondLst>
+                                  <p:childTnLst>
+                                    <p:set>
+                                      <p:cBhvr>
+                                        <p:cTn id="6" dur="1" fill="hold">
+                                          <p:stCondLst>
+                                            <p:cond delay="0"/>
+                                          </p:stCondLst>
+                                        </p:cTn>
+                                        <p:tgtEl>
+                                          <p:spTgt spid="10"/>
+                                        </p:tgtEl>
+                                        <p:attrNameLst>
+                                          <p:attrName>style.visibility</p:attrName>
+                                        </p:attrNameLst>
+                                      </p:cBhvr>
+                                      <p:to>
+                                        <p:strVal val="visible"/>
+                                      </p:to>
+                                    </p:set>
+                                    <p:animEffect transition="in" filter="fade">
+                                      <p:cBhvr>
+                                        <p:cTn id="7" dur="500"/>
+                                        <p:tgtEl>
+                                          <p:spTgt spid="10"/>
+                                        </p:tgtEl>
+                                      </p:cBhvr>
+                                    </p:animEffect>
+                                  </p:childTnLst>
+                                </p:cTn>
+                              </p:par>
+                            </p:childTnLst>
+                          </p:cTn>
+                        </p:par>
+                      </p:childTnLst>
+                    </p:cTn>
+                  </p:par>
+                </p:childTnLst>
+              </p:cTn>
+              <p:prevCondLst>
+                <p:cond evt="onPrev" delay="0">
+                  <p:tgtEl>
+                    <p:sldTgt/>
+                  </p:tgtEl>
+                </p:cond>
+              </p:prevCondLst>
+              <p:nextCondLst>
+                <p:cond evt="onNext" delay="0">
+                  <p:tgtEl>
+                    <p:sldTgt/>
+                  </p:tgtEl>
+                </p:cond>
+              </p:nextCondLst>
+            </p:seq>
+          </p:childTnLst>
+        </p:cTn>
+      </p:par>
+    </p:tnLst>
+    <p:bldLst>
+      <p:bldP spid="10" grpId="0"/>
+    </p:bldLst>
+  </p:timing>
+</p:sld>
+</file>
+
+<file path=ppt/slides/slide20.xml><?xml version="1.0" encoding="utf-8"?>
 <p:sld xmlns:a="http://schemas.openxmlformats.org/drawingml/2006/main" xmlns:r="http://schemas.openxmlformats.org/officeDocument/2006/relationships" xmlns:p="http://schemas.openxmlformats.org/presentationml/2006/main">
   <p:cSld>
     <p:spTree>
@@ -17846,1013 +19605,7 @@
 </p:sld>
 </file>
 
-<file path=ppt/slides/slide2.xml><?xml version="1.0" encoding="utf-8"?>
-<p:sld xmlns:a="http://schemas.openxmlformats.org/drawingml/2006/main" xmlns:r="http://schemas.openxmlformats.org/officeDocument/2006/relationships" xmlns:p="http://schemas.openxmlformats.org/presentationml/2006/main">
-  <p:cSld>
-    <p:spTree>
-      <p:nvGrpSpPr>
-        <p:cNvPr id="1" name=""/>
-        <p:cNvGrpSpPr/>
-        <p:nvPr/>
-      </p:nvGrpSpPr>
-      <p:grpSpPr>
-        <a:xfrm>
-          <a:off x="0" y="0"/>
-          <a:ext cx="0" cy="0"/>
-          <a:chOff x="0" y="0"/>
-          <a:chExt cx="0" cy="0"/>
-        </a:xfrm>
-      </p:grpSpPr>
-      <p:sp>
-        <p:nvSpPr>
-          <p:cNvPr id="9" name="Szöveg helye 14">
-            <a:extLst>
-              <a:ext uri="{FF2B5EF4-FFF2-40B4-BE49-F238E27FC236}">
-                <a16:creationId xmlns:a16="http://schemas.microsoft.com/office/drawing/2014/main" id="{27FB6942-F6E0-48A2-84B6-F1FA23483B8E}"/>
-              </a:ext>
-            </a:extLst>
-          </p:cNvPr>
-          <p:cNvSpPr txBox="1">
-            <a:spLocks/>
-          </p:cNvSpPr>
-          <p:nvPr/>
-        </p:nvSpPr>
-        <p:spPr>
-          <a:xfrm>
-            <a:off x="541246" y="386452"/>
-            <a:ext cx="8708771" cy="942559"/>
-          </a:xfrm>
-          <a:prstGeom prst="rect">
-            <a:avLst/>
-          </a:prstGeom>
-          <a:noFill/>
-        </p:spPr>
-        <p:txBody>
-          <a:bodyPr vert="horz" lIns="108000" tIns="72000" rIns="72000" bIns="36000" rtlCol="0">
-            <a:noAutofit/>
-          </a:bodyPr>
-          <a:lstStyle>
-            <a:lvl1pPr marL="0" indent="0" algn="ctr" defTabSz="914400" rtl="0" eaLnBrk="1" latinLnBrk="0" hangingPunct="1">
-              <a:lnSpc>
-                <a:spcPct val="90000"/>
-              </a:lnSpc>
-              <a:spcBef>
-                <a:spcPts val="1000"/>
-              </a:spcBef>
-              <a:buFont typeface="Arial" panose="020B0604020202020204" pitchFamily="34" charset="0"/>
-              <a:buNone/>
-              <a:defRPr sz="1600" kern="1200">
-                <a:solidFill>
-                  <a:schemeClr val="tx1">
-                    <a:lumMod val="75000"/>
-                    <a:lumOff val="25000"/>
-                  </a:schemeClr>
-                </a:solidFill>
-                <a:latin typeface="+mn-lt"/>
-                <a:ea typeface="+mn-ea"/>
-                <a:cs typeface="+mn-cs"/>
-              </a:defRPr>
-            </a:lvl1pPr>
-            <a:lvl2pPr marL="542925" indent="-276225" algn="l" defTabSz="914400" rtl="0" eaLnBrk="1" latinLnBrk="0" hangingPunct="1">
-              <a:lnSpc>
-                <a:spcPct val="90000"/>
-              </a:lnSpc>
-              <a:spcBef>
-                <a:spcPts val="500"/>
-              </a:spcBef>
-              <a:buFont typeface="Arial" panose="020B0604020202020204" pitchFamily="34" charset="0"/>
-              <a:buChar char="•"/>
-              <a:defRPr sz="1600" kern="1200">
-                <a:solidFill>
-                  <a:schemeClr val="tx1">
-                    <a:lumMod val="75000"/>
-                    <a:lumOff val="25000"/>
-                  </a:schemeClr>
-                </a:solidFill>
-                <a:latin typeface="+mn-lt"/>
-                <a:ea typeface="+mn-ea"/>
-                <a:cs typeface="+mn-cs"/>
-              </a:defRPr>
-            </a:lvl2pPr>
-            <a:lvl3pPr marL="809625" indent="-266700" algn="l" defTabSz="914400" rtl="0" eaLnBrk="1" latinLnBrk="0" hangingPunct="1">
-              <a:lnSpc>
-                <a:spcPct val="90000"/>
-              </a:lnSpc>
-              <a:spcBef>
-                <a:spcPts val="500"/>
-              </a:spcBef>
-              <a:buFont typeface="Arial" panose="020B0604020202020204" pitchFamily="34" charset="0"/>
-              <a:buChar char="•"/>
-              <a:defRPr sz="1400" kern="1200">
-                <a:solidFill>
-                  <a:schemeClr val="tx1">
-                    <a:lumMod val="75000"/>
-                    <a:lumOff val="25000"/>
-                  </a:schemeClr>
-                </a:solidFill>
-                <a:latin typeface="+mn-lt"/>
-                <a:ea typeface="+mn-ea"/>
-                <a:cs typeface="+mn-cs"/>
-              </a:defRPr>
-            </a:lvl3pPr>
-            <a:lvl4pPr marL="1076325" indent="-266700" algn="l" defTabSz="914400" rtl="0" eaLnBrk="1" latinLnBrk="0" hangingPunct="1">
-              <a:lnSpc>
-                <a:spcPct val="90000"/>
-              </a:lnSpc>
-              <a:spcBef>
-                <a:spcPts val="500"/>
-              </a:spcBef>
-              <a:buFont typeface="Arial" panose="020B0604020202020204" pitchFamily="34" charset="0"/>
-              <a:buChar char="•"/>
-              <a:defRPr sz="1400" kern="1200">
-                <a:solidFill>
-                  <a:schemeClr val="tx1">
-                    <a:lumMod val="75000"/>
-                    <a:lumOff val="25000"/>
-                  </a:schemeClr>
-                </a:solidFill>
-                <a:latin typeface="+mn-lt"/>
-                <a:ea typeface="+mn-ea"/>
-                <a:cs typeface="+mn-cs"/>
-              </a:defRPr>
-            </a:lvl4pPr>
-            <a:lvl5pPr marL="1343025" indent="-266700" algn="l" defTabSz="914400" rtl="0" eaLnBrk="1" latinLnBrk="0" hangingPunct="1">
-              <a:lnSpc>
-                <a:spcPct val="90000"/>
-              </a:lnSpc>
-              <a:spcBef>
-                <a:spcPts val="500"/>
-              </a:spcBef>
-              <a:buFont typeface="Arial" panose="020B0604020202020204" pitchFamily="34" charset="0"/>
-              <a:buChar char="•"/>
-              <a:defRPr sz="1400" kern="1200">
-                <a:solidFill>
-                  <a:schemeClr val="tx1">
-                    <a:lumMod val="75000"/>
-                    <a:lumOff val="25000"/>
-                  </a:schemeClr>
-                </a:solidFill>
-                <a:latin typeface="+mn-lt"/>
-                <a:ea typeface="+mn-ea"/>
-                <a:cs typeface="+mn-cs"/>
-              </a:defRPr>
-            </a:lvl5pPr>
-            <a:lvl6pPr marL="2514600" indent="-228600" algn="l" defTabSz="914400" rtl="0" eaLnBrk="1" latinLnBrk="0" hangingPunct="1">
-              <a:lnSpc>
-                <a:spcPct val="90000"/>
-              </a:lnSpc>
-              <a:spcBef>
-                <a:spcPts val="500"/>
-              </a:spcBef>
-              <a:buFont typeface="Arial" panose="020B0604020202020204" pitchFamily="34" charset="0"/>
-              <a:buChar char="•"/>
-              <a:defRPr sz="1800" kern="1200">
-                <a:solidFill>
-                  <a:schemeClr val="tx1"/>
-                </a:solidFill>
-                <a:latin typeface="+mn-lt"/>
-                <a:ea typeface="+mn-ea"/>
-                <a:cs typeface="+mn-cs"/>
-              </a:defRPr>
-            </a:lvl6pPr>
-            <a:lvl7pPr marL="2971800" indent="-228600" algn="l" defTabSz="914400" rtl="0" eaLnBrk="1" latinLnBrk="0" hangingPunct="1">
-              <a:lnSpc>
-                <a:spcPct val="90000"/>
-              </a:lnSpc>
-              <a:spcBef>
-                <a:spcPts val="500"/>
-              </a:spcBef>
-              <a:buFont typeface="Arial" panose="020B0604020202020204" pitchFamily="34" charset="0"/>
-              <a:buChar char="•"/>
-              <a:defRPr sz="1800" kern="1200">
-                <a:solidFill>
-                  <a:schemeClr val="tx1"/>
-                </a:solidFill>
-                <a:latin typeface="+mn-lt"/>
-                <a:ea typeface="+mn-ea"/>
-                <a:cs typeface="+mn-cs"/>
-              </a:defRPr>
-            </a:lvl7pPr>
-            <a:lvl8pPr marL="3429000" indent="-228600" algn="l" defTabSz="914400" rtl="0" eaLnBrk="1" latinLnBrk="0" hangingPunct="1">
-              <a:lnSpc>
-                <a:spcPct val="90000"/>
-              </a:lnSpc>
-              <a:spcBef>
-                <a:spcPts val="500"/>
-              </a:spcBef>
-              <a:buFont typeface="Arial" panose="020B0604020202020204" pitchFamily="34" charset="0"/>
-              <a:buChar char="•"/>
-              <a:defRPr sz="1800" kern="1200">
-                <a:solidFill>
-                  <a:schemeClr val="tx1"/>
-                </a:solidFill>
-                <a:latin typeface="+mn-lt"/>
-                <a:ea typeface="+mn-ea"/>
-                <a:cs typeface="+mn-cs"/>
-              </a:defRPr>
-            </a:lvl8pPr>
-            <a:lvl9pPr marL="3886200" indent="-228600" algn="l" defTabSz="914400" rtl="0" eaLnBrk="1" latinLnBrk="0" hangingPunct="1">
-              <a:lnSpc>
-                <a:spcPct val="90000"/>
-              </a:lnSpc>
-              <a:spcBef>
-                <a:spcPts val="500"/>
-              </a:spcBef>
-              <a:buFont typeface="Arial" panose="020B0604020202020204" pitchFamily="34" charset="0"/>
-              <a:buChar char="•"/>
-              <a:defRPr sz="1800" kern="1200">
-                <a:solidFill>
-                  <a:schemeClr val="tx1"/>
-                </a:solidFill>
-                <a:latin typeface="+mn-lt"/>
-                <a:ea typeface="+mn-ea"/>
-                <a:cs typeface="+mn-cs"/>
-              </a:defRPr>
-            </a:lvl9pPr>
-          </a:lstStyle>
-          <a:p>
-            <a:pPr algn="l">
-              <a:lnSpc>
-                <a:spcPct val="100000"/>
-              </a:lnSpc>
-            </a:pPr>
-            <a:r>
-              <a:rPr lang="hu-HU" sz="4800" dirty="0" err="1">
-                <a:solidFill>
-                  <a:schemeClr val="tx1"/>
-                </a:solidFill>
-                <a:latin typeface="Georgia" panose="02040502050405020303" pitchFamily="18" charset="0"/>
-                <a:cs typeface="Arial" panose="020B0604020202020204" pitchFamily="34" charset="0"/>
-              </a:rPr>
-              <a:t>ToDo</a:t>
-            </a:r>
-            <a:r>
-              <a:rPr lang="hu-HU" sz="4800" dirty="0">
-                <a:solidFill>
-                  <a:schemeClr val="tx1"/>
-                </a:solidFill>
-                <a:latin typeface="Georgia" panose="02040502050405020303" pitchFamily="18" charset="0"/>
-                <a:cs typeface="Arial" panose="020B0604020202020204" pitchFamily="34" charset="0"/>
-              </a:rPr>
-              <a:t> </a:t>
-            </a:r>
-            <a:r>
-              <a:rPr lang="hu-HU" sz="4800" dirty="0" err="1">
-                <a:solidFill>
-                  <a:schemeClr val="tx1"/>
-                </a:solidFill>
-                <a:latin typeface="Georgia" panose="02040502050405020303" pitchFamily="18" charset="0"/>
-                <a:cs typeface="Arial" panose="020B0604020202020204" pitchFamily="34" charset="0"/>
-              </a:rPr>
-              <a:t>list</a:t>
-            </a:r>
-            <a:endParaRPr lang="hu-HU" sz="4800" dirty="0">
-              <a:solidFill>
-                <a:schemeClr val="tx1"/>
-              </a:solidFill>
-              <a:latin typeface="Georgia" panose="02040502050405020303" pitchFamily="18" charset="0"/>
-              <a:cs typeface="Calibri Light" panose="020F0302020204030204" pitchFamily="34" charset="0"/>
-            </a:endParaRPr>
-          </a:p>
-        </p:txBody>
-      </p:sp>
-      <p:sp>
-        <p:nvSpPr>
-          <p:cNvPr id="10" name="Szöveg helye 14">
-            <a:extLst>
-              <a:ext uri="{FF2B5EF4-FFF2-40B4-BE49-F238E27FC236}">
-                <a16:creationId xmlns:a16="http://schemas.microsoft.com/office/drawing/2014/main" id="{9FB85B1C-99A5-4A8E-95DD-57C11294BB7A}"/>
-              </a:ext>
-            </a:extLst>
-          </p:cNvPr>
-          <p:cNvSpPr txBox="1">
-            <a:spLocks/>
-          </p:cNvSpPr>
-          <p:nvPr/>
-        </p:nvSpPr>
-        <p:spPr>
-          <a:xfrm>
-            <a:off x="541247" y="1329010"/>
-            <a:ext cx="10988144" cy="5142537"/>
-          </a:xfrm>
-          <a:prstGeom prst="rect">
-            <a:avLst/>
-          </a:prstGeom>
-          <a:noFill/>
-        </p:spPr>
-        <p:txBody>
-          <a:bodyPr vert="horz" lIns="108000" tIns="72000" rIns="72000" bIns="36000" rtlCol="0">
-            <a:noAutofit/>
-          </a:bodyPr>
-          <a:lstStyle>
-            <a:lvl1pPr marL="0" indent="0" algn="ctr" defTabSz="914400" rtl="0" eaLnBrk="1" latinLnBrk="0" hangingPunct="1">
-              <a:lnSpc>
-                <a:spcPct val="90000"/>
-              </a:lnSpc>
-              <a:spcBef>
-                <a:spcPts val="1000"/>
-              </a:spcBef>
-              <a:buFont typeface="Arial" panose="020B0604020202020204" pitchFamily="34" charset="0"/>
-              <a:buNone/>
-              <a:defRPr sz="1600" kern="1200">
-                <a:solidFill>
-                  <a:schemeClr val="tx1">
-                    <a:lumMod val="75000"/>
-                    <a:lumOff val="25000"/>
-                  </a:schemeClr>
-                </a:solidFill>
-                <a:latin typeface="+mn-lt"/>
-                <a:ea typeface="+mn-ea"/>
-                <a:cs typeface="+mn-cs"/>
-              </a:defRPr>
-            </a:lvl1pPr>
-            <a:lvl2pPr marL="542925" indent="-276225" algn="l" defTabSz="914400" rtl="0" eaLnBrk="1" latinLnBrk="0" hangingPunct="1">
-              <a:lnSpc>
-                <a:spcPct val="90000"/>
-              </a:lnSpc>
-              <a:spcBef>
-                <a:spcPts val="500"/>
-              </a:spcBef>
-              <a:buFont typeface="Arial" panose="020B0604020202020204" pitchFamily="34" charset="0"/>
-              <a:buChar char="•"/>
-              <a:defRPr sz="1600" kern="1200">
-                <a:solidFill>
-                  <a:schemeClr val="tx1">
-                    <a:lumMod val="75000"/>
-                    <a:lumOff val="25000"/>
-                  </a:schemeClr>
-                </a:solidFill>
-                <a:latin typeface="+mn-lt"/>
-                <a:ea typeface="+mn-ea"/>
-                <a:cs typeface="+mn-cs"/>
-              </a:defRPr>
-            </a:lvl2pPr>
-            <a:lvl3pPr marL="809625" indent="-266700" algn="l" defTabSz="914400" rtl="0" eaLnBrk="1" latinLnBrk="0" hangingPunct="1">
-              <a:lnSpc>
-                <a:spcPct val="90000"/>
-              </a:lnSpc>
-              <a:spcBef>
-                <a:spcPts val="500"/>
-              </a:spcBef>
-              <a:buFont typeface="Arial" panose="020B0604020202020204" pitchFamily="34" charset="0"/>
-              <a:buChar char="•"/>
-              <a:defRPr sz="1400" kern="1200">
-                <a:solidFill>
-                  <a:schemeClr val="tx1">
-                    <a:lumMod val="75000"/>
-                    <a:lumOff val="25000"/>
-                  </a:schemeClr>
-                </a:solidFill>
-                <a:latin typeface="+mn-lt"/>
-                <a:ea typeface="+mn-ea"/>
-                <a:cs typeface="+mn-cs"/>
-              </a:defRPr>
-            </a:lvl3pPr>
-            <a:lvl4pPr marL="1076325" indent="-266700" algn="l" defTabSz="914400" rtl="0" eaLnBrk="1" latinLnBrk="0" hangingPunct="1">
-              <a:lnSpc>
-                <a:spcPct val="90000"/>
-              </a:lnSpc>
-              <a:spcBef>
-                <a:spcPts val="500"/>
-              </a:spcBef>
-              <a:buFont typeface="Arial" panose="020B0604020202020204" pitchFamily="34" charset="0"/>
-              <a:buChar char="•"/>
-              <a:defRPr sz="1400" kern="1200">
-                <a:solidFill>
-                  <a:schemeClr val="tx1">
-                    <a:lumMod val="75000"/>
-                    <a:lumOff val="25000"/>
-                  </a:schemeClr>
-                </a:solidFill>
-                <a:latin typeface="+mn-lt"/>
-                <a:ea typeface="+mn-ea"/>
-                <a:cs typeface="+mn-cs"/>
-              </a:defRPr>
-            </a:lvl4pPr>
-            <a:lvl5pPr marL="1343025" indent="-266700" algn="l" defTabSz="914400" rtl="0" eaLnBrk="1" latinLnBrk="0" hangingPunct="1">
-              <a:lnSpc>
-                <a:spcPct val="90000"/>
-              </a:lnSpc>
-              <a:spcBef>
-                <a:spcPts val="500"/>
-              </a:spcBef>
-              <a:buFont typeface="Arial" panose="020B0604020202020204" pitchFamily="34" charset="0"/>
-              <a:buChar char="•"/>
-              <a:defRPr sz="1400" kern="1200">
-                <a:solidFill>
-                  <a:schemeClr val="tx1">
-                    <a:lumMod val="75000"/>
-                    <a:lumOff val="25000"/>
-                  </a:schemeClr>
-                </a:solidFill>
-                <a:latin typeface="+mn-lt"/>
-                <a:ea typeface="+mn-ea"/>
-                <a:cs typeface="+mn-cs"/>
-              </a:defRPr>
-            </a:lvl5pPr>
-            <a:lvl6pPr marL="2514600" indent="-228600" algn="l" defTabSz="914400" rtl="0" eaLnBrk="1" latinLnBrk="0" hangingPunct="1">
-              <a:lnSpc>
-                <a:spcPct val="90000"/>
-              </a:lnSpc>
-              <a:spcBef>
-                <a:spcPts val="500"/>
-              </a:spcBef>
-              <a:buFont typeface="Arial" panose="020B0604020202020204" pitchFamily="34" charset="0"/>
-              <a:buChar char="•"/>
-              <a:defRPr sz="1800" kern="1200">
-                <a:solidFill>
-                  <a:schemeClr val="tx1"/>
-                </a:solidFill>
-                <a:latin typeface="+mn-lt"/>
-                <a:ea typeface="+mn-ea"/>
-                <a:cs typeface="+mn-cs"/>
-              </a:defRPr>
-            </a:lvl6pPr>
-            <a:lvl7pPr marL="2971800" indent="-228600" algn="l" defTabSz="914400" rtl="0" eaLnBrk="1" latinLnBrk="0" hangingPunct="1">
-              <a:lnSpc>
-                <a:spcPct val="90000"/>
-              </a:lnSpc>
-              <a:spcBef>
-                <a:spcPts val="500"/>
-              </a:spcBef>
-              <a:buFont typeface="Arial" panose="020B0604020202020204" pitchFamily="34" charset="0"/>
-              <a:buChar char="•"/>
-              <a:defRPr sz="1800" kern="1200">
-                <a:solidFill>
-                  <a:schemeClr val="tx1"/>
-                </a:solidFill>
-                <a:latin typeface="+mn-lt"/>
-                <a:ea typeface="+mn-ea"/>
-                <a:cs typeface="+mn-cs"/>
-              </a:defRPr>
-            </a:lvl7pPr>
-            <a:lvl8pPr marL="3429000" indent="-228600" algn="l" defTabSz="914400" rtl="0" eaLnBrk="1" latinLnBrk="0" hangingPunct="1">
-              <a:lnSpc>
-                <a:spcPct val="90000"/>
-              </a:lnSpc>
-              <a:spcBef>
-                <a:spcPts val="500"/>
-              </a:spcBef>
-              <a:buFont typeface="Arial" panose="020B0604020202020204" pitchFamily="34" charset="0"/>
-              <a:buChar char="•"/>
-              <a:defRPr sz="1800" kern="1200">
-                <a:solidFill>
-                  <a:schemeClr val="tx1"/>
-                </a:solidFill>
-                <a:latin typeface="+mn-lt"/>
-                <a:ea typeface="+mn-ea"/>
-                <a:cs typeface="+mn-cs"/>
-              </a:defRPr>
-            </a:lvl8pPr>
-            <a:lvl9pPr marL="3886200" indent="-228600" algn="l" defTabSz="914400" rtl="0" eaLnBrk="1" latinLnBrk="0" hangingPunct="1">
-              <a:lnSpc>
-                <a:spcPct val="90000"/>
-              </a:lnSpc>
-              <a:spcBef>
-                <a:spcPts val="500"/>
-              </a:spcBef>
-              <a:buFont typeface="Arial" panose="020B0604020202020204" pitchFamily="34" charset="0"/>
-              <a:buChar char="•"/>
-              <a:defRPr sz="1800" kern="1200">
-                <a:solidFill>
-                  <a:schemeClr val="tx1"/>
-                </a:solidFill>
-                <a:latin typeface="+mn-lt"/>
-                <a:ea typeface="+mn-ea"/>
-                <a:cs typeface="+mn-cs"/>
-              </a:defRPr>
-            </a:lvl9pPr>
-          </a:lstStyle>
-          <a:p>
-            <a:pPr algn="l">
-              <a:lnSpc>
-                <a:spcPct val="100000"/>
-              </a:lnSpc>
-            </a:pPr>
-            <a:r>
-              <a:rPr lang="hu-HU" sz="2000" dirty="0">
-                <a:solidFill>
-                  <a:schemeClr val="tx1"/>
-                </a:solidFill>
-                <a:latin typeface="Georgia" panose="02040502050405020303" pitchFamily="18" charset="0"/>
-                <a:cs typeface="Calibri Light" panose="020F0302020204030204" pitchFamily="34" charset="0"/>
-              </a:rPr>
-              <a:t>A program átalakításával kapcsolatban</a:t>
-            </a:r>
-          </a:p>
-          <a:p>
-            <a:pPr marL="285750" indent="-285750" algn="l">
-              <a:lnSpc>
-                <a:spcPct val="100000"/>
-              </a:lnSpc>
-              <a:buFontTx/>
-              <a:buChar char="-"/>
-            </a:pPr>
-            <a:r>
-              <a:rPr lang="hu-HU" dirty="0" err="1">
-                <a:solidFill>
-                  <a:schemeClr val="tx1"/>
-                </a:solidFill>
-                <a:latin typeface="Arial" panose="020B0604020202020204" pitchFamily="34" charset="0"/>
-                <a:cs typeface="Arial" panose="020B0604020202020204" pitchFamily="34" charset="0"/>
-              </a:rPr>
-              <a:t>Kigyomálni</a:t>
-            </a:r>
-            <a:r>
-              <a:rPr lang="hu-HU" dirty="0">
-                <a:solidFill>
-                  <a:schemeClr val="tx1"/>
-                </a:solidFill>
-                <a:latin typeface="Arial" panose="020B0604020202020204" pitchFamily="34" charset="0"/>
-                <a:cs typeface="Arial" panose="020B0604020202020204" pitchFamily="34" charset="0"/>
-              </a:rPr>
-              <a:t> a kódod, párhuzamosítani a </a:t>
-            </a:r>
-            <a:r>
-              <a:rPr lang="hu-HU" dirty="0" err="1">
-                <a:solidFill>
-                  <a:schemeClr val="tx1"/>
-                </a:solidFill>
-                <a:latin typeface="Arial" panose="020B0604020202020204" pitchFamily="34" charset="0"/>
-                <a:cs typeface="Arial" panose="020B0604020202020204" pitchFamily="34" charset="0"/>
-              </a:rPr>
-              <a:t>Car</a:t>
-            </a:r>
-            <a:r>
-              <a:rPr lang="hu-HU" dirty="0">
-                <a:solidFill>
-                  <a:schemeClr val="tx1"/>
-                </a:solidFill>
-                <a:latin typeface="Arial" panose="020B0604020202020204" pitchFamily="34" charset="0"/>
-                <a:cs typeface="Arial" panose="020B0604020202020204" pitchFamily="34" charset="0"/>
-              </a:rPr>
-              <a:t> osztály </a:t>
-            </a:r>
-            <a:r>
-              <a:rPr lang="hu-HU" dirty="0" err="1">
-                <a:solidFill>
-                  <a:schemeClr val="tx1"/>
-                </a:solidFill>
-                <a:latin typeface="Arial" panose="020B0604020202020204" pitchFamily="34" charset="0"/>
-                <a:cs typeface="Arial" panose="020B0604020202020204" pitchFamily="34" charset="0"/>
-              </a:rPr>
-              <a:t>plottolási</a:t>
-            </a:r>
-            <a:r>
-              <a:rPr lang="hu-HU" dirty="0">
-                <a:solidFill>
-                  <a:schemeClr val="tx1"/>
-                </a:solidFill>
-                <a:latin typeface="Arial" panose="020B0604020202020204" pitchFamily="34" charset="0"/>
-                <a:cs typeface="Arial" panose="020B0604020202020204" pitchFamily="34" charset="0"/>
-              </a:rPr>
-              <a:t> mechanizmusait.</a:t>
-            </a:r>
-          </a:p>
-          <a:p>
-            <a:pPr marL="285750" indent="-285750" algn="l">
-              <a:lnSpc>
-                <a:spcPct val="100000"/>
-              </a:lnSpc>
-              <a:buFontTx/>
-              <a:buChar char="-"/>
-            </a:pPr>
-            <a:r>
-              <a:rPr lang="hu-HU" dirty="0">
-                <a:solidFill>
-                  <a:schemeClr val="tx1"/>
-                </a:solidFill>
-                <a:latin typeface="Arial" panose="020B0604020202020204" pitchFamily="34" charset="0"/>
-                <a:cs typeface="Arial" panose="020B0604020202020204" pitchFamily="34" charset="0"/>
-              </a:rPr>
-              <a:t>Szisztematikus teszt </a:t>
-            </a:r>
-            <a:r>
-              <a:rPr lang="hu-HU" dirty="0" err="1">
-                <a:solidFill>
-                  <a:schemeClr val="tx1"/>
-                </a:solidFill>
-                <a:latin typeface="Arial" panose="020B0604020202020204" pitchFamily="34" charset="0"/>
-                <a:cs typeface="Arial" panose="020B0604020202020204" pitchFamily="34" charset="0"/>
-              </a:rPr>
-              <a:t>Notebookat</a:t>
-            </a:r>
-            <a:r>
-              <a:rPr lang="hu-HU" dirty="0">
-                <a:solidFill>
-                  <a:schemeClr val="tx1"/>
-                </a:solidFill>
-                <a:latin typeface="Arial" panose="020B0604020202020204" pitchFamily="34" charset="0"/>
-                <a:cs typeface="Arial" panose="020B0604020202020204" pitchFamily="34" charset="0"/>
-              </a:rPr>
-              <a:t> írni a </a:t>
-            </a:r>
-            <a:r>
-              <a:rPr lang="hu-HU" dirty="0" err="1">
-                <a:solidFill>
-                  <a:schemeClr val="tx1"/>
-                </a:solidFill>
-                <a:latin typeface="Arial" panose="020B0604020202020204" pitchFamily="34" charset="0"/>
-                <a:cs typeface="Arial" panose="020B0604020202020204" pitchFamily="34" charset="0"/>
-              </a:rPr>
-              <a:t>PlostPlottet</a:t>
-            </a:r>
-            <a:r>
-              <a:rPr lang="hu-HU" dirty="0">
-                <a:solidFill>
-                  <a:schemeClr val="tx1"/>
-                </a:solidFill>
-                <a:latin typeface="Arial" panose="020B0604020202020204" pitchFamily="34" charset="0"/>
-                <a:cs typeface="Arial" panose="020B0604020202020204" pitchFamily="34" charset="0"/>
-              </a:rPr>
-              <a:t> és a Storage osztályok segítségével</a:t>
-            </a:r>
-          </a:p>
-          <a:p>
-            <a:pPr marL="285750" indent="-285750" algn="l">
-              <a:lnSpc>
-                <a:spcPct val="100000"/>
-              </a:lnSpc>
-              <a:buFontTx/>
-              <a:buChar char="-"/>
-            </a:pPr>
-            <a:r>
-              <a:rPr lang="hu-HU" dirty="0">
-                <a:solidFill>
-                  <a:schemeClr val="tx1"/>
-                </a:solidFill>
-                <a:latin typeface="Arial" panose="020B0604020202020204" pitchFamily="34" charset="0"/>
-                <a:cs typeface="Arial" panose="020B0604020202020204" pitchFamily="34" charset="0"/>
-              </a:rPr>
-              <a:t>Megtervezni és megírni, hogy legyen </a:t>
-            </a:r>
-            <a:r>
-              <a:rPr lang="hu-HU" dirty="0" err="1">
-                <a:solidFill>
-                  <a:schemeClr val="tx1"/>
-                </a:solidFill>
-                <a:latin typeface="Arial" panose="020B0604020202020204" pitchFamily="34" charset="0"/>
-                <a:cs typeface="Arial" panose="020B0604020202020204" pitchFamily="34" charset="0"/>
-              </a:rPr>
-              <a:t>perzisztálva</a:t>
-            </a:r>
-            <a:r>
-              <a:rPr lang="hu-HU" dirty="0">
-                <a:solidFill>
-                  <a:schemeClr val="tx1"/>
-                </a:solidFill>
-                <a:latin typeface="Arial" panose="020B0604020202020204" pitchFamily="34" charset="0"/>
-                <a:cs typeface="Arial" panose="020B0604020202020204" pitchFamily="34" charset="0"/>
-              </a:rPr>
-              <a:t> a futások, mivel legyen ellátva, hogy újra hasznosítani tudjam</a:t>
-            </a:r>
-          </a:p>
-          <a:p>
-            <a:pPr algn="l">
-              <a:lnSpc>
-                <a:spcPct val="100000"/>
-              </a:lnSpc>
-            </a:pPr>
-            <a:r>
-              <a:rPr lang="hu-HU" sz="2000" dirty="0">
-                <a:solidFill>
-                  <a:schemeClr val="tx1"/>
-                </a:solidFill>
-                <a:latin typeface="Georgia" panose="02040502050405020303" pitchFamily="18" charset="0"/>
-                <a:cs typeface="Calibri Light" panose="020F0302020204030204" pitchFamily="34" charset="0"/>
-              </a:rPr>
-              <a:t>Az elvégzendő tesztekkel kapcsolatban</a:t>
-            </a:r>
-          </a:p>
-          <a:p>
-            <a:pPr marL="285750" indent="-285750" algn="l">
-              <a:lnSpc>
-                <a:spcPct val="100000"/>
-              </a:lnSpc>
-              <a:buFontTx/>
-              <a:buChar char="-"/>
-            </a:pPr>
-            <a:r>
-              <a:rPr lang="hu-HU" dirty="0">
-                <a:solidFill>
-                  <a:schemeClr val="tx1"/>
-                </a:solidFill>
-                <a:latin typeface="Arial" panose="020B0604020202020204" pitchFamily="34" charset="0"/>
-                <a:cs typeface="Arial" panose="020B0604020202020204" pitchFamily="34" charset="0"/>
-              </a:rPr>
-              <a:t>Az alaptesztek, hogy jól működik-e a program, nincs-e benne szisztematikus hiba (a </a:t>
-            </a:r>
-            <a:r>
-              <a:rPr lang="hu-HU" dirty="0" err="1">
-                <a:solidFill>
-                  <a:schemeClr val="tx1"/>
-                </a:solidFill>
-                <a:latin typeface="Arial" panose="020B0604020202020204" pitchFamily="34" charset="0"/>
-                <a:cs typeface="Arial" panose="020B0604020202020204" pitchFamily="34" charset="0"/>
-              </a:rPr>
-              <a:t>linreg</a:t>
-            </a:r>
-            <a:r>
-              <a:rPr lang="hu-HU" dirty="0">
-                <a:solidFill>
-                  <a:schemeClr val="tx1"/>
-                </a:solidFill>
-                <a:latin typeface="Arial" panose="020B0604020202020204" pitchFamily="34" charset="0"/>
-                <a:cs typeface="Arial" panose="020B0604020202020204" pitchFamily="34" charset="0"/>
-              </a:rPr>
-              <a:t> még mindig a régi)</a:t>
-            </a:r>
-          </a:p>
-          <a:p>
-            <a:pPr marL="285750" indent="-285750" algn="l">
-              <a:lnSpc>
-                <a:spcPct val="100000"/>
-              </a:lnSpc>
-              <a:buFontTx/>
-              <a:buChar char="-"/>
-            </a:pPr>
-            <a:r>
-              <a:rPr lang="hu-HU" dirty="0">
-                <a:solidFill>
-                  <a:schemeClr val="tx1"/>
-                </a:solidFill>
-                <a:latin typeface="Arial" panose="020B0604020202020204" pitchFamily="34" charset="0"/>
-                <a:cs typeface="Arial" panose="020B0604020202020204" pitchFamily="34" charset="0"/>
-              </a:rPr>
-              <a:t>A különböző tesztpályákat felépíteni (az environment.py modulban a </a:t>
-            </a:r>
-            <a:r>
-              <a:rPr lang="hu-HU" dirty="0" err="1">
-                <a:solidFill>
-                  <a:schemeClr val="tx1"/>
-                </a:solidFill>
-                <a:latin typeface="Arial" panose="020B0604020202020204" pitchFamily="34" charset="0"/>
-                <a:cs typeface="Arial" panose="020B0604020202020204" pitchFamily="34" charset="0"/>
-              </a:rPr>
-              <a:t>Road</a:t>
-            </a:r>
-            <a:r>
-              <a:rPr lang="hu-HU" dirty="0">
-                <a:solidFill>
-                  <a:schemeClr val="tx1"/>
-                </a:solidFill>
-                <a:latin typeface="Arial" panose="020B0604020202020204" pitchFamily="34" charset="0"/>
-                <a:cs typeface="Arial" panose="020B0604020202020204" pitchFamily="34" charset="0"/>
-              </a:rPr>
-              <a:t> osztály, már majdnem kész az összes)</a:t>
-            </a:r>
-          </a:p>
-          <a:p>
-            <a:pPr marL="285750" indent="-285750" algn="l">
-              <a:lnSpc>
-                <a:spcPct val="100000"/>
-              </a:lnSpc>
-              <a:buFontTx/>
-              <a:buChar char="-"/>
-            </a:pPr>
-            <a:r>
-              <a:rPr lang="hu-HU" dirty="0">
-                <a:solidFill>
-                  <a:schemeClr val="tx1"/>
-                </a:solidFill>
-                <a:latin typeface="Arial" panose="020B0604020202020204" pitchFamily="34" charset="0"/>
-                <a:cs typeface="Arial" panose="020B0604020202020204" pitchFamily="34" charset="0"/>
-              </a:rPr>
-              <a:t>A </a:t>
-            </a:r>
-            <a:r>
-              <a:rPr lang="hu-HU" dirty="0" err="1">
-                <a:solidFill>
-                  <a:schemeClr val="tx1"/>
-                </a:solidFill>
-                <a:latin typeface="Arial" panose="020B0604020202020204" pitchFamily="34" charset="0"/>
-                <a:cs typeface="Arial" panose="020B0604020202020204" pitchFamily="34" charset="0"/>
-              </a:rPr>
-              <a:t>concept</a:t>
-            </a:r>
-            <a:r>
-              <a:rPr lang="hu-HU" dirty="0">
-                <a:solidFill>
-                  <a:schemeClr val="tx1"/>
-                </a:solidFill>
-                <a:latin typeface="Arial" panose="020B0604020202020204" pitchFamily="34" charset="0"/>
-                <a:cs typeface="Arial" panose="020B0604020202020204" pitchFamily="34" charset="0"/>
-              </a:rPr>
-              <a:t> </a:t>
-            </a:r>
-            <a:r>
-              <a:rPr lang="hu-HU" dirty="0" err="1">
-                <a:solidFill>
-                  <a:schemeClr val="tx1"/>
-                </a:solidFill>
-                <a:latin typeface="Arial" panose="020B0604020202020204" pitchFamily="34" charset="0"/>
-                <a:cs typeface="Arial" panose="020B0604020202020204" pitchFamily="34" charset="0"/>
-              </a:rPr>
-              <a:t>drift</a:t>
-            </a:r>
-            <a:r>
-              <a:rPr lang="hu-HU" dirty="0">
-                <a:solidFill>
-                  <a:schemeClr val="tx1"/>
-                </a:solidFill>
-                <a:latin typeface="Arial" panose="020B0604020202020204" pitchFamily="34" charset="0"/>
-                <a:cs typeface="Arial" panose="020B0604020202020204" pitchFamily="34" charset="0"/>
-              </a:rPr>
-              <a:t> az egyik vezér teszt ezen kell kipróbálni, hogy</a:t>
-            </a:r>
-          </a:p>
-          <a:p>
-            <a:pPr marL="285750" indent="-285750" algn="l">
-              <a:lnSpc>
-                <a:spcPct val="100000"/>
-              </a:lnSpc>
-              <a:buFontTx/>
-              <a:buChar char="-"/>
-            </a:pPr>
-            <a:r>
-              <a:rPr lang="hu-HU" dirty="0">
-                <a:solidFill>
-                  <a:schemeClr val="tx1"/>
-                </a:solidFill>
-                <a:latin typeface="Arial" panose="020B0604020202020204" pitchFamily="34" charset="0"/>
-                <a:cs typeface="Arial" panose="020B0604020202020204" pitchFamily="34" charset="0"/>
-              </a:rPr>
-              <a:t>A neurális háló egyes </a:t>
-            </a:r>
-            <a:r>
-              <a:rPr lang="hu-HU" dirty="0" err="1">
-                <a:solidFill>
-                  <a:schemeClr val="tx1"/>
-                </a:solidFill>
-                <a:latin typeface="Arial" panose="020B0604020202020204" pitchFamily="34" charset="0"/>
-                <a:cs typeface="Arial" panose="020B0604020202020204" pitchFamily="34" charset="0"/>
-              </a:rPr>
-              <a:t>hiperparaméterei</a:t>
-            </a:r>
-            <a:r>
-              <a:rPr lang="hu-HU" dirty="0">
-                <a:solidFill>
-                  <a:schemeClr val="tx1"/>
-                </a:solidFill>
-                <a:latin typeface="Arial" panose="020B0604020202020204" pitchFamily="34" charset="0"/>
-                <a:cs typeface="Arial" panose="020B0604020202020204" pitchFamily="34" charset="0"/>
-              </a:rPr>
-              <a:t> milyen hatással vannak</a:t>
-            </a:r>
-          </a:p>
-          <a:p>
-            <a:pPr marL="285750" indent="-285750" algn="l">
-              <a:lnSpc>
-                <a:spcPct val="100000"/>
-              </a:lnSpc>
-              <a:buFontTx/>
-              <a:buChar char="-"/>
-            </a:pPr>
-            <a:r>
-              <a:rPr lang="hu-HU" dirty="0">
-                <a:solidFill>
-                  <a:schemeClr val="tx1"/>
-                </a:solidFill>
-                <a:latin typeface="Arial" panose="020B0604020202020204" pitchFamily="34" charset="0"/>
-                <a:cs typeface="Arial" panose="020B0604020202020204" pitchFamily="34" charset="0"/>
-              </a:rPr>
-              <a:t>Erre kell írni egy olyan programrészt, ami több futást képes egy </a:t>
-            </a:r>
-            <a:r>
-              <a:rPr lang="hu-HU" dirty="0" err="1">
-                <a:solidFill>
-                  <a:schemeClr val="tx1"/>
-                </a:solidFill>
-                <a:latin typeface="Arial" panose="020B0604020202020204" pitchFamily="34" charset="0"/>
-                <a:cs typeface="Arial" panose="020B0604020202020204" pitchFamily="34" charset="0"/>
-              </a:rPr>
-              <a:t>plotton</a:t>
-            </a:r>
-            <a:r>
-              <a:rPr lang="hu-HU" dirty="0">
-                <a:solidFill>
-                  <a:schemeClr val="tx1"/>
-                </a:solidFill>
-                <a:latin typeface="Arial" panose="020B0604020202020204" pitchFamily="34" charset="0"/>
-                <a:cs typeface="Arial" panose="020B0604020202020204" pitchFamily="34" charset="0"/>
-              </a:rPr>
-              <a:t> kezelni</a:t>
-            </a:r>
-          </a:p>
-        </p:txBody>
-      </p:sp>
-    </p:spTree>
-    <p:extLst>
-      <p:ext uri="{BB962C8B-B14F-4D97-AF65-F5344CB8AC3E}">
-        <p14:creationId xmlns:p14="http://schemas.microsoft.com/office/powerpoint/2010/main" val="902711551"/>
-      </p:ext>
-    </p:extLst>
-  </p:cSld>
-  <p:clrMapOvr>
-    <a:masterClrMapping/>
-  </p:clrMapOvr>
-  <mc:AlternateContent xmlns:mc="http://schemas.openxmlformats.org/markup-compatibility/2006" xmlns:p14="http://schemas.microsoft.com/office/powerpoint/2010/main">
-    <mc:Choice Requires="p14">
-      <p:transition spd="med" p14:dur="700">
-        <p:fade/>
-      </p:transition>
-    </mc:Choice>
-    <mc:Fallback xmlns="">
-      <p:transition spd="med">
-        <p:fade/>
-      </p:transition>
-    </mc:Fallback>
-  </mc:AlternateContent>
-  <p:timing>
-    <p:tnLst>
-      <p:par>
-        <p:cTn id="1" dur="indefinite" restart="never" nodeType="tmRoot">
-          <p:childTnLst>
-            <p:seq concurrent="1" nextAc="seek">
-              <p:cTn id="2" dur="indefinite" nodeType="mainSeq">
-                <p:childTnLst>
-                  <p:par>
-                    <p:cTn id="3" fill="hold">
-                      <p:stCondLst>
-                        <p:cond delay="indefinite"/>
-                      </p:stCondLst>
-                      <p:childTnLst>
-                        <p:par>
-                          <p:cTn id="4" fill="hold">
-                            <p:stCondLst>
-                              <p:cond delay="0"/>
-                            </p:stCondLst>
-                            <p:childTnLst>
-                              <p:par>
-                                <p:cTn id="5" presetID="10" presetClass="entr" presetSubtype="0" fill="hold" grpId="0" nodeType="clickEffect">
-                                  <p:stCondLst>
-                                    <p:cond delay="0"/>
-                                  </p:stCondLst>
-                                  <p:childTnLst>
-                                    <p:set>
-                                      <p:cBhvr>
-                                        <p:cTn id="6" dur="1" fill="hold">
-                                          <p:stCondLst>
-                                            <p:cond delay="0"/>
-                                          </p:stCondLst>
-                                        </p:cTn>
-                                        <p:tgtEl>
-                                          <p:spTgt spid="10"/>
-                                        </p:tgtEl>
-                                        <p:attrNameLst>
-                                          <p:attrName>style.visibility</p:attrName>
-                                        </p:attrNameLst>
-                                      </p:cBhvr>
-                                      <p:to>
-                                        <p:strVal val="visible"/>
-                                      </p:to>
-                                    </p:set>
-                                    <p:animEffect transition="in" filter="fade">
-                                      <p:cBhvr>
-                                        <p:cTn id="7" dur="500"/>
-                                        <p:tgtEl>
-                                          <p:spTgt spid="10"/>
-                                        </p:tgtEl>
-                                      </p:cBhvr>
-                                    </p:animEffect>
-                                  </p:childTnLst>
-                                </p:cTn>
-                              </p:par>
-                            </p:childTnLst>
-                          </p:cTn>
-                        </p:par>
-                      </p:childTnLst>
-                    </p:cTn>
-                  </p:par>
-                </p:childTnLst>
-              </p:cTn>
-              <p:prevCondLst>
-                <p:cond evt="onPrev" delay="0">
-                  <p:tgtEl>
-                    <p:sldTgt/>
-                  </p:tgtEl>
-                </p:cond>
-              </p:prevCondLst>
-              <p:nextCondLst>
-                <p:cond evt="onNext" delay="0">
-                  <p:tgtEl>
-                    <p:sldTgt/>
-                  </p:tgtEl>
-                </p:cond>
-              </p:nextCondLst>
-            </p:seq>
-          </p:childTnLst>
-        </p:cTn>
-      </p:par>
-    </p:tnLst>
-    <p:bldLst>
-      <p:bldP spid="10" grpId="0"/>
-    </p:bldLst>
-  </p:timing>
-</p:sld>
-</file>
-
-<file path=ppt/slides/slide20.xml><?xml version="1.0" encoding="utf-8"?>
+<file path=ppt/slides/slide21.xml><?xml version="1.0" encoding="utf-8"?>
 <p:sld xmlns:a="http://schemas.openxmlformats.org/drawingml/2006/main" xmlns:r="http://schemas.openxmlformats.org/officeDocument/2006/relationships" xmlns:p="http://schemas.openxmlformats.org/presentationml/2006/main">
   <p:cSld>
     <p:spTree>
@@ -20112,7 +20865,7 @@
 </p:sld>
 </file>
 
-<file path=ppt/slides/slide21.xml><?xml version="1.0" encoding="utf-8"?>
+<file path=ppt/slides/slide22.xml><?xml version="1.0" encoding="utf-8"?>
 <p:sld xmlns:a="http://schemas.openxmlformats.org/drawingml/2006/main" xmlns:r="http://schemas.openxmlformats.org/officeDocument/2006/relationships" xmlns:p="http://schemas.openxmlformats.org/presentationml/2006/main">
   <p:cSld>
     <p:spTree>
@@ -21217,7 +21970,7 @@
 </p:sld>
 </file>
 
-<file path=ppt/slides/slide22.xml><?xml version="1.0" encoding="utf-8"?>
+<file path=ppt/slides/slide23.xml><?xml version="1.0" encoding="utf-8"?>
 <p:sld xmlns:a="http://schemas.openxmlformats.org/drawingml/2006/main" xmlns:r="http://schemas.openxmlformats.org/officeDocument/2006/relationships" xmlns:p="http://schemas.openxmlformats.org/presentationml/2006/main">
   <p:cSld>
     <p:spTree>
@@ -22458,7 +23211,7 @@
 </p:sld>
 </file>
 
-<file path=ppt/slides/slide23.xml><?xml version="1.0" encoding="utf-8"?>
+<file path=ppt/slides/slide24.xml><?xml version="1.0" encoding="utf-8"?>
 <p:sld xmlns:a="http://schemas.openxmlformats.org/drawingml/2006/main" xmlns:r="http://schemas.openxmlformats.org/officeDocument/2006/relationships" xmlns:p="http://schemas.openxmlformats.org/presentationml/2006/main">
   <p:cSld>
     <p:spTree>
@@ -23725,7 +24478,7 @@
 </p:sld>
 </file>
 
-<file path=ppt/slides/slide24.xml><?xml version="1.0" encoding="utf-8"?>
+<file path=ppt/slides/slide25.xml><?xml version="1.0" encoding="utf-8"?>
 <p:sld xmlns:a="http://schemas.openxmlformats.org/drawingml/2006/main" xmlns:r="http://schemas.openxmlformats.org/officeDocument/2006/relationships" xmlns:p="http://schemas.openxmlformats.org/presentationml/2006/main">
   <p:cSld>
     <p:spTree>
@@ -25044,7 +25797,7 @@
 </p:sld>
 </file>
 
-<file path=ppt/slides/slide25.xml><?xml version="1.0" encoding="utf-8"?>
+<file path=ppt/slides/slide26.xml><?xml version="1.0" encoding="utf-8"?>
 <p:sld xmlns:a="http://schemas.openxmlformats.org/drawingml/2006/main" xmlns:r="http://schemas.openxmlformats.org/officeDocument/2006/relationships" xmlns:p="http://schemas.openxmlformats.org/presentationml/2006/main">
   <p:cSld>
     <p:spTree>
@@ -26516,7 +27269,7 @@
 </p:sld>
 </file>
 
-<file path=ppt/slides/slide26.xml><?xml version="1.0" encoding="utf-8"?>
+<file path=ppt/slides/slide27.xml><?xml version="1.0" encoding="utf-8"?>
 <p:sld xmlns:a="http://schemas.openxmlformats.org/drawingml/2006/main" xmlns:r="http://schemas.openxmlformats.org/officeDocument/2006/relationships" xmlns:p="http://schemas.openxmlformats.org/presentationml/2006/main">
   <p:cSld>
     <p:spTree>
@@ -27610,1134 +28363,6 @@
 </p:sld>
 </file>
 
-<file path=ppt/slides/slide27.xml><?xml version="1.0" encoding="utf-8"?>
-<p:sld xmlns:a="http://schemas.openxmlformats.org/drawingml/2006/main" xmlns:r="http://schemas.openxmlformats.org/officeDocument/2006/relationships" xmlns:p="http://schemas.openxmlformats.org/presentationml/2006/main">
-  <p:cSld>
-    <p:spTree>
-      <p:nvGrpSpPr>
-        <p:cNvPr id="1" name=""/>
-        <p:cNvGrpSpPr/>
-        <p:nvPr/>
-      </p:nvGrpSpPr>
-      <p:grpSpPr>
-        <a:xfrm>
-          <a:off x="0" y="0"/>
-          <a:ext cx="0" cy="0"/>
-          <a:chOff x="0" y="0"/>
-          <a:chExt cx="0" cy="0"/>
-        </a:xfrm>
-      </p:grpSpPr>
-      <p:pic>
-        <p:nvPicPr>
-          <p:cNvPr id="4" name="Kép 3" descr="A képen háló látható&#10;&#10;Automatikusan generált leírás">
-            <a:extLst>
-              <a:ext uri="{FF2B5EF4-FFF2-40B4-BE49-F238E27FC236}">
-                <a16:creationId xmlns:a16="http://schemas.microsoft.com/office/drawing/2014/main" id="{B7B7332F-71BE-4DF1-8FF7-6FEAA97B25FB}"/>
-              </a:ext>
-            </a:extLst>
-          </p:cNvPr>
-          <p:cNvPicPr>
-            <a:picLocks noChangeAspect="1"/>
-          </p:cNvPicPr>
-          <p:nvPr/>
-        </p:nvPicPr>
-        <p:blipFill>
-          <a:blip r:embed="rId3">
-            <a:extLst>
-              <a:ext uri="{BEBA8EAE-BF5A-486C-A8C5-ECC9F3942E4B}">
-                <a14:imgProps xmlns:a14="http://schemas.microsoft.com/office/drawing/2010/main">
-                  <a14:imgLayer r:embed="rId4">
-                    <a14:imgEffect>
-                      <a14:sharpenSoften amount="-100000"/>
-                    </a14:imgEffect>
-                  </a14:imgLayer>
-                </a14:imgProps>
-              </a:ext>
-              <a:ext uri="{28A0092B-C50C-407E-A947-70E740481C1C}">
-                <a14:useLocalDpi xmlns:a14="http://schemas.microsoft.com/office/drawing/2010/main" val="0"/>
-              </a:ext>
-            </a:extLst>
-          </a:blip>
-          <a:stretch>
-            <a:fillRect/>
-          </a:stretch>
-        </p:blipFill>
-        <p:spPr>
-          <a:xfrm>
-            <a:off x="0" y="-3182798"/>
-            <a:ext cx="13475043" cy="10040798"/>
-          </a:xfrm>
-          <a:prstGeom prst="rect">
-            <a:avLst/>
-          </a:prstGeom>
-        </p:spPr>
-      </p:pic>
-      <p:sp>
-        <p:nvSpPr>
-          <p:cNvPr id="16" name="Szöveg helye 14">
-            <a:extLst>
-              <a:ext uri="{FF2B5EF4-FFF2-40B4-BE49-F238E27FC236}">
-                <a16:creationId xmlns:a16="http://schemas.microsoft.com/office/drawing/2014/main" id="{513EA38E-469D-46FF-AE7E-2E7EDFA603D7}"/>
-              </a:ext>
-            </a:extLst>
-          </p:cNvPr>
-          <p:cNvSpPr txBox="1">
-            <a:spLocks/>
-          </p:cNvSpPr>
-          <p:nvPr/>
-        </p:nvSpPr>
-        <p:spPr>
-          <a:xfrm>
-            <a:off x="541246" y="386452"/>
-            <a:ext cx="11427841" cy="942559"/>
-          </a:xfrm>
-          <a:prstGeom prst="rect">
-            <a:avLst/>
-          </a:prstGeom>
-          <a:noFill/>
-        </p:spPr>
-        <p:txBody>
-          <a:bodyPr vert="horz" lIns="108000" tIns="72000" rIns="72000" bIns="36000" rtlCol="0">
-            <a:noAutofit/>
-          </a:bodyPr>
-          <a:lstStyle>
-            <a:lvl1pPr marL="0" indent="0" algn="ctr" defTabSz="914400" rtl="0" eaLnBrk="1" latinLnBrk="0" hangingPunct="1">
-              <a:lnSpc>
-                <a:spcPct val="90000"/>
-              </a:lnSpc>
-              <a:spcBef>
-                <a:spcPts val="1000"/>
-              </a:spcBef>
-              <a:buFont typeface="Arial" panose="020B0604020202020204" pitchFamily="34" charset="0"/>
-              <a:buNone/>
-              <a:defRPr sz="1600" kern="1200">
-                <a:solidFill>
-                  <a:schemeClr val="tx1">
-                    <a:lumMod val="75000"/>
-                    <a:lumOff val="25000"/>
-                  </a:schemeClr>
-                </a:solidFill>
-                <a:latin typeface="+mn-lt"/>
-                <a:ea typeface="+mn-ea"/>
-                <a:cs typeface="+mn-cs"/>
-              </a:defRPr>
-            </a:lvl1pPr>
-            <a:lvl2pPr marL="542925" indent="-276225" algn="l" defTabSz="914400" rtl="0" eaLnBrk="1" latinLnBrk="0" hangingPunct="1">
-              <a:lnSpc>
-                <a:spcPct val="90000"/>
-              </a:lnSpc>
-              <a:spcBef>
-                <a:spcPts val="500"/>
-              </a:spcBef>
-              <a:buFont typeface="Arial" panose="020B0604020202020204" pitchFamily="34" charset="0"/>
-              <a:buChar char="•"/>
-              <a:defRPr sz="1600" kern="1200">
-                <a:solidFill>
-                  <a:schemeClr val="tx1">
-                    <a:lumMod val="75000"/>
-                    <a:lumOff val="25000"/>
-                  </a:schemeClr>
-                </a:solidFill>
-                <a:latin typeface="+mn-lt"/>
-                <a:ea typeface="+mn-ea"/>
-                <a:cs typeface="+mn-cs"/>
-              </a:defRPr>
-            </a:lvl2pPr>
-            <a:lvl3pPr marL="809625" indent="-266700" algn="l" defTabSz="914400" rtl="0" eaLnBrk="1" latinLnBrk="0" hangingPunct="1">
-              <a:lnSpc>
-                <a:spcPct val="90000"/>
-              </a:lnSpc>
-              <a:spcBef>
-                <a:spcPts val="500"/>
-              </a:spcBef>
-              <a:buFont typeface="Arial" panose="020B0604020202020204" pitchFamily="34" charset="0"/>
-              <a:buChar char="•"/>
-              <a:defRPr sz="1400" kern="1200">
-                <a:solidFill>
-                  <a:schemeClr val="tx1">
-                    <a:lumMod val="75000"/>
-                    <a:lumOff val="25000"/>
-                  </a:schemeClr>
-                </a:solidFill>
-                <a:latin typeface="+mn-lt"/>
-                <a:ea typeface="+mn-ea"/>
-                <a:cs typeface="+mn-cs"/>
-              </a:defRPr>
-            </a:lvl3pPr>
-            <a:lvl4pPr marL="1076325" indent="-266700" algn="l" defTabSz="914400" rtl="0" eaLnBrk="1" latinLnBrk="0" hangingPunct="1">
-              <a:lnSpc>
-                <a:spcPct val="90000"/>
-              </a:lnSpc>
-              <a:spcBef>
-                <a:spcPts val="500"/>
-              </a:spcBef>
-              <a:buFont typeface="Arial" panose="020B0604020202020204" pitchFamily="34" charset="0"/>
-              <a:buChar char="•"/>
-              <a:defRPr sz="1400" kern="1200">
-                <a:solidFill>
-                  <a:schemeClr val="tx1">
-                    <a:lumMod val="75000"/>
-                    <a:lumOff val="25000"/>
-                  </a:schemeClr>
-                </a:solidFill>
-                <a:latin typeface="+mn-lt"/>
-                <a:ea typeface="+mn-ea"/>
-                <a:cs typeface="+mn-cs"/>
-              </a:defRPr>
-            </a:lvl4pPr>
-            <a:lvl5pPr marL="1343025" indent="-266700" algn="l" defTabSz="914400" rtl="0" eaLnBrk="1" latinLnBrk="0" hangingPunct="1">
-              <a:lnSpc>
-                <a:spcPct val="90000"/>
-              </a:lnSpc>
-              <a:spcBef>
-                <a:spcPts val="500"/>
-              </a:spcBef>
-              <a:buFont typeface="Arial" panose="020B0604020202020204" pitchFamily="34" charset="0"/>
-              <a:buChar char="•"/>
-              <a:defRPr sz="1400" kern="1200">
-                <a:solidFill>
-                  <a:schemeClr val="tx1">
-                    <a:lumMod val="75000"/>
-                    <a:lumOff val="25000"/>
-                  </a:schemeClr>
-                </a:solidFill>
-                <a:latin typeface="+mn-lt"/>
-                <a:ea typeface="+mn-ea"/>
-                <a:cs typeface="+mn-cs"/>
-              </a:defRPr>
-            </a:lvl5pPr>
-            <a:lvl6pPr marL="2514600" indent="-228600" algn="l" defTabSz="914400" rtl="0" eaLnBrk="1" latinLnBrk="0" hangingPunct="1">
-              <a:lnSpc>
-                <a:spcPct val="90000"/>
-              </a:lnSpc>
-              <a:spcBef>
-                <a:spcPts val="500"/>
-              </a:spcBef>
-              <a:buFont typeface="Arial" panose="020B0604020202020204" pitchFamily="34" charset="0"/>
-              <a:buChar char="•"/>
-              <a:defRPr sz="1800" kern="1200">
-                <a:solidFill>
-                  <a:schemeClr val="tx1"/>
-                </a:solidFill>
-                <a:latin typeface="+mn-lt"/>
-                <a:ea typeface="+mn-ea"/>
-                <a:cs typeface="+mn-cs"/>
-              </a:defRPr>
-            </a:lvl6pPr>
-            <a:lvl7pPr marL="2971800" indent="-228600" algn="l" defTabSz="914400" rtl="0" eaLnBrk="1" latinLnBrk="0" hangingPunct="1">
-              <a:lnSpc>
-                <a:spcPct val="90000"/>
-              </a:lnSpc>
-              <a:spcBef>
-                <a:spcPts val="500"/>
-              </a:spcBef>
-              <a:buFont typeface="Arial" panose="020B0604020202020204" pitchFamily="34" charset="0"/>
-              <a:buChar char="•"/>
-              <a:defRPr sz="1800" kern="1200">
-                <a:solidFill>
-                  <a:schemeClr val="tx1"/>
-                </a:solidFill>
-                <a:latin typeface="+mn-lt"/>
-                <a:ea typeface="+mn-ea"/>
-                <a:cs typeface="+mn-cs"/>
-              </a:defRPr>
-            </a:lvl7pPr>
-            <a:lvl8pPr marL="3429000" indent="-228600" algn="l" defTabSz="914400" rtl="0" eaLnBrk="1" latinLnBrk="0" hangingPunct="1">
-              <a:lnSpc>
-                <a:spcPct val="90000"/>
-              </a:lnSpc>
-              <a:spcBef>
-                <a:spcPts val="500"/>
-              </a:spcBef>
-              <a:buFont typeface="Arial" panose="020B0604020202020204" pitchFamily="34" charset="0"/>
-              <a:buChar char="•"/>
-              <a:defRPr sz="1800" kern="1200">
-                <a:solidFill>
-                  <a:schemeClr val="tx1"/>
-                </a:solidFill>
-                <a:latin typeface="+mn-lt"/>
-                <a:ea typeface="+mn-ea"/>
-                <a:cs typeface="+mn-cs"/>
-              </a:defRPr>
-            </a:lvl8pPr>
-            <a:lvl9pPr marL="3886200" indent="-228600" algn="l" defTabSz="914400" rtl="0" eaLnBrk="1" latinLnBrk="0" hangingPunct="1">
-              <a:lnSpc>
-                <a:spcPct val="90000"/>
-              </a:lnSpc>
-              <a:spcBef>
-                <a:spcPts val="500"/>
-              </a:spcBef>
-              <a:buFont typeface="Arial" panose="020B0604020202020204" pitchFamily="34" charset="0"/>
-              <a:buChar char="•"/>
-              <a:defRPr sz="1800" kern="1200">
-                <a:solidFill>
-                  <a:schemeClr val="tx1"/>
-                </a:solidFill>
-                <a:latin typeface="+mn-lt"/>
-                <a:ea typeface="+mn-ea"/>
-                <a:cs typeface="+mn-cs"/>
-              </a:defRPr>
-            </a:lvl9pPr>
-          </a:lstStyle>
-          <a:p>
-            <a:pPr algn="l">
-              <a:lnSpc>
-                <a:spcPct val="100000"/>
-              </a:lnSpc>
-            </a:pPr>
-            <a:r>
-              <a:rPr lang="hu-HU" sz="4800" dirty="0" err="1">
-                <a:solidFill>
-                  <a:schemeClr val="bg1"/>
-                </a:solidFill>
-                <a:latin typeface="Georgia" panose="02040502050405020303" pitchFamily="18" charset="0"/>
-                <a:cs typeface="Arial" panose="020B0604020202020204" pitchFamily="34" charset="0"/>
-              </a:rPr>
-              <a:t>Further</a:t>
-            </a:r>
-            <a:r>
-              <a:rPr lang="hu-HU" sz="4800" dirty="0">
-                <a:solidFill>
-                  <a:schemeClr val="bg1"/>
-                </a:solidFill>
-                <a:latin typeface="Georgia" panose="02040502050405020303" pitchFamily="18" charset="0"/>
-                <a:cs typeface="Arial" panose="020B0604020202020204" pitchFamily="34" charset="0"/>
-              </a:rPr>
-              <a:t>  </a:t>
-            </a:r>
-            <a:r>
-              <a:rPr lang="hu-HU" sz="4800" dirty="0" err="1">
-                <a:solidFill>
-                  <a:schemeClr val="bg1"/>
-                </a:solidFill>
-                <a:latin typeface="Georgia" panose="02040502050405020303" pitchFamily="18" charset="0"/>
-                <a:cs typeface="Arial" panose="020B0604020202020204" pitchFamily="34" charset="0"/>
-              </a:rPr>
-              <a:t>Work</a:t>
-            </a:r>
-            <a:r>
-              <a:rPr lang="hu-HU" sz="4800" dirty="0">
-                <a:solidFill>
-                  <a:schemeClr val="bg1"/>
-                </a:solidFill>
-                <a:latin typeface="Georgia" panose="02040502050405020303" pitchFamily="18" charset="0"/>
-                <a:cs typeface="Arial" panose="020B0604020202020204" pitchFamily="34" charset="0"/>
-              </a:rPr>
-              <a:t> – </a:t>
-            </a:r>
-            <a:r>
-              <a:rPr lang="hu-HU" sz="4800" dirty="0" err="1">
-                <a:solidFill>
-                  <a:schemeClr val="bg1"/>
-                </a:solidFill>
-                <a:latin typeface="Georgia" panose="02040502050405020303" pitchFamily="18" charset="0"/>
-                <a:cs typeface="Arial" panose="020B0604020202020204" pitchFamily="34" charset="0"/>
-              </a:rPr>
-              <a:t>CloudSim</a:t>
-            </a:r>
-            <a:r>
-              <a:rPr lang="hu-HU" sz="4800" dirty="0">
-                <a:solidFill>
-                  <a:schemeClr val="bg1"/>
-                </a:solidFill>
-                <a:latin typeface="Georgia" panose="02040502050405020303" pitchFamily="18" charset="0"/>
-                <a:cs typeface="Arial" panose="020B0604020202020204" pitchFamily="34" charset="0"/>
-              </a:rPr>
-              <a:t> and </a:t>
-            </a:r>
-            <a:r>
-              <a:rPr lang="hu-HU" sz="4800" dirty="0" err="1">
-                <a:solidFill>
-                  <a:schemeClr val="bg1"/>
-                </a:solidFill>
-                <a:latin typeface="Georgia" panose="02040502050405020303" pitchFamily="18" charset="0"/>
-                <a:cs typeface="Arial" panose="020B0604020202020204" pitchFamily="34" charset="0"/>
-              </a:rPr>
-              <a:t>Reinforce</a:t>
-            </a:r>
-            <a:endParaRPr lang="hu-HU" sz="4800" dirty="0">
-              <a:solidFill>
-                <a:schemeClr val="bg1"/>
-              </a:solidFill>
-              <a:latin typeface="Georgia" panose="02040502050405020303" pitchFamily="18" charset="0"/>
-              <a:cs typeface="Calibri Light" panose="020F0302020204030204" pitchFamily="34" charset="0"/>
-            </a:endParaRPr>
-          </a:p>
-        </p:txBody>
-      </p:sp>
-      <p:sp>
-        <p:nvSpPr>
-          <p:cNvPr id="21" name="Szöveg helye 14">
-            <a:extLst>
-              <a:ext uri="{FF2B5EF4-FFF2-40B4-BE49-F238E27FC236}">
-                <a16:creationId xmlns:a16="http://schemas.microsoft.com/office/drawing/2014/main" id="{920C72BD-0D36-4AEA-8F08-8B14DD2DECFF}"/>
-              </a:ext>
-            </a:extLst>
-          </p:cNvPr>
-          <p:cNvSpPr txBox="1">
-            <a:spLocks/>
-          </p:cNvSpPr>
-          <p:nvPr/>
-        </p:nvSpPr>
-        <p:spPr>
-          <a:xfrm>
-            <a:off x="541246" y="1512886"/>
-            <a:ext cx="4441571" cy="5345114"/>
-          </a:xfrm>
-          <a:prstGeom prst="rect">
-            <a:avLst/>
-          </a:prstGeom>
-          <a:noFill/>
-        </p:spPr>
-        <p:txBody>
-          <a:bodyPr vert="horz" lIns="108000" tIns="72000" rIns="72000" bIns="36000" rtlCol="0">
-            <a:noAutofit/>
-          </a:bodyPr>
-          <a:lstStyle>
-            <a:lvl1pPr marL="0" indent="0" algn="ctr" defTabSz="914400" rtl="0" eaLnBrk="1" latinLnBrk="0" hangingPunct="1">
-              <a:lnSpc>
-                <a:spcPct val="90000"/>
-              </a:lnSpc>
-              <a:spcBef>
-                <a:spcPts val="1000"/>
-              </a:spcBef>
-              <a:buFont typeface="Arial" panose="020B0604020202020204" pitchFamily="34" charset="0"/>
-              <a:buNone/>
-              <a:defRPr sz="1600" kern="1200">
-                <a:solidFill>
-                  <a:schemeClr val="tx1">
-                    <a:lumMod val="75000"/>
-                    <a:lumOff val="25000"/>
-                  </a:schemeClr>
-                </a:solidFill>
-                <a:latin typeface="+mn-lt"/>
-                <a:ea typeface="+mn-ea"/>
-                <a:cs typeface="+mn-cs"/>
-              </a:defRPr>
-            </a:lvl1pPr>
-            <a:lvl2pPr marL="542925" indent="-276225" algn="l" defTabSz="914400" rtl="0" eaLnBrk="1" latinLnBrk="0" hangingPunct="1">
-              <a:lnSpc>
-                <a:spcPct val="90000"/>
-              </a:lnSpc>
-              <a:spcBef>
-                <a:spcPts val="500"/>
-              </a:spcBef>
-              <a:buFont typeface="Arial" panose="020B0604020202020204" pitchFamily="34" charset="0"/>
-              <a:buChar char="•"/>
-              <a:defRPr sz="1600" kern="1200">
-                <a:solidFill>
-                  <a:schemeClr val="tx1">
-                    <a:lumMod val="75000"/>
-                    <a:lumOff val="25000"/>
-                  </a:schemeClr>
-                </a:solidFill>
-                <a:latin typeface="+mn-lt"/>
-                <a:ea typeface="+mn-ea"/>
-                <a:cs typeface="+mn-cs"/>
-              </a:defRPr>
-            </a:lvl2pPr>
-            <a:lvl3pPr marL="809625" indent="-266700" algn="l" defTabSz="914400" rtl="0" eaLnBrk="1" latinLnBrk="0" hangingPunct="1">
-              <a:lnSpc>
-                <a:spcPct val="90000"/>
-              </a:lnSpc>
-              <a:spcBef>
-                <a:spcPts val="500"/>
-              </a:spcBef>
-              <a:buFont typeface="Arial" panose="020B0604020202020204" pitchFamily="34" charset="0"/>
-              <a:buChar char="•"/>
-              <a:defRPr sz="1400" kern="1200">
-                <a:solidFill>
-                  <a:schemeClr val="tx1">
-                    <a:lumMod val="75000"/>
-                    <a:lumOff val="25000"/>
-                  </a:schemeClr>
-                </a:solidFill>
-                <a:latin typeface="+mn-lt"/>
-                <a:ea typeface="+mn-ea"/>
-                <a:cs typeface="+mn-cs"/>
-              </a:defRPr>
-            </a:lvl3pPr>
-            <a:lvl4pPr marL="1076325" indent="-266700" algn="l" defTabSz="914400" rtl="0" eaLnBrk="1" latinLnBrk="0" hangingPunct="1">
-              <a:lnSpc>
-                <a:spcPct val="90000"/>
-              </a:lnSpc>
-              <a:spcBef>
-                <a:spcPts val="500"/>
-              </a:spcBef>
-              <a:buFont typeface="Arial" panose="020B0604020202020204" pitchFamily="34" charset="0"/>
-              <a:buChar char="•"/>
-              <a:defRPr sz="1400" kern="1200">
-                <a:solidFill>
-                  <a:schemeClr val="tx1">
-                    <a:lumMod val="75000"/>
-                    <a:lumOff val="25000"/>
-                  </a:schemeClr>
-                </a:solidFill>
-                <a:latin typeface="+mn-lt"/>
-                <a:ea typeface="+mn-ea"/>
-                <a:cs typeface="+mn-cs"/>
-              </a:defRPr>
-            </a:lvl4pPr>
-            <a:lvl5pPr marL="1343025" indent="-266700" algn="l" defTabSz="914400" rtl="0" eaLnBrk="1" latinLnBrk="0" hangingPunct="1">
-              <a:lnSpc>
-                <a:spcPct val="90000"/>
-              </a:lnSpc>
-              <a:spcBef>
-                <a:spcPts val="500"/>
-              </a:spcBef>
-              <a:buFont typeface="Arial" panose="020B0604020202020204" pitchFamily="34" charset="0"/>
-              <a:buChar char="•"/>
-              <a:defRPr sz="1400" kern="1200">
-                <a:solidFill>
-                  <a:schemeClr val="tx1">
-                    <a:lumMod val="75000"/>
-                    <a:lumOff val="25000"/>
-                  </a:schemeClr>
-                </a:solidFill>
-                <a:latin typeface="+mn-lt"/>
-                <a:ea typeface="+mn-ea"/>
-                <a:cs typeface="+mn-cs"/>
-              </a:defRPr>
-            </a:lvl5pPr>
-            <a:lvl6pPr marL="2514600" indent="-228600" algn="l" defTabSz="914400" rtl="0" eaLnBrk="1" latinLnBrk="0" hangingPunct="1">
-              <a:lnSpc>
-                <a:spcPct val="90000"/>
-              </a:lnSpc>
-              <a:spcBef>
-                <a:spcPts val="500"/>
-              </a:spcBef>
-              <a:buFont typeface="Arial" panose="020B0604020202020204" pitchFamily="34" charset="0"/>
-              <a:buChar char="•"/>
-              <a:defRPr sz="1800" kern="1200">
-                <a:solidFill>
-                  <a:schemeClr val="tx1"/>
-                </a:solidFill>
-                <a:latin typeface="+mn-lt"/>
-                <a:ea typeface="+mn-ea"/>
-                <a:cs typeface="+mn-cs"/>
-              </a:defRPr>
-            </a:lvl6pPr>
-            <a:lvl7pPr marL="2971800" indent="-228600" algn="l" defTabSz="914400" rtl="0" eaLnBrk="1" latinLnBrk="0" hangingPunct="1">
-              <a:lnSpc>
-                <a:spcPct val="90000"/>
-              </a:lnSpc>
-              <a:spcBef>
-                <a:spcPts val="500"/>
-              </a:spcBef>
-              <a:buFont typeface="Arial" panose="020B0604020202020204" pitchFamily="34" charset="0"/>
-              <a:buChar char="•"/>
-              <a:defRPr sz="1800" kern="1200">
-                <a:solidFill>
-                  <a:schemeClr val="tx1"/>
-                </a:solidFill>
-                <a:latin typeface="+mn-lt"/>
-                <a:ea typeface="+mn-ea"/>
-                <a:cs typeface="+mn-cs"/>
-              </a:defRPr>
-            </a:lvl7pPr>
-            <a:lvl8pPr marL="3429000" indent="-228600" algn="l" defTabSz="914400" rtl="0" eaLnBrk="1" latinLnBrk="0" hangingPunct="1">
-              <a:lnSpc>
-                <a:spcPct val="90000"/>
-              </a:lnSpc>
-              <a:spcBef>
-                <a:spcPts val="500"/>
-              </a:spcBef>
-              <a:buFont typeface="Arial" panose="020B0604020202020204" pitchFamily="34" charset="0"/>
-              <a:buChar char="•"/>
-              <a:defRPr sz="1800" kern="1200">
-                <a:solidFill>
-                  <a:schemeClr val="tx1"/>
-                </a:solidFill>
-                <a:latin typeface="+mn-lt"/>
-                <a:ea typeface="+mn-ea"/>
-                <a:cs typeface="+mn-cs"/>
-              </a:defRPr>
-            </a:lvl8pPr>
-            <a:lvl9pPr marL="3886200" indent="-228600" algn="l" defTabSz="914400" rtl="0" eaLnBrk="1" latinLnBrk="0" hangingPunct="1">
-              <a:lnSpc>
-                <a:spcPct val="90000"/>
-              </a:lnSpc>
-              <a:spcBef>
-                <a:spcPts val="500"/>
-              </a:spcBef>
-              <a:buFont typeface="Arial" panose="020B0604020202020204" pitchFamily="34" charset="0"/>
-              <a:buChar char="•"/>
-              <a:defRPr sz="1800" kern="1200">
-                <a:solidFill>
-                  <a:schemeClr val="tx1"/>
-                </a:solidFill>
-                <a:latin typeface="+mn-lt"/>
-                <a:ea typeface="+mn-ea"/>
-                <a:cs typeface="+mn-cs"/>
-              </a:defRPr>
-            </a:lvl9pPr>
-          </a:lstStyle>
-          <a:p>
-            <a:pPr algn="l">
-              <a:lnSpc>
-                <a:spcPct val="100000"/>
-              </a:lnSpc>
-            </a:pPr>
-            <a:r>
-              <a:rPr lang="hu-HU" sz="4800" dirty="0">
-                <a:solidFill>
-                  <a:schemeClr val="bg1"/>
-                </a:solidFill>
-                <a:latin typeface="Georgia" panose="02040502050405020303" pitchFamily="18" charset="0"/>
-                <a:cs typeface="Arial" panose="020B0604020202020204" pitchFamily="34" charset="0"/>
-              </a:rPr>
-              <a:t>Jelenleg problémát jelent</a:t>
-            </a:r>
-            <a:br>
-              <a:rPr lang="hu-HU" sz="4800" dirty="0">
-                <a:solidFill>
-                  <a:schemeClr val="bg1"/>
-                </a:solidFill>
-                <a:latin typeface="Georgia" panose="02040502050405020303" pitchFamily="18" charset="0"/>
-                <a:cs typeface="Arial" panose="020B0604020202020204" pitchFamily="34" charset="0"/>
-              </a:rPr>
-            </a:br>
-            <a:endParaRPr lang="hu-HU" sz="4800" dirty="0">
-              <a:solidFill>
-                <a:schemeClr val="bg1"/>
-              </a:solidFill>
-              <a:latin typeface="Georgia" panose="02040502050405020303" pitchFamily="18" charset="0"/>
-              <a:cs typeface="Calibri Light" panose="020F0302020204030204" pitchFamily="34" charset="0"/>
-            </a:endParaRPr>
-          </a:p>
-          <a:p>
-            <a:pPr algn="l">
-              <a:lnSpc>
-                <a:spcPct val="100000"/>
-              </a:lnSpc>
-            </a:pPr>
-            <a:r>
-              <a:rPr lang="hu-HU" dirty="0">
-                <a:solidFill>
-                  <a:schemeClr val="bg1"/>
-                </a:solidFill>
-                <a:latin typeface="Arial" panose="020B0604020202020204" pitchFamily="34" charset="0"/>
-                <a:cs typeface="Arial" panose="020B0604020202020204" pitchFamily="34" charset="0"/>
-              </a:rPr>
-              <a:t>Számomra még a mostani szimulációs környezetben is, hogy mi alapján állítsam be a függvényeket, milyen kapcsolat legyen ezek között. Ezek a kapcsolatok jelenleg eléggé determinisztikusak így képes rajta bármit megtanulni a háló, de vajon hasonlítanak</a:t>
-            </a:r>
-            <a:br>
-              <a:rPr lang="hu-HU" dirty="0">
-                <a:solidFill>
-                  <a:schemeClr val="bg1"/>
-                </a:solidFill>
-                <a:latin typeface="Arial" panose="020B0604020202020204" pitchFamily="34" charset="0"/>
-                <a:cs typeface="Arial" panose="020B0604020202020204" pitchFamily="34" charset="0"/>
-              </a:rPr>
-            </a:br>
-            <a:r>
-              <a:rPr lang="hu-HU" dirty="0">
-                <a:solidFill>
-                  <a:schemeClr val="bg1"/>
-                </a:solidFill>
-                <a:latin typeface="Arial" panose="020B0604020202020204" pitchFamily="34" charset="0"/>
-                <a:cs typeface="Arial" panose="020B0604020202020204" pitchFamily="34" charset="0"/>
-              </a:rPr>
-              <a:t>ezek a valós adatokhoz?</a:t>
-            </a:r>
-          </a:p>
-        </p:txBody>
-      </p:sp>
-      <p:sp>
-        <p:nvSpPr>
-          <p:cNvPr id="7" name="Szöveg helye 14">
-            <a:extLst>
-              <a:ext uri="{FF2B5EF4-FFF2-40B4-BE49-F238E27FC236}">
-                <a16:creationId xmlns:a16="http://schemas.microsoft.com/office/drawing/2014/main" id="{E7A037A9-7F8E-4580-9C7D-56A0450DBB67}"/>
-              </a:ext>
-            </a:extLst>
-          </p:cNvPr>
-          <p:cNvSpPr txBox="1">
-            <a:spLocks/>
-          </p:cNvSpPr>
-          <p:nvPr/>
-        </p:nvSpPr>
-        <p:spPr>
-          <a:xfrm>
-            <a:off x="5259019" y="1512886"/>
-            <a:ext cx="4441571" cy="5345114"/>
-          </a:xfrm>
-          <a:prstGeom prst="rect">
-            <a:avLst/>
-          </a:prstGeom>
-          <a:noFill/>
-        </p:spPr>
-        <p:txBody>
-          <a:bodyPr vert="horz" lIns="108000" tIns="72000" rIns="72000" bIns="36000" rtlCol="0">
-            <a:noAutofit/>
-          </a:bodyPr>
-          <a:lstStyle>
-            <a:lvl1pPr marL="0" indent="0" algn="ctr" defTabSz="914400" rtl="0" eaLnBrk="1" latinLnBrk="0" hangingPunct="1">
-              <a:lnSpc>
-                <a:spcPct val="90000"/>
-              </a:lnSpc>
-              <a:spcBef>
-                <a:spcPts val="1000"/>
-              </a:spcBef>
-              <a:buFont typeface="Arial" panose="020B0604020202020204" pitchFamily="34" charset="0"/>
-              <a:buNone/>
-              <a:defRPr sz="1600" kern="1200">
-                <a:solidFill>
-                  <a:schemeClr val="tx1">
-                    <a:lumMod val="75000"/>
-                    <a:lumOff val="25000"/>
-                  </a:schemeClr>
-                </a:solidFill>
-                <a:latin typeface="+mn-lt"/>
-                <a:ea typeface="+mn-ea"/>
-                <a:cs typeface="+mn-cs"/>
-              </a:defRPr>
-            </a:lvl1pPr>
-            <a:lvl2pPr marL="542925" indent="-276225" algn="l" defTabSz="914400" rtl="0" eaLnBrk="1" latinLnBrk="0" hangingPunct="1">
-              <a:lnSpc>
-                <a:spcPct val="90000"/>
-              </a:lnSpc>
-              <a:spcBef>
-                <a:spcPts val="500"/>
-              </a:spcBef>
-              <a:buFont typeface="Arial" panose="020B0604020202020204" pitchFamily="34" charset="0"/>
-              <a:buChar char="•"/>
-              <a:defRPr sz="1600" kern="1200">
-                <a:solidFill>
-                  <a:schemeClr val="tx1">
-                    <a:lumMod val="75000"/>
-                    <a:lumOff val="25000"/>
-                  </a:schemeClr>
-                </a:solidFill>
-                <a:latin typeface="+mn-lt"/>
-                <a:ea typeface="+mn-ea"/>
-                <a:cs typeface="+mn-cs"/>
-              </a:defRPr>
-            </a:lvl2pPr>
-            <a:lvl3pPr marL="809625" indent="-266700" algn="l" defTabSz="914400" rtl="0" eaLnBrk="1" latinLnBrk="0" hangingPunct="1">
-              <a:lnSpc>
-                <a:spcPct val="90000"/>
-              </a:lnSpc>
-              <a:spcBef>
-                <a:spcPts val="500"/>
-              </a:spcBef>
-              <a:buFont typeface="Arial" panose="020B0604020202020204" pitchFamily="34" charset="0"/>
-              <a:buChar char="•"/>
-              <a:defRPr sz="1400" kern="1200">
-                <a:solidFill>
-                  <a:schemeClr val="tx1">
-                    <a:lumMod val="75000"/>
-                    <a:lumOff val="25000"/>
-                  </a:schemeClr>
-                </a:solidFill>
-                <a:latin typeface="+mn-lt"/>
-                <a:ea typeface="+mn-ea"/>
-                <a:cs typeface="+mn-cs"/>
-              </a:defRPr>
-            </a:lvl3pPr>
-            <a:lvl4pPr marL="1076325" indent="-266700" algn="l" defTabSz="914400" rtl="0" eaLnBrk="1" latinLnBrk="0" hangingPunct="1">
-              <a:lnSpc>
-                <a:spcPct val="90000"/>
-              </a:lnSpc>
-              <a:spcBef>
-                <a:spcPts val="500"/>
-              </a:spcBef>
-              <a:buFont typeface="Arial" panose="020B0604020202020204" pitchFamily="34" charset="0"/>
-              <a:buChar char="•"/>
-              <a:defRPr sz="1400" kern="1200">
-                <a:solidFill>
-                  <a:schemeClr val="tx1">
-                    <a:lumMod val="75000"/>
-                    <a:lumOff val="25000"/>
-                  </a:schemeClr>
-                </a:solidFill>
-                <a:latin typeface="+mn-lt"/>
-                <a:ea typeface="+mn-ea"/>
-                <a:cs typeface="+mn-cs"/>
-              </a:defRPr>
-            </a:lvl4pPr>
-            <a:lvl5pPr marL="1343025" indent="-266700" algn="l" defTabSz="914400" rtl="0" eaLnBrk="1" latinLnBrk="0" hangingPunct="1">
-              <a:lnSpc>
-                <a:spcPct val="90000"/>
-              </a:lnSpc>
-              <a:spcBef>
-                <a:spcPts val="500"/>
-              </a:spcBef>
-              <a:buFont typeface="Arial" panose="020B0604020202020204" pitchFamily="34" charset="0"/>
-              <a:buChar char="•"/>
-              <a:defRPr sz="1400" kern="1200">
-                <a:solidFill>
-                  <a:schemeClr val="tx1">
-                    <a:lumMod val="75000"/>
-                    <a:lumOff val="25000"/>
-                  </a:schemeClr>
-                </a:solidFill>
-                <a:latin typeface="+mn-lt"/>
-                <a:ea typeface="+mn-ea"/>
-                <a:cs typeface="+mn-cs"/>
-              </a:defRPr>
-            </a:lvl5pPr>
-            <a:lvl6pPr marL="2514600" indent="-228600" algn="l" defTabSz="914400" rtl="0" eaLnBrk="1" latinLnBrk="0" hangingPunct="1">
-              <a:lnSpc>
-                <a:spcPct val="90000"/>
-              </a:lnSpc>
-              <a:spcBef>
-                <a:spcPts val="500"/>
-              </a:spcBef>
-              <a:buFont typeface="Arial" panose="020B0604020202020204" pitchFamily="34" charset="0"/>
-              <a:buChar char="•"/>
-              <a:defRPr sz="1800" kern="1200">
-                <a:solidFill>
-                  <a:schemeClr val="tx1"/>
-                </a:solidFill>
-                <a:latin typeface="+mn-lt"/>
-                <a:ea typeface="+mn-ea"/>
-                <a:cs typeface="+mn-cs"/>
-              </a:defRPr>
-            </a:lvl6pPr>
-            <a:lvl7pPr marL="2971800" indent="-228600" algn="l" defTabSz="914400" rtl="0" eaLnBrk="1" latinLnBrk="0" hangingPunct="1">
-              <a:lnSpc>
-                <a:spcPct val="90000"/>
-              </a:lnSpc>
-              <a:spcBef>
-                <a:spcPts val="500"/>
-              </a:spcBef>
-              <a:buFont typeface="Arial" panose="020B0604020202020204" pitchFamily="34" charset="0"/>
-              <a:buChar char="•"/>
-              <a:defRPr sz="1800" kern="1200">
-                <a:solidFill>
-                  <a:schemeClr val="tx1"/>
-                </a:solidFill>
-                <a:latin typeface="+mn-lt"/>
-                <a:ea typeface="+mn-ea"/>
-                <a:cs typeface="+mn-cs"/>
-              </a:defRPr>
-            </a:lvl7pPr>
-            <a:lvl8pPr marL="3429000" indent="-228600" algn="l" defTabSz="914400" rtl="0" eaLnBrk="1" latinLnBrk="0" hangingPunct="1">
-              <a:lnSpc>
-                <a:spcPct val="90000"/>
-              </a:lnSpc>
-              <a:spcBef>
-                <a:spcPts val="500"/>
-              </a:spcBef>
-              <a:buFont typeface="Arial" panose="020B0604020202020204" pitchFamily="34" charset="0"/>
-              <a:buChar char="•"/>
-              <a:defRPr sz="1800" kern="1200">
-                <a:solidFill>
-                  <a:schemeClr val="tx1"/>
-                </a:solidFill>
-                <a:latin typeface="+mn-lt"/>
-                <a:ea typeface="+mn-ea"/>
-                <a:cs typeface="+mn-cs"/>
-              </a:defRPr>
-            </a:lvl8pPr>
-            <a:lvl9pPr marL="3886200" indent="-228600" algn="l" defTabSz="914400" rtl="0" eaLnBrk="1" latinLnBrk="0" hangingPunct="1">
-              <a:lnSpc>
-                <a:spcPct val="90000"/>
-              </a:lnSpc>
-              <a:spcBef>
-                <a:spcPts val="500"/>
-              </a:spcBef>
-              <a:buFont typeface="Arial" panose="020B0604020202020204" pitchFamily="34" charset="0"/>
-              <a:buChar char="•"/>
-              <a:defRPr sz="1800" kern="1200">
-                <a:solidFill>
-                  <a:schemeClr val="tx1"/>
-                </a:solidFill>
-                <a:latin typeface="+mn-lt"/>
-                <a:ea typeface="+mn-ea"/>
-                <a:cs typeface="+mn-cs"/>
-              </a:defRPr>
-            </a:lvl9pPr>
-          </a:lstStyle>
-          <a:p>
-            <a:pPr algn="l">
-              <a:lnSpc>
-                <a:spcPct val="100000"/>
-              </a:lnSpc>
-            </a:pPr>
-            <a:r>
-              <a:rPr lang="hu-HU" sz="4800" dirty="0">
-                <a:solidFill>
-                  <a:schemeClr val="bg1"/>
-                </a:solidFill>
-                <a:latin typeface="Georgia" panose="02040502050405020303" pitchFamily="18" charset="0"/>
-                <a:cs typeface="Arial" panose="020B0604020202020204" pitchFamily="34" charset="0"/>
-              </a:rPr>
-              <a:t>Hogyan állítsam be ezeket?</a:t>
-            </a:r>
-            <a:br>
-              <a:rPr lang="hu-HU" sz="4800" dirty="0">
-                <a:solidFill>
-                  <a:schemeClr val="bg1"/>
-                </a:solidFill>
-                <a:latin typeface="Georgia" panose="02040502050405020303" pitchFamily="18" charset="0"/>
-                <a:cs typeface="Arial" panose="020B0604020202020204" pitchFamily="34" charset="0"/>
-              </a:rPr>
-            </a:br>
-            <a:endParaRPr lang="hu-HU" sz="4800" dirty="0">
-              <a:solidFill>
-                <a:schemeClr val="bg1"/>
-              </a:solidFill>
-              <a:latin typeface="Georgia" panose="02040502050405020303" pitchFamily="18" charset="0"/>
-              <a:cs typeface="Calibri Light" panose="020F0302020204030204" pitchFamily="34" charset="0"/>
-            </a:endParaRPr>
-          </a:p>
-          <a:p>
-            <a:pPr algn="l">
-              <a:lnSpc>
-                <a:spcPct val="100000"/>
-              </a:lnSpc>
-            </a:pPr>
-            <a:r>
-              <a:rPr lang="hu-HU" dirty="0">
-                <a:solidFill>
-                  <a:schemeClr val="bg1"/>
-                </a:solidFill>
-                <a:latin typeface="Arial" panose="020B0604020202020204" pitchFamily="34" charset="0"/>
-                <a:cs typeface="Arial" panose="020B0604020202020204" pitchFamily="34" charset="0"/>
-              </a:rPr>
-              <a:t>Ezért abban reménykedek, hogy a </a:t>
-            </a:r>
-            <a:r>
-              <a:rPr lang="hu-HU" dirty="0" err="1">
-                <a:solidFill>
-                  <a:schemeClr val="bg1"/>
-                </a:solidFill>
-                <a:latin typeface="Arial" panose="020B0604020202020204" pitchFamily="34" charset="0"/>
-                <a:cs typeface="Arial" panose="020B0604020202020204" pitchFamily="34" charset="0"/>
-              </a:rPr>
-              <a:t>CloudSImben</a:t>
-            </a:r>
-            <a:r>
-              <a:rPr lang="hu-HU" dirty="0">
-                <a:solidFill>
-                  <a:schemeClr val="bg1"/>
-                </a:solidFill>
-                <a:latin typeface="Arial" panose="020B0604020202020204" pitchFamily="34" charset="0"/>
-                <a:cs typeface="Arial" panose="020B0604020202020204" pitchFamily="34" charset="0"/>
-              </a:rPr>
-              <a:t> valahogy azért csak </a:t>
-            </a:r>
-            <a:r>
-              <a:rPr lang="hu-HU" dirty="0" err="1">
-                <a:solidFill>
-                  <a:schemeClr val="bg1"/>
-                </a:solidFill>
-                <a:latin typeface="Arial" panose="020B0604020202020204" pitchFamily="34" charset="0"/>
-                <a:cs typeface="Arial" panose="020B0604020202020204" pitchFamily="34" charset="0"/>
-              </a:rPr>
-              <a:t>csak</a:t>
-            </a:r>
-            <a:r>
-              <a:rPr lang="hu-HU" dirty="0">
-                <a:solidFill>
-                  <a:schemeClr val="bg1"/>
-                </a:solidFill>
-                <a:latin typeface="Arial" panose="020B0604020202020204" pitchFamily="34" charset="0"/>
-                <a:cs typeface="Arial" panose="020B0604020202020204" pitchFamily="34" charset="0"/>
-              </a:rPr>
-              <a:t> reálisabb beállításokat tudunk kieszközölni amelyek közelebb állnak majd a valósághoz</a:t>
-            </a:r>
-          </a:p>
-          <a:p>
-            <a:pPr algn="l">
-              <a:lnSpc>
-                <a:spcPct val="100000"/>
-              </a:lnSpc>
-            </a:pPr>
-            <a:endParaRPr lang="hu-HU" dirty="0">
-              <a:solidFill>
-                <a:schemeClr val="bg1"/>
-              </a:solidFill>
-              <a:latin typeface="Arial" panose="020B0604020202020204" pitchFamily="34" charset="0"/>
-              <a:cs typeface="Arial" panose="020B0604020202020204" pitchFamily="34" charset="0"/>
-            </a:endParaRPr>
-          </a:p>
-          <a:p>
-            <a:pPr algn="l">
-              <a:lnSpc>
-                <a:spcPct val="100000"/>
-              </a:lnSpc>
-            </a:pPr>
-            <a:r>
-              <a:rPr lang="hu-HU" dirty="0">
-                <a:solidFill>
-                  <a:schemeClr val="bg1"/>
-                </a:solidFill>
-                <a:latin typeface="Arial" panose="020B0604020202020204" pitchFamily="34" charset="0"/>
-                <a:cs typeface="Arial" panose="020B0604020202020204" pitchFamily="34" charset="0"/>
-              </a:rPr>
-              <a:t>De gyakorlatilag ezt a problémát az se oldja meg ha áttérek RL-be, akkor is ott a kérdés, hogyan állítjuk elő a belső függőségeket?</a:t>
-            </a:r>
-          </a:p>
-        </p:txBody>
-      </p:sp>
-    </p:spTree>
-    <p:extLst>
-      <p:ext uri="{BB962C8B-B14F-4D97-AF65-F5344CB8AC3E}">
-        <p14:creationId xmlns:p14="http://schemas.microsoft.com/office/powerpoint/2010/main" val="3503665925"/>
-      </p:ext>
-    </p:extLst>
-  </p:cSld>
-  <p:clrMapOvr>
-    <a:masterClrMapping/>
-  </p:clrMapOvr>
-  <mc:AlternateContent xmlns:mc="http://schemas.openxmlformats.org/markup-compatibility/2006" xmlns:p14="http://schemas.microsoft.com/office/powerpoint/2010/main">
-    <mc:Choice Requires="p14">
-      <p:transition spd="med" p14:dur="700">
-        <p:fade/>
-      </p:transition>
-    </mc:Choice>
-    <mc:Fallback xmlns="">
-      <p:transition spd="med">
-        <p:fade/>
-      </p:transition>
-    </mc:Fallback>
-  </mc:AlternateContent>
-  <p:timing>
-    <p:tnLst>
-      <p:par>
-        <p:cTn id="1" dur="indefinite" restart="never" nodeType="tmRoot">
-          <p:childTnLst>
-            <p:seq concurrent="1" nextAc="seek">
-              <p:cTn id="2" dur="indefinite" nodeType="mainSeq">
-                <p:childTnLst>
-                  <p:par>
-                    <p:cTn id="3" fill="hold">
-                      <p:stCondLst>
-                        <p:cond delay="indefinite"/>
-                      </p:stCondLst>
-                      <p:childTnLst>
-                        <p:par>
-                          <p:cTn id="4" fill="hold">
-                            <p:stCondLst>
-                              <p:cond delay="0"/>
-                            </p:stCondLst>
-                            <p:childTnLst>
-                              <p:par>
-                                <p:cTn id="5" presetID="10" presetClass="entr" presetSubtype="0" fill="hold" grpId="0" nodeType="clickEffect">
-                                  <p:stCondLst>
-                                    <p:cond delay="0"/>
-                                  </p:stCondLst>
-                                  <p:childTnLst>
-                                    <p:set>
-                                      <p:cBhvr>
-                                        <p:cTn id="6" dur="1" fill="hold">
-                                          <p:stCondLst>
-                                            <p:cond delay="0"/>
-                                          </p:stCondLst>
-                                        </p:cTn>
-                                        <p:tgtEl>
-                                          <p:spTgt spid="21"/>
-                                        </p:tgtEl>
-                                        <p:attrNameLst>
-                                          <p:attrName>style.visibility</p:attrName>
-                                        </p:attrNameLst>
-                                      </p:cBhvr>
-                                      <p:to>
-                                        <p:strVal val="visible"/>
-                                      </p:to>
-                                    </p:set>
-                                    <p:animEffect transition="in" filter="fade">
-                                      <p:cBhvr>
-                                        <p:cTn id="7" dur="500"/>
-                                        <p:tgtEl>
-                                          <p:spTgt spid="21"/>
-                                        </p:tgtEl>
-                                      </p:cBhvr>
-                                    </p:animEffect>
-                                  </p:childTnLst>
-                                </p:cTn>
-                              </p:par>
-                            </p:childTnLst>
-                          </p:cTn>
-                        </p:par>
-                      </p:childTnLst>
-                    </p:cTn>
-                  </p:par>
-                  <p:par>
-                    <p:cTn id="8" fill="hold">
-                      <p:stCondLst>
-                        <p:cond delay="indefinite"/>
-                      </p:stCondLst>
-                      <p:childTnLst>
-                        <p:par>
-                          <p:cTn id="9" fill="hold">
-                            <p:stCondLst>
-                              <p:cond delay="0"/>
-                            </p:stCondLst>
-                            <p:childTnLst>
-                              <p:par>
-                                <p:cTn id="10" presetID="10" presetClass="entr" presetSubtype="0" fill="hold" grpId="0" nodeType="clickEffect">
-                                  <p:stCondLst>
-                                    <p:cond delay="0"/>
-                                  </p:stCondLst>
-                                  <p:childTnLst>
-                                    <p:set>
-                                      <p:cBhvr>
-                                        <p:cTn id="11" dur="1" fill="hold">
-                                          <p:stCondLst>
-                                            <p:cond delay="0"/>
-                                          </p:stCondLst>
-                                        </p:cTn>
-                                        <p:tgtEl>
-                                          <p:spTgt spid="7"/>
-                                        </p:tgtEl>
-                                        <p:attrNameLst>
-                                          <p:attrName>style.visibility</p:attrName>
-                                        </p:attrNameLst>
-                                      </p:cBhvr>
-                                      <p:to>
-                                        <p:strVal val="visible"/>
-                                      </p:to>
-                                    </p:set>
-                                    <p:animEffect transition="in" filter="fade">
-                                      <p:cBhvr>
-                                        <p:cTn id="12" dur="500"/>
-                                        <p:tgtEl>
-                                          <p:spTgt spid="7"/>
-                                        </p:tgtEl>
-                                      </p:cBhvr>
-                                    </p:animEffect>
-                                  </p:childTnLst>
-                                </p:cTn>
-                              </p:par>
-                            </p:childTnLst>
-                          </p:cTn>
-                        </p:par>
-                      </p:childTnLst>
-                    </p:cTn>
-                  </p:par>
-                </p:childTnLst>
-              </p:cTn>
-              <p:prevCondLst>
-                <p:cond evt="onPrev" delay="0">
-                  <p:tgtEl>
-                    <p:sldTgt/>
-                  </p:tgtEl>
-                </p:cond>
-              </p:prevCondLst>
-              <p:nextCondLst>
-                <p:cond evt="onNext" delay="0">
-                  <p:tgtEl>
-                    <p:sldTgt/>
-                  </p:tgtEl>
-                </p:cond>
-              </p:nextCondLst>
-            </p:seq>
-          </p:childTnLst>
-        </p:cTn>
-      </p:par>
-    </p:tnLst>
-    <p:bldLst>
-      <p:bldP spid="21" grpId="0"/>
-      <p:bldP spid="7" grpId="0"/>
-    </p:bldLst>
-  </p:timing>
-</p:sld>
-</file>
-
 <file path=ppt/slides/slide28.xml><?xml version="1.0" encoding="utf-8"?>
 <p:sld xmlns:a="http://schemas.openxmlformats.org/drawingml/2006/main" xmlns:r="http://schemas.openxmlformats.org/officeDocument/2006/relationships" xmlns:p="http://schemas.openxmlformats.org/presentationml/2006/main">
   <p:cSld>
@@ -29014,6 +28639,16 @@
               </a:lnSpc>
             </a:pPr>
             <a:r>
+              <a:rPr lang="hu-HU" sz="4800" dirty="0" err="1">
+                <a:solidFill>
+                  <a:schemeClr val="bg1"/>
+                </a:solidFill>
+                <a:latin typeface="Georgia" panose="02040502050405020303" pitchFamily="18" charset="0"/>
+                <a:cs typeface="Arial" panose="020B0604020202020204" pitchFamily="34" charset="0"/>
+              </a:rPr>
+              <a:t>Further</a:t>
+            </a:r>
+            <a:r>
               <a:rPr lang="hu-HU" sz="4800" dirty="0">
                 <a:solidFill>
                   <a:schemeClr val="bg1"/>
@@ -29021,7 +28656,7 @@
                 <a:latin typeface="Georgia" panose="02040502050405020303" pitchFamily="18" charset="0"/>
                 <a:cs typeface="Arial" panose="020B0604020202020204" pitchFamily="34" charset="0"/>
               </a:rPr>
-              <a:t>Zárszó, gondolat a </a:t>
+              <a:t>  </a:t>
             </a:r>
             <a:r>
               <a:rPr lang="hu-HU" sz="4800" dirty="0" err="1">
@@ -29031,7 +28666,7 @@
                 <a:latin typeface="Georgia" panose="02040502050405020303" pitchFamily="18" charset="0"/>
                 <a:cs typeface="Arial" panose="020B0604020202020204" pitchFamily="34" charset="0"/>
               </a:rPr>
-              <a:t>Reinforcement</a:t>
+              <a:t>Work</a:t>
             </a:r>
             <a:r>
               <a:rPr lang="hu-HU" sz="4800" dirty="0">
@@ -29041,7 +28676,7 @@
                 <a:latin typeface="Georgia" panose="02040502050405020303" pitchFamily="18" charset="0"/>
                 <a:cs typeface="Arial" panose="020B0604020202020204" pitchFamily="34" charset="0"/>
               </a:rPr>
-              <a:t> </a:t>
+              <a:t> – </a:t>
             </a:r>
             <a:r>
               <a:rPr lang="hu-HU" sz="4800" dirty="0" err="1">
@@ -29051,7 +28686,7 @@
                 <a:latin typeface="Georgia" panose="02040502050405020303" pitchFamily="18" charset="0"/>
                 <a:cs typeface="Arial" panose="020B0604020202020204" pitchFamily="34" charset="0"/>
               </a:rPr>
-              <a:t>Lr</a:t>
+              <a:t>CloudSim</a:t>
             </a:r>
             <a:r>
               <a:rPr lang="hu-HU" sz="4800" dirty="0">
@@ -29061,7 +28696,17 @@
                 <a:latin typeface="Georgia" panose="02040502050405020303" pitchFamily="18" charset="0"/>
                 <a:cs typeface="Arial" panose="020B0604020202020204" pitchFamily="34" charset="0"/>
               </a:rPr>
-              <a:t>-hez</a:t>
+              <a:t> and </a:t>
+            </a:r>
+            <a:r>
+              <a:rPr lang="hu-HU" sz="4800" dirty="0" err="1">
+                <a:solidFill>
+                  <a:schemeClr val="bg1"/>
+                </a:solidFill>
+                <a:latin typeface="Georgia" panose="02040502050405020303" pitchFamily="18" charset="0"/>
+                <a:cs typeface="Arial" panose="020B0604020202020204" pitchFamily="34" charset="0"/>
+              </a:rPr>
+              <a:t>Reinforce</a:t>
             </a:r>
             <a:endParaRPr lang="hu-HU" sz="4800" dirty="0">
               <a:solidFill>
@@ -29294,7 +28939,7 @@
                 <a:latin typeface="Georgia" panose="02040502050405020303" pitchFamily="18" charset="0"/>
                 <a:cs typeface="Arial" panose="020B0604020202020204" pitchFamily="34" charset="0"/>
               </a:rPr>
-              <a:t>Bicskával fát vágni</a:t>
+              <a:t>Jelenleg problémát jelent</a:t>
             </a:r>
             <a:br>
               <a:rPr lang="hu-HU" sz="4800" dirty="0">
@@ -29327,30 +28972,9 @@
                 <a:latin typeface="Arial" panose="020B0604020202020204" pitchFamily="34" charset="0"/>
                 <a:cs typeface="Arial" panose="020B0604020202020204" pitchFamily="34" charset="0"/>
               </a:rPr>
-              <a:t>A szobatermosztát sem egy bonyolult szerkezet mégis több száz millió háztartásban használják. Nem biztos, hogy ezt a problémát nem lehet egyszerűbb rendszerekkel megoldani.</a:t>
-            </a:r>
-          </a:p>
-          <a:p>
-            <a:pPr algn="l">
-              <a:lnSpc>
-                <a:spcPct val="100000"/>
-              </a:lnSpc>
-            </a:pPr>
-            <a:endParaRPr lang="hu-HU" dirty="0">
-              <a:solidFill>
-                <a:schemeClr val="bg1"/>
-              </a:solidFill>
-              <a:latin typeface="Arial" panose="020B0604020202020204" pitchFamily="34" charset="0"/>
-              <a:cs typeface="Arial" panose="020B0604020202020204" pitchFamily="34" charset="0"/>
-            </a:endParaRPr>
-          </a:p>
-          <a:p>
-            <a:pPr algn="l">
-              <a:lnSpc>
-                <a:spcPct val="100000"/>
-              </a:lnSpc>
-            </a:pPr>
-            <a:r>
+              <a:t>Számomra még a mostani szimulációs környezetben is, hogy mi alapján állítsam be a függvényeket, milyen kapcsolat legyen ezek között. Ezek a kapcsolatok jelenleg eléggé determinisztikusak így képes rajta bármit megtanulni a háló, de vajon hasonlítanak</a:t>
+            </a:r>
+            <a:br>
               <a:rPr lang="hu-HU" dirty="0">
                 <a:solidFill>
                   <a:schemeClr val="bg1"/>
@@ -29358,7 +28982,16 @@
                 <a:latin typeface="Arial" panose="020B0604020202020204" pitchFamily="34" charset="0"/>
                 <a:cs typeface="Arial" panose="020B0604020202020204" pitchFamily="34" charset="0"/>
               </a:rPr>
-              <a:t>Ennek ellenére az RL-t ki fogjuk próbálni, lehet hogy én leszek a legnagyobb híve</a:t>
+            </a:br>
+            <a:r>
+              <a:rPr lang="hu-HU" dirty="0">
+                <a:solidFill>
+                  <a:schemeClr val="bg1"/>
+                </a:solidFill>
+                <a:latin typeface="Arial" panose="020B0604020202020204" pitchFamily="34" charset="0"/>
+                <a:cs typeface="Arial" panose="020B0604020202020204" pitchFamily="34" charset="0"/>
+              </a:rPr>
+              <a:t>ezek a valós adatokhoz?</a:t>
             </a:r>
           </a:p>
         </p:txBody>
@@ -29584,7 +29217,7 @@
                 <a:latin typeface="Georgia" panose="02040502050405020303" pitchFamily="18" charset="0"/>
                 <a:cs typeface="Arial" panose="020B0604020202020204" pitchFamily="34" charset="0"/>
               </a:rPr>
-              <a:t>Vagy ágyúval verébre?</a:t>
+              <a:t>Hogyan állítsam be ezeket?</a:t>
             </a:r>
             <a:br>
               <a:rPr lang="hu-HU" sz="4800" dirty="0">
@@ -29617,7 +29250,47 @@
                 <a:latin typeface="Arial" panose="020B0604020202020204" pitchFamily="34" charset="0"/>
                 <a:cs typeface="Arial" panose="020B0604020202020204" pitchFamily="34" charset="0"/>
               </a:rPr>
-              <a:t>Nem arra akarom kihegyezni e PhD témát, hogyan lehet egy RL problémát nem RL módszertannal megoldani, de azt továbbra is egy érdekes és releváns felvetésnek tartom, hogy ha meg lehet oldani szimulációs környezet kiépítése nélkül és meg lehet oldani úgy akkor az előny azzal szemben ha szimulált környezetet kell neki kialakítani.</a:t>
+              <a:t>Ezért abban reménykedek, hogy a </a:t>
+            </a:r>
+            <a:r>
+              <a:rPr lang="hu-HU" dirty="0" err="1">
+                <a:solidFill>
+                  <a:schemeClr val="bg1"/>
+                </a:solidFill>
+                <a:latin typeface="Arial" panose="020B0604020202020204" pitchFamily="34" charset="0"/>
+                <a:cs typeface="Arial" panose="020B0604020202020204" pitchFamily="34" charset="0"/>
+              </a:rPr>
+              <a:t>CloudSImben</a:t>
+            </a:r>
+            <a:r>
+              <a:rPr lang="hu-HU" dirty="0">
+                <a:solidFill>
+                  <a:schemeClr val="bg1"/>
+                </a:solidFill>
+                <a:latin typeface="Arial" panose="020B0604020202020204" pitchFamily="34" charset="0"/>
+                <a:cs typeface="Arial" panose="020B0604020202020204" pitchFamily="34" charset="0"/>
+              </a:rPr>
+              <a:t> valahogy azért csak </a:t>
+            </a:r>
+            <a:r>
+              <a:rPr lang="hu-HU" dirty="0" err="1">
+                <a:solidFill>
+                  <a:schemeClr val="bg1"/>
+                </a:solidFill>
+                <a:latin typeface="Arial" panose="020B0604020202020204" pitchFamily="34" charset="0"/>
+                <a:cs typeface="Arial" panose="020B0604020202020204" pitchFamily="34" charset="0"/>
+              </a:rPr>
+              <a:t>csak</a:t>
+            </a:r>
+            <a:r>
+              <a:rPr lang="hu-HU" dirty="0">
+                <a:solidFill>
+                  <a:schemeClr val="bg1"/>
+                </a:solidFill>
+                <a:latin typeface="Arial" panose="020B0604020202020204" pitchFamily="34" charset="0"/>
+                <a:cs typeface="Arial" panose="020B0604020202020204" pitchFamily="34" charset="0"/>
+              </a:rPr>
+              <a:t> reálisabb beállításokat tudunk kieszközölni amelyek közelebb állnak majd a valósághoz</a:t>
             </a:r>
           </a:p>
           <a:p>
@@ -29626,6 +29299,20 @@
                 <a:spcPct val="100000"/>
               </a:lnSpc>
             </a:pPr>
+            <a:endParaRPr lang="hu-HU" dirty="0">
+              <a:solidFill>
+                <a:schemeClr val="bg1"/>
+              </a:solidFill>
+              <a:latin typeface="Arial" panose="020B0604020202020204" pitchFamily="34" charset="0"/>
+              <a:cs typeface="Arial" panose="020B0604020202020204" pitchFamily="34" charset="0"/>
+            </a:endParaRPr>
+          </a:p>
+          <a:p>
+            <a:pPr algn="l">
+              <a:lnSpc>
+                <a:spcPct val="100000"/>
+              </a:lnSpc>
+            </a:pPr>
             <a:r>
               <a:rPr lang="hu-HU" dirty="0">
                 <a:solidFill>
@@ -29634,7 +29321,7 @@
                 <a:latin typeface="Arial" panose="020B0604020202020204" pitchFamily="34" charset="0"/>
                 <a:cs typeface="Arial" panose="020B0604020202020204" pitchFamily="34" charset="0"/>
               </a:rPr>
-              <a:t>Persze ehhez alaposan meg kell érteni és összehasonlítani a kettő módszert.</a:t>
+              <a:t>De gyakorlatilag ezt a problémát az se oldja meg ha áttérek RL-be, akkor is ott a kérdés, hogyan állítjuk elő a belső függőségeket?</a:t>
             </a:r>
           </a:p>
         </p:txBody>
@@ -29642,7 +29329,7 @@
     </p:spTree>
     <p:extLst>
       <p:ext uri="{BB962C8B-B14F-4D97-AF65-F5344CB8AC3E}">
-        <p14:creationId xmlns:p14="http://schemas.microsoft.com/office/powerpoint/2010/main" val="819728284"/>
+        <p14:creationId xmlns:p14="http://schemas.microsoft.com/office/powerpoint/2010/main" val="3503665925"/>
       </p:ext>
     </p:extLst>
   </p:cSld>
@@ -30087,6 +29774,1678 @@
                 <a:latin typeface="Georgia" panose="02040502050405020303" pitchFamily="18" charset="0"/>
                 <a:cs typeface="Arial" panose="020B0604020202020204" pitchFamily="34" charset="0"/>
               </a:rPr>
+              <a:t>Zárszó, gondolat a </a:t>
+            </a:r>
+            <a:r>
+              <a:rPr lang="hu-HU" sz="4800" dirty="0" err="1">
+                <a:solidFill>
+                  <a:schemeClr val="bg1"/>
+                </a:solidFill>
+                <a:latin typeface="Georgia" panose="02040502050405020303" pitchFamily="18" charset="0"/>
+                <a:cs typeface="Arial" panose="020B0604020202020204" pitchFamily="34" charset="0"/>
+              </a:rPr>
+              <a:t>Reinforcement</a:t>
+            </a:r>
+            <a:r>
+              <a:rPr lang="hu-HU" sz="4800" dirty="0">
+                <a:solidFill>
+                  <a:schemeClr val="bg1"/>
+                </a:solidFill>
+                <a:latin typeface="Georgia" panose="02040502050405020303" pitchFamily="18" charset="0"/>
+                <a:cs typeface="Arial" panose="020B0604020202020204" pitchFamily="34" charset="0"/>
+              </a:rPr>
+              <a:t> </a:t>
+            </a:r>
+            <a:r>
+              <a:rPr lang="hu-HU" sz="4800" dirty="0" err="1">
+                <a:solidFill>
+                  <a:schemeClr val="bg1"/>
+                </a:solidFill>
+                <a:latin typeface="Georgia" panose="02040502050405020303" pitchFamily="18" charset="0"/>
+                <a:cs typeface="Arial" panose="020B0604020202020204" pitchFamily="34" charset="0"/>
+              </a:rPr>
+              <a:t>Lr</a:t>
+            </a:r>
+            <a:r>
+              <a:rPr lang="hu-HU" sz="4800" dirty="0">
+                <a:solidFill>
+                  <a:schemeClr val="bg1"/>
+                </a:solidFill>
+                <a:latin typeface="Georgia" panose="02040502050405020303" pitchFamily="18" charset="0"/>
+                <a:cs typeface="Arial" panose="020B0604020202020204" pitchFamily="34" charset="0"/>
+              </a:rPr>
+              <a:t>-hez</a:t>
+            </a:r>
+            <a:endParaRPr lang="hu-HU" sz="4800" dirty="0">
+              <a:solidFill>
+                <a:schemeClr val="bg1"/>
+              </a:solidFill>
+              <a:latin typeface="Georgia" panose="02040502050405020303" pitchFamily="18" charset="0"/>
+              <a:cs typeface="Calibri Light" panose="020F0302020204030204" pitchFamily="34" charset="0"/>
+            </a:endParaRPr>
+          </a:p>
+        </p:txBody>
+      </p:sp>
+      <p:sp>
+        <p:nvSpPr>
+          <p:cNvPr id="21" name="Szöveg helye 14">
+            <a:extLst>
+              <a:ext uri="{FF2B5EF4-FFF2-40B4-BE49-F238E27FC236}">
+                <a16:creationId xmlns:a16="http://schemas.microsoft.com/office/drawing/2014/main" id="{920C72BD-0D36-4AEA-8F08-8B14DD2DECFF}"/>
+              </a:ext>
+            </a:extLst>
+          </p:cNvPr>
+          <p:cNvSpPr txBox="1">
+            <a:spLocks/>
+          </p:cNvSpPr>
+          <p:nvPr/>
+        </p:nvSpPr>
+        <p:spPr>
+          <a:xfrm>
+            <a:off x="541246" y="1512886"/>
+            <a:ext cx="4441571" cy="5345114"/>
+          </a:xfrm>
+          <a:prstGeom prst="rect">
+            <a:avLst/>
+          </a:prstGeom>
+          <a:noFill/>
+        </p:spPr>
+        <p:txBody>
+          <a:bodyPr vert="horz" lIns="108000" tIns="72000" rIns="72000" bIns="36000" rtlCol="0">
+            <a:noAutofit/>
+          </a:bodyPr>
+          <a:lstStyle>
+            <a:lvl1pPr marL="0" indent="0" algn="ctr" defTabSz="914400" rtl="0" eaLnBrk="1" latinLnBrk="0" hangingPunct="1">
+              <a:lnSpc>
+                <a:spcPct val="90000"/>
+              </a:lnSpc>
+              <a:spcBef>
+                <a:spcPts val="1000"/>
+              </a:spcBef>
+              <a:buFont typeface="Arial" panose="020B0604020202020204" pitchFamily="34" charset="0"/>
+              <a:buNone/>
+              <a:defRPr sz="1600" kern="1200">
+                <a:solidFill>
+                  <a:schemeClr val="tx1">
+                    <a:lumMod val="75000"/>
+                    <a:lumOff val="25000"/>
+                  </a:schemeClr>
+                </a:solidFill>
+                <a:latin typeface="+mn-lt"/>
+                <a:ea typeface="+mn-ea"/>
+                <a:cs typeface="+mn-cs"/>
+              </a:defRPr>
+            </a:lvl1pPr>
+            <a:lvl2pPr marL="542925" indent="-276225" algn="l" defTabSz="914400" rtl="0" eaLnBrk="1" latinLnBrk="0" hangingPunct="1">
+              <a:lnSpc>
+                <a:spcPct val="90000"/>
+              </a:lnSpc>
+              <a:spcBef>
+                <a:spcPts val="500"/>
+              </a:spcBef>
+              <a:buFont typeface="Arial" panose="020B0604020202020204" pitchFamily="34" charset="0"/>
+              <a:buChar char="•"/>
+              <a:defRPr sz="1600" kern="1200">
+                <a:solidFill>
+                  <a:schemeClr val="tx1">
+                    <a:lumMod val="75000"/>
+                    <a:lumOff val="25000"/>
+                  </a:schemeClr>
+                </a:solidFill>
+                <a:latin typeface="+mn-lt"/>
+                <a:ea typeface="+mn-ea"/>
+                <a:cs typeface="+mn-cs"/>
+              </a:defRPr>
+            </a:lvl2pPr>
+            <a:lvl3pPr marL="809625" indent="-266700" algn="l" defTabSz="914400" rtl="0" eaLnBrk="1" latinLnBrk="0" hangingPunct="1">
+              <a:lnSpc>
+                <a:spcPct val="90000"/>
+              </a:lnSpc>
+              <a:spcBef>
+                <a:spcPts val="500"/>
+              </a:spcBef>
+              <a:buFont typeface="Arial" panose="020B0604020202020204" pitchFamily="34" charset="0"/>
+              <a:buChar char="•"/>
+              <a:defRPr sz="1400" kern="1200">
+                <a:solidFill>
+                  <a:schemeClr val="tx1">
+                    <a:lumMod val="75000"/>
+                    <a:lumOff val="25000"/>
+                  </a:schemeClr>
+                </a:solidFill>
+                <a:latin typeface="+mn-lt"/>
+                <a:ea typeface="+mn-ea"/>
+                <a:cs typeface="+mn-cs"/>
+              </a:defRPr>
+            </a:lvl3pPr>
+            <a:lvl4pPr marL="1076325" indent="-266700" algn="l" defTabSz="914400" rtl="0" eaLnBrk="1" latinLnBrk="0" hangingPunct="1">
+              <a:lnSpc>
+                <a:spcPct val="90000"/>
+              </a:lnSpc>
+              <a:spcBef>
+                <a:spcPts val="500"/>
+              </a:spcBef>
+              <a:buFont typeface="Arial" panose="020B0604020202020204" pitchFamily="34" charset="0"/>
+              <a:buChar char="•"/>
+              <a:defRPr sz="1400" kern="1200">
+                <a:solidFill>
+                  <a:schemeClr val="tx1">
+                    <a:lumMod val="75000"/>
+                    <a:lumOff val="25000"/>
+                  </a:schemeClr>
+                </a:solidFill>
+                <a:latin typeface="+mn-lt"/>
+                <a:ea typeface="+mn-ea"/>
+                <a:cs typeface="+mn-cs"/>
+              </a:defRPr>
+            </a:lvl4pPr>
+            <a:lvl5pPr marL="1343025" indent="-266700" algn="l" defTabSz="914400" rtl="0" eaLnBrk="1" latinLnBrk="0" hangingPunct="1">
+              <a:lnSpc>
+                <a:spcPct val="90000"/>
+              </a:lnSpc>
+              <a:spcBef>
+                <a:spcPts val="500"/>
+              </a:spcBef>
+              <a:buFont typeface="Arial" panose="020B0604020202020204" pitchFamily="34" charset="0"/>
+              <a:buChar char="•"/>
+              <a:defRPr sz="1400" kern="1200">
+                <a:solidFill>
+                  <a:schemeClr val="tx1">
+                    <a:lumMod val="75000"/>
+                    <a:lumOff val="25000"/>
+                  </a:schemeClr>
+                </a:solidFill>
+                <a:latin typeface="+mn-lt"/>
+                <a:ea typeface="+mn-ea"/>
+                <a:cs typeface="+mn-cs"/>
+              </a:defRPr>
+            </a:lvl5pPr>
+            <a:lvl6pPr marL="2514600" indent="-228600" algn="l" defTabSz="914400" rtl="0" eaLnBrk="1" latinLnBrk="0" hangingPunct="1">
+              <a:lnSpc>
+                <a:spcPct val="90000"/>
+              </a:lnSpc>
+              <a:spcBef>
+                <a:spcPts val="500"/>
+              </a:spcBef>
+              <a:buFont typeface="Arial" panose="020B0604020202020204" pitchFamily="34" charset="0"/>
+              <a:buChar char="•"/>
+              <a:defRPr sz="1800" kern="1200">
+                <a:solidFill>
+                  <a:schemeClr val="tx1"/>
+                </a:solidFill>
+                <a:latin typeface="+mn-lt"/>
+                <a:ea typeface="+mn-ea"/>
+                <a:cs typeface="+mn-cs"/>
+              </a:defRPr>
+            </a:lvl6pPr>
+            <a:lvl7pPr marL="2971800" indent="-228600" algn="l" defTabSz="914400" rtl="0" eaLnBrk="1" latinLnBrk="0" hangingPunct="1">
+              <a:lnSpc>
+                <a:spcPct val="90000"/>
+              </a:lnSpc>
+              <a:spcBef>
+                <a:spcPts val="500"/>
+              </a:spcBef>
+              <a:buFont typeface="Arial" panose="020B0604020202020204" pitchFamily="34" charset="0"/>
+              <a:buChar char="•"/>
+              <a:defRPr sz="1800" kern="1200">
+                <a:solidFill>
+                  <a:schemeClr val="tx1"/>
+                </a:solidFill>
+                <a:latin typeface="+mn-lt"/>
+                <a:ea typeface="+mn-ea"/>
+                <a:cs typeface="+mn-cs"/>
+              </a:defRPr>
+            </a:lvl7pPr>
+            <a:lvl8pPr marL="3429000" indent="-228600" algn="l" defTabSz="914400" rtl="0" eaLnBrk="1" latinLnBrk="0" hangingPunct="1">
+              <a:lnSpc>
+                <a:spcPct val="90000"/>
+              </a:lnSpc>
+              <a:spcBef>
+                <a:spcPts val="500"/>
+              </a:spcBef>
+              <a:buFont typeface="Arial" panose="020B0604020202020204" pitchFamily="34" charset="0"/>
+              <a:buChar char="•"/>
+              <a:defRPr sz="1800" kern="1200">
+                <a:solidFill>
+                  <a:schemeClr val="tx1"/>
+                </a:solidFill>
+                <a:latin typeface="+mn-lt"/>
+                <a:ea typeface="+mn-ea"/>
+                <a:cs typeface="+mn-cs"/>
+              </a:defRPr>
+            </a:lvl8pPr>
+            <a:lvl9pPr marL="3886200" indent="-228600" algn="l" defTabSz="914400" rtl="0" eaLnBrk="1" latinLnBrk="0" hangingPunct="1">
+              <a:lnSpc>
+                <a:spcPct val="90000"/>
+              </a:lnSpc>
+              <a:spcBef>
+                <a:spcPts val="500"/>
+              </a:spcBef>
+              <a:buFont typeface="Arial" panose="020B0604020202020204" pitchFamily="34" charset="0"/>
+              <a:buChar char="•"/>
+              <a:defRPr sz="1800" kern="1200">
+                <a:solidFill>
+                  <a:schemeClr val="tx1"/>
+                </a:solidFill>
+                <a:latin typeface="+mn-lt"/>
+                <a:ea typeface="+mn-ea"/>
+                <a:cs typeface="+mn-cs"/>
+              </a:defRPr>
+            </a:lvl9pPr>
+          </a:lstStyle>
+          <a:p>
+            <a:pPr algn="l">
+              <a:lnSpc>
+                <a:spcPct val="100000"/>
+              </a:lnSpc>
+            </a:pPr>
+            <a:r>
+              <a:rPr lang="hu-HU" sz="4800" dirty="0">
+                <a:solidFill>
+                  <a:schemeClr val="bg1"/>
+                </a:solidFill>
+                <a:latin typeface="Georgia" panose="02040502050405020303" pitchFamily="18" charset="0"/>
+                <a:cs typeface="Arial" panose="020B0604020202020204" pitchFamily="34" charset="0"/>
+              </a:rPr>
+              <a:t>Bicskával fát vágni</a:t>
+            </a:r>
+            <a:br>
+              <a:rPr lang="hu-HU" sz="4800" dirty="0">
+                <a:solidFill>
+                  <a:schemeClr val="bg1"/>
+                </a:solidFill>
+                <a:latin typeface="Georgia" panose="02040502050405020303" pitchFamily="18" charset="0"/>
+                <a:cs typeface="Arial" panose="020B0604020202020204" pitchFamily="34" charset="0"/>
+              </a:rPr>
+            </a:br>
+            <a:endParaRPr lang="hu-HU" sz="4800" dirty="0">
+              <a:solidFill>
+                <a:schemeClr val="bg1"/>
+              </a:solidFill>
+              <a:latin typeface="Georgia" panose="02040502050405020303" pitchFamily="18" charset="0"/>
+              <a:cs typeface="Calibri Light" panose="020F0302020204030204" pitchFamily="34" charset="0"/>
+            </a:endParaRPr>
+          </a:p>
+          <a:p>
+            <a:pPr algn="l">
+              <a:lnSpc>
+                <a:spcPct val="100000"/>
+              </a:lnSpc>
+            </a:pPr>
+            <a:r>
+              <a:rPr lang="hu-HU" dirty="0">
+                <a:solidFill>
+                  <a:schemeClr val="bg1"/>
+                </a:solidFill>
+                <a:latin typeface="Arial" panose="020B0604020202020204" pitchFamily="34" charset="0"/>
+                <a:cs typeface="Arial" panose="020B0604020202020204" pitchFamily="34" charset="0"/>
+              </a:rPr>
+              <a:t>A szobatermosztát sem egy bonyolult szerkezet mégis több száz millió háztartásban használják. Nem biztos, hogy ezt a problémát nem lehet egyszerűbb rendszerekkel megoldani.</a:t>
+            </a:r>
+          </a:p>
+          <a:p>
+            <a:pPr algn="l">
+              <a:lnSpc>
+                <a:spcPct val="100000"/>
+              </a:lnSpc>
+            </a:pPr>
+            <a:endParaRPr lang="hu-HU" dirty="0">
+              <a:solidFill>
+                <a:schemeClr val="bg1"/>
+              </a:solidFill>
+              <a:latin typeface="Arial" panose="020B0604020202020204" pitchFamily="34" charset="0"/>
+              <a:cs typeface="Arial" panose="020B0604020202020204" pitchFamily="34" charset="0"/>
+            </a:endParaRPr>
+          </a:p>
+          <a:p>
+            <a:pPr algn="l">
+              <a:lnSpc>
+                <a:spcPct val="100000"/>
+              </a:lnSpc>
+            </a:pPr>
+            <a:r>
+              <a:rPr lang="hu-HU" dirty="0">
+                <a:solidFill>
+                  <a:schemeClr val="bg1"/>
+                </a:solidFill>
+                <a:latin typeface="Arial" panose="020B0604020202020204" pitchFamily="34" charset="0"/>
+                <a:cs typeface="Arial" panose="020B0604020202020204" pitchFamily="34" charset="0"/>
+              </a:rPr>
+              <a:t>Ennek ellenére az RL-t ki fogjuk próbálni, lehet hogy én leszek a legnagyobb híve</a:t>
+            </a:r>
+          </a:p>
+        </p:txBody>
+      </p:sp>
+      <p:sp>
+        <p:nvSpPr>
+          <p:cNvPr id="7" name="Szöveg helye 14">
+            <a:extLst>
+              <a:ext uri="{FF2B5EF4-FFF2-40B4-BE49-F238E27FC236}">
+                <a16:creationId xmlns:a16="http://schemas.microsoft.com/office/drawing/2014/main" id="{E7A037A9-7F8E-4580-9C7D-56A0450DBB67}"/>
+              </a:ext>
+            </a:extLst>
+          </p:cNvPr>
+          <p:cNvSpPr txBox="1">
+            <a:spLocks/>
+          </p:cNvSpPr>
+          <p:nvPr/>
+        </p:nvSpPr>
+        <p:spPr>
+          <a:xfrm>
+            <a:off x="5259019" y="1512886"/>
+            <a:ext cx="4441571" cy="5345114"/>
+          </a:xfrm>
+          <a:prstGeom prst="rect">
+            <a:avLst/>
+          </a:prstGeom>
+          <a:noFill/>
+        </p:spPr>
+        <p:txBody>
+          <a:bodyPr vert="horz" lIns="108000" tIns="72000" rIns="72000" bIns="36000" rtlCol="0">
+            <a:noAutofit/>
+          </a:bodyPr>
+          <a:lstStyle>
+            <a:lvl1pPr marL="0" indent="0" algn="ctr" defTabSz="914400" rtl="0" eaLnBrk="1" latinLnBrk="0" hangingPunct="1">
+              <a:lnSpc>
+                <a:spcPct val="90000"/>
+              </a:lnSpc>
+              <a:spcBef>
+                <a:spcPts val="1000"/>
+              </a:spcBef>
+              <a:buFont typeface="Arial" panose="020B0604020202020204" pitchFamily="34" charset="0"/>
+              <a:buNone/>
+              <a:defRPr sz="1600" kern="1200">
+                <a:solidFill>
+                  <a:schemeClr val="tx1">
+                    <a:lumMod val="75000"/>
+                    <a:lumOff val="25000"/>
+                  </a:schemeClr>
+                </a:solidFill>
+                <a:latin typeface="+mn-lt"/>
+                <a:ea typeface="+mn-ea"/>
+                <a:cs typeface="+mn-cs"/>
+              </a:defRPr>
+            </a:lvl1pPr>
+            <a:lvl2pPr marL="542925" indent="-276225" algn="l" defTabSz="914400" rtl="0" eaLnBrk="1" latinLnBrk="0" hangingPunct="1">
+              <a:lnSpc>
+                <a:spcPct val="90000"/>
+              </a:lnSpc>
+              <a:spcBef>
+                <a:spcPts val="500"/>
+              </a:spcBef>
+              <a:buFont typeface="Arial" panose="020B0604020202020204" pitchFamily="34" charset="0"/>
+              <a:buChar char="•"/>
+              <a:defRPr sz="1600" kern="1200">
+                <a:solidFill>
+                  <a:schemeClr val="tx1">
+                    <a:lumMod val="75000"/>
+                    <a:lumOff val="25000"/>
+                  </a:schemeClr>
+                </a:solidFill>
+                <a:latin typeface="+mn-lt"/>
+                <a:ea typeface="+mn-ea"/>
+                <a:cs typeface="+mn-cs"/>
+              </a:defRPr>
+            </a:lvl2pPr>
+            <a:lvl3pPr marL="809625" indent="-266700" algn="l" defTabSz="914400" rtl="0" eaLnBrk="1" latinLnBrk="0" hangingPunct="1">
+              <a:lnSpc>
+                <a:spcPct val="90000"/>
+              </a:lnSpc>
+              <a:spcBef>
+                <a:spcPts val="500"/>
+              </a:spcBef>
+              <a:buFont typeface="Arial" panose="020B0604020202020204" pitchFamily="34" charset="0"/>
+              <a:buChar char="•"/>
+              <a:defRPr sz="1400" kern="1200">
+                <a:solidFill>
+                  <a:schemeClr val="tx1">
+                    <a:lumMod val="75000"/>
+                    <a:lumOff val="25000"/>
+                  </a:schemeClr>
+                </a:solidFill>
+                <a:latin typeface="+mn-lt"/>
+                <a:ea typeface="+mn-ea"/>
+                <a:cs typeface="+mn-cs"/>
+              </a:defRPr>
+            </a:lvl3pPr>
+            <a:lvl4pPr marL="1076325" indent="-266700" algn="l" defTabSz="914400" rtl="0" eaLnBrk="1" latinLnBrk="0" hangingPunct="1">
+              <a:lnSpc>
+                <a:spcPct val="90000"/>
+              </a:lnSpc>
+              <a:spcBef>
+                <a:spcPts val="500"/>
+              </a:spcBef>
+              <a:buFont typeface="Arial" panose="020B0604020202020204" pitchFamily="34" charset="0"/>
+              <a:buChar char="•"/>
+              <a:defRPr sz="1400" kern="1200">
+                <a:solidFill>
+                  <a:schemeClr val="tx1">
+                    <a:lumMod val="75000"/>
+                    <a:lumOff val="25000"/>
+                  </a:schemeClr>
+                </a:solidFill>
+                <a:latin typeface="+mn-lt"/>
+                <a:ea typeface="+mn-ea"/>
+                <a:cs typeface="+mn-cs"/>
+              </a:defRPr>
+            </a:lvl4pPr>
+            <a:lvl5pPr marL="1343025" indent="-266700" algn="l" defTabSz="914400" rtl="0" eaLnBrk="1" latinLnBrk="0" hangingPunct="1">
+              <a:lnSpc>
+                <a:spcPct val="90000"/>
+              </a:lnSpc>
+              <a:spcBef>
+                <a:spcPts val="500"/>
+              </a:spcBef>
+              <a:buFont typeface="Arial" panose="020B0604020202020204" pitchFamily="34" charset="0"/>
+              <a:buChar char="•"/>
+              <a:defRPr sz="1400" kern="1200">
+                <a:solidFill>
+                  <a:schemeClr val="tx1">
+                    <a:lumMod val="75000"/>
+                    <a:lumOff val="25000"/>
+                  </a:schemeClr>
+                </a:solidFill>
+                <a:latin typeface="+mn-lt"/>
+                <a:ea typeface="+mn-ea"/>
+                <a:cs typeface="+mn-cs"/>
+              </a:defRPr>
+            </a:lvl5pPr>
+            <a:lvl6pPr marL="2514600" indent="-228600" algn="l" defTabSz="914400" rtl="0" eaLnBrk="1" latinLnBrk="0" hangingPunct="1">
+              <a:lnSpc>
+                <a:spcPct val="90000"/>
+              </a:lnSpc>
+              <a:spcBef>
+                <a:spcPts val="500"/>
+              </a:spcBef>
+              <a:buFont typeface="Arial" panose="020B0604020202020204" pitchFamily="34" charset="0"/>
+              <a:buChar char="•"/>
+              <a:defRPr sz="1800" kern="1200">
+                <a:solidFill>
+                  <a:schemeClr val="tx1"/>
+                </a:solidFill>
+                <a:latin typeface="+mn-lt"/>
+                <a:ea typeface="+mn-ea"/>
+                <a:cs typeface="+mn-cs"/>
+              </a:defRPr>
+            </a:lvl6pPr>
+            <a:lvl7pPr marL="2971800" indent="-228600" algn="l" defTabSz="914400" rtl="0" eaLnBrk="1" latinLnBrk="0" hangingPunct="1">
+              <a:lnSpc>
+                <a:spcPct val="90000"/>
+              </a:lnSpc>
+              <a:spcBef>
+                <a:spcPts val="500"/>
+              </a:spcBef>
+              <a:buFont typeface="Arial" panose="020B0604020202020204" pitchFamily="34" charset="0"/>
+              <a:buChar char="•"/>
+              <a:defRPr sz="1800" kern="1200">
+                <a:solidFill>
+                  <a:schemeClr val="tx1"/>
+                </a:solidFill>
+                <a:latin typeface="+mn-lt"/>
+                <a:ea typeface="+mn-ea"/>
+                <a:cs typeface="+mn-cs"/>
+              </a:defRPr>
+            </a:lvl7pPr>
+            <a:lvl8pPr marL="3429000" indent="-228600" algn="l" defTabSz="914400" rtl="0" eaLnBrk="1" latinLnBrk="0" hangingPunct="1">
+              <a:lnSpc>
+                <a:spcPct val="90000"/>
+              </a:lnSpc>
+              <a:spcBef>
+                <a:spcPts val="500"/>
+              </a:spcBef>
+              <a:buFont typeface="Arial" panose="020B0604020202020204" pitchFamily="34" charset="0"/>
+              <a:buChar char="•"/>
+              <a:defRPr sz="1800" kern="1200">
+                <a:solidFill>
+                  <a:schemeClr val="tx1"/>
+                </a:solidFill>
+                <a:latin typeface="+mn-lt"/>
+                <a:ea typeface="+mn-ea"/>
+                <a:cs typeface="+mn-cs"/>
+              </a:defRPr>
+            </a:lvl8pPr>
+            <a:lvl9pPr marL="3886200" indent="-228600" algn="l" defTabSz="914400" rtl="0" eaLnBrk="1" latinLnBrk="0" hangingPunct="1">
+              <a:lnSpc>
+                <a:spcPct val="90000"/>
+              </a:lnSpc>
+              <a:spcBef>
+                <a:spcPts val="500"/>
+              </a:spcBef>
+              <a:buFont typeface="Arial" panose="020B0604020202020204" pitchFamily="34" charset="0"/>
+              <a:buChar char="•"/>
+              <a:defRPr sz="1800" kern="1200">
+                <a:solidFill>
+                  <a:schemeClr val="tx1"/>
+                </a:solidFill>
+                <a:latin typeface="+mn-lt"/>
+                <a:ea typeface="+mn-ea"/>
+                <a:cs typeface="+mn-cs"/>
+              </a:defRPr>
+            </a:lvl9pPr>
+          </a:lstStyle>
+          <a:p>
+            <a:pPr algn="l">
+              <a:lnSpc>
+                <a:spcPct val="100000"/>
+              </a:lnSpc>
+            </a:pPr>
+            <a:r>
+              <a:rPr lang="hu-HU" sz="4800" dirty="0">
+                <a:solidFill>
+                  <a:schemeClr val="bg1"/>
+                </a:solidFill>
+                <a:latin typeface="Georgia" panose="02040502050405020303" pitchFamily="18" charset="0"/>
+                <a:cs typeface="Arial" panose="020B0604020202020204" pitchFamily="34" charset="0"/>
+              </a:rPr>
+              <a:t>Vagy ágyúval verébre?</a:t>
+            </a:r>
+            <a:br>
+              <a:rPr lang="hu-HU" sz="4800" dirty="0">
+                <a:solidFill>
+                  <a:schemeClr val="bg1"/>
+                </a:solidFill>
+                <a:latin typeface="Georgia" panose="02040502050405020303" pitchFamily="18" charset="0"/>
+                <a:cs typeface="Arial" panose="020B0604020202020204" pitchFamily="34" charset="0"/>
+              </a:rPr>
+            </a:br>
+            <a:endParaRPr lang="hu-HU" sz="4800" dirty="0">
+              <a:solidFill>
+                <a:schemeClr val="bg1"/>
+              </a:solidFill>
+              <a:latin typeface="Georgia" panose="02040502050405020303" pitchFamily="18" charset="0"/>
+              <a:cs typeface="Calibri Light" panose="020F0302020204030204" pitchFamily="34" charset="0"/>
+            </a:endParaRPr>
+          </a:p>
+          <a:p>
+            <a:pPr algn="l">
+              <a:lnSpc>
+                <a:spcPct val="100000"/>
+              </a:lnSpc>
+            </a:pPr>
+            <a:r>
+              <a:rPr lang="hu-HU" dirty="0">
+                <a:solidFill>
+                  <a:schemeClr val="bg1"/>
+                </a:solidFill>
+                <a:latin typeface="Arial" panose="020B0604020202020204" pitchFamily="34" charset="0"/>
+                <a:cs typeface="Arial" panose="020B0604020202020204" pitchFamily="34" charset="0"/>
+              </a:rPr>
+              <a:t>Nem arra akarom kihegyezni e PhD témát, hogyan lehet egy RL problémát nem RL módszertannal megoldani, de azt továbbra is egy érdekes és releváns felvetésnek tartom, hogy ha meg lehet oldani szimulációs környezet kiépítése nélkül és meg lehet oldani úgy akkor az előny azzal szemben ha szimulált környezetet kell neki kialakítani.</a:t>
+            </a:r>
+          </a:p>
+          <a:p>
+            <a:pPr algn="l">
+              <a:lnSpc>
+                <a:spcPct val="100000"/>
+              </a:lnSpc>
+            </a:pPr>
+            <a:r>
+              <a:rPr lang="hu-HU" dirty="0">
+                <a:solidFill>
+                  <a:schemeClr val="bg1"/>
+                </a:solidFill>
+                <a:latin typeface="Arial" panose="020B0604020202020204" pitchFamily="34" charset="0"/>
+                <a:cs typeface="Arial" panose="020B0604020202020204" pitchFamily="34" charset="0"/>
+              </a:rPr>
+              <a:t>Persze ehhez alaposan meg kell érteni és összehasonlítani a kettő módszert.</a:t>
+            </a:r>
+          </a:p>
+        </p:txBody>
+      </p:sp>
+    </p:spTree>
+    <p:extLst>
+      <p:ext uri="{BB962C8B-B14F-4D97-AF65-F5344CB8AC3E}">
+        <p14:creationId xmlns:p14="http://schemas.microsoft.com/office/powerpoint/2010/main" val="819728284"/>
+      </p:ext>
+    </p:extLst>
+  </p:cSld>
+  <p:clrMapOvr>
+    <a:masterClrMapping/>
+  </p:clrMapOvr>
+  <mc:AlternateContent xmlns:mc="http://schemas.openxmlformats.org/markup-compatibility/2006" xmlns:p14="http://schemas.microsoft.com/office/powerpoint/2010/main">
+    <mc:Choice Requires="p14">
+      <p:transition spd="med" p14:dur="700">
+        <p:fade/>
+      </p:transition>
+    </mc:Choice>
+    <mc:Fallback xmlns="">
+      <p:transition spd="med">
+        <p:fade/>
+      </p:transition>
+    </mc:Fallback>
+  </mc:AlternateContent>
+  <p:timing>
+    <p:tnLst>
+      <p:par>
+        <p:cTn id="1" dur="indefinite" restart="never" nodeType="tmRoot">
+          <p:childTnLst>
+            <p:seq concurrent="1" nextAc="seek">
+              <p:cTn id="2" dur="indefinite" nodeType="mainSeq">
+                <p:childTnLst>
+                  <p:par>
+                    <p:cTn id="3" fill="hold">
+                      <p:stCondLst>
+                        <p:cond delay="indefinite"/>
+                      </p:stCondLst>
+                      <p:childTnLst>
+                        <p:par>
+                          <p:cTn id="4" fill="hold">
+                            <p:stCondLst>
+                              <p:cond delay="0"/>
+                            </p:stCondLst>
+                            <p:childTnLst>
+                              <p:par>
+                                <p:cTn id="5" presetID="10" presetClass="entr" presetSubtype="0" fill="hold" grpId="0" nodeType="clickEffect">
+                                  <p:stCondLst>
+                                    <p:cond delay="0"/>
+                                  </p:stCondLst>
+                                  <p:childTnLst>
+                                    <p:set>
+                                      <p:cBhvr>
+                                        <p:cTn id="6" dur="1" fill="hold">
+                                          <p:stCondLst>
+                                            <p:cond delay="0"/>
+                                          </p:stCondLst>
+                                        </p:cTn>
+                                        <p:tgtEl>
+                                          <p:spTgt spid="21"/>
+                                        </p:tgtEl>
+                                        <p:attrNameLst>
+                                          <p:attrName>style.visibility</p:attrName>
+                                        </p:attrNameLst>
+                                      </p:cBhvr>
+                                      <p:to>
+                                        <p:strVal val="visible"/>
+                                      </p:to>
+                                    </p:set>
+                                    <p:animEffect transition="in" filter="fade">
+                                      <p:cBhvr>
+                                        <p:cTn id="7" dur="500"/>
+                                        <p:tgtEl>
+                                          <p:spTgt spid="21"/>
+                                        </p:tgtEl>
+                                      </p:cBhvr>
+                                    </p:animEffect>
+                                  </p:childTnLst>
+                                </p:cTn>
+                              </p:par>
+                            </p:childTnLst>
+                          </p:cTn>
+                        </p:par>
+                      </p:childTnLst>
+                    </p:cTn>
+                  </p:par>
+                  <p:par>
+                    <p:cTn id="8" fill="hold">
+                      <p:stCondLst>
+                        <p:cond delay="indefinite"/>
+                      </p:stCondLst>
+                      <p:childTnLst>
+                        <p:par>
+                          <p:cTn id="9" fill="hold">
+                            <p:stCondLst>
+                              <p:cond delay="0"/>
+                            </p:stCondLst>
+                            <p:childTnLst>
+                              <p:par>
+                                <p:cTn id="10" presetID="10" presetClass="entr" presetSubtype="0" fill="hold" grpId="0" nodeType="clickEffect">
+                                  <p:stCondLst>
+                                    <p:cond delay="0"/>
+                                  </p:stCondLst>
+                                  <p:childTnLst>
+                                    <p:set>
+                                      <p:cBhvr>
+                                        <p:cTn id="11" dur="1" fill="hold">
+                                          <p:stCondLst>
+                                            <p:cond delay="0"/>
+                                          </p:stCondLst>
+                                        </p:cTn>
+                                        <p:tgtEl>
+                                          <p:spTgt spid="7"/>
+                                        </p:tgtEl>
+                                        <p:attrNameLst>
+                                          <p:attrName>style.visibility</p:attrName>
+                                        </p:attrNameLst>
+                                      </p:cBhvr>
+                                      <p:to>
+                                        <p:strVal val="visible"/>
+                                      </p:to>
+                                    </p:set>
+                                    <p:animEffect transition="in" filter="fade">
+                                      <p:cBhvr>
+                                        <p:cTn id="12" dur="500"/>
+                                        <p:tgtEl>
+                                          <p:spTgt spid="7"/>
+                                        </p:tgtEl>
+                                      </p:cBhvr>
+                                    </p:animEffect>
+                                  </p:childTnLst>
+                                </p:cTn>
+                              </p:par>
+                            </p:childTnLst>
+                          </p:cTn>
+                        </p:par>
+                      </p:childTnLst>
+                    </p:cTn>
+                  </p:par>
+                </p:childTnLst>
+              </p:cTn>
+              <p:prevCondLst>
+                <p:cond evt="onPrev" delay="0">
+                  <p:tgtEl>
+                    <p:sldTgt/>
+                  </p:tgtEl>
+                </p:cond>
+              </p:prevCondLst>
+              <p:nextCondLst>
+                <p:cond evt="onNext" delay="0">
+                  <p:tgtEl>
+                    <p:sldTgt/>
+                  </p:tgtEl>
+                </p:cond>
+              </p:nextCondLst>
+            </p:seq>
+          </p:childTnLst>
+        </p:cTn>
+      </p:par>
+    </p:tnLst>
+    <p:bldLst>
+      <p:bldP spid="21" grpId="0"/>
+      <p:bldP spid="7" grpId="0"/>
+    </p:bldLst>
+  </p:timing>
+</p:sld>
+</file>
+
+<file path=ppt/slides/slide3.xml><?xml version="1.0" encoding="utf-8"?>
+<p:sld xmlns:a="http://schemas.openxmlformats.org/drawingml/2006/main" xmlns:r="http://schemas.openxmlformats.org/officeDocument/2006/relationships" xmlns:p="http://schemas.openxmlformats.org/presentationml/2006/main">
+  <p:cSld>
+    <p:spTree>
+      <p:nvGrpSpPr>
+        <p:cNvPr id="1" name=""/>
+        <p:cNvGrpSpPr/>
+        <p:nvPr/>
+      </p:nvGrpSpPr>
+      <p:grpSpPr>
+        <a:xfrm>
+          <a:off x="0" y="0"/>
+          <a:ext cx="0" cy="0"/>
+          <a:chOff x="0" y="0"/>
+          <a:chExt cx="0" cy="0"/>
+        </a:xfrm>
+      </p:grpSpPr>
+      <p:sp>
+        <p:nvSpPr>
+          <p:cNvPr id="9" name="Szöveg helye 14">
+            <a:extLst>
+              <a:ext uri="{FF2B5EF4-FFF2-40B4-BE49-F238E27FC236}">
+                <a16:creationId xmlns:a16="http://schemas.microsoft.com/office/drawing/2014/main" id="{27FB6942-F6E0-48A2-84B6-F1FA23483B8E}"/>
+              </a:ext>
+            </a:extLst>
+          </p:cNvPr>
+          <p:cNvSpPr txBox="1">
+            <a:spLocks/>
+          </p:cNvSpPr>
+          <p:nvPr/>
+        </p:nvSpPr>
+        <p:spPr>
+          <a:xfrm>
+            <a:off x="541246" y="386452"/>
+            <a:ext cx="8708771" cy="942559"/>
+          </a:xfrm>
+          <a:prstGeom prst="rect">
+            <a:avLst/>
+          </a:prstGeom>
+          <a:noFill/>
+        </p:spPr>
+        <p:txBody>
+          <a:bodyPr vert="horz" lIns="108000" tIns="72000" rIns="72000" bIns="36000" rtlCol="0">
+            <a:noAutofit/>
+          </a:bodyPr>
+          <a:lstStyle>
+            <a:lvl1pPr marL="0" indent="0" algn="ctr" defTabSz="914400" rtl="0" eaLnBrk="1" latinLnBrk="0" hangingPunct="1">
+              <a:lnSpc>
+                <a:spcPct val="90000"/>
+              </a:lnSpc>
+              <a:spcBef>
+                <a:spcPts val="1000"/>
+              </a:spcBef>
+              <a:buFont typeface="Arial" panose="020B0604020202020204" pitchFamily="34" charset="0"/>
+              <a:buNone/>
+              <a:defRPr sz="1600" kern="1200">
+                <a:solidFill>
+                  <a:schemeClr val="tx1">
+                    <a:lumMod val="75000"/>
+                    <a:lumOff val="25000"/>
+                  </a:schemeClr>
+                </a:solidFill>
+                <a:latin typeface="+mn-lt"/>
+                <a:ea typeface="+mn-ea"/>
+                <a:cs typeface="+mn-cs"/>
+              </a:defRPr>
+            </a:lvl1pPr>
+            <a:lvl2pPr marL="542925" indent="-276225" algn="l" defTabSz="914400" rtl="0" eaLnBrk="1" latinLnBrk="0" hangingPunct="1">
+              <a:lnSpc>
+                <a:spcPct val="90000"/>
+              </a:lnSpc>
+              <a:spcBef>
+                <a:spcPts val="500"/>
+              </a:spcBef>
+              <a:buFont typeface="Arial" panose="020B0604020202020204" pitchFamily="34" charset="0"/>
+              <a:buChar char="•"/>
+              <a:defRPr sz="1600" kern="1200">
+                <a:solidFill>
+                  <a:schemeClr val="tx1">
+                    <a:lumMod val="75000"/>
+                    <a:lumOff val="25000"/>
+                  </a:schemeClr>
+                </a:solidFill>
+                <a:latin typeface="+mn-lt"/>
+                <a:ea typeface="+mn-ea"/>
+                <a:cs typeface="+mn-cs"/>
+              </a:defRPr>
+            </a:lvl2pPr>
+            <a:lvl3pPr marL="809625" indent="-266700" algn="l" defTabSz="914400" rtl="0" eaLnBrk="1" latinLnBrk="0" hangingPunct="1">
+              <a:lnSpc>
+                <a:spcPct val="90000"/>
+              </a:lnSpc>
+              <a:spcBef>
+                <a:spcPts val="500"/>
+              </a:spcBef>
+              <a:buFont typeface="Arial" panose="020B0604020202020204" pitchFamily="34" charset="0"/>
+              <a:buChar char="•"/>
+              <a:defRPr sz="1400" kern="1200">
+                <a:solidFill>
+                  <a:schemeClr val="tx1">
+                    <a:lumMod val="75000"/>
+                    <a:lumOff val="25000"/>
+                  </a:schemeClr>
+                </a:solidFill>
+                <a:latin typeface="+mn-lt"/>
+                <a:ea typeface="+mn-ea"/>
+                <a:cs typeface="+mn-cs"/>
+              </a:defRPr>
+            </a:lvl3pPr>
+            <a:lvl4pPr marL="1076325" indent="-266700" algn="l" defTabSz="914400" rtl="0" eaLnBrk="1" latinLnBrk="0" hangingPunct="1">
+              <a:lnSpc>
+                <a:spcPct val="90000"/>
+              </a:lnSpc>
+              <a:spcBef>
+                <a:spcPts val="500"/>
+              </a:spcBef>
+              <a:buFont typeface="Arial" panose="020B0604020202020204" pitchFamily="34" charset="0"/>
+              <a:buChar char="•"/>
+              <a:defRPr sz="1400" kern="1200">
+                <a:solidFill>
+                  <a:schemeClr val="tx1">
+                    <a:lumMod val="75000"/>
+                    <a:lumOff val="25000"/>
+                  </a:schemeClr>
+                </a:solidFill>
+                <a:latin typeface="+mn-lt"/>
+                <a:ea typeface="+mn-ea"/>
+                <a:cs typeface="+mn-cs"/>
+              </a:defRPr>
+            </a:lvl4pPr>
+            <a:lvl5pPr marL="1343025" indent="-266700" algn="l" defTabSz="914400" rtl="0" eaLnBrk="1" latinLnBrk="0" hangingPunct="1">
+              <a:lnSpc>
+                <a:spcPct val="90000"/>
+              </a:lnSpc>
+              <a:spcBef>
+                <a:spcPts val="500"/>
+              </a:spcBef>
+              <a:buFont typeface="Arial" panose="020B0604020202020204" pitchFamily="34" charset="0"/>
+              <a:buChar char="•"/>
+              <a:defRPr sz="1400" kern="1200">
+                <a:solidFill>
+                  <a:schemeClr val="tx1">
+                    <a:lumMod val="75000"/>
+                    <a:lumOff val="25000"/>
+                  </a:schemeClr>
+                </a:solidFill>
+                <a:latin typeface="+mn-lt"/>
+                <a:ea typeface="+mn-ea"/>
+                <a:cs typeface="+mn-cs"/>
+              </a:defRPr>
+            </a:lvl5pPr>
+            <a:lvl6pPr marL="2514600" indent="-228600" algn="l" defTabSz="914400" rtl="0" eaLnBrk="1" latinLnBrk="0" hangingPunct="1">
+              <a:lnSpc>
+                <a:spcPct val="90000"/>
+              </a:lnSpc>
+              <a:spcBef>
+                <a:spcPts val="500"/>
+              </a:spcBef>
+              <a:buFont typeface="Arial" panose="020B0604020202020204" pitchFamily="34" charset="0"/>
+              <a:buChar char="•"/>
+              <a:defRPr sz="1800" kern="1200">
+                <a:solidFill>
+                  <a:schemeClr val="tx1"/>
+                </a:solidFill>
+                <a:latin typeface="+mn-lt"/>
+                <a:ea typeface="+mn-ea"/>
+                <a:cs typeface="+mn-cs"/>
+              </a:defRPr>
+            </a:lvl6pPr>
+            <a:lvl7pPr marL="2971800" indent="-228600" algn="l" defTabSz="914400" rtl="0" eaLnBrk="1" latinLnBrk="0" hangingPunct="1">
+              <a:lnSpc>
+                <a:spcPct val="90000"/>
+              </a:lnSpc>
+              <a:spcBef>
+                <a:spcPts val="500"/>
+              </a:spcBef>
+              <a:buFont typeface="Arial" panose="020B0604020202020204" pitchFamily="34" charset="0"/>
+              <a:buChar char="•"/>
+              <a:defRPr sz="1800" kern="1200">
+                <a:solidFill>
+                  <a:schemeClr val="tx1"/>
+                </a:solidFill>
+                <a:latin typeface="+mn-lt"/>
+                <a:ea typeface="+mn-ea"/>
+                <a:cs typeface="+mn-cs"/>
+              </a:defRPr>
+            </a:lvl7pPr>
+            <a:lvl8pPr marL="3429000" indent="-228600" algn="l" defTabSz="914400" rtl="0" eaLnBrk="1" latinLnBrk="0" hangingPunct="1">
+              <a:lnSpc>
+                <a:spcPct val="90000"/>
+              </a:lnSpc>
+              <a:spcBef>
+                <a:spcPts val="500"/>
+              </a:spcBef>
+              <a:buFont typeface="Arial" panose="020B0604020202020204" pitchFamily="34" charset="0"/>
+              <a:buChar char="•"/>
+              <a:defRPr sz="1800" kern="1200">
+                <a:solidFill>
+                  <a:schemeClr val="tx1"/>
+                </a:solidFill>
+                <a:latin typeface="+mn-lt"/>
+                <a:ea typeface="+mn-ea"/>
+                <a:cs typeface="+mn-cs"/>
+              </a:defRPr>
+            </a:lvl8pPr>
+            <a:lvl9pPr marL="3886200" indent="-228600" algn="l" defTabSz="914400" rtl="0" eaLnBrk="1" latinLnBrk="0" hangingPunct="1">
+              <a:lnSpc>
+                <a:spcPct val="90000"/>
+              </a:lnSpc>
+              <a:spcBef>
+                <a:spcPts val="500"/>
+              </a:spcBef>
+              <a:buFont typeface="Arial" panose="020B0604020202020204" pitchFamily="34" charset="0"/>
+              <a:buChar char="•"/>
+              <a:defRPr sz="1800" kern="1200">
+                <a:solidFill>
+                  <a:schemeClr val="tx1"/>
+                </a:solidFill>
+                <a:latin typeface="+mn-lt"/>
+                <a:ea typeface="+mn-ea"/>
+                <a:cs typeface="+mn-cs"/>
+              </a:defRPr>
+            </a:lvl9pPr>
+          </a:lstStyle>
+          <a:p>
+            <a:pPr algn="l">
+              <a:lnSpc>
+                <a:spcPct val="100000"/>
+              </a:lnSpc>
+            </a:pPr>
+            <a:r>
+              <a:rPr lang="hu-HU" sz="4800" dirty="0">
+                <a:solidFill>
+                  <a:schemeClr val="tx1"/>
+                </a:solidFill>
+                <a:latin typeface="Georgia" panose="02040502050405020303" pitchFamily="18" charset="0"/>
+                <a:cs typeface="Arial" panose="020B0604020202020204" pitchFamily="34" charset="0"/>
+              </a:rPr>
+              <a:t>LR teszt</a:t>
+            </a:r>
+            <a:endParaRPr lang="hu-HU" sz="4800" dirty="0">
+              <a:solidFill>
+                <a:schemeClr val="tx1"/>
+              </a:solidFill>
+              <a:latin typeface="Georgia" panose="02040502050405020303" pitchFamily="18" charset="0"/>
+              <a:cs typeface="Calibri Light" panose="020F0302020204030204" pitchFamily="34" charset="0"/>
+            </a:endParaRPr>
+          </a:p>
+        </p:txBody>
+      </p:sp>
+      <p:sp>
+        <p:nvSpPr>
+          <p:cNvPr id="10" name="Szöveg helye 14">
+            <a:extLst>
+              <a:ext uri="{FF2B5EF4-FFF2-40B4-BE49-F238E27FC236}">
+                <a16:creationId xmlns:a16="http://schemas.microsoft.com/office/drawing/2014/main" id="{9FB85B1C-99A5-4A8E-95DD-57C11294BB7A}"/>
+              </a:ext>
+            </a:extLst>
+          </p:cNvPr>
+          <p:cNvSpPr txBox="1">
+            <a:spLocks/>
+          </p:cNvSpPr>
+          <p:nvPr/>
+        </p:nvSpPr>
+        <p:spPr>
+          <a:xfrm>
+            <a:off x="541247" y="1329010"/>
+            <a:ext cx="10988144" cy="5142537"/>
+          </a:xfrm>
+          <a:prstGeom prst="rect">
+            <a:avLst/>
+          </a:prstGeom>
+          <a:noFill/>
+        </p:spPr>
+        <p:txBody>
+          <a:bodyPr vert="horz" lIns="108000" tIns="72000" rIns="72000" bIns="36000" rtlCol="0">
+            <a:noAutofit/>
+          </a:bodyPr>
+          <a:lstStyle>
+            <a:lvl1pPr marL="0" indent="0" algn="ctr" defTabSz="914400" rtl="0" eaLnBrk="1" latinLnBrk="0" hangingPunct="1">
+              <a:lnSpc>
+                <a:spcPct val="90000"/>
+              </a:lnSpc>
+              <a:spcBef>
+                <a:spcPts val="1000"/>
+              </a:spcBef>
+              <a:buFont typeface="Arial" panose="020B0604020202020204" pitchFamily="34" charset="0"/>
+              <a:buNone/>
+              <a:defRPr sz="1600" kern="1200">
+                <a:solidFill>
+                  <a:schemeClr val="tx1">
+                    <a:lumMod val="75000"/>
+                    <a:lumOff val="25000"/>
+                  </a:schemeClr>
+                </a:solidFill>
+                <a:latin typeface="+mn-lt"/>
+                <a:ea typeface="+mn-ea"/>
+                <a:cs typeface="+mn-cs"/>
+              </a:defRPr>
+            </a:lvl1pPr>
+            <a:lvl2pPr marL="542925" indent="-276225" algn="l" defTabSz="914400" rtl="0" eaLnBrk="1" latinLnBrk="0" hangingPunct="1">
+              <a:lnSpc>
+                <a:spcPct val="90000"/>
+              </a:lnSpc>
+              <a:spcBef>
+                <a:spcPts val="500"/>
+              </a:spcBef>
+              <a:buFont typeface="Arial" panose="020B0604020202020204" pitchFamily="34" charset="0"/>
+              <a:buChar char="•"/>
+              <a:defRPr sz="1600" kern="1200">
+                <a:solidFill>
+                  <a:schemeClr val="tx1">
+                    <a:lumMod val="75000"/>
+                    <a:lumOff val="25000"/>
+                  </a:schemeClr>
+                </a:solidFill>
+                <a:latin typeface="+mn-lt"/>
+                <a:ea typeface="+mn-ea"/>
+                <a:cs typeface="+mn-cs"/>
+              </a:defRPr>
+            </a:lvl2pPr>
+            <a:lvl3pPr marL="809625" indent="-266700" algn="l" defTabSz="914400" rtl="0" eaLnBrk="1" latinLnBrk="0" hangingPunct="1">
+              <a:lnSpc>
+                <a:spcPct val="90000"/>
+              </a:lnSpc>
+              <a:spcBef>
+                <a:spcPts val="500"/>
+              </a:spcBef>
+              <a:buFont typeface="Arial" panose="020B0604020202020204" pitchFamily="34" charset="0"/>
+              <a:buChar char="•"/>
+              <a:defRPr sz="1400" kern="1200">
+                <a:solidFill>
+                  <a:schemeClr val="tx1">
+                    <a:lumMod val="75000"/>
+                    <a:lumOff val="25000"/>
+                  </a:schemeClr>
+                </a:solidFill>
+                <a:latin typeface="+mn-lt"/>
+                <a:ea typeface="+mn-ea"/>
+                <a:cs typeface="+mn-cs"/>
+              </a:defRPr>
+            </a:lvl3pPr>
+            <a:lvl4pPr marL="1076325" indent="-266700" algn="l" defTabSz="914400" rtl="0" eaLnBrk="1" latinLnBrk="0" hangingPunct="1">
+              <a:lnSpc>
+                <a:spcPct val="90000"/>
+              </a:lnSpc>
+              <a:spcBef>
+                <a:spcPts val="500"/>
+              </a:spcBef>
+              <a:buFont typeface="Arial" panose="020B0604020202020204" pitchFamily="34" charset="0"/>
+              <a:buChar char="•"/>
+              <a:defRPr sz="1400" kern="1200">
+                <a:solidFill>
+                  <a:schemeClr val="tx1">
+                    <a:lumMod val="75000"/>
+                    <a:lumOff val="25000"/>
+                  </a:schemeClr>
+                </a:solidFill>
+                <a:latin typeface="+mn-lt"/>
+                <a:ea typeface="+mn-ea"/>
+                <a:cs typeface="+mn-cs"/>
+              </a:defRPr>
+            </a:lvl4pPr>
+            <a:lvl5pPr marL="1343025" indent="-266700" algn="l" defTabSz="914400" rtl="0" eaLnBrk="1" latinLnBrk="0" hangingPunct="1">
+              <a:lnSpc>
+                <a:spcPct val="90000"/>
+              </a:lnSpc>
+              <a:spcBef>
+                <a:spcPts val="500"/>
+              </a:spcBef>
+              <a:buFont typeface="Arial" panose="020B0604020202020204" pitchFamily="34" charset="0"/>
+              <a:buChar char="•"/>
+              <a:defRPr sz="1400" kern="1200">
+                <a:solidFill>
+                  <a:schemeClr val="tx1">
+                    <a:lumMod val="75000"/>
+                    <a:lumOff val="25000"/>
+                  </a:schemeClr>
+                </a:solidFill>
+                <a:latin typeface="+mn-lt"/>
+                <a:ea typeface="+mn-ea"/>
+                <a:cs typeface="+mn-cs"/>
+              </a:defRPr>
+            </a:lvl5pPr>
+            <a:lvl6pPr marL="2514600" indent="-228600" algn="l" defTabSz="914400" rtl="0" eaLnBrk="1" latinLnBrk="0" hangingPunct="1">
+              <a:lnSpc>
+                <a:spcPct val="90000"/>
+              </a:lnSpc>
+              <a:spcBef>
+                <a:spcPts val="500"/>
+              </a:spcBef>
+              <a:buFont typeface="Arial" panose="020B0604020202020204" pitchFamily="34" charset="0"/>
+              <a:buChar char="•"/>
+              <a:defRPr sz="1800" kern="1200">
+                <a:solidFill>
+                  <a:schemeClr val="tx1"/>
+                </a:solidFill>
+                <a:latin typeface="+mn-lt"/>
+                <a:ea typeface="+mn-ea"/>
+                <a:cs typeface="+mn-cs"/>
+              </a:defRPr>
+            </a:lvl6pPr>
+            <a:lvl7pPr marL="2971800" indent="-228600" algn="l" defTabSz="914400" rtl="0" eaLnBrk="1" latinLnBrk="0" hangingPunct="1">
+              <a:lnSpc>
+                <a:spcPct val="90000"/>
+              </a:lnSpc>
+              <a:spcBef>
+                <a:spcPts val="500"/>
+              </a:spcBef>
+              <a:buFont typeface="Arial" panose="020B0604020202020204" pitchFamily="34" charset="0"/>
+              <a:buChar char="•"/>
+              <a:defRPr sz="1800" kern="1200">
+                <a:solidFill>
+                  <a:schemeClr val="tx1"/>
+                </a:solidFill>
+                <a:latin typeface="+mn-lt"/>
+                <a:ea typeface="+mn-ea"/>
+                <a:cs typeface="+mn-cs"/>
+              </a:defRPr>
+            </a:lvl7pPr>
+            <a:lvl8pPr marL="3429000" indent="-228600" algn="l" defTabSz="914400" rtl="0" eaLnBrk="1" latinLnBrk="0" hangingPunct="1">
+              <a:lnSpc>
+                <a:spcPct val="90000"/>
+              </a:lnSpc>
+              <a:spcBef>
+                <a:spcPts val="500"/>
+              </a:spcBef>
+              <a:buFont typeface="Arial" panose="020B0604020202020204" pitchFamily="34" charset="0"/>
+              <a:buChar char="•"/>
+              <a:defRPr sz="1800" kern="1200">
+                <a:solidFill>
+                  <a:schemeClr val="tx1"/>
+                </a:solidFill>
+                <a:latin typeface="+mn-lt"/>
+                <a:ea typeface="+mn-ea"/>
+                <a:cs typeface="+mn-cs"/>
+              </a:defRPr>
+            </a:lvl8pPr>
+            <a:lvl9pPr marL="3886200" indent="-228600" algn="l" defTabSz="914400" rtl="0" eaLnBrk="1" latinLnBrk="0" hangingPunct="1">
+              <a:lnSpc>
+                <a:spcPct val="90000"/>
+              </a:lnSpc>
+              <a:spcBef>
+                <a:spcPts val="500"/>
+              </a:spcBef>
+              <a:buFont typeface="Arial" panose="020B0604020202020204" pitchFamily="34" charset="0"/>
+              <a:buChar char="•"/>
+              <a:defRPr sz="1800" kern="1200">
+                <a:solidFill>
+                  <a:schemeClr val="tx1"/>
+                </a:solidFill>
+                <a:latin typeface="+mn-lt"/>
+                <a:ea typeface="+mn-ea"/>
+                <a:cs typeface="+mn-cs"/>
+              </a:defRPr>
+            </a:lvl9pPr>
+          </a:lstStyle>
+          <a:p>
+            <a:pPr algn="l">
+              <a:lnSpc>
+                <a:spcPct val="100000"/>
+              </a:lnSpc>
+            </a:pPr>
+            <a:r>
+              <a:rPr lang="hu-HU" sz="2000" dirty="0">
+                <a:solidFill>
+                  <a:schemeClr val="tx1"/>
+                </a:solidFill>
+                <a:latin typeface="Georgia" panose="02040502050405020303" pitchFamily="18" charset="0"/>
+                <a:cs typeface="Calibri Light" panose="020F0302020204030204" pitchFamily="34" charset="0"/>
+              </a:rPr>
+              <a:t>1.  Megnézni ha a másik képletet használom mi változik</a:t>
+            </a:r>
+          </a:p>
+          <a:p>
+            <a:pPr marL="285750" indent="-285750" algn="l">
+              <a:lnSpc>
+                <a:spcPct val="100000"/>
+              </a:lnSpc>
+              <a:buFontTx/>
+              <a:buChar char="-"/>
+            </a:pPr>
+            <a:r>
+              <a:rPr lang="hu-HU" dirty="0">
+                <a:solidFill>
+                  <a:schemeClr val="tx1"/>
+                </a:solidFill>
+                <a:latin typeface="Arial" panose="020B0604020202020204" pitchFamily="34" charset="0"/>
+                <a:cs typeface="Arial" panose="020B0604020202020204" pitchFamily="34" charset="0"/>
+              </a:rPr>
+              <a:t>Átírni a LR képletet úgy ahogy az eredeti cikkben volt az én változatomhoz képest, és megfigyelni az összefüggéseket.</a:t>
+            </a:r>
+          </a:p>
+        </p:txBody>
+      </p:sp>
+    </p:spTree>
+    <p:extLst>
+      <p:ext uri="{BB962C8B-B14F-4D97-AF65-F5344CB8AC3E}">
+        <p14:creationId xmlns:p14="http://schemas.microsoft.com/office/powerpoint/2010/main" val="71653685"/>
+      </p:ext>
+    </p:extLst>
+  </p:cSld>
+  <p:clrMapOvr>
+    <a:masterClrMapping/>
+  </p:clrMapOvr>
+  <mc:AlternateContent xmlns:mc="http://schemas.openxmlformats.org/markup-compatibility/2006" xmlns:p14="http://schemas.microsoft.com/office/powerpoint/2010/main">
+    <mc:Choice Requires="p14">
+      <p:transition spd="med" p14:dur="700">
+        <p:fade/>
+      </p:transition>
+    </mc:Choice>
+    <mc:Fallback xmlns="">
+      <p:transition spd="med">
+        <p:fade/>
+      </p:transition>
+    </mc:Fallback>
+  </mc:AlternateContent>
+  <p:timing>
+    <p:tnLst>
+      <p:par>
+        <p:cTn id="1" dur="indefinite" restart="never" nodeType="tmRoot">
+          <p:childTnLst>
+            <p:seq concurrent="1" nextAc="seek">
+              <p:cTn id="2" dur="indefinite" nodeType="mainSeq">
+                <p:childTnLst>
+                  <p:par>
+                    <p:cTn id="3" fill="hold">
+                      <p:stCondLst>
+                        <p:cond delay="indefinite"/>
+                      </p:stCondLst>
+                      <p:childTnLst>
+                        <p:par>
+                          <p:cTn id="4" fill="hold">
+                            <p:stCondLst>
+                              <p:cond delay="0"/>
+                            </p:stCondLst>
+                            <p:childTnLst>
+                              <p:par>
+                                <p:cTn id="5" presetID="10" presetClass="entr" presetSubtype="0" fill="hold" grpId="0" nodeType="clickEffect">
+                                  <p:stCondLst>
+                                    <p:cond delay="0"/>
+                                  </p:stCondLst>
+                                  <p:childTnLst>
+                                    <p:set>
+                                      <p:cBhvr>
+                                        <p:cTn id="6" dur="1" fill="hold">
+                                          <p:stCondLst>
+                                            <p:cond delay="0"/>
+                                          </p:stCondLst>
+                                        </p:cTn>
+                                        <p:tgtEl>
+                                          <p:spTgt spid="10"/>
+                                        </p:tgtEl>
+                                        <p:attrNameLst>
+                                          <p:attrName>style.visibility</p:attrName>
+                                        </p:attrNameLst>
+                                      </p:cBhvr>
+                                      <p:to>
+                                        <p:strVal val="visible"/>
+                                      </p:to>
+                                    </p:set>
+                                    <p:animEffect transition="in" filter="fade">
+                                      <p:cBhvr>
+                                        <p:cTn id="7" dur="500"/>
+                                        <p:tgtEl>
+                                          <p:spTgt spid="10"/>
+                                        </p:tgtEl>
+                                      </p:cBhvr>
+                                    </p:animEffect>
+                                  </p:childTnLst>
+                                </p:cTn>
+                              </p:par>
+                            </p:childTnLst>
+                          </p:cTn>
+                        </p:par>
+                      </p:childTnLst>
+                    </p:cTn>
+                  </p:par>
+                </p:childTnLst>
+              </p:cTn>
+              <p:prevCondLst>
+                <p:cond evt="onPrev" delay="0">
+                  <p:tgtEl>
+                    <p:sldTgt/>
+                  </p:tgtEl>
+                </p:cond>
+              </p:prevCondLst>
+              <p:nextCondLst>
+                <p:cond evt="onNext" delay="0">
+                  <p:tgtEl>
+                    <p:sldTgt/>
+                  </p:tgtEl>
+                </p:cond>
+              </p:nextCondLst>
+            </p:seq>
+          </p:childTnLst>
+        </p:cTn>
+      </p:par>
+    </p:tnLst>
+    <p:bldLst>
+      <p:bldP spid="10" grpId="0"/>
+    </p:bldLst>
+  </p:timing>
+</p:sld>
+</file>
+
+<file path=ppt/slides/slide30.xml><?xml version="1.0" encoding="utf-8"?>
+<p:sld xmlns:a="http://schemas.openxmlformats.org/drawingml/2006/main" xmlns:r="http://schemas.openxmlformats.org/officeDocument/2006/relationships" xmlns:p="http://schemas.openxmlformats.org/presentationml/2006/main">
+  <p:cSld>
+    <p:spTree>
+      <p:nvGrpSpPr>
+        <p:cNvPr id="1" name=""/>
+        <p:cNvGrpSpPr/>
+        <p:nvPr/>
+      </p:nvGrpSpPr>
+      <p:grpSpPr>
+        <a:xfrm>
+          <a:off x="0" y="0"/>
+          <a:ext cx="0" cy="0"/>
+          <a:chOff x="0" y="0"/>
+          <a:chExt cx="0" cy="0"/>
+        </a:xfrm>
+      </p:grpSpPr>
+      <p:pic>
+        <p:nvPicPr>
+          <p:cNvPr id="4" name="Kép 3" descr="A képen háló látható&#10;&#10;Automatikusan generált leírás">
+            <a:extLst>
+              <a:ext uri="{FF2B5EF4-FFF2-40B4-BE49-F238E27FC236}">
+                <a16:creationId xmlns:a16="http://schemas.microsoft.com/office/drawing/2014/main" id="{B7B7332F-71BE-4DF1-8FF7-6FEAA97B25FB}"/>
+              </a:ext>
+            </a:extLst>
+          </p:cNvPr>
+          <p:cNvPicPr>
+            <a:picLocks noChangeAspect="1"/>
+          </p:cNvPicPr>
+          <p:nvPr/>
+        </p:nvPicPr>
+        <p:blipFill>
+          <a:blip r:embed="rId3">
+            <a:extLst>
+              <a:ext uri="{BEBA8EAE-BF5A-486C-A8C5-ECC9F3942E4B}">
+                <a14:imgProps xmlns:a14="http://schemas.microsoft.com/office/drawing/2010/main">
+                  <a14:imgLayer r:embed="rId4">
+                    <a14:imgEffect>
+                      <a14:sharpenSoften amount="-100000"/>
+                    </a14:imgEffect>
+                  </a14:imgLayer>
+                </a14:imgProps>
+              </a:ext>
+              <a:ext uri="{28A0092B-C50C-407E-A947-70E740481C1C}">
+                <a14:useLocalDpi xmlns:a14="http://schemas.microsoft.com/office/drawing/2010/main" val="0"/>
+              </a:ext>
+            </a:extLst>
+          </a:blip>
+          <a:stretch>
+            <a:fillRect/>
+          </a:stretch>
+        </p:blipFill>
+        <p:spPr>
+          <a:xfrm>
+            <a:off x="0" y="-3182798"/>
+            <a:ext cx="13475043" cy="10040798"/>
+          </a:xfrm>
+          <a:prstGeom prst="rect">
+            <a:avLst/>
+          </a:prstGeom>
+        </p:spPr>
+      </p:pic>
+      <p:sp>
+        <p:nvSpPr>
+          <p:cNvPr id="16" name="Szöveg helye 14">
+            <a:extLst>
+              <a:ext uri="{FF2B5EF4-FFF2-40B4-BE49-F238E27FC236}">
+                <a16:creationId xmlns:a16="http://schemas.microsoft.com/office/drawing/2014/main" id="{513EA38E-469D-46FF-AE7E-2E7EDFA603D7}"/>
+              </a:ext>
+            </a:extLst>
+          </p:cNvPr>
+          <p:cNvSpPr txBox="1">
+            <a:spLocks/>
+          </p:cNvSpPr>
+          <p:nvPr/>
+        </p:nvSpPr>
+        <p:spPr>
+          <a:xfrm>
+            <a:off x="541246" y="386452"/>
+            <a:ext cx="11427841" cy="942559"/>
+          </a:xfrm>
+          <a:prstGeom prst="rect">
+            <a:avLst/>
+          </a:prstGeom>
+          <a:noFill/>
+        </p:spPr>
+        <p:txBody>
+          <a:bodyPr vert="horz" lIns="108000" tIns="72000" rIns="72000" bIns="36000" rtlCol="0">
+            <a:noAutofit/>
+          </a:bodyPr>
+          <a:lstStyle>
+            <a:lvl1pPr marL="0" indent="0" algn="ctr" defTabSz="914400" rtl="0" eaLnBrk="1" latinLnBrk="0" hangingPunct="1">
+              <a:lnSpc>
+                <a:spcPct val="90000"/>
+              </a:lnSpc>
+              <a:spcBef>
+                <a:spcPts val="1000"/>
+              </a:spcBef>
+              <a:buFont typeface="Arial" panose="020B0604020202020204" pitchFamily="34" charset="0"/>
+              <a:buNone/>
+              <a:defRPr sz="1600" kern="1200">
+                <a:solidFill>
+                  <a:schemeClr val="tx1">
+                    <a:lumMod val="75000"/>
+                    <a:lumOff val="25000"/>
+                  </a:schemeClr>
+                </a:solidFill>
+                <a:latin typeface="+mn-lt"/>
+                <a:ea typeface="+mn-ea"/>
+                <a:cs typeface="+mn-cs"/>
+              </a:defRPr>
+            </a:lvl1pPr>
+            <a:lvl2pPr marL="542925" indent="-276225" algn="l" defTabSz="914400" rtl="0" eaLnBrk="1" latinLnBrk="0" hangingPunct="1">
+              <a:lnSpc>
+                <a:spcPct val="90000"/>
+              </a:lnSpc>
+              <a:spcBef>
+                <a:spcPts val="500"/>
+              </a:spcBef>
+              <a:buFont typeface="Arial" panose="020B0604020202020204" pitchFamily="34" charset="0"/>
+              <a:buChar char="•"/>
+              <a:defRPr sz="1600" kern="1200">
+                <a:solidFill>
+                  <a:schemeClr val="tx1">
+                    <a:lumMod val="75000"/>
+                    <a:lumOff val="25000"/>
+                  </a:schemeClr>
+                </a:solidFill>
+                <a:latin typeface="+mn-lt"/>
+                <a:ea typeface="+mn-ea"/>
+                <a:cs typeface="+mn-cs"/>
+              </a:defRPr>
+            </a:lvl2pPr>
+            <a:lvl3pPr marL="809625" indent="-266700" algn="l" defTabSz="914400" rtl="0" eaLnBrk="1" latinLnBrk="0" hangingPunct="1">
+              <a:lnSpc>
+                <a:spcPct val="90000"/>
+              </a:lnSpc>
+              <a:spcBef>
+                <a:spcPts val="500"/>
+              </a:spcBef>
+              <a:buFont typeface="Arial" panose="020B0604020202020204" pitchFamily="34" charset="0"/>
+              <a:buChar char="•"/>
+              <a:defRPr sz="1400" kern="1200">
+                <a:solidFill>
+                  <a:schemeClr val="tx1">
+                    <a:lumMod val="75000"/>
+                    <a:lumOff val="25000"/>
+                  </a:schemeClr>
+                </a:solidFill>
+                <a:latin typeface="+mn-lt"/>
+                <a:ea typeface="+mn-ea"/>
+                <a:cs typeface="+mn-cs"/>
+              </a:defRPr>
+            </a:lvl3pPr>
+            <a:lvl4pPr marL="1076325" indent="-266700" algn="l" defTabSz="914400" rtl="0" eaLnBrk="1" latinLnBrk="0" hangingPunct="1">
+              <a:lnSpc>
+                <a:spcPct val="90000"/>
+              </a:lnSpc>
+              <a:spcBef>
+                <a:spcPts val="500"/>
+              </a:spcBef>
+              <a:buFont typeface="Arial" panose="020B0604020202020204" pitchFamily="34" charset="0"/>
+              <a:buChar char="•"/>
+              <a:defRPr sz="1400" kern="1200">
+                <a:solidFill>
+                  <a:schemeClr val="tx1">
+                    <a:lumMod val="75000"/>
+                    <a:lumOff val="25000"/>
+                  </a:schemeClr>
+                </a:solidFill>
+                <a:latin typeface="+mn-lt"/>
+                <a:ea typeface="+mn-ea"/>
+                <a:cs typeface="+mn-cs"/>
+              </a:defRPr>
+            </a:lvl4pPr>
+            <a:lvl5pPr marL="1343025" indent="-266700" algn="l" defTabSz="914400" rtl="0" eaLnBrk="1" latinLnBrk="0" hangingPunct="1">
+              <a:lnSpc>
+                <a:spcPct val="90000"/>
+              </a:lnSpc>
+              <a:spcBef>
+                <a:spcPts val="500"/>
+              </a:spcBef>
+              <a:buFont typeface="Arial" panose="020B0604020202020204" pitchFamily="34" charset="0"/>
+              <a:buChar char="•"/>
+              <a:defRPr sz="1400" kern="1200">
+                <a:solidFill>
+                  <a:schemeClr val="tx1">
+                    <a:lumMod val="75000"/>
+                    <a:lumOff val="25000"/>
+                  </a:schemeClr>
+                </a:solidFill>
+                <a:latin typeface="+mn-lt"/>
+                <a:ea typeface="+mn-ea"/>
+                <a:cs typeface="+mn-cs"/>
+              </a:defRPr>
+            </a:lvl5pPr>
+            <a:lvl6pPr marL="2514600" indent="-228600" algn="l" defTabSz="914400" rtl="0" eaLnBrk="1" latinLnBrk="0" hangingPunct="1">
+              <a:lnSpc>
+                <a:spcPct val="90000"/>
+              </a:lnSpc>
+              <a:spcBef>
+                <a:spcPts val="500"/>
+              </a:spcBef>
+              <a:buFont typeface="Arial" panose="020B0604020202020204" pitchFamily="34" charset="0"/>
+              <a:buChar char="•"/>
+              <a:defRPr sz="1800" kern="1200">
+                <a:solidFill>
+                  <a:schemeClr val="tx1"/>
+                </a:solidFill>
+                <a:latin typeface="+mn-lt"/>
+                <a:ea typeface="+mn-ea"/>
+                <a:cs typeface="+mn-cs"/>
+              </a:defRPr>
+            </a:lvl6pPr>
+            <a:lvl7pPr marL="2971800" indent="-228600" algn="l" defTabSz="914400" rtl="0" eaLnBrk="1" latinLnBrk="0" hangingPunct="1">
+              <a:lnSpc>
+                <a:spcPct val="90000"/>
+              </a:lnSpc>
+              <a:spcBef>
+                <a:spcPts val="500"/>
+              </a:spcBef>
+              <a:buFont typeface="Arial" panose="020B0604020202020204" pitchFamily="34" charset="0"/>
+              <a:buChar char="•"/>
+              <a:defRPr sz="1800" kern="1200">
+                <a:solidFill>
+                  <a:schemeClr val="tx1"/>
+                </a:solidFill>
+                <a:latin typeface="+mn-lt"/>
+                <a:ea typeface="+mn-ea"/>
+                <a:cs typeface="+mn-cs"/>
+              </a:defRPr>
+            </a:lvl7pPr>
+            <a:lvl8pPr marL="3429000" indent="-228600" algn="l" defTabSz="914400" rtl="0" eaLnBrk="1" latinLnBrk="0" hangingPunct="1">
+              <a:lnSpc>
+                <a:spcPct val="90000"/>
+              </a:lnSpc>
+              <a:spcBef>
+                <a:spcPts val="500"/>
+              </a:spcBef>
+              <a:buFont typeface="Arial" panose="020B0604020202020204" pitchFamily="34" charset="0"/>
+              <a:buChar char="•"/>
+              <a:defRPr sz="1800" kern="1200">
+                <a:solidFill>
+                  <a:schemeClr val="tx1"/>
+                </a:solidFill>
+                <a:latin typeface="+mn-lt"/>
+                <a:ea typeface="+mn-ea"/>
+                <a:cs typeface="+mn-cs"/>
+              </a:defRPr>
+            </a:lvl8pPr>
+            <a:lvl9pPr marL="3886200" indent="-228600" algn="l" defTabSz="914400" rtl="0" eaLnBrk="1" latinLnBrk="0" hangingPunct="1">
+              <a:lnSpc>
+                <a:spcPct val="90000"/>
+              </a:lnSpc>
+              <a:spcBef>
+                <a:spcPts val="500"/>
+              </a:spcBef>
+              <a:buFont typeface="Arial" panose="020B0604020202020204" pitchFamily="34" charset="0"/>
+              <a:buChar char="•"/>
+              <a:defRPr sz="1800" kern="1200">
+                <a:solidFill>
+                  <a:schemeClr val="tx1"/>
+                </a:solidFill>
+                <a:latin typeface="+mn-lt"/>
+                <a:ea typeface="+mn-ea"/>
+                <a:cs typeface="+mn-cs"/>
+              </a:defRPr>
+            </a:lvl9pPr>
+          </a:lstStyle>
+          <a:p>
+            <a:pPr algn="l">
+              <a:lnSpc>
+                <a:spcPct val="100000"/>
+              </a:lnSpc>
+            </a:pPr>
+            <a:r>
+              <a:rPr lang="hu-HU" sz="4800" dirty="0">
+                <a:solidFill>
+                  <a:schemeClr val="bg1"/>
+                </a:solidFill>
+                <a:latin typeface="Georgia" panose="02040502050405020303" pitchFamily="18" charset="0"/>
+                <a:cs typeface="Arial" panose="020B0604020202020204" pitchFamily="34" charset="0"/>
+              </a:rPr>
               <a:t>Eszembe jutott még egy dolog</a:t>
             </a:r>
             <a:endParaRPr lang="hu-HU" sz="4800" dirty="0">
@@ -30586,613 +31945,7 @@
 </p:sld>
 </file>
 
-<file path=ppt/slides/slide3.xml><?xml version="1.0" encoding="utf-8"?>
-<p:sld xmlns:a="http://schemas.openxmlformats.org/drawingml/2006/main" xmlns:r="http://schemas.openxmlformats.org/officeDocument/2006/relationships" xmlns:p="http://schemas.openxmlformats.org/presentationml/2006/main">
-  <p:cSld>
-    <p:spTree>
-      <p:nvGrpSpPr>
-        <p:cNvPr id="1" name=""/>
-        <p:cNvGrpSpPr/>
-        <p:nvPr/>
-      </p:nvGrpSpPr>
-      <p:grpSpPr>
-        <a:xfrm>
-          <a:off x="0" y="0"/>
-          <a:ext cx="0" cy="0"/>
-          <a:chOff x="0" y="0"/>
-          <a:chExt cx="0" cy="0"/>
-        </a:xfrm>
-      </p:grpSpPr>
-      <p:sp>
-        <p:nvSpPr>
-          <p:cNvPr id="9" name="Szöveg helye 14">
-            <a:extLst>
-              <a:ext uri="{FF2B5EF4-FFF2-40B4-BE49-F238E27FC236}">
-                <a16:creationId xmlns:a16="http://schemas.microsoft.com/office/drawing/2014/main" id="{27FB6942-F6E0-48A2-84B6-F1FA23483B8E}"/>
-              </a:ext>
-            </a:extLst>
-          </p:cNvPr>
-          <p:cNvSpPr txBox="1">
-            <a:spLocks/>
-          </p:cNvSpPr>
-          <p:nvPr/>
-        </p:nvSpPr>
-        <p:spPr>
-          <a:xfrm>
-            <a:off x="541246" y="386452"/>
-            <a:ext cx="8708771" cy="942559"/>
-          </a:xfrm>
-          <a:prstGeom prst="rect">
-            <a:avLst/>
-          </a:prstGeom>
-          <a:noFill/>
-        </p:spPr>
-        <p:txBody>
-          <a:bodyPr vert="horz" lIns="108000" tIns="72000" rIns="72000" bIns="36000" rtlCol="0">
-            <a:noAutofit/>
-          </a:bodyPr>
-          <a:lstStyle>
-            <a:lvl1pPr marL="0" indent="0" algn="ctr" defTabSz="914400" rtl="0" eaLnBrk="1" latinLnBrk="0" hangingPunct="1">
-              <a:lnSpc>
-                <a:spcPct val="90000"/>
-              </a:lnSpc>
-              <a:spcBef>
-                <a:spcPts val="1000"/>
-              </a:spcBef>
-              <a:buFont typeface="Arial" panose="020B0604020202020204" pitchFamily="34" charset="0"/>
-              <a:buNone/>
-              <a:defRPr sz="1600" kern="1200">
-                <a:solidFill>
-                  <a:schemeClr val="tx1">
-                    <a:lumMod val="75000"/>
-                    <a:lumOff val="25000"/>
-                  </a:schemeClr>
-                </a:solidFill>
-                <a:latin typeface="+mn-lt"/>
-                <a:ea typeface="+mn-ea"/>
-                <a:cs typeface="+mn-cs"/>
-              </a:defRPr>
-            </a:lvl1pPr>
-            <a:lvl2pPr marL="542925" indent="-276225" algn="l" defTabSz="914400" rtl="0" eaLnBrk="1" latinLnBrk="0" hangingPunct="1">
-              <a:lnSpc>
-                <a:spcPct val="90000"/>
-              </a:lnSpc>
-              <a:spcBef>
-                <a:spcPts val="500"/>
-              </a:spcBef>
-              <a:buFont typeface="Arial" panose="020B0604020202020204" pitchFamily="34" charset="0"/>
-              <a:buChar char="•"/>
-              <a:defRPr sz="1600" kern="1200">
-                <a:solidFill>
-                  <a:schemeClr val="tx1">
-                    <a:lumMod val="75000"/>
-                    <a:lumOff val="25000"/>
-                  </a:schemeClr>
-                </a:solidFill>
-                <a:latin typeface="+mn-lt"/>
-                <a:ea typeface="+mn-ea"/>
-                <a:cs typeface="+mn-cs"/>
-              </a:defRPr>
-            </a:lvl2pPr>
-            <a:lvl3pPr marL="809625" indent="-266700" algn="l" defTabSz="914400" rtl="0" eaLnBrk="1" latinLnBrk="0" hangingPunct="1">
-              <a:lnSpc>
-                <a:spcPct val="90000"/>
-              </a:lnSpc>
-              <a:spcBef>
-                <a:spcPts val="500"/>
-              </a:spcBef>
-              <a:buFont typeface="Arial" panose="020B0604020202020204" pitchFamily="34" charset="0"/>
-              <a:buChar char="•"/>
-              <a:defRPr sz="1400" kern="1200">
-                <a:solidFill>
-                  <a:schemeClr val="tx1">
-                    <a:lumMod val="75000"/>
-                    <a:lumOff val="25000"/>
-                  </a:schemeClr>
-                </a:solidFill>
-                <a:latin typeface="+mn-lt"/>
-                <a:ea typeface="+mn-ea"/>
-                <a:cs typeface="+mn-cs"/>
-              </a:defRPr>
-            </a:lvl3pPr>
-            <a:lvl4pPr marL="1076325" indent="-266700" algn="l" defTabSz="914400" rtl="0" eaLnBrk="1" latinLnBrk="0" hangingPunct="1">
-              <a:lnSpc>
-                <a:spcPct val="90000"/>
-              </a:lnSpc>
-              <a:spcBef>
-                <a:spcPts val="500"/>
-              </a:spcBef>
-              <a:buFont typeface="Arial" panose="020B0604020202020204" pitchFamily="34" charset="0"/>
-              <a:buChar char="•"/>
-              <a:defRPr sz="1400" kern="1200">
-                <a:solidFill>
-                  <a:schemeClr val="tx1">
-                    <a:lumMod val="75000"/>
-                    <a:lumOff val="25000"/>
-                  </a:schemeClr>
-                </a:solidFill>
-                <a:latin typeface="+mn-lt"/>
-                <a:ea typeface="+mn-ea"/>
-                <a:cs typeface="+mn-cs"/>
-              </a:defRPr>
-            </a:lvl4pPr>
-            <a:lvl5pPr marL="1343025" indent="-266700" algn="l" defTabSz="914400" rtl="0" eaLnBrk="1" latinLnBrk="0" hangingPunct="1">
-              <a:lnSpc>
-                <a:spcPct val="90000"/>
-              </a:lnSpc>
-              <a:spcBef>
-                <a:spcPts val="500"/>
-              </a:spcBef>
-              <a:buFont typeface="Arial" panose="020B0604020202020204" pitchFamily="34" charset="0"/>
-              <a:buChar char="•"/>
-              <a:defRPr sz="1400" kern="1200">
-                <a:solidFill>
-                  <a:schemeClr val="tx1">
-                    <a:lumMod val="75000"/>
-                    <a:lumOff val="25000"/>
-                  </a:schemeClr>
-                </a:solidFill>
-                <a:latin typeface="+mn-lt"/>
-                <a:ea typeface="+mn-ea"/>
-                <a:cs typeface="+mn-cs"/>
-              </a:defRPr>
-            </a:lvl5pPr>
-            <a:lvl6pPr marL="2514600" indent="-228600" algn="l" defTabSz="914400" rtl="0" eaLnBrk="1" latinLnBrk="0" hangingPunct="1">
-              <a:lnSpc>
-                <a:spcPct val="90000"/>
-              </a:lnSpc>
-              <a:spcBef>
-                <a:spcPts val="500"/>
-              </a:spcBef>
-              <a:buFont typeface="Arial" panose="020B0604020202020204" pitchFamily="34" charset="0"/>
-              <a:buChar char="•"/>
-              <a:defRPr sz="1800" kern="1200">
-                <a:solidFill>
-                  <a:schemeClr val="tx1"/>
-                </a:solidFill>
-                <a:latin typeface="+mn-lt"/>
-                <a:ea typeface="+mn-ea"/>
-                <a:cs typeface="+mn-cs"/>
-              </a:defRPr>
-            </a:lvl6pPr>
-            <a:lvl7pPr marL="2971800" indent="-228600" algn="l" defTabSz="914400" rtl="0" eaLnBrk="1" latinLnBrk="0" hangingPunct="1">
-              <a:lnSpc>
-                <a:spcPct val="90000"/>
-              </a:lnSpc>
-              <a:spcBef>
-                <a:spcPts val="500"/>
-              </a:spcBef>
-              <a:buFont typeface="Arial" panose="020B0604020202020204" pitchFamily="34" charset="0"/>
-              <a:buChar char="•"/>
-              <a:defRPr sz="1800" kern="1200">
-                <a:solidFill>
-                  <a:schemeClr val="tx1"/>
-                </a:solidFill>
-                <a:latin typeface="+mn-lt"/>
-                <a:ea typeface="+mn-ea"/>
-                <a:cs typeface="+mn-cs"/>
-              </a:defRPr>
-            </a:lvl7pPr>
-            <a:lvl8pPr marL="3429000" indent="-228600" algn="l" defTabSz="914400" rtl="0" eaLnBrk="1" latinLnBrk="0" hangingPunct="1">
-              <a:lnSpc>
-                <a:spcPct val="90000"/>
-              </a:lnSpc>
-              <a:spcBef>
-                <a:spcPts val="500"/>
-              </a:spcBef>
-              <a:buFont typeface="Arial" panose="020B0604020202020204" pitchFamily="34" charset="0"/>
-              <a:buChar char="•"/>
-              <a:defRPr sz="1800" kern="1200">
-                <a:solidFill>
-                  <a:schemeClr val="tx1"/>
-                </a:solidFill>
-                <a:latin typeface="+mn-lt"/>
-                <a:ea typeface="+mn-ea"/>
-                <a:cs typeface="+mn-cs"/>
-              </a:defRPr>
-            </a:lvl8pPr>
-            <a:lvl9pPr marL="3886200" indent="-228600" algn="l" defTabSz="914400" rtl="0" eaLnBrk="1" latinLnBrk="0" hangingPunct="1">
-              <a:lnSpc>
-                <a:spcPct val="90000"/>
-              </a:lnSpc>
-              <a:spcBef>
-                <a:spcPts val="500"/>
-              </a:spcBef>
-              <a:buFont typeface="Arial" panose="020B0604020202020204" pitchFamily="34" charset="0"/>
-              <a:buChar char="•"/>
-              <a:defRPr sz="1800" kern="1200">
-                <a:solidFill>
-                  <a:schemeClr val="tx1"/>
-                </a:solidFill>
-                <a:latin typeface="+mn-lt"/>
-                <a:ea typeface="+mn-ea"/>
-                <a:cs typeface="+mn-cs"/>
-              </a:defRPr>
-            </a:lvl9pPr>
-          </a:lstStyle>
-          <a:p>
-            <a:pPr algn="l">
-              <a:lnSpc>
-                <a:spcPct val="100000"/>
-              </a:lnSpc>
-            </a:pPr>
-            <a:r>
-              <a:rPr lang="hu-HU" sz="4800" dirty="0">
-                <a:solidFill>
-                  <a:schemeClr val="tx1"/>
-                </a:solidFill>
-                <a:latin typeface="Georgia" panose="02040502050405020303" pitchFamily="18" charset="0"/>
-                <a:cs typeface="Arial" panose="020B0604020202020204" pitchFamily="34" charset="0"/>
-              </a:rPr>
-              <a:t>LR teszt</a:t>
-            </a:r>
-            <a:endParaRPr lang="hu-HU" sz="4800" dirty="0">
-              <a:solidFill>
-                <a:schemeClr val="tx1"/>
-              </a:solidFill>
-              <a:latin typeface="Georgia" panose="02040502050405020303" pitchFamily="18" charset="0"/>
-              <a:cs typeface="Calibri Light" panose="020F0302020204030204" pitchFamily="34" charset="0"/>
-            </a:endParaRPr>
-          </a:p>
-        </p:txBody>
-      </p:sp>
-      <p:sp>
-        <p:nvSpPr>
-          <p:cNvPr id="10" name="Szöveg helye 14">
-            <a:extLst>
-              <a:ext uri="{FF2B5EF4-FFF2-40B4-BE49-F238E27FC236}">
-                <a16:creationId xmlns:a16="http://schemas.microsoft.com/office/drawing/2014/main" id="{9FB85B1C-99A5-4A8E-95DD-57C11294BB7A}"/>
-              </a:ext>
-            </a:extLst>
-          </p:cNvPr>
-          <p:cNvSpPr txBox="1">
-            <a:spLocks/>
-          </p:cNvSpPr>
-          <p:nvPr/>
-        </p:nvSpPr>
-        <p:spPr>
-          <a:xfrm>
-            <a:off x="541247" y="1329010"/>
-            <a:ext cx="10988144" cy="5142537"/>
-          </a:xfrm>
-          <a:prstGeom prst="rect">
-            <a:avLst/>
-          </a:prstGeom>
-          <a:noFill/>
-        </p:spPr>
-        <p:txBody>
-          <a:bodyPr vert="horz" lIns="108000" tIns="72000" rIns="72000" bIns="36000" rtlCol="0">
-            <a:noAutofit/>
-          </a:bodyPr>
-          <a:lstStyle>
-            <a:lvl1pPr marL="0" indent="0" algn="ctr" defTabSz="914400" rtl="0" eaLnBrk="1" latinLnBrk="0" hangingPunct="1">
-              <a:lnSpc>
-                <a:spcPct val="90000"/>
-              </a:lnSpc>
-              <a:spcBef>
-                <a:spcPts val="1000"/>
-              </a:spcBef>
-              <a:buFont typeface="Arial" panose="020B0604020202020204" pitchFamily="34" charset="0"/>
-              <a:buNone/>
-              <a:defRPr sz="1600" kern="1200">
-                <a:solidFill>
-                  <a:schemeClr val="tx1">
-                    <a:lumMod val="75000"/>
-                    <a:lumOff val="25000"/>
-                  </a:schemeClr>
-                </a:solidFill>
-                <a:latin typeface="+mn-lt"/>
-                <a:ea typeface="+mn-ea"/>
-                <a:cs typeface="+mn-cs"/>
-              </a:defRPr>
-            </a:lvl1pPr>
-            <a:lvl2pPr marL="542925" indent="-276225" algn="l" defTabSz="914400" rtl="0" eaLnBrk="1" latinLnBrk="0" hangingPunct="1">
-              <a:lnSpc>
-                <a:spcPct val="90000"/>
-              </a:lnSpc>
-              <a:spcBef>
-                <a:spcPts val="500"/>
-              </a:spcBef>
-              <a:buFont typeface="Arial" panose="020B0604020202020204" pitchFamily="34" charset="0"/>
-              <a:buChar char="•"/>
-              <a:defRPr sz="1600" kern="1200">
-                <a:solidFill>
-                  <a:schemeClr val="tx1">
-                    <a:lumMod val="75000"/>
-                    <a:lumOff val="25000"/>
-                  </a:schemeClr>
-                </a:solidFill>
-                <a:latin typeface="+mn-lt"/>
-                <a:ea typeface="+mn-ea"/>
-                <a:cs typeface="+mn-cs"/>
-              </a:defRPr>
-            </a:lvl2pPr>
-            <a:lvl3pPr marL="809625" indent="-266700" algn="l" defTabSz="914400" rtl="0" eaLnBrk="1" latinLnBrk="0" hangingPunct="1">
-              <a:lnSpc>
-                <a:spcPct val="90000"/>
-              </a:lnSpc>
-              <a:spcBef>
-                <a:spcPts val="500"/>
-              </a:spcBef>
-              <a:buFont typeface="Arial" panose="020B0604020202020204" pitchFamily="34" charset="0"/>
-              <a:buChar char="•"/>
-              <a:defRPr sz="1400" kern="1200">
-                <a:solidFill>
-                  <a:schemeClr val="tx1">
-                    <a:lumMod val="75000"/>
-                    <a:lumOff val="25000"/>
-                  </a:schemeClr>
-                </a:solidFill>
-                <a:latin typeface="+mn-lt"/>
-                <a:ea typeface="+mn-ea"/>
-                <a:cs typeface="+mn-cs"/>
-              </a:defRPr>
-            </a:lvl3pPr>
-            <a:lvl4pPr marL="1076325" indent="-266700" algn="l" defTabSz="914400" rtl="0" eaLnBrk="1" latinLnBrk="0" hangingPunct="1">
-              <a:lnSpc>
-                <a:spcPct val="90000"/>
-              </a:lnSpc>
-              <a:spcBef>
-                <a:spcPts val="500"/>
-              </a:spcBef>
-              <a:buFont typeface="Arial" panose="020B0604020202020204" pitchFamily="34" charset="0"/>
-              <a:buChar char="•"/>
-              <a:defRPr sz="1400" kern="1200">
-                <a:solidFill>
-                  <a:schemeClr val="tx1">
-                    <a:lumMod val="75000"/>
-                    <a:lumOff val="25000"/>
-                  </a:schemeClr>
-                </a:solidFill>
-                <a:latin typeface="+mn-lt"/>
-                <a:ea typeface="+mn-ea"/>
-                <a:cs typeface="+mn-cs"/>
-              </a:defRPr>
-            </a:lvl4pPr>
-            <a:lvl5pPr marL="1343025" indent="-266700" algn="l" defTabSz="914400" rtl="0" eaLnBrk="1" latinLnBrk="0" hangingPunct="1">
-              <a:lnSpc>
-                <a:spcPct val="90000"/>
-              </a:lnSpc>
-              <a:spcBef>
-                <a:spcPts val="500"/>
-              </a:spcBef>
-              <a:buFont typeface="Arial" panose="020B0604020202020204" pitchFamily="34" charset="0"/>
-              <a:buChar char="•"/>
-              <a:defRPr sz="1400" kern="1200">
-                <a:solidFill>
-                  <a:schemeClr val="tx1">
-                    <a:lumMod val="75000"/>
-                    <a:lumOff val="25000"/>
-                  </a:schemeClr>
-                </a:solidFill>
-                <a:latin typeface="+mn-lt"/>
-                <a:ea typeface="+mn-ea"/>
-                <a:cs typeface="+mn-cs"/>
-              </a:defRPr>
-            </a:lvl5pPr>
-            <a:lvl6pPr marL="2514600" indent="-228600" algn="l" defTabSz="914400" rtl="0" eaLnBrk="1" latinLnBrk="0" hangingPunct="1">
-              <a:lnSpc>
-                <a:spcPct val="90000"/>
-              </a:lnSpc>
-              <a:spcBef>
-                <a:spcPts val="500"/>
-              </a:spcBef>
-              <a:buFont typeface="Arial" panose="020B0604020202020204" pitchFamily="34" charset="0"/>
-              <a:buChar char="•"/>
-              <a:defRPr sz="1800" kern="1200">
-                <a:solidFill>
-                  <a:schemeClr val="tx1"/>
-                </a:solidFill>
-                <a:latin typeface="+mn-lt"/>
-                <a:ea typeface="+mn-ea"/>
-                <a:cs typeface="+mn-cs"/>
-              </a:defRPr>
-            </a:lvl6pPr>
-            <a:lvl7pPr marL="2971800" indent="-228600" algn="l" defTabSz="914400" rtl="0" eaLnBrk="1" latinLnBrk="0" hangingPunct="1">
-              <a:lnSpc>
-                <a:spcPct val="90000"/>
-              </a:lnSpc>
-              <a:spcBef>
-                <a:spcPts val="500"/>
-              </a:spcBef>
-              <a:buFont typeface="Arial" panose="020B0604020202020204" pitchFamily="34" charset="0"/>
-              <a:buChar char="•"/>
-              <a:defRPr sz="1800" kern="1200">
-                <a:solidFill>
-                  <a:schemeClr val="tx1"/>
-                </a:solidFill>
-                <a:latin typeface="+mn-lt"/>
-                <a:ea typeface="+mn-ea"/>
-                <a:cs typeface="+mn-cs"/>
-              </a:defRPr>
-            </a:lvl7pPr>
-            <a:lvl8pPr marL="3429000" indent="-228600" algn="l" defTabSz="914400" rtl="0" eaLnBrk="1" latinLnBrk="0" hangingPunct="1">
-              <a:lnSpc>
-                <a:spcPct val="90000"/>
-              </a:lnSpc>
-              <a:spcBef>
-                <a:spcPts val="500"/>
-              </a:spcBef>
-              <a:buFont typeface="Arial" panose="020B0604020202020204" pitchFamily="34" charset="0"/>
-              <a:buChar char="•"/>
-              <a:defRPr sz="1800" kern="1200">
-                <a:solidFill>
-                  <a:schemeClr val="tx1"/>
-                </a:solidFill>
-                <a:latin typeface="+mn-lt"/>
-                <a:ea typeface="+mn-ea"/>
-                <a:cs typeface="+mn-cs"/>
-              </a:defRPr>
-            </a:lvl8pPr>
-            <a:lvl9pPr marL="3886200" indent="-228600" algn="l" defTabSz="914400" rtl="0" eaLnBrk="1" latinLnBrk="0" hangingPunct="1">
-              <a:lnSpc>
-                <a:spcPct val="90000"/>
-              </a:lnSpc>
-              <a:spcBef>
-                <a:spcPts val="500"/>
-              </a:spcBef>
-              <a:buFont typeface="Arial" panose="020B0604020202020204" pitchFamily="34" charset="0"/>
-              <a:buChar char="•"/>
-              <a:defRPr sz="1800" kern="1200">
-                <a:solidFill>
-                  <a:schemeClr val="tx1"/>
-                </a:solidFill>
-                <a:latin typeface="+mn-lt"/>
-                <a:ea typeface="+mn-ea"/>
-                <a:cs typeface="+mn-cs"/>
-              </a:defRPr>
-            </a:lvl9pPr>
-          </a:lstStyle>
-          <a:p>
-            <a:pPr algn="l">
-              <a:lnSpc>
-                <a:spcPct val="100000"/>
-              </a:lnSpc>
-            </a:pPr>
-            <a:r>
-              <a:rPr lang="hu-HU" sz="2000" dirty="0">
-                <a:solidFill>
-                  <a:schemeClr val="tx1"/>
-                </a:solidFill>
-                <a:latin typeface="Georgia" panose="02040502050405020303" pitchFamily="18" charset="0"/>
-                <a:cs typeface="Calibri Light" panose="020F0302020204030204" pitchFamily="34" charset="0"/>
-              </a:rPr>
-              <a:t>1.  Megnézni ha a másik képletet használom mi változik</a:t>
-            </a:r>
-          </a:p>
-          <a:p>
-            <a:pPr marL="285750" indent="-285750" algn="l">
-              <a:lnSpc>
-                <a:spcPct val="100000"/>
-              </a:lnSpc>
-              <a:buFontTx/>
-              <a:buChar char="-"/>
-            </a:pPr>
-            <a:r>
-              <a:rPr lang="hu-HU" dirty="0">
-                <a:solidFill>
-                  <a:schemeClr val="tx1"/>
-                </a:solidFill>
-                <a:latin typeface="Arial" panose="020B0604020202020204" pitchFamily="34" charset="0"/>
-                <a:cs typeface="Arial" panose="020B0604020202020204" pitchFamily="34" charset="0"/>
-              </a:rPr>
-              <a:t>Átírni a LR képletet úgy ahogy az eredeti cikkben volt az én változatomhoz képest, és megfigyelni az összefüggéseket.</a:t>
-            </a:r>
-          </a:p>
-        </p:txBody>
-      </p:sp>
-    </p:spTree>
-    <p:extLst>
-      <p:ext uri="{BB962C8B-B14F-4D97-AF65-F5344CB8AC3E}">
-        <p14:creationId xmlns:p14="http://schemas.microsoft.com/office/powerpoint/2010/main" val="71653685"/>
-      </p:ext>
-    </p:extLst>
-  </p:cSld>
-  <p:clrMapOvr>
-    <a:masterClrMapping/>
-  </p:clrMapOvr>
-  <mc:AlternateContent xmlns:mc="http://schemas.openxmlformats.org/markup-compatibility/2006" xmlns:p14="http://schemas.microsoft.com/office/powerpoint/2010/main">
-    <mc:Choice Requires="p14">
-      <p:transition spd="med" p14:dur="700">
-        <p:fade/>
-      </p:transition>
-    </mc:Choice>
-    <mc:Fallback xmlns="">
-      <p:transition spd="med">
-        <p:fade/>
-      </p:transition>
-    </mc:Fallback>
-  </mc:AlternateContent>
-  <p:timing>
-    <p:tnLst>
-      <p:par>
-        <p:cTn id="1" dur="indefinite" restart="never" nodeType="tmRoot">
-          <p:childTnLst>
-            <p:seq concurrent="1" nextAc="seek">
-              <p:cTn id="2" dur="indefinite" nodeType="mainSeq">
-                <p:childTnLst>
-                  <p:par>
-                    <p:cTn id="3" fill="hold">
-                      <p:stCondLst>
-                        <p:cond delay="indefinite"/>
-                      </p:stCondLst>
-                      <p:childTnLst>
-                        <p:par>
-                          <p:cTn id="4" fill="hold">
-                            <p:stCondLst>
-                              <p:cond delay="0"/>
-                            </p:stCondLst>
-                            <p:childTnLst>
-                              <p:par>
-                                <p:cTn id="5" presetID="10" presetClass="entr" presetSubtype="0" fill="hold" grpId="0" nodeType="clickEffect">
-                                  <p:stCondLst>
-                                    <p:cond delay="0"/>
-                                  </p:stCondLst>
-                                  <p:childTnLst>
-                                    <p:set>
-                                      <p:cBhvr>
-                                        <p:cTn id="6" dur="1" fill="hold">
-                                          <p:stCondLst>
-                                            <p:cond delay="0"/>
-                                          </p:stCondLst>
-                                        </p:cTn>
-                                        <p:tgtEl>
-                                          <p:spTgt spid="10"/>
-                                        </p:tgtEl>
-                                        <p:attrNameLst>
-                                          <p:attrName>style.visibility</p:attrName>
-                                        </p:attrNameLst>
-                                      </p:cBhvr>
-                                      <p:to>
-                                        <p:strVal val="visible"/>
-                                      </p:to>
-                                    </p:set>
-                                    <p:animEffect transition="in" filter="fade">
-                                      <p:cBhvr>
-                                        <p:cTn id="7" dur="500"/>
-                                        <p:tgtEl>
-                                          <p:spTgt spid="10"/>
-                                        </p:tgtEl>
-                                      </p:cBhvr>
-                                    </p:animEffect>
-                                  </p:childTnLst>
-                                </p:cTn>
-                              </p:par>
-                            </p:childTnLst>
-                          </p:cTn>
-                        </p:par>
-                      </p:childTnLst>
-                    </p:cTn>
-                  </p:par>
-                </p:childTnLst>
-              </p:cTn>
-              <p:prevCondLst>
-                <p:cond evt="onPrev" delay="0">
-                  <p:tgtEl>
-                    <p:sldTgt/>
-                  </p:tgtEl>
-                </p:cond>
-              </p:prevCondLst>
-              <p:nextCondLst>
-                <p:cond evt="onNext" delay="0">
-                  <p:tgtEl>
-                    <p:sldTgt/>
-                  </p:tgtEl>
-                </p:cond>
-              </p:nextCondLst>
-            </p:seq>
-          </p:childTnLst>
-        </p:cTn>
-      </p:par>
-    </p:tnLst>
-    <p:bldLst>
-      <p:bldP spid="10" grpId="0"/>
-    </p:bldLst>
-  </p:timing>
-</p:sld>
-</file>
-
-<file path=ppt/slides/slide30.xml><?xml version="1.0" encoding="utf-8"?>
+<file path=ppt/slides/slide31.xml><?xml version="1.0" encoding="utf-8"?>
 <p:sld xmlns:a="http://schemas.openxmlformats.org/drawingml/2006/main" xmlns:r="http://schemas.openxmlformats.org/officeDocument/2006/relationships" xmlns:p="http://schemas.openxmlformats.org/presentationml/2006/main">
   <p:cSld>
     <p:spTree>
@@ -32779,27 +33532,7 @@
                 <a:latin typeface="Georgia" panose="02040502050405020303" pitchFamily="18" charset="0"/>
                 <a:cs typeface="Arial" panose="020B0604020202020204" pitchFamily="34" charset="0"/>
               </a:rPr>
-              <a:t>Multi LR </a:t>
-            </a:r>
-            <a:r>
-              <a:rPr lang="hu-HU" sz="4800" dirty="0" err="1">
-                <a:solidFill>
-                  <a:schemeClr val="tx1"/>
-                </a:solidFill>
-                <a:latin typeface="Georgia" panose="02040502050405020303" pitchFamily="18" charset="0"/>
-                <a:cs typeface="Arial" panose="020B0604020202020204" pitchFamily="34" charset="0"/>
-              </a:rPr>
-              <a:t>prediction</a:t>
-            </a:r>
-            <a:r>
-              <a:rPr lang="hu-HU" sz="4800" dirty="0">
-                <a:solidFill>
-                  <a:schemeClr val="tx1"/>
-                </a:solidFill>
-                <a:latin typeface="Georgia" panose="02040502050405020303" pitchFamily="18" charset="0"/>
-                <a:cs typeface="Arial" panose="020B0604020202020204" pitchFamily="34" charset="0"/>
-              </a:rPr>
-              <a:t> teszt</a:t>
+              <a:t>MLP teszt</a:t>
             </a:r>
             <a:endParaRPr lang="hu-HU" sz="4800" dirty="0">
               <a:solidFill>
@@ -33032,7 +33765,7 @@
                 <a:latin typeface="Georgia" panose="02040502050405020303" pitchFamily="18" charset="0"/>
                 <a:cs typeface="Calibri Light" panose="020F0302020204030204" pitchFamily="34" charset="0"/>
               </a:rPr>
-              <a:t>1.  A metrika </a:t>
+              <a:t>1.  Megvizsgálni, hogy az MLP </a:t>
             </a:r>
             <a:r>
               <a:rPr lang="hu-HU" sz="2000" dirty="0" err="1">
@@ -33042,7 +33775,7 @@
                 <a:latin typeface="Georgia" panose="02040502050405020303" pitchFamily="18" charset="0"/>
                 <a:cs typeface="Calibri Light" panose="020F0302020204030204" pitchFamily="34" charset="0"/>
               </a:rPr>
-              <a:t>before</a:t>
+              <a:t>hiperparaméterei</a:t>
             </a:r>
             <a:r>
               <a:rPr lang="hu-HU" sz="2000" dirty="0">
@@ -33052,27 +33785,7 @@
                 <a:latin typeface="Georgia" panose="02040502050405020303" pitchFamily="18" charset="0"/>
                 <a:cs typeface="Calibri Light" panose="020F0302020204030204" pitchFamily="34" charset="0"/>
               </a:rPr>
-              <a:t> – </a:t>
-            </a:r>
-            <a:r>
-              <a:rPr lang="hu-HU" sz="2000" dirty="0" err="1">
-                <a:solidFill>
-                  <a:schemeClr val="tx1"/>
-                </a:solidFill>
-                <a:latin typeface="Georgia" panose="02040502050405020303" pitchFamily="18" charset="0"/>
-                <a:cs typeface="Calibri Light" panose="020F0302020204030204" pitchFamily="34" charset="0"/>
-              </a:rPr>
-              <a:t>after</a:t>
-            </a:r>
-            <a:r>
-              <a:rPr lang="hu-HU" sz="2000" dirty="0">
-                <a:solidFill>
-                  <a:schemeClr val="tx1"/>
-                </a:solidFill>
-                <a:latin typeface="Georgia" panose="02040502050405020303" pitchFamily="18" charset="0"/>
-                <a:cs typeface="Calibri Light" panose="020F0302020204030204" pitchFamily="34" charset="0"/>
-              </a:rPr>
-              <a:t> becslésénél figyelembe venni a másik metrika értékét is</a:t>
+              <a:t> milyen hatással vannak a tanulásra</a:t>
             </a:r>
           </a:p>
           <a:p>
@@ -33083,6 +33796,22 @@
               <a:buFontTx/>
               <a:buChar char="-"/>
             </a:pPr>
+            <a:endParaRPr lang="hu-HU" dirty="0">
+              <a:solidFill>
+                <a:schemeClr val="tx1"/>
+              </a:solidFill>
+              <a:latin typeface="Arial" panose="020B0604020202020204" pitchFamily="34" charset="0"/>
+              <a:cs typeface="Arial" panose="020B0604020202020204" pitchFamily="34" charset="0"/>
+            </a:endParaRPr>
+          </a:p>
+          <a:p>
+            <a:pPr marL="285750" indent="-285750" algn="l">
+              <a:lnSpc>
+                <a:spcPct val="100000"/>
+              </a:lnSpc>
+              <a:buFontTx/>
+              <a:buChar char="-"/>
+            </a:pPr>
             <a:r>
               <a:rPr lang="hu-HU" dirty="0">
                 <a:solidFill>
@@ -33091,7 +33820,7 @@
                 <a:latin typeface="Arial" panose="020B0604020202020204" pitchFamily="34" charset="0"/>
                 <a:cs typeface="Arial" panose="020B0604020202020204" pitchFamily="34" charset="0"/>
               </a:rPr>
-              <a:t>Átírni a LR képletet úgy, hogy amikor az metrika </a:t>
+              <a:t>Batch </a:t>
             </a:r>
             <a:r>
               <a:rPr lang="hu-HU" dirty="0" err="1">
@@ -33101,117 +33830,1068 @@
                 <a:latin typeface="Arial" panose="020B0604020202020204" pitchFamily="34" charset="0"/>
                 <a:cs typeface="Arial" panose="020B0604020202020204" pitchFamily="34" charset="0"/>
               </a:rPr>
-              <a:t>after</a:t>
-            </a:r>
-            <a:r>
-              <a:rPr lang="hu-HU" dirty="0">
+              <a:t>size</a:t>
+            </a:r>
+            <a:endParaRPr lang="hu-HU" dirty="0">
+              <a:solidFill>
+                <a:schemeClr val="tx1"/>
+              </a:solidFill>
+              <a:latin typeface="Arial" panose="020B0604020202020204" pitchFamily="34" charset="0"/>
+              <a:cs typeface="Arial" panose="020B0604020202020204" pitchFamily="34" charset="0"/>
+            </a:endParaRPr>
+          </a:p>
+        </p:txBody>
+      </p:sp>
+      <p:pic>
+        <p:nvPicPr>
+          <p:cNvPr id="3" name="Kép 2">
+            <a:extLst>
+              <a:ext uri="{FF2B5EF4-FFF2-40B4-BE49-F238E27FC236}">
+                <a16:creationId xmlns:a16="http://schemas.microsoft.com/office/drawing/2014/main" id="{576CD3D4-7823-44FA-9C47-790E2730049C}"/>
+              </a:ext>
+            </a:extLst>
+          </p:cNvPr>
+          <p:cNvPicPr>
+            <a:picLocks noChangeAspect="1"/>
+          </p:cNvPicPr>
+          <p:nvPr/>
+        </p:nvPicPr>
+        <p:blipFill>
+          <a:blip r:embed="rId3">
+            <a:extLst>
+              <a:ext uri="{28A0092B-C50C-407E-A947-70E740481C1C}">
+                <a14:useLocalDpi xmlns:a14="http://schemas.microsoft.com/office/drawing/2010/main" val="0"/>
+              </a:ext>
+            </a:extLst>
+          </a:blip>
+          <a:stretch>
+            <a:fillRect/>
+          </a:stretch>
+        </p:blipFill>
+        <p:spPr>
+          <a:xfrm>
+            <a:off x="554182" y="2377088"/>
+            <a:ext cx="11083636" cy="4409698"/>
+          </a:xfrm>
+          <a:prstGeom prst="rect">
+            <a:avLst/>
+          </a:prstGeom>
+        </p:spPr>
+      </p:pic>
+      <p:pic>
+        <p:nvPicPr>
+          <p:cNvPr id="5" name="Kép 4">
+            <a:extLst>
+              <a:ext uri="{FF2B5EF4-FFF2-40B4-BE49-F238E27FC236}">
+                <a16:creationId xmlns:a16="http://schemas.microsoft.com/office/drawing/2014/main" id="{7A057F6C-4EB5-4506-832E-E55E229478B0}"/>
+              </a:ext>
+            </a:extLst>
+          </p:cNvPr>
+          <p:cNvPicPr>
+            <a:picLocks noChangeAspect="1"/>
+          </p:cNvPicPr>
+          <p:nvPr/>
+        </p:nvPicPr>
+        <p:blipFill>
+          <a:blip r:embed="rId4">
+            <a:extLst>
+              <a:ext uri="{28A0092B-C50C-407E-A947-70E740481C1C}">
+                <a14:useLocalDpi xmlns:a14="http://schemas.microsoft.com/office/drawing/2010/main" val="0"/>
+              </a:ext>
+            </a:extLst>
+          </a:blip>
+          <a:stretch>
+            <a:fillRect/>
+          </a:stretch>
+        </p:blipFill>
+        <p:spPr>
+          <a:xfrm>
+            <a:off x="554182" y="2377088"/>
+            <a:ext cx="11083636" cy="4409698"/>
+          </a:xfrm>
+          <a:prstGeom prst="rect">
+            <a:avLst/>
+          </a:prstGeom>
+        </p:spPr>
+      </p:pic>
+      <p:pic>
+        <p:nvPicPr>
+          <p:cNvPr id="7" name="Kép 6">
+            <a:extLst>
+              <a:ext uri="{FF2B5EF4-FFF2-40B4-BE49-F238E27FC236}">
+                <a16:creationId xmlns:a16="http://schemas.microsoft.com/office/drawing/2014/main" id="{215CD7FA-F1B5-4DA6-9B3B-07698DFCD1A3}"/>
+              </a:ext>
+            </a:extLst>
+          </p:cNvPr>
+          <p:cNvPicPr>
+            <a:picLocks noChangeAspect="1"/>
+          </p:cNvPicPr>
+          <p:nvPr/>
+        </p:nvPicPr>
+        <p:blipFill>
+          <a:blip r:embed="rId5">
+            <a:extLst>
+              <a:ext uri="{28A0092B-C50C-407E-A947-70E740481C1C}">
+                <a14:useLocalDpi xmlns:a14="http://schemas.microsoft.com/office/drawing/2010/main" val="0"/>
+              </a:ext>
+            </a:extLst>
+          </a:blip>
+          <a:stretch>
+            <a:fillRect/>
+          </a:stretch>
+        </p:blipFill>
+        <p:spPr>
+          <a:xfrm>
+            <a:off x="554182" y="2377088"/>
+            <a:ext cx="11083636" cy="4409698"/>
+          </a:xfrm>
+          <a:prstGeom prst="rect">
+            <a:avLst/>
+          </a:prstGeom>
+        </p:spPr>
+      </p:pic>
+      <p:pic>
+        <p:nvPicPr>
+          <p:cNvPr id="11" name="Kép 10">
+            <a:extLst>
+              <a:ext uri="{FF2B5EF4-FFF2-40B4-BE49-F238E27FC236}">
+                <a16:creationId xmlns:a16="http://schemas.microsoft.com/office/drawing/2014/main" id="{5827C9AF-0654-48B8-AD8E-74ACE68748FB}"/>
+              </a:ext>
+            </a:extLst>
+          </p:cNvPr>
+          <p:cNvPicPr>
+            <a:picLocks noChangeAspect="1"/>
+          </p:cNvPicPr>
+          <p:nvPr/>
+        </p:nvPicPr>
+        <p:blipFill>
+          <a:blip r:embed="rId6">
+            <a:extLst>
+              <a:ext uri="{28A0092B-C50C-407E-A947-70E740481C1C}">
+                <a14:useLocalDpi xmlns:a14="http://schemas.microsoft.com/office/drawing/2010/main" val="0"/>
+              </a:ext>
+            </a:extLst>
+          </a:blip>
+          <a:stretch>
+            <a:fillRect/>
+          </a:stretch>
+        </p:blipFill>
+        <p:spPr>
+          <a:xfrm>
+            <a:off x="554182" y="2377088"/>
+            <a:ext cx="11083636" cy="4409698"/>
+          </a:xfrm>
+          <a:prstGeom prst="rect">
+            <a:avLst/>
+          </a:prstGeom>
+        </p:spPr>
+      </p:pic>
+      <p:pic>
+        <p:nvPicPr>
+          <p:cNvPr id="13" name="Kép 12">
+            <a:extLst>
+              <a:ext uri="{FF2B5EF4-FFF2-40B4-BE49-F238E27FC236}">
+                <a16:creationId xmlns:a16="http://schemas.microsoft.com/office/drawing/2014/main" id="{79807098-82FA-4029-B4AA-ADA9AE1AE182}"/>
+              </a:ext>
+            </a:extLst>
+          </p:cNvPr>
+          <p:cNvPicPr>
+            <a:picLocks noChangeAspect="1"/>
+          </p:cNvPicPr>
+          <p:nvPr/>
+        </p:nvPicPr>
+        <p:blipFill>
+          <a:blip r:embed="rId7">
+            <a:extLst>
+              <a:ext uri="{28A0092B-C50C-407E-A947-70E740481C1C}">
+                <a14:useLocalDpi xmlns:a14="http://schemas.microsoft.com/office/drawing/2010/main" val="0"/>
+              </a:ext>
+            </a:extLst>
+          </a:blip>
+          <a:stretch>
+            <a:fillRect/>
+          </a:stretch>
+        </p:blipFill>
+        <p:spPr>
+          <a:xfrm>
+            <a:off x="554182" y="2377088"/>
+            <a:ext cx="11083636" cy="4409698"/>
+          </a:xfrm>
+          <a:prstGeom prst="rect">
+            <a:avLst/>
+          </a:prstGeom>
+        </p:spPr>
+      </p:pic>
+      <p:pic>
+        <p:nvPicPr>
+          <p:cNvPr id="15" name="Kép 14">
+            <a:extLst>
+              <a:ext uri="{FF2B5EF4-FFF2-40B4-BE49-F238E27FC236}">
+                <a16:creationId xmlns:a16="http://schemas.microsoft.com/office/drawing/2014/main" id="{10704054-824B-40BC-89EA-17EF93761AB5}"/>
+              </a:ext>
+            </a:extLst>
+          </p:cNvPr>
+          <p:cNvPicPr>
+            <a:picLocks noChangeAspect="1"/>
+          </p:cNvPicPr>
+          <p:nvPr/>
+        </p:nvPicPr>
+        <p:blipFill>
+          <a:blip r:embed="rId8">
+            <a:extLst>
+              <a:ext uri="{28A0092B-C50C-407E-A947-70E740481C1C}">
+                <a14:useLocalDpi xmlns:a14="http://schemas.microsoft.com/office/drawing/2010/main" val="0"/>
+              </a:ext>
+            </a:extLst>
+          </a:blip>
+          <a:stretch>
+            <a:fillRect/>
+          </a:stretch>
+        </p:blipFill>
+        <p:spPr>
+          <a:xfrm>
+            <a:off x="554182" y="2377088"/>
+            <a:ext cx="11083636" cy="4409698"/>
+          </a:xfrm>
+          <a:prstGeom prst="rect">
+            <a:avLst/>
+          </a:prstGeom>
+        </p:spPr>
+      </p:pic>
+      <p:pic>
+        <p:nvPicPr>
+          <p:cNvPr id="17" name="Kép 16">
+            <a:extLst>
+              <a:ext uri="{FF2B5EF4-FFF2-40B4-BE49-F238E27FC236}">
+                <a16:creationId xmlns:a16="http://schemas.microsoft.com/office/drawing/2014/main" id="{600583A6-6C4E-4466-85AE-5CACBBAA1900}"/>
+              </a:ext>
+            </a:extLst>
+          </p:cNvPr>
+          <p:cNvPicPr>
+            <a:picLocks noChangeAspect="1"/>
+          </p:cNvPicPr>
+          <p:nvPr/>
+        </p:nvPicPr>
+        <p:blipFill>
+          <a:blip r:embed="rId9">
+            <a:extLst>
+              <a:ext uri="{28A0092B-C50C-407E-A947-70E740481C1C}">
+                <a14:useLocalDpi xmlns:a14="http://schemas.microsoft.com/office/drawing/2010/main" val="0"/>
+              </a:ext>
+            </a:extLst>
+          </a:blip>
+          <a:stretch>
+            <a:fillRect/>
+          </a:stretch>
+        </p:blipFill>
+        <p:spPr>
+          <a:xfrm>
+            <a:off x="554182" y="2377088"/>
+            <a:ext cx="11083636" cy="4409698"/>
+          </a:xfrm>
+          <a:prstGeom prst="rect">
+            <a:avLst/>
+          </a:prstGeom>
+        </p:spPr>
+      </p:pic>
+      <p:pic>
+        <p:nvPicPr>
+          <p:cNvPr id="19" name="Kép 18">
+            <a:extLst>
+              <a:ext uri="{FF2B5EF4-FFF2-40B4-BE49-F238E27FC236}">
+                <a16:creationId xmlns:a16="http://schemas.microsoft.com/office/drawing/2014/main" id="{5AF62215-E35B-457A-88DC-14948EB42AB9}"/>
+              </a:ext>
+            </a:extLst>
+          </p:cNvPr>
+          <p:cNvPicPr>
+            <a:picLocks noChangeAspect="1"/>
+          </p:cNvPicPr>
+          <p:nvPr/>
+        </p:nvPicPr>
+        <p:blipFill>
+          <a:blip r:embed="rId10">
+            <a:extLst>
+              <a:ext uri="{28A0092B-C50C-407E-A947-70E740481C1C}">
+                <a14:useLocalDpi xmlns:a14="http://schemas.microsoft.com/office/drawing/2010/main" val="0"/>
+              </a:ext>
+            </a:extLst>
+          </a:blip>
+          <a:stretch>
+            <a:fillRect/>
+          </a:stretch>
+        </p:blipFill>
+        <p:spPr>
+          <a:xfrm>
+            <a:off x="554182" y="2377088"/>
+            <a:ext cx="11083636" cy="4409698"/>
+          </a:xfrm>
+          <a:prstGeom prst="rect">
+            <a:avLst/>
+          </a:prstGeom>
+        </p:spPr>
+      </p:pic>
+      <p:sp>
+        <p:nvSpPr>
+          <p:cNvPr id="20" name="Szöveg helye 14">
+            <a:extLst>
+              <a:ext uri="{FF2B5EF4-FFF2-40B4-BE49-F238E27FC236}">
+                <a16:creationId xmlns:a16="http://schemas.microsoft.com/office/drawing/2014/main" id="{5331ED45-F50E-48DE-8FBA-D48189A67DC2}"/>
+              </a:ext>
+            </a:extLst>
+          </p:cNvPr>
+          <p:cNvSpPr txBox="1">
+            <a:spLocks/>
+          </p:cNvSpPr>
+          <p:nvPr/>
+        </p:nvSpPr>
+        <p:spPr>
+          <a:xfrm>
+            <a:off x="1066512" y="5109910"/>
+            <a:ext cx="7395097" cy="1372805"/>
+          </a:xfrm>
+          <a:prstGeom prst="rect">
+            <a:avLst/>
+          </a:prstGeom>
+          <a:noFill/>
+        </p:spPr>
+        <p:txBody>
+          <a:bodyPr vert="horz" lIns="108000" tIns="72000" rIns="72000" bIns="36000" rtlCol="0">
+            <a:noAutofit/>
+          </a:bodyPr>
+          <a:lstStyle>
+            <a:lvl1pPr marL="0" indent="0" algn="ctr" defTabSz="914400" rtl="0" eaLnBrk="1" latinLnBrk="0" hangingPunct="1">
+              <a:lnSpc>
+                <a:spcPct val="90000"/>
+              </a:lnSpc>
+              <a:spcBef>
+                <a:spcPts val="1000"/>
+              </a:spcBef>
+              <a:buFont typeface="Arial" panose="020B0604020202020204" pitchFamily="34" charset="0"/>
+              <a:buNone/>
+              <a:defRPr sz="1600" kern="1200">
+                <a:solidFill>
+                  <a:schemeClr val="tx1">
+                    <a:lumMod val="75000"/>
+                    <a:lumOff val="25000"/>
+                  </a:schemeClr>
+                </a:solidFill>
+                <a:latin typeface="+mn-lt"/>
+                <a:ea typeface="+mn-ea"/>
+                <a:cs typeface="+mn-cs"/>
+              </a:defRPr>
+            </a:lvl1pPr>
+            <a:lvl2pPr marL="542925" indent="-276225" algn="l" defTabSz="914400" rtl="0" eaLnBrk="1" latinLnBrk="0" hangingPunct="1">
+              <a:lnSpc>
+                <a:spcPct val="90000"/>
+              </a:lnSpc>
+              <a:spcBef>
+                <a:spcPts val="500"/>
+              </a:spcBef>
+              <a:buFont typeface="Arial" panose="020B0604020202020204" pitchFamily="34" charset="0"/>
+              <a:buChar char="•"/>
+              <a:defRPr sz="1600" kern="1200">
+                <a:solidFill>
+                  <a:schemeClr val="tx1">
+                    <a:lumMod val="75000"/>
+                    <a:lumOff val="25000"/>
+                  </a:schemeClr>
+                </a:solidFill>
+                <a:latin typeface="+mn-lt"/>
+                <a:ea typeface="+mn-ea"/>
+                <a:cs typeface="+mn-cs"/>
+              </a:defRPr>
+            </a:lvl2pPr>
+            <a:lvl3pPr marL="809625" indent="-266700" algn="l" defTabSz="914400" rtl="0" eaLnBrk="1" latinLnBrk="0" hangingPunct="1">
+              <a:lnSpc>
+                <a:spcPct val="90000"/>
+              </a:lnSpc>
+              <a:spcBef>
+                <a:spcPts val="500"/>
+              </a:spcBef>
+              <a:buFont typeface="Arial" panose="020B0604020202020204" pitchFamily="34" charset="0"/>
+              <a:buChar char="•"/>
+              <a:defRPr sz="1400" kern="1200">
+                <a:solidFill>
+                  <a:schemeClr val="tx1">
+                    <a:lumMod val="75000"/>
+                    <a:lumOff val="25000"/>
+                  </a:schemeClr>
+                </a:solidFill>
+                <a:latin typeface="+mn-lt"/>
+                <a:ea typeface="+mn-ea"/>
+                <a:cs typeface="+mn-cs"/>
+              </a:defRPr>
+            </a:lvl3pPr>
+            <a:lvl4pPr marL="1076325" indent="-266700" algn="l" defTabSz="914400" rtl="0" eaLnBrk="1" latinLnBrk="0" hangingPunct="1">
+              <a:lnSpc>
+                <a:spcPct val="90000"/>
+              </a:lnSpc>
+              <a:spcBef>
+                <a:spcPts val="500"/>
+              </a:spcBef>
+              <a:buFont typeface="Arial" panose="020B0604020202020204" pitchFamily="34" charset="0"/>
+              <a:buChar char="•"/>
+              <a:defRPr sz="1400" kern="1200">
+                <a:solidFill>
+                  <a:schemeClr val="tx1">
+                    <a:lumMod val="75000"/>
+                    <a:lumOff val="25000"/>
+                  </a:schemeClr>
+                </a:solidFill>
+                <a:latin typeface="+mn-lt"/>
+                <a:ea typeface="+mn-ea"/>
+                <a:cs typeface="+mn-cs"/>
+              </a:defRPr>
+            </a:lvl4pPr>
+            <a:lvl5pPr marL="1343025" indent="-266700" algn="l" defTabSz="914400" rtl="0" eaLnBrk="1" latinLnBrk="0" hangingPunct="1">
+              <a:lnSpc>
+                <a:spcPct val="90000"/>
+              </a:lnSpc>
+              <a:spcBef>
+                <a:spcPts val="500"/>
+              </a:spcBef>
+              <a:buFont typeface="Arial" panose="020B0604020202020204" pitchFamily="34" charset="0"/>
+              <a:buChar char="•"/>
+              <a:defRPr sz="1400" kern="1200">
+                <a:solidFill>
+                  <a:schemeClr val="tx1">
+                    <a:lumMod val="75000"/>
+                    <a:lumOff val="25000"/>
+                  </a:schemeClr>
+                </a:solidFill>
+                <a:latin typeface="+mn-lt"/>
+                <a:ea typeface="+mn-ea"/>
+                <a:cs typeface="+mn-cs"/>
+              </a:defRPr>
+            </a:lvl5pPr>
+            <a:lvl6pPr marL="2514600" indent="-228600" algn="l" defTabSz="914400" rtl="0" eaLnBrk="1" latinLnBrk="0" hangingPunct="1">
+              <a:lnSpc>
+                <a:spcPct val="90000"/>
+              </a:lnSpc>
+              <a:spcBef>
+                <a:spcPts val="500"/>
+              </a:spcBef>
+              <a:buFont typeface="Arial" panose="020B0604020202020204" pitchFamily="34" charset="0"/>
+              <a:buChar char="•"/>
+              <a:defRPr sz="1800" kern="1200">
+                <a:solidFill>
+                  <a:schemeClr val="tx1"/>
+                </a:solidFill>
+                <a:latin typeface="+mn-lt"/>
+                <a:ea typeface="+mn-ea"/>
+                <a:cs typeface="+mn-cs"/>
+              </a:defRPr>
+            </a:lvl6pPr>
+            <a:lvl7pPr marL="2971800" indent="-228600" algn="l" defTabSz="914400" rtl="0" eaLnBrk="1" latinLnBrk="0" hangingPunct="1">
+              <a:lnSpc>
+                <a:spcPct val="90000"/>
+              </a:lnSpc>
+              <a:spcBef>
+                <a:spcPts val="500"/>
+              </a:spcBef>
+              <a:buFont typeface="Arial" panose="020B0604020202020204" pitchFamily="34" charset="0"/>
+              <a:buChar char="•"/>
+              <a:defRPr sz="1800" kern="1200">
+                <a:solidFill>
+                  <a:schemeClr val="tx1"/>
+                </a:solidFill>
+                <a:latin typeface="+mn-lt"/>
+                <a:ea typeface="+mn-ea"/>
+                <a:cs typeface="+mn-cs"/>
+              </a:defRPr>
+            </a:lvl7pPr>
+            <a:lvl8pPr marL="3429000" indent="-228600" algn="l" defTabSz="914400" rtl="0" eaLnBrk="1" latinLnBrk="0" hangingPunct="1">
+              <a:lnSpc>
+                <a:spcPct val="90000"/>
+              </a:lnSpc>
+              <a:spcBef>
+                <a:spcPts val="500"/>
+              </a:spcBef>
+              <a:buFont typeface="Arial" panose="020B0604020202020204" pitchFamily="34" charset="0"/>
+              <a:buChar char="•"/>
+              <a:defRPr sz="1800" kern="1200">
+                <a:solidFill>
+                  <a:schemeClr val="tx1"/>
+                </a:solidFill>
+                <a:latin typeface="+mn-lt"/>
+                <a:ea typeface="+mn-ea"/>
+                <a:cs typeface="+mn-cs"/>
+              </a:defRPr>
+            </a:lvl8pPr>
+            <a:lvl9pPr marL="3886200" indent="-228600" algn="l" defTabSz="914400" rtl="0" eaLnBrk="1" latinLnBrk="0" hangingPunct="1">
+              <a:lnSpc>
+                <a:spcPct val="90000"/>
+              </a:lnSpc>
+              <a:spcBef>
+                <a:spcPts val="500"/>
+              </a:spcBef>
+              <a:buFont typeface="Arial" panose="020B0604020202020204" pitchFamily="34" charset="0"/>
+              <a:buChar char="•"/>
+              <a:defRPr sz="1800" kern="1200">
+                <a:solidFill>
+                  <a:schemeClr val="tx1"/>
+                </a:solidFill>
+                <a:latin typeface="+mn-lt"/>
+                <a:ea typeface="+mn-ea"/>
+                <a:cs typeface="+mn-cs"/>
+              </a:defRPr>
+            </a:lvl9pPr>
+          </a:lstStyle>
+          <a:p>
+            <a:pPr algn="l">
+              <a:lnSpc>
+                <a:spcPct val="100000"/>
+              </a:lnSpc>
+            </a:pPr>
+            <a:r>
+              <a:rPr lang="hu-HU" sz="4800" dirty="0">
+                <a:solidFill>
+                  <a:schemeClr val="tx1"/>
+                </a:solidFill>
+                <a:latin typeface="Georgia" panose="02040502050405020303" pitchFamily="18" charset="0"/>
+                <a:cs typeface="Arial" panose="020B0604020202020204" pitchFamily="34" charset="0"/>
+              </a:rPr>
+              <a:t>Ez csak egy emlékeztető</a:t>
+            </a:r>
+            <a:br>
+              <a:rPr lang="hu-HU" sz="4800" dirty="0">
+                <a:solidFill>
+                  <a:schemeClr val="tx1"/>
+                </a:solidFill>
+                <a:latin typeface="Georgia" panose="02040502050405020303" pitchFamily="18" charset="0"/>
+                <a:cs typeface="Arial" panose="020B0604020202020204" pitchFamily="34" charset="0"/>
+              </a:rPr>
+            </a:br>
+            <a:r>
+              <a:rPr lang="hu-HU" sz="1400" dirty="0">
                 <a:solidFill>
                   <a:schemeClr val="tx1"/>
                 </a:solidFill>
                 <a:latin typeface="Arial" panose="020B0604020202020204" pitchFamily="34" charset="0"/>
                 <a:cs typeface="Arial" panose="020B0604020202020204" pitchFamily="34" charset="0"/>
               </a:rPr>
-              <a:t> értékét becsülöm a </a:t>
-            </a:r>
-            <a:r>
-              <a:rPr lang="hu-HU" dirty="0" err="1">
+              <a:t>Ezt megcsinálom úgy, hogy amikor a program generálja a képet akkor rátegyen egy nagyon szép ‚legend’-</a:t>
+            </a:r>
+            <a:r>
+              <a:rPr lang="hu-HU" sz="1400" dirty="0" err="1">
                 <a:solidFill>
                   <a:schemeClr val="tx1"/>
                 </a:solidFill>
                 <a:latin typeface="Arial" panose="020B0604020202020204" pitchFamily="34" charset="0"/>
                 <a:cs typeface="Arial" panose="020B0604020202020204" pitchFamily="34" charset="0"/>
               </a:rPr>
-              <a:t>before</a:t>
-            </a:r>
-            <a:r>
-              <a:rPr lang="hu-HU" dirty="0">
+              <a:t>et</a:t>
+            </a:r>
+            <a:r>
+              <a:rPr lang="hu-HU" sz="1400" dirty="0">
                 <a:solidFill>
                   <a:schemeClr val="tx1"/>
                 </a:solidFill>
                 <a:latin typeface="Arial" panose="020B0604020202020204" pitchFamily="34" charset="0"/>
                 <a:cs typeface="Arial" panose="020B0604020202020204" pitchFamily="34" charset="0"/>
               </a:rPr>
-              <a:t> alapján akkor ne csak a saját </a:t>
-            </a:r>
-            <a:r>
-              <a:rPr lang="hu-HU" dirty="0" err="1">
+              <a:t> ami mutatja, hogy milyen beállításokkal futott a teszt.</a:t>
+            </a:r>
+            <a:endParaRPr lang="hu-HU" sz="4800" dirty="0">
+              <a:solidFill>
+                <a:schemeClr val="tx1"/>
+              </a:solidFill>
+              <a:latin typeface="Georgia" panose="02040502050405020303" pitchFamily="18" charset="0"/>
+              <a:cs typeface="Calibri Light" panose="020F0302020204030204" pitchFamily="34" charset="0"/>
+            </a:endParaRPr>
+          </a:p>
+        </p:txBody>
+      </p:sp>
+      <p:sp>
+        <p:nvSpPr>
+          <p:cNvPr id="21" name="Szöveg helye 14">
+            <a:extLst>
+              <a:ext uri="{FF2B5EF4-FFF2-40B4-BE49-F238E27FC236}">
+                <a16:creationId xmlns:a16="http://schemas.microsoft.com/office/drawing/2014/main" id="{CACCBE00-39E3-4AE0-8BE8-ECCD8848072C}"/>
+              </a:ext>
+            </a:extLst>
+          </p:cNvPr>
+          <p:cNvSpPr txBox="1">
+            <a:spLocks/>
+          </p:cNvSpPr>
+          <p:nvPr/>
+        </p:nvSpPr>
+        <p:spPr>
+          <a:xfrm>
+            <a:off x="8461610" y="2742597"/>
+            <a:ext cx="3067782" cy="3589964"/>
+          </a:xfrm>
+          <a:prstGeom prst="rect">
+            <a:avLst/>
+          </a:prstGeom>
+          <a:solidFill>
+            <a:schemeClr val="bg1"/>
+          </a:solidFill>
+        </p:spPr>
+        <p:txBody>
+          <a:bodyPr vert="horz" lIns="108000" tIns="72000" rIns="72000" bIns="36000" rtlCol="0">
+            <a:noAutofit/>
+          </a:bodyPr>
+          <a:lstStyle>
+            <a:lvl1pPr marL="0" indent="0" algn="ctr" defTabSz="914400" rtl="0" eaLnBrk="1" latinLnBrk="0" hangingPunct="1">
+              <a:lnSpc>
+                <a:spcPct val="90000"/>
+              </a:lnSpc>
+              <a:spcBef>
+                <a:spcPts val="1000"/>
+              </a:spcBef>
+              <a:buFont typeface="Arial" panose="020B0604020202020204" pitchFamily="34" charset="0"/>
+              <a:buNone/>
+              <a:defRPr sz="1600" kern="1200">
+                <a:solidFill>
+                  <a:schemeClr val="tx1">
+                    <a:lumMod val="75000"/>
+                    <a:lumOff val="25000"/>
+                  </a:schemeClr>
+                </a:solidFill>
+                <a:latin typeface="+mn-lt"/>
+                <a:ea typeface="+mn-ea"/>
+                <a:cs typeface="+mn-cs"/>
+              </a:defRPr>
+            </a:lvl1pPr>
+            <a:lvl2pPr marL="542925" indent="-276225" algn="l" defTabSz="914400" rtl="0" eaLnBrk="1" latinLnBrk="0" hangingPunct="1">
+              <a:lnSpc>
+                <a:spcPct val="90000"/>
+              </a:lnSpc>
+              <a:spcBef>
+                <a:spcPts val="500"/>
+              </a:spcBef>
+              <a:buFont typeface="Arial" panose="020B0604020202020204" pitchFamily="34" charset="0"/>
+              <a:buChar char="•"/>
+              <a:defRPr sz="1600" kern="1200">
+                <a:solidFill>
+                  <a:schemeClr val="tx1">
+                    <a:lumMod val="75000"/>
+                    <a:lumOff val="25000"/>
+                  </a:schemeClr>
+                </a:solidFill>
+                <a:latin typeface="+mn-lt"/>
+                <a:ea typeface="+mn-ea"/>
+                <a:cs typeface="+mn-cs"/>
+              </a:defRPr>
+            </a:lvl2pPr>
+            <a:lvl3pPr marL="809625" indent="-266700" algn="l" defTabSz="914400" rtl="0" eaLnBrk="1" latinLnBrk="0" hangingPunct="1">
+              <a:lnSpc>
+                <a:spcPct val="90000"/>
+              </a:lnSpc>
+              <a:spcBef>
+                <a:spcPts val="500"/>
+              </a:spcBef>
+              <a:buFont typeface="Arial" panose="020B0604020202020204" pitchFamily="34" charset="0"/>
+              <a:buChar char="•"/>
+              <a:defRPr sz="1400" kern="1200">
+                <a:solidFill>
+                  <a:schemeClr val="tx1">
+                    <a:lumMod val="75000"/>
+                    <a:lumOff val="25000"/>
+                  </a:schemeClr>
+                </a:solidFill>
+                <a:latin typeface="+mn-lt"/>
+                <a:ea typeface="+mn-ea"/>
+                <a:cs typeface="+mn-cs"/>
+              </a:defRPr>
+            </a:lvl3pPr>
+            <a:lvl4pPr marL="1076325" indent="-266700" algn="l" defTabSz="914400" rtl="0" eaLnBrk="1" latinLnBrk="0" hangingPunct="1">
+              <a:lnSpc>
+                <a:spcPct val="90000"/>
+              </a:lnSpc>
+              <a:spcBef>
+                <a:spcPts val="500"/>
+              </a:spcBef>
+              <a:buFont typeface="Arial" panose="020B0604020202020204" pitchFamily="34" charset="0"/>
+              <a:buChar char="•"/>
+              <a:defRPr sz="1400" kern="1200">
+                <a:solidFill>
+                  <a:schemeClr val="tx1">
+                    <a:lumMod val="75000"/>
+                    <a:lumOff val="25000"/>
+                  </a:schemeClr>
+                </a:solidFill>
+                <a:latin typeface="+mn-lt"/>
+                <a:ea typeface="+mn-ea"/>
+                <a:cs typeface="+mn-cs"/>
+              </a:defRPr>
+            </a:lvl4pPr>
+            <a:lvl5pPr marL="1343025" indent="-266700" algn="l" defTabSz="914400" rtl="0" eaLnBrk="1" latinLnBrk="0" hangingPunct="1">
+              <a:lnSpc>
+                <a:spcPct val="90000"/>
+              </a:lnSpc>
+              <a:spcBef>
+                <a:spcPts val="500"/>
+              </a:spcBef>
+              <a:buFont typeface="Arial" panose="020B0604020202020204" pitchFamily="34" charset="0"/>
+              <a:buChar char="•"/>
+              <a:defRPr sz="1400" kern="1200">
+                <a:solidFill>
+                  <a:schemeClr val="tx1">
+                    <a:lumMod val="75000"/>
+                    <a:lumOff val="25000"/>
+                  </a:schemeClr>
+                </a:solidFill>
+                <a:latin typeface="+mn-lt"/>
+                <a:ea typeface="+mn-ea"/>
+                <a:cs typeface="+mn-cs"/>
+              </a:defRPr>
+            </a:lvl5pPr>
+            <a:lvl6pPr marL="2514600" indent="-228600" algn="l" defTabSz="914400" rtl="0" eaLnBrk="1" latinLnBrk="0" hangingPunct="1">
+              <a:lnSpc>
+                <a:spcPct val="90000"/>
+              </a:lnSpc>
+              <a:spcBef>
+                <a:spcPts val="500"/>
+              </a:spcBef>
+              <a:buFont typeface="Arial" panose="020B0604020202020204" pitchFamily="34" charset="0"/>
+              <a:buChar char="•"/>
+              <a:defRPr sz="1800" kern="1200">
+                <a:solidFill>
+                  <a:schemeClr val="tx1"/>
+                </a:solidFill>
+                <a:latin typeface="+mn-lt"/>
+                <a:ea typeface="+mn-ea"/>
+                <a:cs typeface="+mn-cs"/>
+              </a:defRPr>
+            </a:lvl6pPr>
+            <a:lvl7pPr marL="2971800" indent="-228600" algn="l" defTabSz="914400" rtl="0" eaLnBrk="1" latinLnBrk="0" hangingPunct="1">
+              <a:lnSpc>
+                <a:spcPct val="90000"/>
+              </a:lnSpc>
+              <a:spcBef>
+                <a:spcPts val="500"/>
+              </a:spcBef>
+              <a:buFont typeface="Arial" panose="020B0604020202020204" pitchFamily="34" charset="0"/>
+              <a:buChar char="•"/>
+              <a:defRPr sz="1800" kern="1200">
+                <a:solidFill>
+                  <a:schemeClr val="tx1"/>
+                </a:solidFill>
+                <a:latin typeface="+mn-lt"/>
+                <a:ea typeface="+mn-ea"/>
+                <a:cs typeface="+mn-cs"/>
+              </a:defRPr>
+            </a:lvl7pPr>
+            <a:lvl8pPr marL="3429000" indent="-228600" algn="l" defTabSz="914400" rtl="0" eaLnBrk="1" latinLnBrk="0" hangingPunct="1">
+              <a:lnSpc>
+                <a:spcPct val="90000"/>
+              </a:lnSpc>
+              <a:spcBef>
+                <a:spcPts val="500"/>
+              </a:spcBef>
+              <a:buFont typeface="Arial" panose="020B0604020202020204" pitchFamily="34" charset="0"/>
+              <a:buChar char="•"/>
+              <a:defRPr sz="1800" kern="1200">
+                <a:solidFill>
+                  <a:schemeClr val="tx1"/>
+                </a:solidFill>
+                <a:latin typeface="+mn-lt"/>
+                <a:ea typeface="+mn-ea"/>
+                <a:cs typeface="+mn-cs"/>
+              </a:defRPr>
+            </a:lvl8pPr>
+            <a:lvl9pPr marL="3886200" indent="-228600" algn="l" defTabSz="914400" rtl="0" eaLnBrk="1" latinLnBrk="0" hangingPunct="1">
+              <a:lnSpc>
+                <a:spcPct val="90000"/>
+              </a:lnSpc>
+              <a:spcBef>
+                <a:spcPts val="500"/>
+              </a:spcBef>
+              <a:buFont typeface="Arial" panose="020B0604020202020204" pitchFamily="34" charset="0"/>
+              <a:buChar char="•"/>
+              <a:defRPr sz="1800" kern="1200">
+                <a:solidFill>
+                  <a:schemeClr val="tx1"/>
+                </a:solidFill>
+                <a:latin typeface="+mn-lt"/>
+                <a:ea typeface="+mn-ea"/>
+                <a:cs typeface="+mn-cs"/>
+              </a:defRPr>
+            </a:lvl9pPr>
+          </a:lstStyle>
+          <a:p>
+            <a:pPr algn="l">
+              <a:lnSpc>
+                <a:spcPct val="100000"/>
+              </a:lnSpc>
+            </a:pPr>
+            <a:r>
+              <a:rPr lang="hu-HU" sz="1800" dirty="0">
+                <a:solidFill>
+                  <a:schemeClr val="tx1"/>
+                </a:solidFill>
+                <a:latin typeface="Georgia" panose="02040502050405020303" pitchFamily="18" charset="0"/>
+                <a:cs typeface="Arial" panose="020B0604020202020204" pitchFamily="34" charset="0"/>
+              </a:rPr>
+              <a:t>Beállítások</a:t>
+            </a:r>
+            <a:br>
+              <a:rPr lang="hu-HU" sz="4800" dirty="0">
+                <a:solidFill>
+                  <a:schemeClr val="tx1"/>
+                </a:solidFill>
+                <a:latin typeface="Georgia" panose="02040502050405020303" pitchFamily="18" charset="0"/>
+                <a:cs typeface="Arial" panose="020B0604020202020204" pitchFamily="34" charset="0"/>
+              </a:rPr>
+            </a:br>
+            <a:r>
+              <a:rPr lang="hu-HU" sz="1400" dirty="0" err="1">
                 <a:solidFill>
                   <a:schemeClr val="tx1"/>
                 </a:solidFill>
                 <a:latin typeface="Arial" panose="020B0604020202020204" pitchFamily="34" charset="0"/>
                 <a:cs typeface="Arial" panose="020B0604020202020204" pitchFamily="34" charset="0"/>
               </a:rPr>
-              <a:t>befor</a:t>
-            </a:r>
-            <a:r>
-              <a:rPr lang="hu-HU" dirty="0">
+              <a:t>Layers</a:t>
+            </a:r>
+            <a:r>
+              <a:rPr lang="hu-HU" sz="1400" dirty="0">
                 <a:solidFill>
                   <a:schemeClr val="tx1"/>
                 </a:solidFill>
                 <a:latin typeface="Arial" panose="020B0604020202020204" pitchFamily="34" charset="0"/>
                 <a:cs typeface="Arial" panose="020B0604020202020204" pitchFamily="34" charset="0"/>
               </a:rPr>
-              <a:t> értékét hanem a másik metrika </a:t>
-            </a:r>
-            <a:r>
-              <a:rPr lang="hu-HU" dirty="0" err="1">
+              <a:t> = (10, 8)</a:t>
+            </a:r>
+          </a:p>
+          <a:p>
+            <a:pPr algn="l">
+              <a:lnSpc>
+                <a:spcPct val="100000"/>
+              </a:lnSpc>
+            </a:pPr>
+            <a:r>
+              <a:rPr lang="hu-HU" sz="1400" dirty="0" err="1">
                 <a:solidFill>
                   <a:schemeClr val="tx1"/>
                 </a:solidFill>
                 <a:latin typeface="Arial" panose="020B0604020202020204" pitchFamily="34" charset="0"/>
                 <a:cs typeface="Arial" panose="020B0604020202020204" pitchFamily="34" charset="0"/>
               </a:rPr>
-              <a:t>before</a:t>
-            </a:r>
-            <a:r>
-              <a:rPr lang="hu-HU" dirty="0">
+              <a:t>Learning_rate</a:t>
+            </a:r>
+            <a:r>
+              <a:rPr lang="hu-HU" sz="1400" dirty="0">
                 <a:solidFill>
                   <a:schemeClr val="tx1"/>
                 </a:solidFill>
                 <a:latin typeface="Arial" panose="020B0604020202020204" pitchFamily="34" charset="0"/>
                 <a:cs typeface="Arial" panose="020B0604020202020204" pitchFamily="34" charset="0"/>
               </a:rPr>
-              <a:t> értékét is figyelembe vegye.</a:t>
-            </a:r>
-            <a:br>
-              <a:rPr lang="hu-HU" dirty="0">
+              <a:t> = 0.001</a:t>
+            </a:r>
+          </a:p>
+          <a:p>
+            <a:pPr algn="l">
+              <a:lnSpc>
+                <a:spcPct val="100000"/>
+              </a:lnSpc>
+            </a:pPr>
+            <a:r>
+              <a:rPr lang="hu-HU" sz="1400" dirty="0" err="1">
                 <a:solidFill>
                   <a:schemeClr val="tx1"/>
                 </a:solidFill>
                 <a:latin typeface="Arial" panose="020B0604020202020204" pitchFamily="34" charset="0"/>
                 <a:cs typeface="Arial" panose="020B0604020202020204" pitchFamily="34" charset="0"/>
               </a:rPr>
-            </a:br>
-            <a:r>
-              <a:rPr lang="hu-HU" dirty="0">
+              <a:t>Solver</a:t>
+            </a:r>
+            <a:r>
+              <a:rPr lang="hu-HU" sz="1400" dirty="0">
                 <a:solidFill>
                   <a:schemeClr val="tx1"/>
                 </a:solidFill>
                 <a:latin typeface="Arial" panose="020B0604020202020204" pitchFamily="34" charset="0"/>
                 <a:cs typeface="Arial" panose="020B0604020202020204" pitchFamily="34" charset="0"/>
               </a:rPr>
-              <a:t>Megvizsgálni, hogy ez milyen hatással van a tanulásra.</a:t>
-            </a:r>
+              <a:t> = </a:t>
+            </a:r>
+            <a:r>
+              <a:rPr lang="hu-HU" sz="1400" dirty="0" err="1">
+                <a:solidFill>
+                  <a:schemeClr val="tx1"/>
+                </a:solidFill>
+                <a:latin typeface="Arial" panose="020B0604020202020204" pitchFamily="34" charset="0"/>
+                <a:cs typeface="Arial" panose="020B0604020202020204" pitchFamily="34" charset="0"/>
+              </a:rPr>
+              <a:t>adam</a:t>
+            </a:r>
+            <a:endParaRPr lang="hu-HU" sz="1400" dirty="0">
+              <a:solidFill>
+                <a:schemeClr val="tx1"/>
+              </a:solidFill>
+              <a:latin typeface="Arial" panose="020B0604020202020204" pitchFamily="34" charset="0"/>
+              <a:cs typeface="Arial" panose="020B0604020202020204" pitchFamily="34" charset="0"/>
+            </a:endParaRPr>
+          </a:p>
+          <a:p>
+            <a:pPr algn="l">
+              <a:lnSpc>
+                <a:spcPct val="100000"/>
+              </a:lnSpc>
+            </a:pPr>
+            <a:r>
+              <a:rPr lang="hu-HU" sz="1400" dirty="0" err="1">
+                <a:solidFill>
+                  <a:schemeClr val="tx1"/>
+                </a:solidFill>
+                <a:latin typeface="Arial" panose="020B0604020202020204" pitchFamily="34" charset="0"/>
+                <a:cs typeface="Arial" panose="020B0604020202020204" pitchFamily="34" charset="0"/>
+              </a:rPr>
+              <a:t>Warm_start</a:t>
+            </a:r>
+            <a:r>
+              <a:rPr lang="hu-HU" sz="1400" dirty="0">
+                <a:solidFill>
+                  <a:schemeClr val="tx1"/>
+                </a:solidFill>
+                <a:latin typeface="Arial" panose="020B0604020202020204" pitchFamily="34" charset="0"/>
+                <a:cs typeface="Arial" panose="020B0604020202020204" pitchFamily="34" charset="0"/>
+              </a:rPr>
+              <a:t> = </a:t>
+            </a:r>
+            <a:r>
+              <a:rPr lang="hu-HU" sz="1400" dirty="0" err="1">
+                <a:solidFill>
+                  <a:schemeClr val="tx1"/>
+                </a:solidFill>
+                <a:latin typeface="Arial" panose="020B0604020202020204" pitchFamily="34" charset="0"/>
+                <a:cs typeface="Arial" panose="020B0604020202020204" pitchFamily="34" charset="0"/>
+              </a:rPr>
+              <a:t>True</a:t>
+            </a:r>
+            <a:endParaRPr lang="hu-HU" sz="1400" dirty="0">
+              <a:solidFill>
+                <a:schemeClr val="tx1"/>
+              </a:solidFill>
+              <a:latin typeface="Arial" panose="020B0604020202020204" pitchFamily="34" charset="0"/>
+              <a:cs typeface="Arial" panose="020B0604020202020204" pitchFamily="34" charset="0"/>
+            </a:endParaRPr>
+          </a:p>
+          <a:p>
+            <a:pPr algn="l">
+              <a:lnSpc>
+                <a:spcPct val="100000"/>
+              </a:lnSpc>
+            </a:pPr>
+            <a:r>
+              <a:rPr lang="hu-HU" sz="1400" dirty="0" err="1">
+                <a:solidFill>
+                  <a:schemeClr val="tx1"/>
+                </a:solidFill>
+                <a:latin typeface="Arial" panose="020B0604020202020204" pitchFamily="34" charset="0"/>
+                <a:cs typeface="Arial" panose="020B0604020202020204" pitchFamily="34" charset="0"/>
+              </a:rPr>
+              <a:t>Batch_size</a:t>
+            </a:r>
+            <a:r>
+              <a:rPr lang="hu-HU" sz="1400" dirty="0">
+                <a:solidFill>
+                  <a:schemeClr val="tx1"/>
+                </a:solidFill>
+                <a:latin typeface="Arial" panose="020B0604020202020204" pitchFamily="34" charset="0"/>
+                <a:cs typeface="Arial" panose="020B0604020202020204" pitchFamily="34" charset="0"/>
+              </a:rPr>
+              <a:t> = __</a:t>
+            </a:r>
+            <a:r>
+              <a:rPr lang="hu-HU" sz="1400" dirty="0" err="1">
+                <a:solidFill>
+                  <a:schemeClr val="tx1"/>
+                </a:solidFill>
+                <a:latin typeface="Arial" panose="020B0604020202020204" pitchFamily="34" charset="0"/>
+                <a:cs typeface="Arial" panose="020B0604020202020204" pitchFamily="34" charset="0"/>
+              </a:rPr>
+              <a:t>ez_változik_itt</a:t>
+            </a:r>
+            <a:r>
+              <a:rPr lang="hu-HU" sz="1400" dirty="0">
+                <a:solidFill>
+                  <a:schemeClr val="tx1"/>
+                </a:solidFill>
+                <a:latin typeface="Arial" panose="020B0604020202020204" pitchFamily="34" charset="0"/>
+                <a:cs typeface="Arial" panose="020B0604020202020204" pitchFamily="34" charset="0"/>
+              </a:rPr>
+              <a:t>__</a:t>
+            </a:r>
+          </a:p>
+          <a:p>
+            <a:pPr algn="l">
+              <a:lnSpc>
+                <a:spcPct val="100000"/>
+              </a:lnSpc>
+            </a:pPr>
+            <a:r>
+              <a:rPr lang="hu-HU" sz="1400" dirty="0" err="1">
+                <a:solidFill>
+                  <a:schemeClr val="tx1"/>
+                </a:solidFill>
+                <a:latin typeface="Arial" panose="020B0604020202020204" pitchFamily="34" charset="0"/>
+                <a:cs typeface="Arial" panose="020B0604020202020204" pitchFamily="34" charset="0"/>
+              </a:rPr>
+              <a:t>activation</a:t>
+            </a:r>
+            <a:r>
+              <a:rPr lang="hu-HU" sz="1400" dirty="0">
+                <a:solidFill>
+                  <a:schemeClr val="tx1"/>
+                </a:solidFill>
+                <a:latin typeface="Arial" panose="020B0604020202020204" pitchFamily="34" charset="0"/>
+                <a:cs typeface="Arial" panose="020B0604020202020204" pitchFamily="34" charset="0"/>
+              </a:rPr>
+              <a:t> = </a:t>
+            </a:r>
+            <a:r>
+              <a:rPr lang="hu-HU" sz="1400" dirty="0" err="1">
+                <a:solidFill>
+                  <a:schemeClr val="tx1"/>
+                </a:solidFill>
+                <a:latin typeface="Arial" panose="020B0604020202020204" pitchFamily="34" charset="0"/>
+                <a:cs typeface="Arial" panose="020B0604020202020204" pitchFamily="34" charset="0"/>
+              </a:rPr>
+              <a:t>tanh</a:t>
+            </a:r>
+            <a:r>
+              <a:rPr lang="hu-HU" sz="1400" dirty="0">
+                <a:solidFill>
+                  <a:schemeClr val="tx1"/>
+                </a:solidFill>
+                <a:latin typeface="Arial" panose="020B0604020202020204" pitchFamily="34" charset="0"/>
+                <a:cs typeface="Arial" panose="020B0604020202020204" pitchFamily="34" charset="0"/>
+              </a:rPr>
+              <a:t>.</a:t>
+            </a:r>
+            <a:endParaRPr lang="hu-HU" sz="4800" dirty="0">
+              <a:solidFill>
+                <a:schemeClr val="tx1"/>
+              </a:solidFill>
+              <a:latin typeface="Georgia" panose="02040502050405020303" pitchFamily="18" charset="0"/>
+              <a:cs typeface="Calibri Light" panose="020F0302020204030204" pitchFamily="34" charset="0"/>
+            </a:endParaRPr>
           </a:p>
         </p:txBody>
       </p:sp>
     </p:spTree>
     <p:extLst>
       <p:ext uri="{BB962C8B-B14F-4D97-AF65-F5344CB8AC3E}">
-        <p14:creationId xmlns:p14="http://schemas.microsoft.com/office/powerpoint/2010/main" val="1263172401"/>
+        <p14:creationId xmlns:p14="http://schemas.microsoft.com/office/powerpoint/2010/main" val="368140472"/>
       </p:ext>
     </p:extLst>
   </p:cSld>
   <p:clrMapOvr>
     <a:masterClrMapping/>
   </p:clrMapOvr>
-  <mc:AlternateContent xmlns:mc="http://schemas.openxmlformats.org/markup-compatibility/2006" xmlns:p14="http://schemas.microsoft.com/office/powerpoint/2010/main">
-    <mc:Choice Requires="p14">
+  <mc:AlternateContent xmlns:mc="http://schemas.openxmlformats.org/markup-compatibility/2006">
+    <mc:Choice xmlns:p14="http://schemas.microsoft.com/office/powerpoint/2010/main" Requires="p14">
       <p:transition spd="med" p14:dur="700">
         <p:fade/>
       </p:transition>
     </mc:Choice>
-    <mc:Fallback xmlns="">
+    <mc:Fallback>
       <p:transition spd="med">
         <p:fade/>
       </p:transition>
@@ -33251,7 +34931,7 @@
                                           </p:stCondLst>
                                         </p:cTn>
                                         <p:tgtEl>
-                                          <p:spTgt spid="10"/>
+                                          <p:spTgt spid="21"/>
                                         </p:tgtEl>
                                         <p:attrNameLst>
                                           <p:attrName>style.visibility</p:attrName>
@@ -33265,7 +34945,448 @@
                                       <p:cBhvr>
                                         <p:cTn id="7" dur="500"/>
                                         <p:tgtEl>
-                                          <p:spTgt spid="10"/>
+                                          <p:spTgt spid="21"/>
+                                        </p:tgtEl>
+                                      </p:cBhvr>
+                                    </p:animEffect>
+                                  </p:childTnLst>
+                                </p:cTn>
+                              </p:par>
+                              <p:par>
+                                <p:cTn id="8" presetID="10" presetClass="entr" presetSubtype="0" fill="hold" grpId="0" nodeType="withEffect">
+                                  <p:stCondLst>
+                                    <p:cond delay="0"/>
+                                  </p:stCondLst>
+                                  <p:childTnLst>
+                                    <p:set>
+                                      <p:cBhvr>
+                                        <p:cTn id="9" dur="1" fill="hold">
+                                          <p:stCondLst>
+                                            <p:cond delay="0"/>
+                                          </p:stCondLst>
+                                        </p:cTn>
+                                        <p:tgtEl>
+                                          <p:spTgt spid="20"/>
+                                        </p:tgtEl>
+                                        <p:attrNameLst>
+                                          <p:attrName>style.visibility</p:attrName>
+                                        </p:attrNameLst>
+                                      </p:cBhvr>
+                                      <p:to>
+                                        <p:strVal val="visible"/>
+                                      </p:to>
+                                    </p:set>
+                                    <p:animEffect transition="in" filter="fade">
+                                      <p:cBhvr>
+                                        <p:cTn id="10" dur="500"/>
+                                        <p:tgtEl>
+                                          <p:spTgt spid="20"/>
+                                        </p:tgtEl>
+                                      </p:cBhvr>
+                                    </p:animEffect>
+                                  </p:childTnLst>
+                                </p:cTn>
+                              </p:par>
+                              <p:par>
+                                <p:cTn id="11" presetID="10" presetClass="entr" presetSubtype="0" fill="hold" nodeType="withEffect">
+                                  <p:stCondLst>
+                                    <p:cond delay="0"/>
+                                  </p:stCondLst>
+                                  <p:childTnLst>
+                                    <p:set>
+                                      <p:cBhvr>
+                                        <p:cTn id="12" dur="1" fill="hold">
+                                          <p:stCondLst>
+                                            <p:cond delay="0"/>
+                                          </p:stCondLst>
+                                        </p:cTn>
+                                        <p:tgtEl>
+                                          <p:spTgt spid="3"/>
+                                        </p:tgtEl>
+                                        <p:attrNameLst>
+                                          <p:attrName>style.visibility</p:attrName>
+                                        </p:attrNameLst>
+                                      </p:cBhvr>
+                                      <p:to>
+                                        <p:strVal val="visible"/>
+                                      </p:to>
+                                    </p:set>
+                                    <p:animEffect transition="in" filter="fade">
+                                      <p:cBhvr>
+                                        <p:cTn id="13" dur="500"/>
+                                        <p:tgtEl>
+                                          <p:spTgt spid="3"/>
+                                        </p:tgtEl>
+                                      </p:cBhvr>
+                                    </p:animEffect>
+                                  </p:childTnLst>
+                                </p:cTn>
+                              </p:par>
+                            </p:childTnLst>
+                          </p:cTn>
+                        </p:par>
+                      </p:childTnLst>
+                    </p:cTn>
+                  </p:par>
+                  <p:par>
+                    <p:cTn id="14" fill="hold">
+                      <p:stCondLst>
+                        <p:cond delay="indefinite"/>
+                      </p:stCondLst>
+                      <p:childTnLst>
+                        <p:par>
+                          <p:cTn id="15" fill="hold">
+                            <p:stCondLst>
+                              <p:cond delay="0"/>
+                            </p:stCondLst>
+                            <p:childTnLst>
+                              <p:par>
+                                <p:cTn id="16" presetID="10" presetClass="entr" presetSubtype="0" fill="hold" nodeType="clickEffect">
+                                  <p:stCondLst>
+                                    <p:cond delay="0"/>
+                                  </p:stCondLst>
+                                  <p:childTnLst>
+                                    <p:set>
+                                      <p:cBhvr>
+                                        <p:cTn id="17" dur="1" fill="hold">
+                                          <p:stCondLst>
+                                            <p:cond delay="0"/>
+                                          </p:stCondLst>
+                                        </p:cTn>
+                                        <p:tgtEl>
+                                          <p:spTgt spid="5"/>
+                                        </p:tgtEl>
+                                        <p:attrNameLst>
+                                          <p:attrName>style.visibility</p:attrName>
+                                        </p:attrNameLst>
+                                      </p:cBhvr>
+                                      <p:to>
+                                        <p:strVal val="visible"/>
+                                      </p:to>
+                                    </p:set>
+                                    <p:animEffect transition="in" filter="fade">
+                                      <p:cBhvr>
+                                        <p:cTn id="18" dur="500"/>
+                                        <p:tgtEl>
+                                          <p:spTgt spid="5"/>
+                                        </p:tgtEl>
+                                      </p:cBhvr>
+                                    </p:animEffect>
+                                  </p:childTnLst>
+                                </p:cTn>
+                              </p:par>
+                            </p:childTnLst>
+                          </p:cTn>
+                        </p:par>
+                      </p:childTnLst>
+                    </p:cTn>
+                  </p:par>
+                  <p:par>
+                    <p:cTn id="19" fill="hold">
+                      <p:stCondLst>
+                        <p:cond delay="indefinite"/>
+                      </p:stCondLst>
+                      <p:childTnLst>
+                        <p:par>
+                          <p:cTn id="20" fill="hold">
+                            <p:stCondLst>
+                              <p:cond delay="0"/>
+                            </p:stCondLst>
+                            <p:childTnLst>
+                              <p:par>
+                                <p:cTn id="21" presetID="10" presetClass="entr" presetSubtype="0" fill="hold" nodeType="clickEffect">
+                                  <p:stCondLst>
+                                    <p:cond delay="0"/>
+                                  </p:stCondLst>
+                                  <p:childTnLst>
+                                    <p:set>
+                                      <p:cBhvr>
+                                        <p:cTn id="22" dur="1" fill="hold">
+                                          <p:stCondLst>
+                                            <p:cond delay="0"/>
+                                          </p:stCondLst>
+                                        </p:cTn>
+                                        <p:tgtEl>
+                                          <p:spTgt spid="7"/>
+                                        </p:tgtEl>
+                                        <p:attrNameLst>
+                                          <p:attrName>style.visibility</p:attrName>
+                                        </p:attrNameLst>
+                                      </p:cBhvr>
+                                      <p:to>
+                                        <p:strVal val="visible"/>
+                                      </p:to>
+                                    </p:set>
+                                    <p:animEffect transition="in" filter="fade">
+                                      <p:cBhvr>
+                                        <p:cTn id="23" dur="500"/>
+                                        <p:tgtEl>
+                                          <p:spTgt spid="7"/>
+                                        </p:tgtEl>
+                                      </p:cBhvr>
+                                    </p:animEffect>
+                                  </p:childTnLst>
+                                </p:cTn>
+                              </p:par>
+                            </p:childTnLst>
+                          </p:cTn>
+                        </p:par>
+                      </p:childTnLst>
+                    </p:cTn>
+                  </p:par>
+                  <p:par>
+                    <p:cTn id="24" fill="hold">
+                      <p:stCondLst>
+                        <p:cond delay="indefinite"/>
+                      </p:stCondLst>
+                      <p:childTnLst>
+                        <p:par>
+                          <p:cTn id="25" fill="hold">
+                            <p:stCondLst>
+                              <p:cond delay="0"/>
+                            </p:stCondLst>
+                            <p:childTnLst>
+                              <p:par>
+                                <p:cTn id="26" presetID="10" presetClass="entr" presetSubtype="0" fill="hold" nodeType="clickEffect">
+                                  <p:stCondLst>
+                                    <p:cond delay="0"/>
+                                  </p:stCondLst>
+                                  <p:childTnLst>
+                                    <p:set>
+                                      <p:cBhvr>
+                                        <p:cTn id="27" dur="1" fill="hold">
+                                          <p:stCondLst>
+                                            <p:cond delay="0"/>
+                                          </p:stCondLst>
+                                        </p:cTn>
+                                        <p:tgtEl>
+                                          <p:spTgt spid="11"/>
+                                        </p:tgtEl>
+                                        <p:attrNameLst>
+                                          <p:attrName>style.visibility</p:attrName>
+                                        </p:attrNameLst>
+                                      </p:cBhvr>
+                                      <p:to>
+                                        <p:strVal val="visible"/>
+                                      </p:to>
+                                    </p:set>
+                                    <p:animEffect transition="in" filter="fade">
+                                      <p:cBhvr>
+                                        <p:cTn id="28" dur="500"/>
+                                        <p:tgtEl>
+                                          <p:spTgt spid="11"/>
+                                        </p:tgtEl>
+                                      </p:cBhvr>
+                                    </p:animEffect>
+                                  </p:childTnLst>
+                                </p:cTn>
+                              </p:par>
+                            </p:childTnLst>
+                          </p:cTn>
+                        </p:par>
+                      </p:childTnLst>
+                    </p:cTn>
+                  </p:par>
+                  <p:par>
+                    <p:cTn id="29" fill="hold">
+                      <p:stCondLst>
+                        <p:cond delay="indefinite"/>
+                      </p:stCondLst>
+                      <p:childTnLst>
+                        <p:par>
+                          <p:cTn id="30" fill="hold">
+                            <p:stCondLst>
+                              <p:cond delay="0"/>
+                            </p:stCondLst>
+                            <p:childTnLst>
+                              <p:par>
+                                <p:cTn id="31" presetID="10" presetClass="entr" presetSubtype="0" fill="hold" nodeType="clickEffect">
+                                  <p:stCondLst>
+                                    <p:cond delay="0"/>
+                                  </p:stCondLst>
+                                  <p:childTnLst>
+                                    <p:set>
+                                      <p:cBhvr>
+                                        <p:cTn id="32" dur="1" fill="hold">
+                                          <p:stCondLst>
+                                            <p:cond delay="0"/>
+                                          </p:stCondLst>
+                                        </p:cTn>
+                                        <p:tgtEl>
+                                          <p:spTgt spid="13"/>
+                                        </p:tgtEl>
+                                        <p:attrNameLst>
+                                          <p:attrName>style.visibility</p:attrName>
+                                        </p:attrNameLst>
+                                      </p:cBhvr>
+                                      <p:to>
+                                        <p:strVal val="visible"/>
+                                      </p:to>
+                                    </p:set>
+                                    <p:animEffect transition="in" filter="fade">
+                                      <p:cBhvr>
+                                        <p:cTn id="33" dur="500"/>
+                                        <p:tgtEl>
+                                          <p:spTgt spid="13"/>
+                                        </p:tgtEl>
+                                      </p:cBhvr>
+                                    </p:animEffect>
+                                  </p:childTnLst>
+                                </p:cTn>
+                              </p:par>
+                            </p:childTnLst>
+                          </p:cTn>
+                        </p:par>
+                      </p:childTnLst>
+                    </p:cTn>
+                  </p:par>
+                  <p:par>
+                    <p:cTn id="34" fill="hold">
+                      <p:stCondLst>
+                        <p:cond delay="indefinite"/>
+                      </p:stCondLst>
+                      <p:childTnLst>
+                        <p:par>
+                          <p:cTn id="35" fill="hold">
+                            <p:stCondLst>
+                              <p:cond delay="0"/>
+                            </p:stCondLst>
+                            <p:childTnLst>
+                              <p:par>
+                                <p:cTn id="36" presetID="10" presetClass="entr" presetSubtype="0" fill="hold" nodeType="clickEffect">
+                                  <p:stCondLst>
+                                    <p:cond delay="0"/>
+                                  </p:stCondLst>
+                                  <p:childTnLst>
+                                    <p:set>
+                                      <p:cBhvr>
+                                        <p:cTn id="37" dur="1" fill="hold">
+                                          <p:stCondLst>
+                                            <p:cond delay="0"/>
+                                          </p:stCondLst>
+                                        </p:cTn>
+                                        <p:tgtEl>
+                                          <p:spTgt spid="15"/>
+                                        </p:tgtEl>
+                                        <p:attrNameLst>
+                                          <p:attrName>style.visibility</p:attrName>
+                                        </p:attrNameLst>
+                                      </p:cBhvr>
+                                      <p:to>
+                                        <p:strVal val="visible"/>
+                                      </p:to>
+                                    </p:set>
+                                    <p:animEffect transition="in" filter="fade">
+                                      <p:cBhvr>
+                                        <p:cTn id="38" dur="500"/>
+                                        <p:tgtEl>
+                                          <p:spTgt spid="15"/>
+                                        </p:tgtEl>
+                                      </p:cBhvr>
+                                    </p:animEffect>
+                                  </p:childTnLst>
+                                </p:cTn>
+                              </p:par>
+                            </p:childTnLst>
+                          </p:cTn>
+                        </p:par>
+                      </p:childTnLst>
+                    </p:cTn>
+                  </p:par>
+                  <p:par>
+                    <p:cTn id="39" fill="hold">
+                      <p:stCondLst>
+                        <p:cond delay="indefinite"/>
+                      </p:stCondLst>
+                      <p:childTnLst>
+                        <p:par>
+                          <p:cTn id="40" fill="hold">
+                            <p:stCondLst>
+                              <p:cond delay="0"/>
+                            </p:stCondLst>
+                            <p:childTnLst>
+                              <p:par>
+                                <p:cTn id="41" presetID="10" presetClass="entr" presetSubtype="0" fill="hold" nodeType="clickEffect">
+                                  <p:stCondLst>
+                                    <p:cond delay="0"/>
+                                  </p:stCondLst>
+                                  <p:childTnLst>
+                                    <p:set>
+                                      <p:cBhvr>
+                                        <p:cTn id="42" dur="1" fill="hold">
+                                          <p:stCondLst>
+                                            <p:cond delay="0"/>
+                                          </p:stCondLst>
+                                        </p:cTn>
+                                        <p:tgtEl>
+                                          <p:spTgt spid="17"/>
+                                        </p:tgtEl>
+                                        <p:attrNameLst>
+                                          <p:attrName>style.visibility</p:attrName>
+                                        </p:attrNameLst>
+                                      </p:cBhvr>
+                                      <p:to>
+                                        <p:strVal val="visible"/>
+                                      </p:to>
+                                    </p:set>
+                                    <p:animEffect transition="in" filter="fade">
+                                      <p:cBhvr>
+                                        <p:cTn id="43" dur="500"/>
+                                        <p:tgtEl>
+                                          <p:spTgt spid="17"/>
+                                        </p:tgtEl>
+                                      </p:cBhvr>
+                                    </p:animEffect>
+                                  </p:childTnLst>
+                                </p:cTn>
+                              </p:par>
+                            </p:childTnLst>
+                          </p:cTn>
+                        </p:par>
+                      </p:childTnLst>
+                    </p:cTn>
+                  </p:par>
+                  <p:par>
+                    <p:cTn id="44" fill="hold">
+                      <p:stCondLst>
+                        <p:cond delay="indefinite"/>
+                      </p:stCondLst>
+                      <p:childTnLst>
+                        <p:par>
+                          <p:cTn id="45" fill="hold">
+                            <p:stCondLst>
+                              <p:cond delay="0"/>
+                            </p:stCondLst>
+                            <p:childTnLst>
+                              <p:par>
+                                <p:cTn id="46" presetID="10" presetClass="entr" presetSubtype="0" fill="hold" nodeType="clickEffect">
+                                  <p:stCondLst>
+                                    <p:cond delay="0"/>
+                                  </p:stCondLst>
+                                  <p:childTnLst>
+                                    <p:set>
+                                      <p:cBhvr>
+                                        <p:cTn id="47" dur="1" fill="hold">
+                                          <p:stCondLst>
+                                            <p:cond delay="0"/>
+                                          </p:stCondLst>
+                                        </p:cTn>
+                                        <p:tgtEl>
+                                          <p:spTgt spid="19"/>
+                                        </p:tgtEl>
+                                        <p:attrNameLst>
+                                          <p:attrName>style.visibility</p:attrName>
+                                        </p:attrNameLst>
+                                      </p:cBhvr>
+                                      <p:to>
+                                        <p:strVal val="visible"/>
+                                      </p:to>
+                                    </p:set>
+                                    <p:animEffect transition="in" filter="fade">
+                                      <p:cBhvr>
+                                        <p:cTn id="48" dur="500"/>
+                                        <p:tgtEl>
+                                          <p:spTgt spid="19"/>
                                         </p:tgtEl>
                                       </p:cBhvr>
                                     </p:animEffect>
@@ -33300,7 +35421,8 @@
       </p:par>
     </p:tnLst>
     <p:bldLst>
-      <p:bldP spid="10" grpId="0"/>
+      <p:bldP spid="20" grpId="0"/>
+      <p:bldP spid="21" grpId="0" animBg="1"/>
     </p:bldLst>
   </p:timing>
 </p:sld>
@@ -33544,7 +35666,27 @@
                 <a:latin typeface="Georgia" panose="02040502050405020303" pitchFamily="18" charset="0"/>
                 <a:cs typeface="Arial" panose="020B0604020202020204" pitchFamily="34" charset="0"/>
               </a:rPr>
-              <a:t>Multi Time NN teszt</a:t>
+              <a:t>Multi LR </a:t>
+            </a:r>
+            <a:r>
+              <a:rPr lang="hu-HU" sz="4800" dirty="0" err="1">
+                <a:solidFill>
+                  <a:schemeClr val="tx1"/>
+                </a:solidFill>
+                <a:latin typeface="Georgia" panose="02040502050405020303" pitchFamily="18" charset="0"/>
+                <a:cs typeface="Arial" panose="020B0604020202020204" pitchFamily="34" charset="0"/>
+              </a:rPr>
+              <a:t>prediction</a:t>
+            </a:r>
+            <a:r>
+              <a:rPr lang="hu-HU" sz="4800" dirty="0">
+                <a:solidFill>
+                  <a:schemeClr val="tx1"/>
+                </a:solidFill>
+                <a:latin typeface="Georgia" panose="02040502050405020303" pitchFamily="18" charset="0"/>
+                <a:cs typeface="Arial" panose="020B0604020202020204" pitchFamily="34" charset="0"/>
+              </a:rPr>
+              <a:t> teszt</a:t>
             </a:r>
             <a:endParaRPr lang="hu-HU" sz="4800" dirty="0">
               <a:solidFill>
@@ -33777,7 +35919,47 @@
                 <a:latin typeface="Georgia" panose="02040502050405020303" pitchFamily="18" charset="0"/>
                 <a:cs typeface="Calibri Light" panose="020F0302020204030204" pitchFamily="34" charset="0"/>
               </a:rPr>
-              <a:t>1.  A neurális háló több múltbeli adatot is figyelembe vegyen a becslésnél.</a:t>
+              <a:t>1.  A metrika </a:t>
+            </a:r>
+            <a:r>
+              <a:rPr lang="hu-HU" sz="2000" dirty="0" err="1">
+                <a:solidFill>
+                  <a:schemeClr val="tx1"/>
+                </a:solidFill>
+                <a:latin typeface="Georgia" panose="02040502050405020303" pitchFamily="18" charset="0"/>
+                <a:cs typeface="Calibri Light" panose="020F0302020204030204" pitchFamily="34" charset="0"/>
+              </a:rPr>
+              <a:t>before</a:t>
+            </a:r>
+            <a:r>
+              <a:rPr lang="hu-HU" sz="2000" dirty="0">
+                <a:solidFill>
+                  <a:schemeClr val="tx1"/>
+                </a:solidFill>
+                <a:latin typeface="Georgia" panose="02040502050405020303" pitchFamily="18" charset="0"/>
+                <a:cs typeface="Calibri Light" panose="020F0302020204030204" pitchFamily="34" charset="0"/>
+              </a:rPr>
+              <a:t> – </a:t>
+            </a:r>
+            <a:r>
+              <a:rPr lang="hu-HU" sz="2000" dirty="0" err="1">
+                <a:solidFill>
+                  <a:schemeClr val="tx1"/>
+                </a:solidFill>
+                <a:latin typeface="Georgia" panose="02040502050405020303" pitchFamily="18" charset="0"/>
+                <a:cs typeface="Calibri Light" panose="020F0302020204030204" pitchFamily="34" charset="0"/>
+              </a:rPr>
+              <a:t>after</a:t>
+            </a:r>
+            <a:r>
+              <a:rPr lang="hu-HU" sz="2000" dirty="0">
+                <a:solidFill>
+                  <a:schemeClr val="tx1"/>
+                </a:solidFill>
+                <a:latin typeface="Georgia" panose="02040502050405020303" pitchFamily="18" charset="0"/>
+                <a:cs typeface="Calibri Light" panose="020F0302020204030204" pitchFamily="34" charset="0"/>
+              </a:rPr>
+              <a:t> becslésénél figyelembe venni a másik metrika értékét is</a:t>
             </a:r>
           </a:p>
           <a:p>
@@ -33796,7 +35978,106 @@
                 <a:latin typeface="Arial" panose="020B0604020202020204" pitchFamily="34" charset="0"/>
                 <a:cs typeface="Arial" panose="020B0604020202020204" pitchFamily="34" charset="0"/>
               </a:rPr>
-              <a:t>Ehhez át kell írnom a programot</a:t>
+              <a:t>Átírni a LR képletet úgy, hogy amikor az metrika </a:t>
+            </a:r>
+            <a:r>
+              <a:rPr lang="hu-HU" dirty="0" err="1">
+                <a:solidFill>
+                  <a:schemeClr val="tx1"/>
+                </a:solidFill>
+                <a:latin typeface="Arial" panose="020B0604020202020204" pitchFamily="34" charset="0"/>
+                <a:cs typeface="Arial" panose="020B0604020202020204" pitchFamily="34" charset="0"/>
+              </a:rPr>
+              <a:t>after</a:t>
+            </a:r>
+            <a:r>
+              <a:rPr lang="hu-HU" dirty="0">
+                <a:solidFill>
+                  <a:schemeClr val="tx1"/>
+                </a:solidFill>
+                <a:latin typeface="Arial" panose="020B0604020202020204" pitchFamily="34" charset="0"/>
+                <a:cs typeface="Arial" panose="020B0604020202020204" pitchFamily="34" charset="0"/>
+              </a:rPr>
+              <a:t> értékét becsülöm a </a:t>
+            </a:r>
+            <a:r>
+              <a:rPr lang="hu-HU" dirty="0" err="1">
+                <a:solidFill>
+                  <a:schemeClr val="tx1"/>
+                </a:solidFill>
+                <a:latin typeface="Arial" panose="020B0604020202020204" pitchFamily="34" charset="0"/>
+                <a:cs typeface="Arial" panose="020B0604020202020204" pitchFamily="34" charset="0"/>
+              </a:rPr>
+              <a:t>before</a:t>
+            </a:r>
+            <a:r>
+              <a:rPr lang="hu-HU" dirty="0">
+                <a:solidFill>
+                  <a:schemeClr val="tx1"/>
+                </a:solidFill>
+                <a:latin typeface="Arial" panose="020B0604020202020204" pitchFamily="34" charset="0"/>
+                <a:cs typeface="Arial" panose="020B0604020202020204" pitchFamily="34" charset="0"/>
+              </a:rPr>
+              <a:t> alapján akkor ne csak a saját </a:t>
+            </a:r>
+            <a:r>
+              <a:rPr lang="hu-HU" dirty="0" err="1">
+                <a:solidFill>
+                  <a:schemeClr val="tx1"/>
+                </a:solidFill>
+                <a:latin typeface="Arial" panose="020B0604020202020204" pitchFamily="34" charset="0"/>
+                <a:cs typeface="Arial" panose="020B0604020202020204" pitchFamily="34" charset="0"/>
+              </a:rPr>
+              <a:t>befor</a:t>
+            </a:r>
+            <a:r>
+              <a:rPr lang="hu-HU" dirty="0">
+                <a:solidFill>
+                  <a:schemeClr val="tx1"/>
+                </a:solidFill>
+                <a:latin typeface="Arial" panose="020B0604020202020204" pitchFamily="34" charset="0"/>
+                <a:cs typeface="Arial" panose="020B0604020202020204" pitchFamily="34" charset="0"/>
+              </a:rPr>
+              <a:t> értékét hanem a másik metrika </a:t>
+            </a:r>
+            <a:r>
+              <a:rPr lang="hu-HU" dirty="0" err="1">
+                <a:solidFill>
+                  <a:schemeClr val="tx1"/>
+                </a:solidFill>
+                <a:latin typeface="Arial" panose="020B0604020202020204" pitchFamily="34" charset="0"/>
+                <a:cs typeface="Arial" panose="020B0604020202020204" pitchFamily="34" charset="0"/>
+              </a:rPr>
+              <a:t>before</a:t>
+            </a:r>
+            <a:r>
+              <a:rPr lang="hu-HU" dirty="0">
+                <a:solidFill>
+                  <a:schemeClr val="tx1"/>
+                </a:solidFill>
+                <a:latin typeface="Arial" panose="020B0604020202020204" pitchFamily="34" charset="0"/>
+                <a:cs typeface="Arial" panose="020B0604020202020204" pitchFamily="34" charset="0"/>
+              </a:rPr>
+              <a:t> értékét is figyelembe vegye.</a:t>
+            </a:r>
+            <a:br>
+              <a:rPr lang="hu-HU" dirty="0">
+                <a:solidFill>
+                  <a:schemeClr val="tx1"/>
+                </a:solidFill>
+                <a:latin typeface="Arial" panose="020B0604020202020204" pitchFamily="34" charset="0"/>
+                <a:cs typeface="Arial" panose="020B0604020202020204" pitchFamily="34" charset="0"/>
+              </a:rPr>
+            </a:br>
+            <a:r>
+              <a:rPr lang="hu-HU" dirty="0">
+                <a:solidFill>
+                  <a:schemeClr val="tx1"/>
+                </a:solidFill>
+                <a:latin typeface="Arial" panose="020B0604020202020204" pitchFamily="34" charset="0"/>
+                <a:cs typeface="Arial" panose="020B0604020202020204" pitchFamily="34" charset="0"/>
+              </a:rPr>
+              <a:t>Megvizsgálni, hogy ez milyen hatással van a tanulásra.</a:t>
             </a:r>
           </a:p>
         </p:txBody>
@@ -33804,7 +36085,7 @@
     </p:spTree>
     <p:extLst>
       <p:ext uri="{BB962C8B-B14F-4D97-AF65-F5344CB8AC3E}">
-        <p14:creationId xmlns:p14="http://schemas.microsoft.com/office/powerpoint/2010/main" val="2830554534"/>
+        <p14:creationId xmlns:p14="http://schemas.microsoft.com/office/powerpoint/2010/main" val="1263172401"/>
       </p:ext>
     </p:extLst>
   </p:cSld>
@@ -34143,24 +36424,14 @@
               </a:lnSpc>
             </a:pPr>
             <a:r>
-              <a:rPr lang="hu-HU" sz="4800" dirty="0" err="1">
+              <a:rPr lang="hu-HU" sz="4800" dirty="0">
                 <a:solidFill>
                   <a:schemeClr val="tx1"/>
                 </a:solidFill>
                 <a:latin typeface="Georgia" panose="02040502050405020303" pitchFamily="18" charset="0"/>
                 <a:cs typeface="Arial" panose="020B0604020202020204" pitchFamily="34" charset="0"/>
               </a:rPr>
-              <a:t>Keras</a:t>
-            </a:r>
-            <a:r>
-              <a:rPr lang="hu-HU" sz="4800" dirty="0">
-                <a:solidFill>
-                  <a:schemeClr val="tx1"/>
-                </a:solidFill>
-                <a:latin typeface="Georgia" panose="02040502050405020303" pitchFamily="18" charset="0"/>
-                <a:cs typeface="Arial" panose="020B0604020202020204" pitchFamily="34" charset="0"/>
-              </a:rPr>
-              <a:t> teszt előtt</a:t>
+              <a:t>Multi Time NN teszt</a:t>
             </a:r>
             <a:endParaRPr lang="hu-HU" sz="4800" dirty="0">
               <a:solidFill>
@@ -34393,7 +36664,7 @@
                 <a:latin typeface="Georgia" panose="02040502050405020303" pitchFamily="18" charset="0"/>
                 <a:cs typeface="Calibri Light" panose="020F0302020204030204" pitchFamily="34" charset="0"/>
               </a:rPr>
-              <a:t>1.  Megvizsgálni, hogy mennyire érzékeny a Neurális Háló a véletlenszám generátorára</a:t>
+              <a:t>1.  A neurális háló több múltbeli adatot is figyelembe vegyen a becslésnél.</a:t>
             </a:r>
           </a:p>
           <a:p>
@@ -34412,27 +36683,7 @@
                 <a:latin typeface="Arial" panose="020B0604020202020204" pitchFamily="34" charset="0"/>
                 <a:cs typeface="Arial" panose="020B0604020202020204" pitchFamily="34" charset="0"/>
               </a:rPr>
-              <a:t>Különböző futásokat végezni változó véletlenszám kiinduló pontokkal és megvizsgálni, hogy ennek hatására mennyire esik szét, változik meg egy </a:t>
-            </a:r>
-            <a:r>
-              <a:rPr lang="hu-HU" dirty="0" err="1">
-                <a:solidFill>
-                  <a:schemeClr val="tx1"/>
-                </a:solidFill>
-                <a:latin typeface="Arial" panose="020B0604020202020204" pitchFamily="34" charset="0"/>
-                <a:cs typeface="Arial" panose="020B0604020202020204" pitchFamily="34" charset="0"/>
-              </a:rPr>
-              <a:t>egy</a:t>
-            </a:r>
-            <a:r>
-              <a:rPr lang="hu-HU" dirty="0">
-                <a:solidFill>
-                  <a:schemeClr val="tx1"/>
-                </a:solidFill>
-                <a:latin typeface="Arial" panose="020B0604020202020204" pitchFamily="34" charset="0"/>
-                <a:cs typeface="Arial" panose="020B0604020202020204" pitchFamily="34" charset="0"/>
-              </a:rPr>
-              <a:t> tanulás lefutása.</a:t>
+              <a:t>Ehhez át kell írnom a programot</a:t>
             </a:r>
           </a:p>
         </p:txBody>
@@ -34440,7 +36691,7 @@
     </p:spTree>
     <p:extLst>
       <p:ext uri="{BB962C8B-B14F-4D97-AF65-F5344CB8AC3E}">
-        <p14:creationId xmlns:p14="http://schemas.microsoft.com/office/powerpoint/2010/main" val="2667830291"/>
+        <p14:creationId xmlns:p14="http://schemas.microsoft.com/office/powerpoint/2010/main" val="2830554534"/>
       </p:ext>
     </p:extLst>
   </p:cSld>
@@ -34796,7 +37047,7 @@
                 <a:latin typeface="Georgia" panose="02040502050405020303" pitchFamily="18" charset="0"/>
                 <a:cs typeface="Arial" panose="020B0604020202020204" pitchFamily="34" charset="0"/>
               </a:rPr>
-              <a:t> teszt</a:t>
+              <a:t> teszt előtt</a:t>
             </a:r>
             <a:endParaRPr lang="hu-HU" sz="4800" dirty="0">
               <a:solidFill>
@@ -35029,85 +37280,8 @@
                 <a:latin typeface="Georgia" panose="02040502050405020303" pitchFamily="18" charset="0"/>
                 <a:cs typeface="Calibri Light" panose="020F0302020204030204" pitchFamily="34" charset="0"/>
               </a:rPr>
-              <a:t>1.  </a:t>
-            </a:r>
-            <a:r>
-              <a:rPr lang="hu-HU" sz="2000" dirty="0" err="1">
-                <a:solidFill>
-                  <a:schemeClr val="tx1"/>
-                </a:solidFill>
-                <a:latin typeface="Georgia" panose="02040502050405020303" pitchFamily="18" charset="0"/>
-                <a:cs typeface="Calibri Light" panose="020F0302020204030204" pitchFamily="34" charset="0"/>
-              </a:rPr>
-              <a:t>Átirni</a:t>
-            </a:r>
-            <a:r>
-              <a:rPr lang="hu-HU" sz="2000" dirty="0">
-                <a:solidFill>
-                  <a:schemeClr val="tx1"/>
-                </a:solidFill>
-                <a:latin typeface="Georgia" panose="02040502050405020303" pitchFamily="18" charset="0"/>
-                <a:cs typeface="Calibri Light" panose="020F0302020204030204" pitchFamily="34" charset="0"/>
-              </a:rPr>
-              <a:t> a </a:t>
-            </a:r>
-            <a:r>
-              <a:rPr lang="hu-HU" sz="2000" dirty="0" err="1">
-                <a:solidFill>
-                  <a:schemeClr val="tx1"/>
-                </a:solidFill>
-                <a:latin typeface="Georgia" panose="02040502050405020303" pitchFamily="18" charset="0"/>
-                <a:cs typeface="Calibri Light" panose="020F0302020204030204" pitchFamily="34" charset="0"/>
-              </a:rPr>
-              <a:t>Nurális</a:t>
-            </a:r>
-            <a:r>
-              <a:rPr lang="hu-HU" sz="2000" dirty="0">
-                <a:solidFill>
-                  <a:schemeClr val="tx1"/>
-                </a:solidFill>
-                <a:latin typeface="Georgia" panose="02040502050405020303" pitchFamily="18" charset="0"/>
-                <a:cs typeface="Calibri Light" panose="020F0302020204030204" pitchFamily="34" charset="0"/>
-              </a:rPr>
-              <a:t> hálós részt </a:t>
-            </a:r>
-            <a:r>
-              <a:rPr lang="hu-HU" sz="2000" dirty="0" err="1">
-                <a:solidFill>
-                  <a:schemeClr val="tx1"/>
-                </a:solidFill>
-                <a:latin typeface="Georgia" panose="02040502050405020303" pitchFamily="18" charset="0"/>
-                <a:cs typeface="Calibri Light" panose="020F0302020204030204" pitchFamily="34" charset="0"/>
-              </a:rPr>
-              <a:t>Scikit-learnből</a:t>
-            </a:r>
-            <a:r>
-              <a:rPr lang="hu-HU" sz="2000" dirty="0">
-                <a:solidFill>
-                  <a:schemeClr val="tx1"/>
-                </a:solidFill>
-                <a:latin typeface="Georgia" panose="02040502050405020303" pitchFamily="18" charset="0"/>
-                <a:cs typeface="Calibri Light" panose="020F0302020204030204" pitchFamily="34" charset="0"/>
-              </a:rPr>
-              <a:t> </a:t>
-            </a:r>
-            <a:r>
-              <a:rPr lang="hu-HU" sz="2000" dirty="0" err="1">
-                <a:solidFill>
-                  <a:schemeClr val="tx1"/>
-                </a:solidFill>
-                <a:latin typeface="Georgia" panose="02040502050405020303" pitchFamily="18" charset="0"/>
-                <a:cs typeface="Calibri Light" panose="020F0302020204030204" pitchFamily="34" charset="0"/>
-              </a:rPr>
-              <a:t>Kerasba</a:t>
-            </a:r>
-            <a:endParaRPr lang="hu-HU" sz="2000" dirty="0">
-              <a:solidFill>
-                <a:schemeClr val="tx1"/>
-              </a:solidFill>
-              <a:latin typeface="Georgia" panose="02040502050405020303" pitchFamily="18" charset="0"/>
-              <a:cs typeface="Calibri Light" panose="020F0302020204030204" pitchFamily="34" charset="0"/>
-            </a:endParaRPr>
+              <a:t>1.  Megvizsgálni, hogy mennyire érzékeny a Neurális Háló a véletlenszám generátorára</a:t>
+            </a:r>
           </a:p>
           <a:p>
             <a:pPr marL="285750" indent="-285750" algn="l">
@@ -35125,7 +37299,27 @@
                 <a:latin typeface="Arial" panose="020B0604020202020204" pitchFamily="34" charset="0"/>
                 <a:cs typeface="Arial" panose="020B0604020202020204" pitchFamily="34" charset="0"/>
               </a:rPr>
-              <a:t>Letesztelni, hogy szétesik-e a program.</a:t>
+              <a:t>Különböző futásokat végezni változó véletlenszám kiinduló pontokkal és megvizsgálni, hogy ennek hatására mennyire esik szét, változik meg egy </a:t>
+            </a:r>
+            <a:r>
+              <a:rPr lang="hu-HU" dirty="0" err="1">
+                <a:solidFill>
+                  <a:schemeClr val="tx1"/>
+                </a:solidFill>
+                <a:latin typeface="Arial" panose="020B0604020202020204" pitchFamily="34" charset="0"/>
+                <a:cs typeface="Arial" panose="020B0604020202020204" pitchFamily="34" charset="0"/>
+              </a:rPr>
+              <a:t>egy</a:t>
+            </a:r>
+            <a:r>
+              <a:rPr lang="hu-HU" dirty="0">
+                <a:solidFill>
+                  <a:schemeClr val="tx1"/>
+                </a:solidFill>
+                <a:latin typeface="Arial" panose="020B0604020202020204" pitchFamily="34" charset="0"/>
+                <a:cs typeface="Arial" panose="020B0604020202020204" pitchFamily="34" charset="0"/>
+              </a:rPr>
+              <a:t> tanulás lefutása.</a:t>
             </a:r>
           </a:p>
         </p:txBody>
@@ -35133,7 +37327,7 @@
     </p:spTree>
     <p:extLst>
       <p:ext uri="{BB962C8B-B14F-4D97-AF65-F5344CB8AC3E}">
-        <p14:creationId xmlns:p14="http://schemas.microsoft.com/office/powerpoint/2010/main" val="1937491850"/>
+        <p14:creationId xmlns:p14="http://schemas.microsoft.com/office/powerpoint/2010/main" val="2667830291"/>
       </p:ext>
     </p:extLst>
   </p:cSld>
@@ -35472,24 +37666,14 @@
               </a:lnSpc>
             </a:pPr>
             <a:r>
-              <a:rPr lang="hu-HU" sz="4800" dirty="0">
+              <a:rPr lang="hu-HU" sz="4800" dirty="0" err="1">
                 <a:solidFill>
                   <a:schemeClr val="tx1"/>
                 </a:solidFill>
                 <a:latin typeface="Georgia" panose="02040502050405020303" pitchFamily="18" charset="0"/>
                 <a:cs typeface="Arial" panose="020B0604020202020204" pitchFamily="34" charset="0"/>
               </a:rPr>
-              <a:t>MLP -&gt; 1D </a:t>
-            </a:r>
-            <a:r>
-              <a:rPr lang="hu-HU" sz="4800" dirty="0" err="1">
-                <a:solidFill>
-                  <a:schemeClr val="tx1"/>
-                </a:solidFill>
-                <a:latin typeface="Georgia" panose="02040502050405020303" pitchFamily="18" charset="0"/>
-                <a:cs typeface="Arial" panose="020B0604020202020204" pitchFamily="34" charset="0"/>
-              </a:rPr>
-              <a:t>Convolution</a:t>
+              <a:t>Keras</a:t>
             </a:r>
             <a:r>
               <a:rPr lang="hu-HU" sz="4800" dirty="0">
@@ -35742,7 +37926,7 @@
                 <a:latin typeface="Georgia" panose="02040502050405020303" pitchFamily="18" charset="0"/>
                 <a:cs typeface="Calibri Light" panose="020F0302020204030204" pitchFamily="34" charset="0"/>
               </a:rPr>
-              <a:t>Kerasban</a:t>
+              <a:t>Átirni</a:t>
             </a:r>
             <a:r>
               <a:rPr lang="hu-HU" sz="2000" dirty="0">
@@ -35752,7 +37936,7 @@
                 <a:latin typeface="Georgia" panose="02040502050405020303" pitchFamily="18" charset="0"/>
                 <a:cs typeface="Calibri Light" panose="020F0302020204030204" pitchFamily="34" charset="0"/>
               </a:rPr>
-              <a:t> megcsinálni, hogy 1-d </a:t>
+              <a:t> a </a:t>
             </a:r>
             <a:r>
               <a:rPr lang="hu-HU" sz="2000" dirty="0" err="1">
@@ -35762,7 +37946,7 @@
                 <a:latin typeface="Georgia" panose="02040502050405020303" pitchFamily="18" charset="0"/>
                 <a:cs typeface="Calibri Light" panose="020F0302020204030204" pitchFamily="34" charset="0"/>
               </a:rPr>
-              <a:t>convolúciós</a:t>
+              <a:t>Nurális</a:t>
             </a:r>
             <a:r>
               <a:rPr lang="hu-HU" sz="2000" dirty="0">
@@ -35772,8 +37956,45 @@
                 <a:latin typeface="Georgia" panose="02040502050405020303" pitchFamily="18" charset="0"/>
                 <a:cs typeface="Calibri Light" panose="020F0302020204030204" pitchFamily="34" charset="0"/>
               </a:rPr>
-              <a:t> neurális háló legyen ott ahol most MLP van</a:t>
-            </a:r>
+              <a:t> hálós részt </a:t>
+            </a:r>
+            <a:r>
+              <a:rPr lang="hu-HU" sz="2000" dirty="0" err="1">
+                <a:solidFill>
+                  <a:schemeClr val="tx1"/>
+                </a:solidFill>
+                <a:latin typeface="Georgia" panose="02040502050405020303" pitchFamily="18" charset="0"/>
+                <a:cs typeface="Calibri Light" panose="020F0302020204030204" pitchFamily="34" charset="0"/>
+              </a:rPr>
+              <a:t>Scikit-learnből</a:t>
+            </a:r>
+            <a:r>
+              <a:rPr lang="hu-HU" sz="2000" dirty="0">
+                <a:solidFill>
+                  <a:schemeClr val="tx1"/>
+                </a:solidFill>
+                <a:latin typeface="Georgia" panose="02040502050405020303" pitchFamily="18" charset="0"/>
+                <a:cs typeface="Calibri Light" panose="020F0302020204030204" pitchFamily="34" charset="0"/>
+              </a:rPr>
+              <a:t> </a:t>
+            </a:r>
+            <a:r>
+              <a:rPr lang="hu-HU" sz="2000" dirty="0" err="1">
+                <a:solidFill>
+                  <a:schemeClr val="tx1"/>
+                </a:solidFill>
+                <a:latin typeface="Georgia" panose="02040502050405020303" pitchFamily="18" charset="0"/>
+                <a:cs typeface="Calibri Light" panose="020F0302020204030204" pitchFamily="34" charset="0"/>
+              </a:rPr>
+              <a:t>Kerasba</a:t>
+            </a:r>
+            <a:endParaRPr lang="hu-HU" sz="2000" dirty="0">
+              <a:solidFill>
+                <a:schemeClr val="tx1"/>
+              </a:solidFill>
+              <a:latin typeface="Georgia" panose="02040502050405020303" pitchFamily="18" charset="0"/>
+              <a:cs typeface="Calibri Light" panose="020F0302020204030204" pitchFamily="34" charset="0"/>
+            </a:endParaRPr>
           </a:p>
           <a:p>
             <a:pPr marL="285750" indent="-285750" algn="l">
@@ -35791,7 +38012,7 @@
                 <a:latin typeface="Arial" panose="020B0604020202020204" pitchFamily="34" charset="0"/>
                 <a:cs typeface="Arial" panose="020B0604020202020204" pitchFamily="34" charset="0"/>
               </a:rPr>
-              <a:t>Megmérni a különbséget, megvizsgálni a hatást.</a:t>
+              <a:t>Letesztelni, hogy szétesik-e a program.</a:t>
             </a:r>
           </a:p>
         </p:txBody>
@@ -35799,7 +38020,7 @@
     </p:spTree>
     <p:extLst>
       <p:ext uri="{BB962C8B-B14F-4D97-AF65-F5344CB8AC3E}">
-        <p14:creationId xmlns:p14="http://schemas.microsoft.com/office/powerpoint/2010/main" val="262674525"/>
+        <p14:creationId xmlns:p14="http://schemas.microsoft.com/office/powerpoint/2010/main" val="1937491850"/>
       </p:ext>
     </p:extLst>
   </p:cSld>
